--- a/doc/ISP_prezentace.pptx
+++ b/doc/ISP_prezentace.pptx
@@ -865,11 +865,758 @@
 </dgm:colorsDef>
 </file>
 
+<file path=ppt/diagrams/colors2.xml><?xml version="1.0" encoding="utf-8"?>
+<dgm:colorsDef xmlns:dgm="http://schemas.openxmlformats.org/drawingml/2006/diagram" xmlns:a="http://schemas.openxmlformats.org/drawingml/2006/main" uniqueId="urn:microsoft.com/office/officeart/2005/8/colors/accent1_2">
+  <dgm:title val=""/>
+  <dgm:desc val=""/>
+  <dgm:catLst>
+    <dgm:cat type="accent1" pri="11200"/>
+  </dgm:catLst>
+  <dgm:styleLbl name="node0">
+    <dgm:fillClrLst meth="repeat">
+      <a:schemeClr val="accent1"/>
+    </dgm:fillClrLst>
+    <dgm:linClrLst meth="repeat">
+      <a:schemeClr val="lt1"/>
+    </dgm:linClrLst>
+    <dgm:effectClrLst/>
+    <dgm:txLinClrLst/>
+    <dgm:txFillClrLst/>
+    <dgm:txEffectClrLst/>
+  </dgm:styleLbl>
+  <dgm:styleLbl name="alignNode1">
+    <dgm:fillClrLst meth="repeat">
+      <a:schemeClr val="accent1"/>
+    </dgm:fillClrLst>
+    <dgm:linClrLst meth="repeat">
+      <a:schemeClr val="accent1"/>
+    </dgm:linClrLst>
+    <dgm:effectClrLst/>
+    <dgm:txLinClrLst/>
+    <dgm:txFillClrLst/>
+    <dgm:txEffectClrLst/>
+  </dgm:styleLbl>
+  <dgm:styleLbl name="node1">
+    <dgm:fillClrLst meth="repeat">
+      <a:schemeClr val="accent1"/>
+    </dgm:fillClrLst>
+    <dgm:linClrLst meth="repeat">
+      <a:schemeClr val="lt1"/>
+    </dgm:linClrLst>
+    <dgm:effectClrLst/>
+    <dgm:txLinClrLst/>
+    <dgm:txFillClrLst/>
+    <dgm:txEffectClrLst/>
+  </dgm:styleLbl>
+  <dgm:styleLbl name="lnNode1">
+    <dgm:fillClrLst meth="repeat">
+      <a:schemeClr val="accent1"/>
+    </dgm:fillClrLst>
+    <dgm:linClrLst meth="repeat">
+      <a:schemeClr val="lt1"/>
+    </dgm:linClrLst>
+    <dgm:effectClrLst/>
+    <dgm:txLinClrLst/>
+    <dgm:txFillClrLst/>
+    <dgm:txEffectClrLst/>
+  </dgm:styleLbl>
+  <dgm:styleLbl name="vennNode1">
+    <dgm:fillClrLst meth="repeat">
+      <a:schemeClr val="accent1">
+        <a:alpha val="50000"/>
+      </a:schemeClr>
+    </dgm:fillClrLst>
+    <dgm:linClrLst meth="repeat">
+      <a:schemeClr val="lt1"/>
+    </dgm:linClrLst>
+    <dgm:effectClrLst/>
+    <dgm:txLinClrLst/>
+    <dgm:txFillClrLst/>
+    <dgm:txEffectClrLst/>
+  </dgm:styleLbl>
+  <dgm:styleLbl name="node2">
+    <dgm:fillClrLst meth="repeat">
+      <a:schemeClr val="accent1"/>
+    </dgm:fillClrLst>
+    <dgm:linClrLst meth="repeat">
+      <a:schemeClr val="lt1"/>
+    </dgm:linClrLst>
+    <dgm:effectClrLst/>
+    <dgm:txLinClrLst/>
+    <dgm:txFillClrLst/>
+    <dgm:txEffectClrLst/>
+  </dgm:styleLbl>
+  <dgm:styleLbl name="node3">
+    <dgm:fillClrLst meth="repeat">
+      <a:schemeClr val="accent1"/>
+    </dgm:fillClrLst>
+    <dgm:linClrLst meth="repeat">
+      <a:schemeClr val="lt1"/>
+    </dgm:linClrLst>
+    <dgm:effectClrLst/>
+    <dgm:txLinClrLst/>
+    <dgm:txFillClrLst/>
+    <dgm:txEffectClrLst/>
+  </dgm:styleLbl>
+  <dgm:styleLbl name="node4">
+    <dgm:fillClrLst meth="repeat">
+      <a:schemeClr val="accent1"/>
+    </dgm:fillClrLst>
+    <dgm:linClrLst meth="repeat">
+      <a:schemeClr val="lt1"/>
+    </dgm:linClrLst>
+    <dgm:effectClrLst/>
+    <dgm:txLinClrLst/>
+    <dgm:txFillClrLst/>
+    <dgm:txEffectClrLst/>
+  </dgm:styleLbl>
+  <dgm:styleLbl name="fgImgPlace1">
+    <dgm:fillClrLst meth="repeat">
+      <a:schemeClr val="accent1">
+        <a:tint val="50000"/>
+      </a:schemeClr>
+    </dgm:fillClrLst>
+    <dgm:linClrLst meth="repeat">
+      <a:schemeClr val="lt1"/>
+    </dgm:linClrLst>
+    <dgm:effectClrLst/>
+    <dgm:txLinClrLst/>
+    <dgm:txFillClrLst meth="repeat">
+      <a:schemeClr val="lt1"/>
+    </dgm:txFillClrLst>
+    <dgm:txEffectClrLst/>
+  </dgm:styleLbl>
+  <dgm:styleLbl name="alignImgPlace1">
+    <dgm:fillClrLst meth="repeat">
+      <a:schemeClr val="accent1">
+        <a:tint val="50000"/>
+      </a:schemeClr>
+    </dgm:fillClrLst>
+    <dgm:linClrLst meth="repeat">
+      <a:schemeClr val="lt1"/>
+    </dgm:linClrLst>
+    <dgm:effectClrLst/>
+    <dgm:txLinClrLst/>
+    <dgm:txFillClrLst meth="repeat">
+      <a:schemeClr val="lt1"/>
+    </dgm:txFillClrLst>
+    <dgm:txEffectClrLst/>
+  </dgm:styleLbl>
+  <dgm:styleLbl name="bgImgPlace1">
+    <dgm:fillClrLst meth="repeat">
+      <a:schemeClr val="accent1">
+        <a:tint val="50000"/>
+      </a:schemeClr>
+    </dgm:fillClrLst>
+    <dgm:linClrLst meth="repeat">
+      <a:schemeClr val="lt1"/>
+    </dgm:linClrLst>
+    <dgm:effectClrLst/>
+    <dgm:txLinClrLst/>
+    <dgm:txFillClrLst meth="repeat">
+      <a:schemeClr val="lt1"/>
+    </dgm:txFillClrLst>
+    <dgm:txEffectClrLst/>
+  </dgm:styleLbl>
+  <dgm:styleLbl name="sibTrans2D1">
+    <dgm:fillClrLst meth="repeat">
+      <a:schemeClr val="accent1">
+        <a:tint val="60000"/>
+      </a:schemeClr>
+    </dgm:fillClrLst>
+    <dgm:linClrLst meth="repeat">
+      <a:schemeClr val="accent1">
+        <a:tint val="60000"/>
+      </a:schemeClr>
+    </dgm:linClrLst>
+    <dgm:effectClrLst/>
+    <dgm:txLinClrLst/>
+    <dgm:txFillClrLst/>
+    <dgm:txEffectClrLst/>
+  </dgm:styleLbl>
+  <dgm:styleLbl name="fgSibTrans2D1">
+    <dgm:fillClrLst meth="repeat">
+      <a:schemeClr val="accent1">
+        <a:tint val="60000"/>
+      </a:schemeClr>
+    </dgm:fillClrLst>
+    <dgm:linClrLst meth="repeat">
+      <a:schemeClr val="accent1">
+        <a:tint val="60000"/>
+      </a:schemeClr>
+    </dgm:linClrLst>
+    <dgm:effectClrLst/>
+    <dgm:txLinClrLst/>
+    <dgm:txFillClrLst/>
+    <dgm:txEffectClrLst/>
+  </dgm:styleLbl>
+  <dgm:styleLbl name="bgSibTrans2D1">
+    <dgm:fillClrLst meth="repeat">
+      <a:schemeClr val="accent1">
+        <a:tint val="60000"/>
+      </a:schemeClr>
+    </dgm:fillClrLst>
+    <dgm:linClrLst meth="repeat">
+      <a:schemeClr val="accent1">
+        <a:tint val="60000"/>
+      </a:schemeClr>
+    </dgm:linClrLst>
+    <dgm:effectClrLst/>
+    <dgm:txLinClrLst/>
+    <dgm:txFillClrLst/>
+    <dgm:txEffectClrLst/>
+  </dgm:styleLbl>
+  <dgm:styleLbl name="sibTrans1D1">
+    <dgm:fillClrLst meth="repeat">
+      <a:schemeClr val="accent1"/>
+    </dgm:fillClrLst>
+    <dgm:linClrLst meth="repeat">
+      <a:schemeClr val="accent1"/>
+    </dgm:linClrLst>
+    <dgm:effectClrLst/>
+    <dgm:txLinClrLst/>
+    <dgm:txFillClrLst meth="repeat">
+      <a:schemeClr val="tx1"/>
+    </dgm:txFillClrLst>
+    <dgm:txEffectClrLst/>
+  </dgm:styleLbl>
+  <dgm:styleLbl name="callout">
+    <dgm:fillClrLst meth="repeat">
+      <a:schemeClr val="accent1"/>
+    </dgm:fillClrLst>
+    <dgm:linClrLst meth="repeat">
+      <a:schemeClr val="accent1">
+        <a:tint val="50000"/>
+      </a:schemeClr>
+    </dgm:linClrLst>
+    <dgm:effectClrLst/>
+    <dgm:txLinClrLst/>
+    <dgm:txFillClrLst meth="repeat">
+      <a:schemeClr val="tx1"/>
+    </dgm:txFillClrLst>
+    <dgm:txEffectClrLst/>
+  </dgm:styleLbl>
+  <dgm:styleLbl name="asst0">
+    <dgm:fillClrLst meth="repeat">
+      <a:schemeClr val="accent1"/>
+    </dgm:fillClrLst>
+    <dgm:linClrLst meth="repeat">
+      <a:schemeClr val="lt1"/>
+    </dgm:linClrLst>
+    <dgm:effectClrLst/>
+    <dgm:txLinClrLst/>
+    <dgm:txFillClrLst/>
+    <dgm:txEffectClrLst/>
+  </dgm:styleLbl>
+  <dgm:styleLbl name="asst1">
+    <dgm:fillClrLst meth="repeat">
+      <a:schemeClr val="accent1"/>
+    </dgm:fillClrLst>
+    <dgm:linClrLst meth="repeat">
+      <a:schemeClr val="lt1"/>
+    </dgm:linClrLst>
+    <dgm:effectClrLst/>
+    <dgm:txLinClrLst/>
+    <dgm:txFillClrLst/>
+    <dgm:txEffectClrLst/>
+  </dgm:styleLbl>
+  <dgm:styleLbl name="asst2">
+    <dgm:fillClrLst meth="repeat">
+      <a:schemeClr val="accent1"/>
+    </dgm:fillClrLst>
+    <dgm:linClrLst meth="repeat">
+      <a:schemeClr val="lt1"/>
+    </dgm:linClrLst>
+    <dgm:effectClrLst/>
+    <dgm:txLinClrLst/>
+    <dgm:txFillClrLst/>
+    <dgm:txEffectClrLst/>
+  </dgm:styleLbl>
+  <dgm:styleLbl name="asst3">
+    <dgm:fillClrLst meth="repeat">
+      <a:schemeClr val="accent1"/>
+    </dgm:fillClrLst>
+    <dgm:linClrLst meth="repeat">
+      <a:schemeClr val="lt1"/>
+    </dgm:linClrLst>
+    <dgm:effectClrLst/>
+    <dgm:txLinClrLst/>
+    <dgm:txFillClrLst/>
+    <dgm:txEffectClrLst/>
+  </dgm:styleLbl>
+  <dgm:styleLbl name="asst4">
+    <dgm:fillClrLst meth="repeat">
+      <a:schemeClr val="accent1"/>
+    </dgm:fillClrLst>
+    <dgm:linClrLst meth="repeat">
+      <a:schemeClr val="lt1"/>
+    </dgm:linClrLst>
+    <dgm:effectClrLst/>
+    <dgm:txLinClrLst/>
+    <dgm:txFillClrLst/>
+    <dgm:txEffectClrLst/>
+  </dgm:styleLbl>
+  <dgm:styleLbl name="parChTrans2D1">
+    <dgm:fillClrLst meth="repeat">
+      <a:schemeClr val="accent1">
+        <a:tint val="60000"/>
+      </a:schemeClr>
+    </dgm:fillClrLst>
+    <dgm:linClrLst meth="repeat">
+      <a:schemeClr val="accent1">
+        <a:tint val="60000"/>
+      </a:schemeClr>
+    </dgm:linClrLst>
+    <dgm:effectClrLst/>
+    <dgm:txLinClrLst/>
+    <dgm:txFillClrLst meth="repeat">
+      <a:schemeClr val="lt1"/>
+    </dgm:txFillClrLst>
+    <dgm:txEffectClrLst/>
+  </dgm:styleLbl>
+  <dgm:styleLbl name="parChTrans2D2">
+    <dgm:fillClrLst meth="repeat">
+      <a:schemeClr val="accent1"/>
+    </dgm:fillClrLst>
+    <dgm:linClrLst meth="repeat">
+      <a:schemeClr val="accent1"/>
+    </dgm:linClrLst>
+    <dgm:effectClrLst/>
+    <dgm:txLinClrLst/>
+    <dgm:txFillClrLst meth="repeat">
+      <a:schemeClr val="lt1"/>
+    </dgm:txFillClrLst>
+    <dgm:txEffectClrLst/>
+  </dgm:styleLbl>
+  <dgm:styleLbl name="parChTrans2D3">
+    <dgm:fillClrLst meth="repeat">
+      <a:schemeClr val="accent1"/>
+    </dgm:fillClrLst>
+    <dgm:linClrLst meth="repeat">
+      <a:schemeClr val="accent1"/>
+    </dgm:linClrLst>
+    <dgm:effectClrLst/>
+    <dgm:txLinClrLst/>
+    <dgm:txFillClrLst meth="repeat">
+      <a:schemeClr val="lt1"/>
+    </dgm:txFillClrLst>
+    <dgm:txEffectClrLst/>
+  </dgm:styleLbl>
+  <dgm:styleLbl name="parChTrans2D4">
+    <dgm:fillClrLst meth="repeat">
+      <a:schemeClr val="accent1"/>
+    </dgm:fillClrLst>
+    <dgm:linClrLst meth="repeat">
+      <a:schemeClr val="accent1"/>
+    </dgm:linClrLst>
+    <dgm:effectClrLst/>
+    <dgm:txLinClrLst/>
+    <dgm:txFillClrLst meth="repeat">
+      <a:schemeClr val="lt1"/>
+    </dgm:txFillClrLst>
+    <dgm:txEffectClrLst/>
+  </dgm:styleLbl>
+  <dgm:styleLbl name="parChTrans1D1">
+    <dgm:fillClrLst meth="repeat">
+      <a:schemeClr val="accent1"/>
+    </dgm:fillClrLst>
+    <dgm:linClrLst meth="repeat">
+      <a:schemeClr val="accent1">
+        <a:shade val="60000"/>
+      </a:schemeClr>
+    </dgm:linClrLst>
+    <dgm:effectClrLst/>
+    <dgm:txLinClrLst/>
+    <dgm:txFillClrLst meth="repeat">
+      <a:schemeClr val="tx1"/>
+    </dgm:txFillClrLst>
+    <dgm:txEffectClrLst/>
+  </dgm:styleLbl>
+  <dgm:styleLbl name="parChTrans1D2">
+    <dgm:fillClrLst meth="repeat">
+      <a:schemeClr val="accent1"/>
+    </dgm:fillClrLst>
+    <dgm:linClrLst meth="repeat">
+      <a:schemeClr val="accent1">
+        <a:shade val="60000"/>
+      </a:schemeClr>
+    </dgm:linClrLst>
+    <dgm:effectClrLst/>
+    <dgm:txLinClrLst/>
+    <dgm:txFillClrLst meth="repeat">
+      <a:schemeClr val="tx1"/>
+    </dgm:txFillClrLst>
+    <dgm:txEffectClrLst/>
+  </dgm:styleLbl>
+  <dgm:styleLbl name="parChTrans1D3">
+    <dgm:fillClrLst meth="repeat">
+      <a:schemeClr val="accent1"/>
+    </dgm:fillClrLst>
+    <dgm:linClrLst meth="repeat">
+      <a:schemeClr val="accent1">
+        <a:shade val="80000"/>
+      </a:schemeClr>
+    </dgm:linClrLst>
+    <dgm:effectClrLst/>
+    <dgm:txLinClrLst/>
+    <dgm:txFillClrLst meth="repeat">
+      <a:schemeClr val="tx1"/>
+    </dgm:txFillClrLst>
+    <dgm:txEffectClrLst/>
+  </dgm:styleLbl>
+  <dgm:styleLbl name="parChTrans1D4">
+    <dgm:fillClrLst meth="repeat">
+      <a:schemeClr val="accent1"/>
+    </dgm:fillClrLst>
+    <dgm:linClrLst meth="repeat">
+      <a:schemeClr val="accent1">
+        <a:shade val="80000"/>
+      </a:schemeClr>
+    </dgm:linClrLst>
+    <dgm:effectClrLst/>
+    <dgm:txLinClrLst/>
+    <dgm:txFillClrLst meth="repeat">
+      <a:schemeClr val="tx1"/>
+    </dgm:txFillClrLst>
+    <dgm:txEffectClrLst/>
+  </dgm:styleLbl>
+  <dgm:styleLbl name="fgAcc1">
+    <dgm:fillClrLst meth="repeat">
+      <a:schemeClr val="lt1">
+        <a:alpha val="90000"/>
+      </a:schemeClr>
+    </dgm:fillClrLst>
+    <dgm:linClrLst meth="repeat">
+      <a:schemeClr val="accent1"/>
+    </dgm:linClrLst>
+    <dgm:effectClrLst/>
+    <dgm:txLinClrLst/>
+    <dgm:txFillClrLst meth="repeat">
+      <a:schemeClr val="dk1"/>
+    </dgm:txFillClrLst>
+    <dgm:txEffectClrLst/>
+  </dgm:styleLbl>
+  <dgm:styleLbl name="conFgAcc1">
+    <dgm:fillClrLst meth="repeat">
+      <a:schemeClr val="lt1">
+        <a:alpha val="90000"/>
+      </a:schemeClr>
+    </dgm:fillClrLst>
+    <dgm:linClrLst meth="repeat">
+      <a:schemeClr val="accent1"/>
+    </dgm:linClrLst>
+    <dgm:effectClrLst/>
+    <dgm:txLinClrLst/>
+    <dgm:txFillClrLst meth="repeat">
+      <a:schemeClr val="dk1"/>
+    </dgm:txFillClrLst>
+    <dgm:txEffectClrLst/>
+  </dgm:styleLbl>
+  <dgm:styleLbl name="alignAcc1">
+    <dgm:fillClrLst meth="repeat">
+      <a:schemeClr val="lt1">
+        <a:alpha val="90000"/>
+      </a:schemeClr>
+    </dgm:fillClrLst>
+    <dgm:linClrLst meth="repeat">
+      <a:schemeClr val="accent1"/>
+    </dgm:linClrLst>
+    <dgm:effectClrLst/>
+    <dgm:txLinClrLst/>
+    <dgm:txFillClrLst meth="repeat">
+      <a:schemeClr val="dk1"/>
+    </dgm:txFillClrLst>
+    <dgm:txEffectClrLst/>
+  </dgm:styleLbl>
+  <dgm:styleLbl name="trAlignAcc1">
+    <dgm:fillClrLst meth="repeat">
+      <a:schemeClr val="lt1">
+        <a:alpha val="40000"/>
+      </a:schemeClr>
+    </dgm:fillClrLst>
+    <dgm:linClrLst meth="repeat">
+      <a:schemeClr val="accent1"/>
+    </dgm:linClrLst>
+    <dgm:effectClrLst/>
+    <dgm:txLinClrLst/>
+    <dgm:txFillClrLst meth="repeat">
+      <a:schemeClr val="dk1"/>
+    </dgm:txFillClrLst>
+    <dgm:txEffectClrLst/>
+  </dgm:styleLbl>
+  <dgm:styleLbl name="bgAcc1">
+    <dgm:fillClrLst meth="repeat">
+      <a:schemeClr val="lt1">
+        <a:alpha val="90000"/>
+      </a:schemeClr>
+    </dgm:fillClrLst>
+    <dgm:linClrLst meth="repeat">
+      <a:schemeClr val="accent1"/>
+    </dgm:linClrLst>
+    <dgm:effectClrLst/>
+    <dgm:txLinClrLst/>
+    <dgm:txFillClrLst meth="repeat">
+      <a:schemeClr val="dk1"/>
+    </dgm:txFillClrLst>
+    <dgm:txEffectClrLst/>
+  </dgm:styleLbl>
+  <dgm:styleLbl name="solidFgAcc1">
+    <dgm:fillClrLst meth="repeat">
+      <a:schemeClr val="lt1"/>
+    </dgm:fillClrLst>
+    <dgm:linClrLst meth="repeat">
+      <a:schemeClr val="accent1"/>
+    </dgm:linClrLst>
+    <dgm:effectClrLst/>
+    <dgm:txLinClrLst/>
+    <dgm:txFillClrLst meth="repeat">
+      <a:schemeClr val="dk1"/>
+    </dgm:txFillClrLst>
+    <dgm:txEffectClrLst/>
+  </dgm:styleLbl>
+  <dgm:styleLbl name="solidAlignAcc1">
+    <dgm:fillClrLst meth="repeat">
+      <a:schemeClr val="lt1"/>
+    </dgm:fillClrLst>
+    <dgm:linClrLst meth="repeat">
+      <a:schemeClr val="accent1"/>
+    </dgm:linClrLst>
+    <dgm:effectClrLst/>
+    <dgm:txLinClrLst/>
+    <dgm:txFillClrLst meth="repeat">
+      <a:schemeClr val="dk1"/>
+    </dgm:txFillClrLst>
+    <dgm:txEffectClrLst/>
+  </dgm:styleLbl>
+  <dgm:styleLbl name="solidBgAcc1">
+    <dgm:fillClrLst meth="repeat">
+      <a:schemeClr val="lt1"/>
+    </dgm:fillClrLst>
+    <dgm:linClrLst meth="repeat">
+      <a:schemeClr val="accent1"/>
+    </dgm:linClrLst>
+    <dgm:effectClrLst/>
+    <dgm:txLinClrLst/>
+    <dgm:txFillClrLst meth="repeat">
+      <a:schemeClr val="dk1"/>
+    </dgm:txFillClrLst>
+    <dgm:txEffectClrLst/>
+  </dgm:styleLbl>
+  <dgm:styleLbl name="fgAccFollowNode1">
+    <dgm:fillClrLst meth="repeat">
+      <a:schemeClr val="accent1">
+        <a:alpha val="90000"/>
+        <a:tint val="40000"/>
+      </a:schemeClr>
+    </dgm:fillClrLst>
+    <dgm:linClrLst meth="repeat">
+      <a:schemeClr val="accent1">
+        <a:alpha val="90000"/>
+        <a:tint val="40000"/>
+      </a:schemeClr>
+    </dgm:linClrLst>
+    <dgm:effectClrLst/>
+    <dgm:txLinClrLst/>
+    <dgm:txFillClrLst meth="repeat">
+      <a:schemeClr val="dk1"/>
+    </dgm:txFillClrLst>
+    <dgm:txEffectClrLst/>
+  </dgm:styleLbl>
+  <dgm:styleLbl name="alignAccFollowNode1">
+    <dgm:fillClrLst meth="repeat">
+      <a:schemeClr val="accent1">
+        <a:alpha val="90000"/>
+        <a:tint val="40000"/>
+      </a:schemeClr>
+    </dgm:fillClrLst>
+    <dgm:linClrLst meth="repeat">
+      <a:schemeClr val="accent1">
+        <a:alpha val="90000"/>
+        <a:tint val="40000"/>
+      </a:schemeClr>
+    </dgm:linClrLst>
+    <dgm:effectClrLst/>
+    <dgm:txLinClrLst/>
+    <dgm:txFillClrLst meth="repeat">
+      <a:schemeClr val="dk1"/>
+    </dgm:txFillClrLst>
+    <dgm:txEffectClrLst/>
+  </dgm:styleLbl>
+  <dgm:styleLbl name="bgAccFollowNode1">
+    <dgm:fillClrLst meth="repeat">
+      <a:schemeClr val="accent1">
+        <a:alpha val="90000"/>
+        <a:tint val="40000"/>
+      </a:schemeClr>
+    </dgm:fillClrLst>
+    <dgm:linClrLst meth="repeat">
+      <a:schemeClr val="accent1">
+        <a:alpha val="90000"/>
+        <a:tint val="40000"/>
+      </a:schemeClr>
+    </dgm:linClrLst>
+    <dgm:effectClrLst/>
+    <dgm:txLinClrLst/>
+    <dgm:txFillClrLst meth="repeat">
+      <a:schemeClr val="dk1"/>
+    </dgm:txFillClrLst>
+    <dgm:txEffectClrLst/>
+  </dgm:styleLbl>
+  <dgm:styleLbl name="fgAcc0">
+    <dgm:fillClrLst meth="repeat">
+      <a:schemeClr val="lt1">
+        <a:alpha val="90000"/>
+      </a:schemeClr>
+    </dgm:fillClrLst>
+    <dgm:linClrLst meth="repeat">
+      <a:schemeClr val="accent1"/>
+    </dgm:linClrLst>
+    <dgm:effectClrLst/>
+    <dgm:txLinClrLst/>
+    <dgm:txFillClrLst meth="repeat">
+      <a:schemeClr val="dk1"/>
+    </dgm:txFillClrLst>
+    <dgm:txEffectClrLst/>
+  </dgm:styleLbl>
+  <dgm:styleLbl name="fgAcc2">
+    <dgm:fillClrLst meth="repeat">
+      <a:schemeClr val="lt1">
+        <a:alpha val="90000"/>
+      </a:schemeClr>
+    </dgm:fillClrLst>
+    <dgm:linClrLst meth="repeat">
+      <a:schemeClr val="accent1"/>
+    </dgm:linClrLst>
+    <dgm:effectClrLst/>
+    <dgm:txLinClrLst/>
+    <dgm:txFillClrLst meth="repeat">
+      <a:schemeClr val="dk1"/>
+    </dgm:txFillClrLst>
+    <dgm:txEffectClrLst/>
+  </dgm:styleLbl>
+  <dgm:styleLbl name="fgAcc3">
+    <dgm:fillClrLst meth="repeat">
+      <a:schemeClr val="lt1">
+        <a:alpha val="90000"/>
+      </a:schemeClr>
+    </dgm:fillClrLst>
+    <dgm:linClrLst meth="repeat">
+      <a:schemeClr val="accent1"/>
+    </dgm:linClrLst>
+    <dgm:effectClrLst/>
+    <dgm:txLinClrLst/>
+    <dgm:txFillClrLst meth="repeat">
+      <a:schemeClr val="dk1"/>
+    </dgm:txFillClrLst>
+    <dgm:txEffectClrLst/>
+  </dgm:styleLbl>
+  <dgm:styleLbl name="fgAcc4">
+    <dgm:fillClrLst meth="repeat">
+      <a:schemeClr val="lt1">
+        <a:alpha val="90000"/>
+      </a:schemeClr>
+    </dgm:fillClrLst>
+    <dgm:linClrLst meth="repeat">
+      <a:schemeClr val="accent1"/>
+    </dgm:linClrLst>
+    <dgm:effectClrLst/>
+    <dgm:txLinClrLst/>
+    <dgm:txFillClrLst meth="repeat">
+      <a:schemeClr val="dk1"/>
+    </dgm:txFillClrLst>
+    <dgm:txEffectClrLst/>
+  </dgm:styleLbl>
+  <dgm:styleLbl name="bgShp">
+    <dgm:fillClrLst meth="repeat">
+      <a:schemeClr val="accent1">
+        <a:tint val="40000"/>
+      </a:schemeClr>
+    </dgm:fillClrLst>
+    <dgm:linClrLst meth="repeat">
+      <a:schemeClr val="accent1"/>
+    </dgm:linClrLst>
+    <dgm:effectClrLst/>
+    <dgm:txLinClrLst/>
+    <dgm:txFillClrLst meth="repeat">
+      <a:schemeClr val="dk1"/>
+    </dgm:txFillClrLst>
+    <dgm:txEffectClrLst/>
+  </dgm:styleLbl>
+  <dgm:styleLbl name="dkBgShp">
+    <dgm:fillClrLst meth="repeat">
+      <a:schemeClr val="accent1">
+        <a:shade val="80000"/>
+      </a:schemeClr>
+    </dgm:fillClrLst>
+    <dgm:linClrLst meth="repeat">
+      <a:schemeClr val="accent1"/>
+    </dgm:linClrLst>
+    <dgm:effectClrLst/>
+    <dgm:txLinClrLst/>
+    <dgm:txFillClrLst meth="repeat">
+      <a:schemeClr val="lt1"/>
+    </dgm:txFillClrLst>
+    <dgm:txEffectClrLst/>
+  </dgm:styleLbl>
+  <dgm:styleLbl name="trBgShp">
+    <dgm:fillClrLst meth="repeat">
+      <a:schemeClr val="accent1">
+        <a:tint val="50000"/>
+        <a:alpha val="40000"/>
+      </a:schemeClr>
+    </dgm:fillClrLst>
+    <dgm:linClrLst meth="repeat">
+      <a:schemeClr val="accent1"/>
+    </dgm:linClrLst>
+    <dgm:effectClrLst/>
+    <dgm:txLinClrLst/>
+    <dgm:txFillClrLst meth="repeat">
+      <a:schemeClr val="lt1"/>
+    </dgm:txFillClrLst>
+    <dgm:txEffectClrLst/>
+  </dgm:styleLbl>
+  <dgm:styleLbl name="fgShp">
+    <dgm:fillClrLst meth="repeat">
+      <a:schemeClr val="accent1">
+        <a:tint val="60000"/>
+      </a:schemeClr>
+    </dgm:fillClrLst>
+    <dgm:linClrLst meth="repeat">
+      <a:schemeClr val="lt1"/>
+    </dgm:linClrLst>
+    <dgm:effectClrLst/>
+    <dgm:txLinClrLst/>
+    <dgm:txFillClrLst meth="repeat">
+      <a:schemeClr val="dk1"/>
+    </dgm:txFillClrLst>
+    <dgm:txEffectClrLst/>
+  </dgm:styleLbl>
+  <dgm:styleLbl name="revTx">
+    <dgm:fillClrLst meth="repeat">
+      <a:schemeClr val="lt1">
+        <a:alpha val="0"/>
+      </a:schemeClr>
+    </dgm:fillClrLst>
+    <dgm:linClrLst meth="repeat">
+      <a:schemeClr val="dk1">
+        <a:alpha val="0"/>
+      </a:schemeClr>
+    </dgm:linClrLst>
+    <dgm:effectClrLst/>
+    <dgm:txLinClrLst/>
+    <dgm:txFillClrLst meth="repeat">
+      <a:schemeClr val="tx1"/>
+    </dgm:txFillClrLst>
+    <dgm:txEffectClrLst/>
+  </dgm:styleLbl>
+</dgm:colorsDef>
+</file>
+
 <file path=ppt/diagrams/data1.xml><?xml version="1.0" encoding="utf-8"?>
 <dgm:dataModel xmlns:dgm="http://schemas.openxmlformats.org/drawingml/2006/diagram" xmlns:a="http://schemas.openxmlformats.org/drawingml/2006/main">
   <dgm:ptLst>
     <dgm:pt modelId="{14827203-6BE6-4BBB-8320-CC4B07F40113}" type="doc">
-      <dgm:prSet loTypeId="urn:microsoft.com/office/officeart/2005/8/layout/process5" loCatId="process" qsTypeId="urn:microsoft.com/office/officeart/2005/8/quickstyle/3d1" qsCatId="3D" csTypeId="urn:microsoft.com/office/officeart/2005/8/colors/accent1_2" csCatId="accent1" phldr="1"/>
+      <dgm:prSet loTypeId="urn:microsoft.com/office/officeart/2005/8/layout/process5" loCatId="process" qsTypeId="urn:microsoft.com/office/officeart/2005/8/quickstyle/simple3" qsCatId="simple" csTypeId="urn:microsoft.com/office/officeart/2005/8/colors/accent1_2" csCatId="accent1" phldr="1"/>
       <dgm:spPr/>
     </dgm:pt>
     <dgm:pt modelId="{0596724B-743B-4D58-926D-7118CAF1D626}">
@@ -954,7 +1701,7 @@
         <a:lstStyle/>
         <a:p>
           <a:r>
-            <a:rPr lang="cs-CZ" dirty="0" smtClean="0"/>
+            <a:rPr lang="cs-CZ" smtClean="0"/>
             <a:t>Navigace</a:t>
           </a:r>
           <a:endParaRPr lang="cs-CZ" dirty="0"/>
@@ -991,7 +1738,7 @@
         <a:lstStyle/>
         <a:p>
           <a:r>
-            <a:rPr lang="cs-CZ" dirty="0" smtClean="0"/>
+            <a:rPr lang="cs-CZ" smtClean="0"/>
             <a:t>Pořízení snímku</a:t>
           </a:r>
           <a:endParaRPr lang="cs-CZ" dirty="0"/>
@@ -1193,6 +1940,323 @@
 </dgm:dataModel>
 </file>
 
+<file path=ppt/diagrams/data2.xml><?xml version="1.0" encoding="utf-8"?>
+<dgm:dataModel xmlns:dgm="http://schemas.openxmlformats.org/drawingml/2006/diagram" xmlns:a="http://schemas.openxmlformats.org/drawingml/2006/main">
+  <dgm:ptLst>
+    <dgm:pt modelId="{DC603501-88BC-4276-987B-0660956F9026}" type="doc">
+      <dgm:prSet loTypeId="urn:microsoft.com/office/officeart/2008/layout/HalfCircleOrganizationChart" loCatId="hierarchy" qsTypeId="urn:microsoft.com/office/officeart/2005/8/quickstyle/3d3" qsCatId="3D" csTypeId="urn:microsoft.com/office/officeart/2005/8/colors/accent1_2" csCatId="accent1" phldr="1"/>
+      <dgm:spPr/>
+      <dgm:t>
+        <a:bodyPr/>
+        <a:lstStyle/>
+        <a:p>
+          <a:endParaRPr lang="cs-CZ"/>
+        </a:p>
+      </dgm:t>
+    </dgm:pt>
+    <dgm:pt modelId="{7009181E-638E-42B7-B503-04682E7DBF8B}">
+      <dgm:prSet phldrT="[Text]"/>
+      <dgm:spPr/>
+      <dgm:t>
+        <a:bodyPr/>
+        <a:lstStyle/>
+        <a:p>
+          <a:r>
+            <a:rPr lang="cs-CZ" dirty="0" smtClean="0"/>
+            <a:t>GUI</a:t>
+          </a:r>
+          <a:endParaRPr lang="cs-CZ" dirty="0"/>
+        </a:p>
+      </dgm:t>
+    </dgm:pt>
+    <dgm:pt modelId="{123D9E53-892C-4DD3-B28C-4E3E749206D2}" type="parTrans" cxnId="{DE3E5D52-E210-4CCF-A573-FA1D2CE4B941}">
+      <dgm:prSet/>
+      <dgm:spPr/>
+      <dgm:t>
+        <a:bodyPr/>
+        <a:lstStyle/>
+        <a:p>
+          <a:endParaRPr lang="cs-CZ"/>
+        </a:p>
+      </dgm:t>
+    </dgm:pt>
+    <dgm:pt modelId="{3CEA6B7E-2DA0-41D1-B252-52E75632E4DD}" type="sibTrans" cxnId="{DE3E5D52-E210-4CCF-A573-FA1D2CE4B941}">
+      <dgm:prSet/>
+      <dgm:spPr/>
+      <dgm:t>
+        <a:bodyPr/>
+        <a:lstStyle/>
+        <a:p>
+          <a:endParaRPr lang="cs-CZ"/>
+        </a:p>
+      </dgm:t>
+    </dgm:pt>
+    <dgm:pt modelId="{8E388B11-3F17-49AF-ABDA-B6F826AD92F9}">
+      <dgm:prSet phldrT="[Text]"/>
+      <dgm:spPr/>
+      <dgm:t>
+        <a:bodyPr/>
+        <a:lstStyle/>
+        <a:p>
+          <a:r>
+            <a:rPr lang="cs-CZ" dirty="0" smtClean="0"/>
+            <a:t>Kalibrace</a:t>
+          </a:r>
+          <a:endParaRPr lang="cs-CZ" dirty="0"/>
+        </a:p>
+      </dgm:t>
+    </dgm:pt>
+    <dgm:pt modelId="{5CCB1E11-3A49-4B8F-AB36-40DCB0CCF222}" type="parTrans" cxnId="{3AB4D3AA-4327-4CE1-A61D-BDE20B291E3C}">
+      <dgm:prSet/>
+      <dgm:spPr/>
+      <dgm:t>
+        <a:bodyPr/>
+        <a:lstStyle/>
+        <a:p>
+          <a:endParaRPr lang="cs-CZ"/>
+        </a:p>
+      </dgm:t>
+    </dgm:pt>
+    <dgm:pt modelId="{E8ABABCB-0B2A-40FD-ABEF-AA0DC0A73C8F}" type="sibTrans" cxnId="{3AB4D3AA-4327-4CE1-A61D-BDE20B291E3C}">
+      <dgm:prSet/>
+      <dgm:spPr/>
+      <dgm:t>
+        <a:bodyPr/>
+        <a:lstStyle/>
+        <a:p>
+          <a:endParaRPr lang="cs-CZ"/>
+        </a:p>
+      </dgm:t>
+    </dgm:pt>
+    <dgm:pt modelId="{E6144ECF-4E01-4085-B37A-615E6C9C76E4}">
+      <dgm:prSet phldrT="[Text]"/>
+      <dgm:spPr/>
+      <dgm:t>
+        <a:bodyPr/>
+        <a:lstStyle/>
+        <a:p>
+          <a:r>
+            <a:rPr lang="cs-CZ" dirty="0" smtClean="0"/>
+            <a:t>Navigace uživatele</a:t>
+          </a:r>
+          <a:endParaRPr lang="cs-CZ" dirty="0"/>
+        </a:p>
+      </dgm:t>
+    </dgm:pt>
+    <dgm:pt modelId="{7164AE45-091A-4A8F-9A30-2277FA6BF322}" type="parTrans" cxnId="{D15AFEFF-A283-4450-8F36-EC3D919143DB}">
+      <dgm:prSet/>
+      <dgm:spPr/>
+      <dgm:t>
+        <a:bodyPr/>
+        <a:lstStyle/>
+        <a:p>
+          <a:endParaRPr lang="cs-CZ"/>
+        </a:p>
+      </dgm:t>
+    </dgm:pt>
+    <dgm:pt modelId="{ABD30387-E8AD-4D67-BE81-C009A22FD525}" type="sibTrans" cxnId="{D15AFEFF-A283-4450-8F36-EC3D919143DB}">
+      <dgm:prSet/>
+      <dgm:spPr/>
+      <dgm:t>
+        <a:bodyPr/>
+        <a:lstStyle/>
+        <a:p>
+          <a:endParaRPr lang="cs-CZ"/>
+        </a:p>
+      </dgm:t>
+    </dgm:pt>
+    <dgm:pt modelId="{FF668E03-D7E5-4952-8FF0-8B8BC363F1CF}" type="pres">
+      <dgm:prSet presAssocID="{DC603501-88BC-4276-987B-0660956F9026}" presName="Name0" presStyleCnt="0">
+        <dgm:presLayoutVars>
+          <dgm:orgChart val="1"/>
+          <dgm:chPref val="1"/>
+          <dgm:dir/>
+          <dgm:animOne val="branch"/>
+          <dgm:animLvl val="lvl"/>
+          <dgm:resizeHandles/>
+        </dgm:presLayoutVars>
+      </dgm:prSet>
+      <dgm:spPr/>
+    </dgm:pt>
+    <dgm:pt modelId="{E67650BA-9CE9-4748-8764-12DFD203F2E4}" type="pres">
+      <dgm:prSet presAssocID="{7009181E-638E-42B7-B503-04682E7DBF8B}" presName="hierRoot1" presStyleCnt="0">
+        <dgm:presLayoutVars>
+          <dgm:hierBranch val="init"/>
+        </dgm:presLayoutVars>
+      </dgm:prSet>
+      <dgm:spPr/>
+    </dgm:pt>
+    <dgm:pt modelId="{BAF25ADA-F1B0-4141-9361-CA7B4CB4A46A}" type="pres">
+      <dgm:prSet presAssocID="{7009181E-638E-42B7-B503-04682E7DBF8B}" presName="rootComposite1" presStyleCnt="0"/>
+      <dgm:spPr/>
+    </dgm:pt>
+    <dgm:pt modelId="{16BBD506-B279-4466-8938-886EF0467E61}" type="pres">
+      <dgm:prSet presAssocID="{7009181E-638E-42B7-B503-04682E7DBF8B}" presName="rootText1" presStyleLbl="alignAcc1" presStyleIdx="0" presStyleCnt="0">
+        <dgm:presLayoutVars>
+          <dgm:chPref val="3"/>
+        </dgm:presLayoutVars>
+      </dgm:prSet>
+      <dgm:spPr/>
+    </dgm:pt>
+    <dgm:pt modelId="{BC9E5801-133A-4A10-A5CB-4E77979551B3}" type="pres">
+      <dgm:prSet presAssocID="{7009181E-638E-42B7-B503-04682E7DBF8B}" presName="topArc1" presStyleLbl="parChTrans1D1" presStyleIdx="0" presStyleCnt="6"/>
+      <dgm:spPr/>
+    </dgm:pt>
+    <dgm:pt modelId="{CF140687-5CB3-47D3-A5BE-06088E1355AD}" type="pres">
+      <dgm:prSet presAssocID="{7009181E-638E-42B7-B503-04682E7DBF8B}" presName="bottomArc1" presStyleLbl="parChTrans1D1" presStyleIdx="1" presStyleCnt="6"/>
+      <dgm:spPr/>
+    </dgm:pt>
+    <dgm:pt modelId="{91C11B3D-1D3E-4504-8047-D2D297946D6A}" type="pres">
+      <dgm:prSet presAssocID="{7009181E-638E-42B7-B503-04682E7DBF8B}" presName="topConnNode1" presStyleLbl="node1" presStyleIdx="0" presStyleCnt="0"/>
+      <dgm:spPr/>
+    </dgm:pt>
+    <dgm:pt modelId="{ABDD2E58-E41E-49F5-9F50-B3424288486B}" type="pres">
+      <dgm:prSet presAssocID="{7009181E-638E-42B7-B503-04682E7DBF8B}" presName="hierChild2" presStyleCnt="0"/>
+      <dgm:spPr/>
+    </dgm:pt>
+    <dgm:pt modelId="{E7177388-EB6E-453D-A761-30B17B5091A8}" type="pres">
+      <dgm:prSet presAssocID="{5CCB1E11-3A49-4B8F-AB36-40DCB0CCF222}" presName="Name28" presStyleLbl="parChTrans1D2" presStyleIdx="0" presStyleCnt="2"/>
+      <dgm:spPr/>
+    </dgm:pt>
+    <dgm:pt modelId="{38A4A3B2-E34B-4EDC-8803-D1F9EC02044A}" type="pres">
+      <dgm:prSet presAssocID="{8E388B11-3F17-49AF-ABDA-B6F826AD92F9}" presName="hierRoot2" presStyleCnt="0">
+        <dgm:presLayoutVars>
+          <dgm:hierBranch val="init"/>
+        </dgm:presLayoutVars>
+      </dgm:prSet>
+      <dgm:spPr/>
+    </dgm:pt>
+    <dgm:pt modelId="{E9460FD6-8574-4DCF-A5E9-E1BAB8519A6B}" type="pres">
+      <dgm:prSet presAssocID="{8E388B11-3F17-49AF-ABDA-B6F826AD92F9}" presName="rootComposite2" presStyleCnt="0"/>
+      <dgm:spPr/>
+    </dgm:pt>
+    <dgm:pt modelId="{81412828-54F0-44BA-A945-0411401F368A}" type="pres">
+      <dgm:prSet presAssocID="{8E388B11-3F17-49AF-ABDA-B6F826AD92F9}" presName="rootText2" presStyleLbl="alignAcc1" presStyleIdx="0" presStyleCnt="0">
+        <dgm:presLayoutVars>
+          <dgm:chPref val="3"/>
+        </dgm:presLayoutVars>
+      </dgm:prSet>
+      <dgm:spPr/>
+    </dgm:pt>
+    <dgm:pt modelId="{9F87BEBD-B993-4865-BC40-3CF847E3EF29}" type="pres">
+      <dgm:prSet presAssocID="{8E388B11-3F17-49AF-ABDA-B6F826AD92F9}" presName="topArc2" presStyleLbl="parChTrans1D1" presStyleIdx="2" presStyleCnt="6"/>
+      <dgm:spPr/>
+    </dgm:pt>
+    <dgm:pt modelId="{E01F4C09-61D8-42CE-9919-7857D7898DA4}" type="pres">
+      <dgm:prSet presAssocID="{8E388B11-3F17-49AF-ABDA-B6F826AD92F9}" presName="bottomArc2" presStyleLbl="parChTrans1D1" presStyleIdx="3" presStyleCnt="6"/>
+      <dgm:spPr/>
+    </dgm:pt>
+    <dgm:pt modelId="{0307CF5D-201D-456B-A5D1-F09067EB146D}" type="pres">
+      <dgm:prSet presAssocID="{8E388B11-3F17-49AF-ABDA-B6F826AD92F9}" presName="topConnNode2" presStyleLbl="node2" presStyleIdx="0" presStyleCnt="0"/>
+      <dgm:spPr/>
+    </dgm:pt>
+    <dgm:pt modelId="{CB6E2FCF-0097-428E-9A04-4277282B875E}" type="pres">
+      <dgm:prSet presAssocID="{8E388B11-3F17-49AF-ABDA-B6F826AD92F9}" presName="hierChild4" presStyleCnt="0"/>
+      <dgm:spPr/>
+    </dgm:pt>
+    <dgm:pt modelId="{FFA6F8B4-2ECB-4B69-A398-D42E96CBD120}" type="pres">
+      <dgm:prSet presAssocID="{8E388B11-3F17-49AF-ABDA-B6F826AD92F9}" presName="hierChild5" presStyleCnt="0"/>
+      <dgm:spPr/>
+    </dgm:pt>
+    <dgm:pt modelId="{81EEF6D2-1617-4371-B7C2-A4CEA969F4C5}" type="pres">
+      <dgm:prSet presAssocID="{7164AE45-091A-4A8F-9A30-2277FA6BF322}" presName="Name28" presStyleLbl="parChTrans1D2" presStyleIdx="1" presStyleCnt="2"/>
+      <dgm:spPr/>
+    </dgm:pt>
+    <dgm:pt modelId="{CAAF6927-4694-4C63-9ECD-9755AD4D43FB}" type="pres">
+      <dgm:prSet presAssocID="{E6144ECF-4E01-4085-B37A-615E6C9C76E4}" presName="hierRoot2" presStyleCnt="0">
+        <dgm:presLayoutVars>
+          <dgm:hierBranch val="init"/>
+        </dgm:presLayoutVars>
+      </dgm:prSet>
+      <dgm:spPr/>
+    </dgm:pt>
+    <dgm:pt modelId="{F797329F-B846-4046-AA45-6C1E7370C943}" type="pres">
+      <dgm:prSet presAssocID="{E6144ECF-4E01-4085-B37A-615E6C9C76E4}" presName="rootComposite2" presStyleCnt="0"/>
+      <dgm:spPr/>
+    </dgm:pt>
+    <dgm:pt modelId="{69BE21C6-CF53-46E7-8B11-140CC76B57DF}" type="pres">
+      <dgm:prSet presAssocID="{E6144ECF-4E01-4085-B37A-615E6C9C76E4}" presName="rootText2" presStyleLbl="alignAcc1" presStyleIdx="0" presStyleCnt="0">
+        <dgm:presLayoutVars>
+          <dgm:chPref val="3"/>
+        </dgm:presLayoutVars>
+      </dgm:prSet>
+      <dgm:spPr/>
+    </dgm:pt>
+    <dgm:pt modelId="{9DD10EF7-FE0B-48F4-A210-6FA9B5DF3BCD}" type="pres">
+      <dgm:prSet presAssocID="{E6144ECF-4E01-4085-B37A-615E6C9C76E4}" presName="topArc2" presStyleLbl="parChTrans1D1" presStyleIdx="4" presStyleCnt="6"/>
+      <dgm:spPr/>
+    </dgm:pt>
+    <dgm:pt modelId="{9880B007-7DDC-4D68-8E0B-52B63B7A409A}" type="pres">
+      <dgm:prSet presAssocID="{E6144ECF-4E01-4085-B37A-615E6C9C76E4}" presName="bottomArc2" presStyleLbl="parChTrans1D1" presStyleIdx="5" presStyleCnt="6"/>
+      <dgm:spPr/>
+    </dgm:pt>
+    <dgm:pt modelId="{E8BD95C4-8CC3-4AC7-A732-1F55FB829EA1}" type="pres">
+      <dgm:prSet presAssocID="{E6144ECF-4E01-4085-B37A-615E6C9C76E4}" presName="topConnNode2" presStyleLbl="node2" presStyleIdx="0" presStyleCnt="0"/>
+      <dgm:spPr/>
+    </dgm:pt>
+    <dgm:pt modelId="{CD9016E6-7410-4033-8C49-AC1D30EA2088}" type="pres">
+      <dgm:prSet presAssocID="{E6144ECF-4E01-4085-B37A-615E6C9C76E4}" presName="hierChild4" presStyleCnt="0"/>
+      <dgm:spPr/>
+    </dgm:pt>
+    <dgm:pt modelId="{1711F0F3-344C-4229-9063-2C32185AB7F7}" type="pres">
+      <dgm:prSet presAssocID="{E6144ECF-4E01-4085-B37A-615E6C9C76E4}" presName="hierChild5" presStyleCnt="0"/>
+      <dgm:spPr/>
+    </dgm:pt>
+    <dgm:pt modelId="{79223251-EFF2-4BE8-8012-9873FD75AA63}" type="pres">
+      <dgm:prSet presAssocID="{7009181E-638E-42B7-B503-04682E7DBF8B}" presName="hierChild3" presStyleCnt="0"/>
+      <dgm:spPr/>
+    </dgm:pt>
+  </dgm:ptLst>
+  <dgm:cxnLst>
+    <dgm:cxn modelId="{C3ADD324-CBD7-4166-ABED-196C401B664B}" type="presOf" srcId="{DC603501-88BC-4276-987B-0660956F9026}" destId="{FF668E03-D7E5-4952-8FF0-8B8BC363F1CF}" srcOrd="0" destOrd="0" presId="urn:microsoft.com/office/officeart/2008/layout/HalfCircleOrganizationChart"/>
+    <dgm:cxn modelId="{E5492E41-6860-4F62-AC63-7B4FEA0E3B7A}" type="presOf" srcId="{8E388B11-3F17-49AF-ABDA-B6F826AD92F9}" destId="{0307CF5D-201D-456B-A5D1-F09067EB146D}" srcOrd="1" destOrd="0" presId="urn:microsoft.com/office/officeart/2008/layout/HalfCircleOrganizationChart"/>
+    <dgm:cxn modelId="{A80DE5DB-4BB9-4097-AC94-5B5D536F12B6}" type="presOf" srcId="{7009181E-638E-42B7-B503-04682E7DBF8B}" destId="{16BBD506-B279-4466-8938-886EF0467E61}" srcOrd="0" destOrd="0" presId="urn:microsoft.com/office/officeart/2008/layout/HalfCircleOrganizationChart"/>
+    <dgm:cxn modelId="{BD0DB0A6-7A81-461E-8040-097E5A1920E5}" type="presOf" srcId="{E6144ECF-4E01-4085-B37A-615E6C9C76E4}" destId="{69BE21C6-CF53-46E7-8B11-140CC76B57DF}" srcOrd="0" destOrd="0" presId="urn:microsoft.com/office/officeart/2008/layout/HalfCircleOrganizationChart"/>
+    <dgm:cxn modelId="{D15AFEFF-A283-4450-8F36-EC3D919143DB}" srcId="{7009181E-638E-42B7-B503-04682E7DBF8B}" destId="{E6144ECF-4E01-4085-B37A-615E6C9C76E4}" srcOrd="1" destOrd="0" parTransId="{7164AE45-091A-4A8F-9A30-2277FA6BF322}" sibTransId="{ABD30387-E8AD-4D67-BE81-C009A22FD525}"/>
+    <dgm:cxn modelId="{A79FD6D0-1D27-4CA8-A75A-C55C68128478}" type="presOf" srcId="{E6144ECF-4E01-4085-B37A-615E6C9C76E4}" destId="{E8BD95C4-8CC3-4AC7-A732-1F55FB829EA1}" srcOrd="1" destOrd="0" presId="urn:microsoft.com/office/officeart/2008/layout/HalfCircleOrganizationChart"/>
+    <dgm:cxn modelId="{5B752452-DA8D-4D0B-82FE-58D1B17D68AE}" type="presOf" srcId="{5CCB1E11-3A49-4B8F-AB36-40DCB0CCF222}" destId="{E7177388-EB6E-453D-A761-30B17B5091A8}" srcOrd="0" destOrd="0" presId="urn:microsoft.com/office/officeart/2008/layout/HalfCircleOrganizationChart"/>
+    <dgm:cxn modelId="{A721445F-2A84-48B7-9A84-62D1E1A05BFA}" type="presOf" srcId="{7164AE45-091A-4A8F-9A30-2277FA6BF322}" destId="{81EEF6D2-1617-4371-B7C2-A4CEA969F4C5}" srcOrd="0" destOrd="0" presId="urn:microsoft.com/office/officeart/2008/layout/HalfCircleOrganizationChart"/>
+    <dgm:cxn modelId="{3AB4D3AA-4327-4CE1-A61D-BDE20B291E3C}" srcId="{7009181E-638E-42B7-B503-04682E7DBF8B}" destId="{8E388B11-3F17-49AF-ABDA-B6F826AD92F9}" srcOrd="0" destOrd="0" parTransId="{5CCB1E11-3A49-4B8F-AB36-40DCB0CCF222}" sibTransId="{E8ABABCB-0B2A-40FD-ABEF-AA0DC0A73C8F}"/>
+    <dgm:cxn modelId="{1B1C2917-370A-414B-8E42-9ED2155FBFEC}" type="presOf" srcId="{7009181E-638E-42B7-B503-04682E7DBF8B}" destId="{91C11B3D-1D3E-4504-8047-D2D297946D6A}" srcOrd="1" destOrd="0" presId="urn:microsoft.com/office/officeart/2008/layout/HalfCircleOrganizationChart"/>
+    <dgm:cxn modelId="{6FB53852-F7D1-4693-B833-7E8E26C05AE5}" type="presOf" srcId="{8E388B11-3F17-49AF-ABDA-B6F826AD92F9}" destId="{81412828-54F0-44BA-A945-0411401F368A}" srcOrd="0" destOrd="0" presId="urn:microsoft.com/office/officeart/2008/layout/HalfCircleOrganizationChart"/>
+    <dgm:cxn modelId="{DE3E5D52-E210-4CCF-A573-FA1D2CE4B941}" srcId="{DC603501-88BC-4276-987B-0660956F9026}" destId="{7009181E-638E-42B7-B503-04682E7DBF8B}" srcOrd="0" destOrd="0" parTransId="{123D9E53-892C-4DD3-B28C-4E3E749206D2}" sibTransId="{3CEA6B7E-2DA0-41D1-B252-52E75632E4DD}"/>
+    <dgm:cxn modelId="{DEE7D028-61B2-4D9D-AF58-763D901C8D3B}" type="presParOf" srcId="{FF668E03-D7E5-4952-8FF0-8B8BC363F1CF}" destId="{E67650BA-9CE9-4748-8764-12DFD203F2E4}" srcOrd="0" destOrd="0" presId="urn:microsoft.com/office/officeart/2008/layout/HalfCircleOrganizationChart"/>
+    <dgm:cxn modelId="{00640DDE-1FE6-415C-8804-A7EE0562E116}" type="presParOf" srcId="{E67650BA-9CE9-4748-8764-12DFD203F2E4}" destId="{BAF25ADA-F1B0-4141-9361-CA7B4CB4A46A}" srcOrd="0" destOrd="0" presId="urn:microsoft.com/office/officeart/2008/layout/HalfCircleOrganizationChart"/>
+    <dgm:cxn modelId="{A2A1CE82-A877-4698-9C57-7141FBA40F8A}" type="presParOf" srcId="{BAF25ADA-F1B0-4141-9361-CA7B4CB4A46A}" destId="{16BBD506-B279-4466-8938-886EF0467E61}" srcOrd="0" destOrd="0" presId="urn:microsoft.com/office/officeart/2008/layout/HalfCircleOrganizationChart"/>
+    <dgm:cxn modelId="{FF9F0443-F376-440E-9271-02F5E0DC571E}" type="presParOf" srcId="{BAF25ADA-F1B0-4141-9361-CA7B4CB4A46A}" destId="{BC9E5801-133A-4A10-A5CB-4E77979551B3}" srcOrd="1" destOrd="0" presId="urn:microsoft.com/office/officeart/2008/layout/HalfCircleOrganizationChart"/>
+    <dgm:cxn modelId="{4CD40881-E3F3-4561-92DC-ED8477BF0BD5}" type="presParOf" srcId="{BAF25ADA-F1B0-4141-9361-CA7B4CB4A46A}" destId="{CF140687-5CB3-47D3-A5BE-06088E1355AD}" srcOrd="2" destOrd="0" presId="urn:microsoft.com/office/officeart/2008/layout/HalfCircleOrganizationChart"/>
+    <dgm:cxn modelId="{1C74FCCA-61C1-4739-9B74-E16791392719}" type="presParOf" srcId="{BAF25ADA-F1B0-4141-9361-CA7B4CB4A46A}" destId="{91C11B3D-1D3E-4504-8047-D2D297946D6A}" srcOrd="3" destOrd="0" presId="urn:microsoft.com/office/officeart/2008/layout/HalfCircleOrganizationChart"/>
+    <dgm:cxn modelId="{BC07252F-801A-4879-888E-6F9D6E61566F}" type="presParOf" srcId="{E67650BA-9CE9-4748-8764-12DFD203F2E4}" destId="{ABDD2E58-E41E-49F5-9F50-B3424288486B}" srcOrd="1" destOrd="0" presId="urn:microsoft.com/office/officeart/2008/layout/HalfCircleOrganizationChart"/>
+    <dgm:cxn modelId="{97E209FF-7FBC-41F3-A3EF-7CF71611E0FC}" type="presParOf" srcId="{ABDD2E58-E41E-49F5-9F50-B3424288486B}" destId="{E7177388-EB6E-453D-A761-30B17B5091A8}" srcOrd="0" destOrd="0" presId="urn:microsoft.com/office/officeart/2008/layout/HalfCircleOrganizationChart"/>
+    <dgm:cxn modelId="{0EF696BB-73B2-4955-A23C-149FFBAE45BA}" type="presParOf" srcId="{ABDD2E58-E41E-49F5-9F50-B3424288486B}" destId="{38A4A3B2-E34B-4EDC-8803-D1F9EC02044A}" srcOrd="1" destOrd="0" presId="urn:microsoft.com/office/officeart/2008/layout/HalfCircleOrganizationChart"/>
+    <dgm:cxn modelId="{03D32E78-CB06-4E8C-A662-E01F6248A6FE}" type="presParOf" srcId="{38A4A3B2-E34B-4EDC-8803-D1F9EC02044A}" destId="{E9460FD6-8574-4DCF-A5E9-E1BAB8519A6B}" srcOrd="0" destOrd="0" presId="urn:microsoft.com/office/officeart/2008/layout/HalfCircleOrganizationChart"/>
+    <dgm:cxn modelId="{2DAF8525-0CDE-4C39-9F3C-BEC0D3F38C7B}" type="presParOf" srcId="{E9460FD6-8574-4DCF-A5E9-E1BAB8519A6B}" destId="{81412828-54F0-44BA-A945-0411401F368A}" srcOrd="0" destOrd="0" presId="urn:microsoft.com/office/officeart/2008/layout/HalfCircleOrganizationChart"/>
+    <dgm:cxn modelId="{FED7D198-7728-4A9D-937A-6AC1A9194557}" type="presParOf" srcId="{E9460FD6-8574-4DCF-A5E9-E1BAB8519A6B}" destId="{9F87BEBD-B993-4865-BC40-3CF847E3EF29}" srcOrd="1" destOrd="0" presId="urn:microsoft.com/office/officeart/2008/layout/HalfCircleOrganizationChart"/>
+    <dgm:cxn modelId="{28EB11EB-B3A5-4658-AFF3-77CD37A4F0E4}" type="presParOf" srcId="{E9460FD6-8574-4DCF-A5E9-E1BAB8519A6B}" destId="{E01F4C09-61D8-42CE-9919-7857D7898DA4}" srcOrd="2" destOrd="0" presId="urn:microsoft.com/office/officeart/2008/layout/HalfCircleOrganizationChart"/>
+    <dgm:cxn modelId="{0EF7070A-A071-424D-8555-5D12A2B05233}" type="presParOf" srcId="{E9460FD6-8574-4DCF-A5E9-E1BAB8519A6B}" destId="{0307CF5D-201D-456B-A5D1-F09067EB146D}" srcOrd="3" destOrd="0" presId="urn:microsoft.com/office/officeart/2008/layout/HalfCircleOrganizationChart"/>
+    <dgm:cxn modelId="{0E9BF722-F00D-4510-BEA2-4E1225B7AE19}" type="presParOf" srcId="{38A4A3B2-E34B-4EDC-8803-D1F9EC02044A}" destId="{CB6E2FCF-0097-428E-9A04-4277282B875E}" srcOrd="1" destOrd="0" presId="urn:microsoft.com/office/officeart/2008/layout/HalfCircleOrganizationChart"/>
+    <dgm:cxn modelId="{E49B1796-DC59-4207-A6F3-559B30C4B860}" type="presParOf" srcId="{38A4A3B2-E34B-4EDC-8803-D1F9EC02044A}" destId="{FFA6F8B4-2ECB-4B69-A398-D42E96CBD120}" srcOrd="2" destOrd="0" presId="urn:microsoft.com/office/officeart/2008/layout/HalfCircleOrganizationChart"/>
+    <dgm:cxn modelId="{EEFE4ED7-17A1-4BFB-A486-7BC85B4719AC}" type="presParOf" srcId="{ABDD2E58-E41E-49F5-9F50-B3424288486B}" destId="{81EEF6D2-1617-4371-B7C2-A4CEA969F4C5}" srcOrd="2" destOrd="0" presId="urn:microsoft.com/office/officeart/2008/layout/HalfCircleOrganizationChart"/>
+    <dgm:cxn modelId="{58A439EE-9B27-4F03-9DBB-391B95AB9B92}" type="presParOf" srcId="{ABDD2E58-E41E-49F5-9F50-B3424288486B}" destId="{CAAF6927-4694-4C63-9ECD-9755AD4D43FB}" srcOrd="3" destOrd="0" presId="urn:microsoft.com/office/officeart/2008/layout/HalfCircleOrganizationChart"/>
+    <dgm:cxn modelId="{E5E36474-9074-419D-BAE0-7C1732BE3C5D}" type="presParOf" srcId="{CAAF6927-4694-4C63-9ECD-9755AD4D43FB}" destId="{F797329F-B846-4046-AA45-6C1E7370C943}" srcOrd="0" destOrd="0" presId="urn:microsoft.com/office/officeart/2008/layout/HalfCircleOrganizationChart"/>
+    <dgm:cxn modelId="{5B34B6A0-5789-4C8A-9DBA-B746337DC1B4}" type="presParOf" srcId="{F797329F-B846-4046-AA45-6C1E7370C943}" destId="{69BE21C6-CF53-46E7-8B11-140CC76B57DF}" srcOrd="0" destOrd="0" presId="urn:microsoft.com/office/officeart/2008/layout/HalfCircleOrganizationChart"/>
+    <dgm:cxn modelId="{ADE01DFF-77CE-4963-A4B9-C89071E60612}" type="presParOf" srcId="{F797329F-B846-4046-AA45-6C1E7370C943}" destId="{9DD10EF7-FE0B-48F4-A210-6FA9B5DF3BCD}" srcOrd="1" destOrd="0" presId="urn:microsoft.com/office/officeart/2008/layout/HalfCircleOrganizationChart"/>
+    <dgm:cxn modelId="{7303085A-CE5A-491B-A865-506BDCCF3CAF}" type="presParOf" srcId="{F797329F-B846-4046-AA45-6C1E7370C943}" destId="{9880B007-7DDC-4D68-8E0B-52B63B7A409A}" srcOrd="2" destOrd="0" presId="urn:microsoft.com/office/officeart/2008/layout/HalfCircleOrganizationChart"/>
+    <dgm:cxn modelId="{7DEDE617-5D07-469E-914E-AC37C9E3C67B}" type="presParOf" srcId="{F797329F-B846-4046-AA45-6C1E7370C943}" destId="{E8BD95C4-8CC3-4AC7-A732-1F55FB829EA1}" srcOrd="3" destOrd="0" presId="urn:microsoft.com/office/officeart/2008/layout/HalfCircleOrganizationChart"/>
+    <dgm:cxn modelId="{A03CB93A-F7E6-47C0-9C0E-DC5BD23ABD4E}" type="presParOf" srcId="{CAAF6927-4694-4C63-9ECD-9755AD4D43FB}" destId="{CD9016E6-7410-4033-8C49-AC1D30EA2088}" srcOrd="1" destOrd="0" presId="urn:microsoft.com/office/officeart/2008/layout/HalfCircleOrganizationChart"/>
+    <dgm:cxn modelId="{6A7A92BC-1D1F-4A46-A1DF-9659B428F12A}" type="presParOf" srcId="{CAAF6927-4694-4C63-9ECD-9755AD4D43FB}" destId="{1711F0F3-344C-4229-9063-2C32185AB7F7}" srcOrd="2" destOrd="0" presId="urn:microsoft.com/office/officeart/2008/layout/HalfCircleOrganizationChart"/>
+    <dgm:cxn modelId="{881498C9-871E-45B6-9EE8-1724AE960735}" type="presParOf" srcId="{E67650BA-9CE9-4748-8764-12DFD203F2E4}" destId="{79223251-EFF2-4BE8-8012-9873FD75AA63}" srcOrd="2" destOrd="0" presId="urn:microsoft.com/office/officeart/2008/layout/HalfCircleOrganizationChart"/>
+  </dgm:cxnLst>
+  <dgm:bg/>
+  <dgm:whole/>
+  <dgm:extLst>
+    <a:ext uri="http://schemas.microsoft.com/office/drawing/2008/diagram">
+      <dsp:dataModelExt xmlns:dsp="http://schemas.microsoft.com/office/drawing/2008/diagram" relId="rId6" minVer="http://schemas.openxmlformats.org/drawingml/2006/diagram"/>
+    </a:ext>
+  </dgm:extLst>
+</dgm:dataModel>
+</file>
+
 <file path=ppt/diagrams/drawing1.xml><?xml version="1.0" encoding="utf-8"?>
 <dsp:drawing xmlns:dgm="http://schemas.openxmlformats.org/drawingml/2006/diagram" xmlns:dsp="http://schemas.microsoft.com/office/drawing/2008/diagram" xmlns:a="http://schemas.openxmlformats.org/drawingml/2006/main">
   <dsp:spTree>
@@ -1224,18 +2288,17 @@
                 <a:satOff val="0"/>
                 <a:lumOff val="0"/>
                 <a:alphaOff val="0"/>
-                <a:tint val="96000"/>
-                <a:lumMod val="100000"/>
+                <a:tint val="65000"/>
+                <a:lumMod val="110000"/>
               </a:schemeClr>
             </a:gs>
-            <a:gs pos="78000">
+            <a:gs pos="88000">
               <a:schemeClr val="accent1">
                 <a:hueOff val="0"/>
                 <a:satOff val="0"/>
                 <a:lumOff val="0"/>
                 <a:alphaOff val="0"/>
-                <a:shade val="94000"/>
-                <a:lumMod val="94000"/>
+                <a:tint val="90000"/>
               </a:schemeClr>
             </a:gs>
           </a:gsLst>
@@ -1244,34 +2307,27 @@
         <a:ln>
           <a:noFill/>
         </a:ln>
-        <a:effectLst>
-          <a:outerShdw blurRad="38100" dist="25400" dir="5400000" rotWithShape="0">
-            <a:srgbClr val="000000">
-              <a:alpha val="35000"/>
-            </a:srgbClr>
-          </a:outerShdw>
-        </a:effectLst>
+        <a:effectLst/>
         <a:scene3d>
           <a:camera prst="orthographicFront"/>
           <a:lightRig rig="flat" dir="t"/>
         </a:scene3d>
-        <a:sp3d prstMaterial="plastic">
-          <a:bevelT w="120900" h="88900"/>
-          <a:bevelB w="88900" h="31750" prst="angle"/>
+        <a:sp3d prstMaterial="dkEdge">
+          <a:bevelT w="8200" h="38100"/>
         </a:sp3d>
       </dsp:spPr>
       <dsp:style>
         <a:lnRef idx="0">
           <a:scrgbClr r="0" g="0" b="0"/>
         </a:lnRef>
-        <a:fillRef idx="3">
+        <a:fillRef idx="2">
           <a:scrgbClr r="0" g="0" b="0"/>
         </a:fillRef>
-        <a:effectRef idx="2">
+        <a:effectRef idx="1">
           <a:scrgbClr r="0" g="0" b="0"/>
         </a:effectRef>
         <a:fontRef idx="minor">
-          <a:schemeClr val="lt1"/>
+          <a:schemeClr val="dk1"/>
         </a:fontRef>
       </dsp:style>
       <dsp:txBody>
@@ -1328,19 +2384,18 @@
                 <a:satOff val="0"/>
                 <a:lumOff val="0"/>
                 <a:alphaOff val="0"/>
-                <a:tint val="96000"/>
-                <a:lumMod val="100000"/>
+                <a:tint val="65000"/>
+                <a:lumMod val="110000"/>
               </a:schemeClr>
             </a:gs>
-            <a:gs pos="78000">
+            <a:gs pos="88000">
               <a:schemeClr val="accent1">
                 <a:tint val="60000"/>
                 <a:hueOff val="0"/>
                 <a:satOff val="0"/>
                 <a:lumOff val="0"/>
                 <a:alphaOff val="0"/>
-                <a:shade val="94000"/>
-                <a:lumMod val="94000"/>
+                <a:tint val="90000"/>
               </a:schemeClr>
             </a:gs>
           </a:gsLst>
@@ -1349,34 +2404,20 @@
         <a:ln>
           <a:noFill/>
         </a:ln>
-        <a:effectLst>
-          <a:outerShdw blurRad="38100" dist="25400" dir="5400000" rotWithShape="0">
-            <a:srgbClr val="000000">
-              <a:alpha val="35000"/>
-            </a:srgbClr>
-          </a:outerShdw>
-        </a:effectLst>
-        <a:scene3d>
-          <a:camera prst="orthographicFront"/>
-          <a:lightRig rig="flat" dir="t"/>
-        </a:scene3d>
-        <a:sp3d z="-80000" prstMaterial="plastic">
-          <a:bevelT w="50800" h="50800"/>
-          <a:bevelB w="25400" h="25400" prst="angle"/>
-        </a:sp3d>
+        <a:effectLst/>
       </dsp:spPr>
       <dsp:style>
         <a:lnRef idx="0">
           <a:scrgbClr r="0" g="0" b="0"/>
         </a:lnRef>
-        <a:fillRef idx="3">
+        <a:fillRef idx="2">
           <a:scrgbClr r="0" g="0" b="0"/>
         </a:fillRef>
-        <a:effectRef idx="2">
+        <a:effectRef idx="1">
           <a:scrgbClr r="0" g="0" b="0"/>
         </a:effectRef>
         <a:fontRef idx="minor">
-          <a:schemeClr val="lt1"/>
+          <a:schemeClr val="dk1"/>
         </a:fontRef>
       </dsp:style>
       <dsp:txBody>
@@ -1427,18 +2468,17 @@
                 <a:satOff val="0"/>
                 <a:lumOff val="0"/>
                 <a:alphaOff val="0"/>
-                <a:tint val="96000"/>
-                <a:lumMod val="100000"/>
+                <a:tint val="65000"/>
+                <a:lumMod val="110000"/>
               </a:schemeClr>
             </a:gs>
-            <a:gs pos="78000">
+            <a:gs pos="88000">
               <a:schemeClr val="accent1">
                 <a:hueOff val="0"/>
                 <a:satOff val="0"/>
                 <a:lumOff val="0"/>
                 <a:alphaOff val="0"/>
-                <a:shade val="94000"/>
-                <a:lumMod val="94000"/>
+                <a:tint val="90000"/>
               </a:schemeClr>
             </a:gs>
           </a:gsLst>
@@ -1447,34 +2487,27 @@
         <a:ln>
           <a:noFill/>
         </a:ln>
-        <a:effectLst>
-          <a:outerShdw blurRad="38100" dist="25400" dir="5400000" rotWithShape="0">
-            <a:srgbClr val="000000">
-              <a:alpha val="35000"/>
-            </a:srgbClr>
-          </a:outerShdw>
-        </a:effectLst>
+        <a:effectLst/>
         <a:scene3d>
           <a:camera prst="orthographicFront"/>
           <a:lightRig rig="flat" dir="t"/>
         </a:scene3d>
-        <a:sp3d prstMaterial="plastic">
-          <a:bevelT w="120900" h="88900"/>
-          <a:bevelB w="88900" h="31750" prst="angle"/>
+        <a:sp3d prstMaterial="dkEdge">
+          <a:bevelT w="8200" h="38100"/>
         </a:sp3d>
       </dsp:spPr>
       <dsp:style>
         <a:lnRef idx="0">
           <a:scrgbClr r="0" g="0" b="0"/>
         </a:lnRef>
-        <a:fillRef idx="3">
+        <a:fillRef idx="2">
           <a:scrgbClr r="0" g="0" b="0"/>
         </a:fillRef>
-        <a:effectRef idx="2">
+        <a:effectRef idx="1">
           <a:scrgbClr r="0" g="0" b="0"/>
         </a:effectRef>
         <a:fontRef idx="minor">
-          <a:schemeClr val="lt1"/>
+          <a:schemeClr val="dk1"/>
         </a:fontRef>
       </dsp:style>
       <dsp:txBody>
@@ -1531,19 +2564,18 @@
                 <a:satOff val="0"/>
                 <a:lumOff val="0"/>
                 <a:alphaOff val="0"/>
-                <a:tint val="96000"/>
-                <a:lumMod val="100000"/>
+                <a:tint val="65000"/>
+                <a:lumMod val="110000"/>
               </a:schemeClr>
             </a:gs>
-            <a:gs pos="78000">
+            <a:gs pos="88000">
               <a:schemeClr val="accent1">
                 <a:tint val="60000"/>
                 <a:hueOff val="0"/>
                 <a:satOff val="0"/>
                 <a:lumOff val="0"/>
                 <a:alphaOff val="0"/>
-                <a:shade val="94000"/>
-                <a:lumMod val="94000"/>
+                <a:tint val="90000"/>
               </a:schemeClr>
             </a:gs>
           </a:gsLst>
@@ -1552,34 +2584,20 @@
         <a:ln>
           <a:noFill/>
         </a:ln>
-        <a:effectLst>
-          <a:outerShdw blurRad="38100" dist="25400" dir="5400000" rotWithShape="0">
-            <a:srgbClr val="000000">
-              <a:alpha val="35000"/>
-            </a:srgbClr>
-          </a:outerShdw>
-        </a:effectLst>
-        <a:scene3d>
-          <a:camera prst="orthographicFront"/>
-          <a:lightRig rig="flat" dir="t"/>
-        </a:scene3d>
-        <a:sp3d z="-80000" prstMaterial="plastic">
-          <a:bevelT w="50800" h="50800"/>
-          <a:bevelB w="25400" h="25400" prst="angle"/>
-        </a:sp3d>
+        <a:effectLst/>
       </dsp:spPr>
       <dsp:style>
         <a:lnRef idx="0">
           <a:scrgbClr r="0" g="0" b="0"/>
         </a:lnRef>
-        <a:fillRef idx="3">
+        <a:fillRef idx="2">
           <a:scrgbClr r="0" g="0" b="0"/>
         </a:fillRef>
-        <a:effectRef idx="2">
+        <a:effectRef idx="1">
           <a:scrgbClr r="0" g="0" b="0"/>
         </a:effectRef>
         <a:fontRef idx="minor">
-          <a:schemeClr val="lt1"/>
+          <a:schemeClr val="dk1"/>
         </a:fontRef>
       </dsp:style>
       <dsp:txBody>
@@ -1630,18 +2648,17 @@
                 <a:satOff val="0"/>
                 <a:lumOff val="0"/>
                 <a:alphaOff val="0"/>
-                <a:tint val="96000"/>
-                <a:lumMod val="100000"/>
+                <a:tint val="65000"/>
+                <a:lumMod val="110000"/>
               </a:schemeClr>
             </a:gs>
-            <a:gs pos="78000">
+            <a:gs pos="88000">
               <a:schemeClr val="accent1">
                 <a:hueOff val="0"/>
                 <a:satOff val="0"/>
                 <a:lumOff val="0"/>
                 <a:alphaOff val="0"/>
-                <a:shade val="94000"/>
-                <a:lumMod val="94000"/>
+                <a:tint val="90000"/>
               </a:schemeClr>
             </a:gs>
           </a:gsLst>
@@ -1650,34 +2667,27 @@
         <a:ln>
           <a:noFill/>
         </a:ln>
-        <a:effectLst>
-          <a:outerShdw blurRad="38100" dist="25400" dir="5400000" rotWithShape="0">
-            <a:srgbClr val="000000">
-              <a:alpha val="35000"/>
-            </a:srgbClr>
-          </a:outerShdw>
-        </a:effectLst>
+        <a:effectLst/>
         <a:scene3d>
           <a:camera prst="orthographicFront"/>
           <a:lightRig rig="flat" dir="t"/>
         </a:scene3d>
-        <a:sp3d prstMaterial="plastic">
-          <a:bevelT w="120900" h="88900"/>
-          <a:bevelB w="88900" h="31750" prst="angle"/>
+        <a:sp3d prstMaterial="dkEdge">
+          <a:bevelT w="8200" h="38100"/>
         </a:sp3d>
       </dsp:spPr>
       <dsp:style>
         <a:lnRef idx="0">
           <a:scrgbClr r="0" g="0" b="0"/>
         </a:lnRef>
-        <a:fillRef idx="3">
+        <a:fillRef idx="2">
           <a:scrgbClr r="0" g="0" b="0"/>
         </a:fillRef>
-        <a:effectRef idx="2">
+        <a:effectRef idx="1">
           <a:scrgbClr r="0" g="0" b="0"/>
         </a:effectRef>
         <a:fontRef idx="minor">
-          <a:schemeClr val="lt1"/>
+          <a:schemeClr val="dk1"/>
         </a:fontRef>
       </dsp:style>
       <dsp:txBody>
@@ -1698,7 +2708,7 @@
             </a:spcAft>
           </a:pPr>
           <a:r>
-            <a:rPr lang="cs-CZ" sz="2400" kern="1200" dirty="0" smtClean="0"/>
+            <a:rPr lang="cs-CZ" sz="2400" kern="1200" smtClean="0"/>
             <a:t>Navigace</a:t>
           </a:r>
           <a:endParaRPr lang="cs-CZ" sz="2400" kern="1200" dirty="0"/>
@@ -1734,19 +2744,18 @@
                 <a:satOff val="0"/>
                 <a:lumOff val="0"/>
                 <a:alphaOff val="0"/>
-                <a:tint val="96000"/>
-                <a:lumMod val="100000"/>
+                <a:tint val="65000"/>
+                <a:lumMod val="110000"/>
               </a:schemeClr>
             </a:gs>
-            <a:gs pos="78000">
+            <a:gs pos="88000">
               <a:schemeClr val="accent1">
                 <a:tint val="60000"/>
                 <a:hueOff val="0"/>
                 <a:satOff val="0"/>
                 <a:lumOff val="0"/>
                 <a:alphaOff val="0"/>
-                <a:shade val="94000"/>
-                <a:lumMod val="94000"/>
+                <a:tint val="90000"/>
               </a:schemeClr>
             </a:gs>
           </a:gsLst>
@@ -1755,34 +2764,20 @@
         <a:ln>
           <a:noFill/>
         </a:ln>
-        <a:effectLst>
-          <a:outerShdw blurRad="38100" dist="25400" dir="5400000" rotWithShape="0">
-            <a:srgbClr val="000000">
-              <a:alpha val="35000"/>
-            </a:srgbClr>
-          </a:outerShdw>
-        </a:effectLst>
-        <a:scene3d>
-          <a:camera prst="orthographicFront"/>
-          <a:lightRig rig="flat" dir="t"/>
-        </a:scene3d>
-        <a:sp3d z="-80000" prstMaterial="plastic">
-          <a:bevelT w="50800" h="50800"/>
-          <a:bevelB w="25400" h="25400" prst="angle"/>
-        </a:sp3d>
+        <a:effectLst/>
       </dsp:spPr>
       <dsp:style>
         <a:lnRef idx="0">
           <a:scrgbClr r="0" g="0" b="0"/>
         </a:lnRef>
-        <a:fillRef idx="3">
+        <a:fillRef idx="2">
           <a:scrgbClr r="0" g="0" b="0"/>
         </a:fillRef>
-        <a:effectRef idx="2">
+        <a:effectRef idx="1">
           <a:scrgbClr r="0" g="0" b="0"/>
         </a:effectRef>
         <a:fontRef idx="minor">
-          <a:schemeClr val="lt1"/>
+          <a:schemeClr val="dk1"/>
         </a:fontRef>
       </dsp:style>
       <dsp:txBody>
@@ -1833,18 +2828,17 @@
                 <a:satOff val="0"/>
                 <a:lumOff val="0"/>
                 <a:alphaOff val="0"/>
-                <a:tint val="96000"/>
-                <a:lumMod val="100000"/>
+                <a:tint val="65000"/>
+                <a:lumMod val="110000"/>
               </a:schemeClr>
             </a:gs>
-            <a:gs pos="78000">
+            <a:gs pos="88000">
               <a:schemeClr val="accent1">
                 <a:hueOff val="0"/>
                 <a:satOff val="0"/>
                 <a:lumOff val="0"/>
                 <a:alphaOff val="0"/>
-                <a:shade val="94000"/>
-                <a:lumMod val="94000"/>
+                <a:tint val="90000"/>
               </a:schemeClr>
             </a:gs>
           </a:gsLst>
@@ -1853,34 +2847,27 @@
         <a:ln>
           <a:noFill/>
         </a:ln>
-        <a:effectLst>
-          <a:outerShdw blurRad="38100" dist="25400" dir="5400000" rotWithShape="0">
-            <a:srgbClr val="000000">
-              <a:alpha val="35000"/>
-            </a:srgbClr>
-          </a:outerShdw>
-        </a:effectLst>
+        <a:effectLst/>
         <a:scene3d>
           <a:camera prst="orthographicFront"/>
           <a:lightRig rig="flat" dir="t"/>
         </a:scene3d>
-        <a:sp3d prstMaterial="plastic">
-          <a:bevelT w="120900" h="88900"/>
-          <a:bevelB w="88900" h="31750" prst="angle"/>
+        <a:sp3d prstMaterial="dkEdge">
+          <a:bevelT w="8200" h="38100"/>
         </a:sp3d>
       </dsp:spPr>
       <dsp:style>
         <a:lnRef idx="0">
           <a:scrgbClr r="0" g="0" b="0"/>
         </a:lnRef>
-        <a:fillRef idx="3">
+        <a:fillRef idx="2">
           <a:scrgbClr r="0" g="0" b="0"/>
         </a:fillRef>
-        <a:effectRef idx="2">
+        <a:effectRef idx="1">
           <a:scrgbClr r="0" g="0" b="0"/>
         </a:effectRef>
         <a:fontRef idx="minor">
-          <a:schemeClr val="lt1"/>
+          <a:schemeClr val="dk1"/>
         </a:fontRef>
       </dsp:style>
       <dsp:txBody>
@@ -1901,7 +2888,7 @@
             </a:spcAft>
           </a:pPr>
           <a:r>
-            <a:rPr lang="cs-CZ" sz="2400" kern="1200" dirty="0" smtClean="0"/>
+            <a:rPr lang="cs-CZ" sz="2400" kern="1200" smtClean="0"/>
             <a:t>Pořízení snímku</a:t>
           </a:r>
           <a:endParaRPr lang="cs-CZ" sz="2400" kern="1200" dirty="0"/>
@@ -1910,6 +2897,683 @@
       <dsp:txXfrm>
         <a:off x="1434424" y="2467661"/>
         <a:ext cx="2336788" cy="1368024"/>
+      </dsp:txXfrm>
+    </dsp:sp>
+  </dsp:spTree>
+</dsp:drawing>
+</file>
+
+<file path=ppt/diagrams/drawing2.xml><?xml version="1.0" encoding="utf-8"?>
+<dsp:drawing xmlns:dgm="http://schemas.openxmlformats.org/drawingml/2006/diagram" xmlns:dsp="http://schemas.microsoft.com/office/drawing/2008/diagram" xmlns:a="http://schemas.openxmlformats.org/drawingml/2006/main">
+  <dsp:spTree>
+    <dsp:nvGrpSpPr>
+      <dsp:cNvPr id="0" name=""/>
+      <dsp:cNvGrpSpPr/>
+    </dsp:nvGrpSpPr>
+    <dsp:grpSpPr/>
+    <dsp:sp modelId="{81EEF6D2-1617-4371-B7C2-A4CEA969F4C5}">
+      <dsp:nvSpPr>
+        <dsp:cNvPr id="0" name=""/>
+        <dsp:cNvSpPr/>
+      </dsp:nvSpPr>
+      <dsp:spPr>
+        <a:xfrm>
+          <a:off x="4298156" y="1604111"/>
+          <a:ext cx="1939495" cy="673213"/>
+        </a:xfrm>
+        <a:custGeom>
+          <a:avLst/>
+          <a:gdLst/>
+          <a:ahLst/>
+          <a:cxnLst/>
+          <a:rect l="0" t="0" r="0" b="0"/>
+          <a:pathLst>
+            <a:path>
+              <a:moveTo>
+                <a:pt x="0" y="0"/>
+              </a:moveTo>
+              <a:lnTo>
+                <a:pt x="0" y="336606"/>
+              </a:lnTo>
+              <a:lnTo>
+                <a:pt x="1939495" y="336606"/>
+              </a:lnTo>
+              <a:lnTo>
+                <a:pt x="1939495" y="673213"/>
+              </a:lnTo>
+            </a:path>
+          </a:pathLst>
+        </a:custGeom>
+        <a:noFill/>
+        <a:ln w="19050" cap="rnd" cmpd="sng" algn="ctr">
+          <a:solidFill>
+            <a:schemeClr val="accent1">
+              <a:shade val="60000"/>
+              <a:hueOff val="0"/>
+              <a:satOff val="0"/>
+              <a:lumOff val="0"/>
+              <a:alphaOff val="0"/>
+            </a:schemeClr>
+          </a:solidFill>
+          <a:prstDash val="solid"/>
+        </a:ln>
+        <a:effectLst/>
+        <a:scene3d>
+          <a:camera prst="orthographicFront">
+            <a:rot lat="0" lon="0" rev="0"/>
+          </a:camera>
+          <a:lightRig rig="contrasting" dir="t">
+            <a:rot lat="0" lon="0" rev="1200000"/>
+          </a:lightRig>
+        </a:scene3d>
+        <a:sp3d z="-110000"/>
+      </dsp:spPr>
+      <dsp:style>
+        <a:lnRef idx="2">
+          <a:scrgbClr r="0" g="0" b="0"/>
+        </a:lnRef>
+        <a:fillRef idx="0">
+          <a:scrgbClr r="0" g="0" b="0"/>
+        </a:fillRef>
+        <a:effectRef idx="0">
+          <a:scrgbClr r="0" g="0" b="0"/>
+        </a:effectRef>
+        <a:fontRef idx="minor"/>
+      </dsp:style>
+    </dsp:sp>
+    <dsp:sp modelId="{E7177388-EB6E-453D-A761-30B17B5091A8}">
+      <dsp:nvSpPr>
+        <dsp:cNvPr id="0" name=""/>
+        <dsp:cNvSpPr/>
+      </dsp:nvSpPr>
+      <dsp:spPr>
+        <a:xfrm>
+          <a:off x="2358660" y="1604111"/>
+          <a:ext cx="1939495" cy="673213"/>
+        </a:xfrm>
+        <a:custGeom>
+          <a:avLst/>
+          <a:gdLst/>
+          <a:ahLst/>
+          <a:cxnLst/>
+          <a:rect l="0" t="0" r="0" b="0"/>
+          <a:pathLst>
+            <a:path>
+              <a:moveTo>
+                <a:pt x="1939495" y="0"/>
+              </a:moveTo>
+              <a:lnTo>
+                <a:pt x="1939495" y="336606"/>
+              </a:lnTo>
+              <a:lnTo>
+                <a:pt x="0" y="336606"/>
+              </a:lnTo>
+              <a:lnTo>
+                <a:pt x="0" y="673213"/>
+              </a:lnTo>
+            </a:path>
+          </a:pathLst>
+        </a:custGeom>
+        <a:noFill/>
+        <a:ln w="19050" cap="rnd" cmpd="sng" algn="ctr">
+          <a:solidFill>
+            <a:schemeClr val="accent1">
+              <a:shade val="60000"/>
+              <a:hueOff val="0"/>
+              <a:satOff val="0"/>
+              <a:lumOff val="0"/>
+              <a:alphaOff val="0"/>
+            </a:schemeClr>
+          </a:solidFill>
+          <a:prstDash val="solid"/>
+        </a:ln>
+        <a:effectLst/>
+        <a:scene3d>
+          <a:camera prst="orthographicFront">
+            <a:rot lat="0" lon="0" rev="0"/>
+          </a:camera>
+          <a:lightRig rig="contrasting" dir="t">
+            <a:rot lat="0" lon="0" rev="1200000"/>
+          </a:lightRig>
+        </a:scene3d>
+        <a:sp3d z="-110000"/>
+      </dsp:spPr>
+      <dsp:style>
+        <a:lnRef idx="2">
+          <a:scrgbClr r="0" g="0" b="0"/>
+        </a:lnRef>
+        <a:fillRef idx="0">
+          <a:scrgbClr r="0" g="0" b="0"/>
+        </a:fillRef>
+        <a:effectRef idx="0">
+          <a:scrgbClr r="0" g="0" b="0"/>
+        </a:effectRef>
+        <a:fontRef idx="minor"/>
+      </dsp:style>
+    </dsp:sp>
+    <dsp:sp modelId="{BC9E5801-133A-4A10-A5CB-4E77979551B3}">
+      <dsp:nvSpPr>
+        <dsp:cNvPr id="0" name=""/>
+        <dsp:cNvSpPr/>
+      </dsp:nvSpPr>
+      <dsp:spPr>
+        <a:xfrm>
+          <a:off x="3496711" y="1222"/>
+          <a:ext cx="1602888" cy="1602888"/>
+        </a:xfrm>
+        <a:prstGeom prst="arc">
+          <a:avLst>
+            <a:gd name="adj1" fmla="val 13200000"/>
+            <a:gd name="adj2" fmla="val 19200000"/>
+          </a:avLst>
+        </a:prstGeom>
+        <a:noFill/>
+        <a:ln w="19050" cap="rnd" cmpd="sng" algn="ctr">
+          <a:solidFill>
+            <a:schemeClr val="accent1">
+              <a:shade val="60000"/>
+              <a:hueOff val="0"/>
+              <a:satOff val="0"/>
+              <a:lumOff val="0"/>
+              <a:alphaOff val="0"/>
+            </a:schemeClr>
+          </a:solidFill>
+          <a:prstDash val="solid"/>
+        </a:ln>
+        <a:effectLst/>
+        <a:scene3d>
+          <a:camera prst="orthographicFront">
+            <a:rot lat="0" lon="0" rev="0"/>
+          </a:camera>
+          <a:lightRig rig="contrasting" dir="t">
+            <a:rot lat="0" lon="0" rev="1200000"/>
+          </a:lightRig>
+        </a:scene3d>
+        <a:sp3d z="-110000"/>
+      </dsp:spPr>
+      <dsp:style>
+        <a:lnRef idx="2">
+          <a:scrgbClr r="0" g="0" b="0"/>
+        </a:lnRef>
+        <a:fillRef idx="0">
+          <a:scrgbClr r="0" g="0" b="0"/>
+        </a:fillRef>
+        <a:effectRef idx="0">
+          <a:scrgbClr r="0" g="0" b="0"/>
+        </a:effectRef>
+        <a:fontRef idx="minor"/>
+      </dsp:style>
+    </dsp:sp>
+    <dsp:sp modelId="{CF140687-5CB3-47D3-A5BE-06088E1355AD}">
+      <dsp:nvSpPr>
+        <dsp:cNvPr id="0" name=""/>
+        <dsp:cNvSpPr/>
+      </dsp:nvSpPr>
+      <dsp:spPr>
+        <a:xfrm>
+          <a:off x="3496711" y="1222"/>
+          <a:ext cx="1602888" cy="1602888"/>
+        </a:xfrm>
+        <a:prstGeom prst="arc">
+          <a:avLst>
+            <a:gd name="adj1" fmla="val 2400000"/>
+            <a:gd name="adj2" fmla="val 8400000"/>
+          </a:avLst>
+        </a:prstGeom>
+        <a:noFill/>
+        <a:ln w="19050" cap="rnd" cmpd="sng" algn="ctr">
+          <a:solidFill>
+            <a:schemeClr val="accent1">
+              <a:shade val="60000"/>
+              <a:hueOff val="0"/>
+              <a:satOff val="0"/>
+              <a:lumOff val="0"/>
+              <a:alphaOff val="0"/>
+            </a:schemeClr>
+          </a:solidFill>
+          <a:prstDash val="solid"/>
+        </a:ln>
+        <a:effectLst/>
+        <a:scene3d>
+          <a:camera prst="orthographicFront">
+            <a:rot lat="0" lon="0" rev="0"/>
+          </a:camera>
+          <a:lightRig rig="contrasting" dir="t">
+            <a:rot lat="0" lon="0" rev="1200000"/>
+          </a:lightRig>
+        </a:scene3d>
+        <a:sp3d z="-110000"/>
+      </dsp:spPr>
+      <dsp:style>
+        <a:lnRef idx="2">
+          <a:scrgbClr r="0" g="0" b="0"/>
+        </a:lnRef>
+        <a:fillRef idx="0">
+          <a:scrgbClr r="0" g="0" b="0"/>
+        </a:fillRef>
+        <a:effectRef idx="0">
+          <a:scrgbClr r="0" g="0" b="0"/>
+        </a:effectRef>
+        <a:fontRef idx="minor"/>
+      </dsp:style>
+    </dsp:sp>
+    <dsp:sp modelId="{16BBD506-B279-4466-8938-886EF0467E61}">
+      <dsp:nvSpPr>
+        <dsp:cNvPr id="0" name=""/>
+        <dsp:cNvSpPr/>
+      </dsp:nvSpPr>
+      <dsp:spPr>
+        <a:xfrm>
+          <a:off x="2695267" y="289742"/>
+          <a:ext cx="3205777" cy="1025848"/>
+        </a:xfrm>
+        <a:prstGeom prst="rect">
+          <a:avLst/>
+        </a:prstGeom>
+        <a:noFill/>
+        <a:ln>
+          <a:noFill/>
+        </a:ln>
+        <a:effectLst/>
+        <a:scene3d>
+          <a:camera prst="orthographicFront">
+            <a:rot lat="0" lon="0" rev="0"/>
+          </a:camera>
+          <a:lightRig rig="contrasting" dir="t">
+            <a:rot lat="0" lon="0" rev="1200000"/>
+          </a:lightRig>
+        </a:scene3d>
+        <a:sp3d/>
+      </dsp:spPr>
+      <dsp:style>
+        <a:lnRef idx="0">
+          <a:scrgbClr r="0" g="0" b="0"/>
+        </a:lnRef>
+        <a:fillRef idx="1">
+          <a:scrgbClr r="0" g="0" b="0"/>
+        </a:fillRef>
+        <a:effectRef idx="0">
+          <a:scrgbClr r="0" g="0" b="0"/>
+        </a:effectRef>
+        <a:fontRef idx="minor"/>
+      </dsp:style>
+      <dsp:txBody>
+        <a:bodyPr spcFirstLastPara="0" vert="horz" wrap="square" lIns="22860" tIns="22860" rIns="22860" bIns="22860" numCol="1" spcCol="1270" anchor="ctr" anchorCtr="0">
+          <a:noAutofit/>
+        </a:bodyPr>
+        <a:lstStyle/>
+        <a:p>
+          <a:pPr lvl="0" algn="ctr" defTabSz="1600200">
+            <a:lnSpc>
+              <a:spcPct val="90000"/>
+            </a:lnSpc>
+            <a:spcBef>
+              <a:spcPct val="0"/>
+            </a:spcBef>
+            <a:spcAft>
+              <a:spcPct val="35000"/>
+            </a:spcAft>
+          </a:pPr>
+          <a:r>
+            <a:rPr lang="cs-CZ" sz="3600" kern="1200" dirty="0" smtClean="0"/>
+            <a:t>GUI</a:t>
+          </a:r>
+          <a:endParaRPr lang="cs-CZ" sz="3600" kern="1200" dirty="0"/>
+        </a:p>
+      </dsp:txBody>
+      <dsp:txXfrm>
+        <a:off x="2695267" y="289742"/>
+        <a:ext cx="3205777" cy="1025848"/>
+      </dsp:txXfrm>
+    </dsp:sp>
+    <dsp:sp modelId="{9F87BEBD-B993-4865-BC40-3CF847E3EF29}">
+      <dsp:nvSpPr>
+        <dsp:cNvPr id="0" name=""/>
+        <dsp:cNvSpPr/>
+      </dsp:nvSpPr>
+      <dsp:spPr>
+        <a:xfrm>
+          <a:off x="1557215" y="2277325"/>
+          <a:ext cx="1602888" cy="1602888"/>
+        </a:xfrm>
+        <a:prstGeom prst="arc">
+          <a:avLst>
+            <a:gd name="adj1" fmla="val 13200000"/>
+            <a:gd name="adj2" fmla="val 19200000"/>
+          </a:avLst>
+        </a:prstGeom>
+        <a:noFill/>
+        <a:ln w="19050" cap="rnd" cmpd="sng" algn="ctr">
+          <a:solidFill>
+            <a:schemeClr val="accent1">
+              <a:shade val="60000"/>
+              <a:hueOff val="0"/>
+              <a:satOff val="0"/>
+              <a:lumOff val="0"/>
+              <a:alphaOff val="0"/>
+            </a:schemeClr>
+          </a:solidFill>
+          <a:prstDash val="solid"/>
+        </a:ln>
+        <a:effectLst/>
+        <a:scene3d>
+          <a:camera prst="orthographicFront">
+            <a:rot lat="0" lon="0" rev="0"/>
+          </a:camera>
+          <a:lightRig rig="contrasting" dir="t">
+            <a:rot lat="0" lon="0" rev="1200000"/>
+          </a:lightRig>
+        </a:scene3d>
+        <a:sp3d z="-110000"/>
+      </dsp:spPr>
+      <dsp:style>
+        <a:lnRef idx="2">
+          <a:scrgbClr r="0" g="0" b="0"/>
+        </a:lnRef>
+        <a:fillRef idx="0">
+          <a:scrgbClr r="0" g="0" b="0"/>
+        </a:fillRef>
+        <a:effectRef idx="0">
+          <a:scrgbClr r="0" g="0" b="0"/>
+        </a:effectRef>
+        <a:fontRef idx="minor"/>
+      </dsp:style>
+    </dsp:sp>
+    <dsp:sp modelId="{E01F4C09-61D8-42CE-9919-7857D7898DA4}">
+      <dsp:nvSpPr>
+        <dsp:cNvPr id="0" name=""/>
+        <dsp:cNvSpPr/>
+      </dsp:nvSpPr>
+      <dsp:spPr>
+        <a:xfrm>
+          <a:off x="1557215" y="2277325"/>
+          <a:ext cx="1602888" cy="1602888"/>
+        </a:xfrm>
+        <a:prstGeom prst="arc">
+          <a:avLst>
+            <a:gd name="adj1" fmla="val 2400000"/>
+            <a:gd name="adj2" fmla="val 8400000"/>
+          </a:avLst>
+        </a:prstGeom>
+        <a:noFill/>
+        <a:ln w="19050" cap="rnd" cmpd="sng" algn="ctr">
+          <a:solidFill>
+            <a:schemeClr val="accent1">
+              <a:shade val="60000"/>
+              <a:hueOff val="0"/>
+              <a:satOff val="0"/>
+              <a:lumOff val="0"/>
+              <a:alphaOff val="0"/>
+            </a:schemeClr>
+          </a:solidFill>
+          <a:prstDash val="solid"/>
+        </a:ln>
+        <a:effectLst/>
+        <a:scene3d>
+          <a:camera prst="orthographicFront">
+            <a:rot lat="0" lon="0" rev="0"/>
+          </a:camera>
+          <a:lightRig rig="contrasting" dir="t">
+            <a:rot lat="0" lon="0" rev="1200000"/>
+          </a:lightRig>
+        </a:scene3d>
+        <a:sp3d z="-110000"/>
+      </dsp:spPr>
+      <dsp:style>
+        <a:lnRef idx="2">
+          <a:scrgbClr r="0" g="0" b="0"/>
+        </a:lnRef>
+        <a:fillRef idx="0">
+          <a:scrgbClr r="0" g="0" b="0"/>
+        </a:fillRef>
+        <a:effectRef idx="0">
+          <a:scrgbClr r="0" g="0" b="0"/>
+        </a:effectRef>
+        <a:fontRef idx="minor"/>
+      </dsp:style>
+    </dsp:sp>
+    <dsp:sp modelId="{81412828-54F0-44BA-A945-0411401F368A}">
+      <dsp:nvSpPr>
+        <dsp:cNvPr id="0" name=""/>
+        <dsp:cNvSpPr/>
+      </dsp:nvSpPr>
+      <dsp:spPr>
+        <a:xfrm>
+          <a:off x="755771" y="2565845"/>
+          <a:ext cx="3205777" cy="1025848"/>
+        </a:xfrm>
+        <a:prstGeom prst="rect">
+          <a:avLst/>
+        </a:prstGeom>
+        <a:noFill/>
+        <a:ln>
+          <a:noFill/>
+        </a:ln>
+        <a:effectLst/>
+        <a:scene3d>
+          <a:camera prst="orthographicFront">
+            <a:rot lat="0" lon="0" rev="0"/>
+          </a:camera>
+          <a:lightRig rig="contrasting" dir="t">
+            <a:rot lat="0" lon="0" rev="1200000"/>
+          </a:lightRig>
+        </a:scene3d>
+        <a:sp3d/>
+      </dsp:spPr>
+      <dsp:style>
+        <a:lnRef idx="0">
+          <a:scrgbClr r="0" g="0" b="0"/>
+        </a:lnRef>
+        <a:fillRef idx="1">
+          <a:scrgbClr r="0" g="0" b="0"/>
+        </a:fillRef>
+        <a:effectRef idx="0">
+          <a:scrgbClr r="0" g="0" b="0"/>
+        </a:effectRef>
+        <a:fontRef idx="minor"/>
+      </dsp:style>
+      <dsp:txBody>
+        <a:bodyPr spcFirstLastPara="0" vert="horz" wrap="square" lIns="22860" tIns="22860" rIns="22860" bIns="22860" numCol="1" spcCol="1270" anchor="ctr" anchorCtr="0">
+          <a:noAutofit/>
+        </a:bodyPr>
+        <a:lstStyle/>
+        <a:p>
+          <a:pPr lvl="0" algn="ctr" defTabSz="1600200">
+            <a:lnSpc>
+              <a:spcPct val="90000"/>
+            </a:lnSpc>
+            <a:spcBef>
+              <a:spcPct val="0"/>
+            </a:spcBef>
+            <a:spcAft>
+              <a:spcPct val="35000"/>
+            </a:spcAft>
+          </a:pPr>
+          <a:r>
+            <a:rPr lang="cs-CZ" sz="3600" kern="1200" dirty="0" smtClean="0"/>
+            <a:t>Kalibrace</a:t>
+          </a:r>
+          <a:endParaRPr lang="cs-CZ" sz="3600" kern="1200" dirty="0"/>
+        </a:p>
+      </dsp:txBody>
+      <dsp:txXfrm>
+        <a:off x="755771" y="2565845"/>
+        <a:ext cx="3205777" cy="1025848"/>
+      </dsp:txXfrm>
+    </dsp:sp>
+    <dsp:sp modelId="{9DD10EF7-FE0B-48F4-A210-6FA9B5DF3BCD}">
+      <dsp:nvSpPr>
+        <dsp:cNvPr id="0" name=""/>
+        <dsp:cNvSpPr/>
+      </dsp:nvSpPr>
+      <dsp:spPr>
+        <a:xfrm>
+          <a:off x="5436207" y="2277325"/>
+          <a:ext cx="1602888" cy="1602888"/>
+        </a:xfrm>
+        <a:prstGeom prst="arc">
+          <a:avLst>
+            <a:gd name="adj1" fmla="val 13200000"/>
+            <a:gd name="adj2" fmla="val 19200000"/>
+          </a:avLst>
+        </a:prstGeom>
+        <a:noFill/>
+        <a:ln w="19050" cap="rnd" cmpd="sng" algn="ctr">
+          <a:solidFill>
+            <a:schemeClr val="accent1">
+              <a:shade val="60000"/>
+              <a:hueOff val="0"/>
+              <a:satOff val="0"/>
+              <a:lumOff val="0"/>
+              <a:alphaOff val="0"/>
+            </a:schemeClr>
+          </a:solidFill>
+          <a:prstDash val="solid"/>
+        </a:ln>
+        <a:effectLst/>
+        <a:scene3d>
+          <a:camera prst="orthographicFront">
+            <a:rot lat="0" lon="0" rev="0"/>
+          </a:camera>
+          <a:lightRig rig="contrasting" dir="t">
+            <a:rot lat="0" lon="0" rev="1200000"/>
+          </a:lightRig>
+        </a:scene3d>
+        <a:sp3d z="-110000"/>
+      </dsp:spPr>
+      <dsp:style>
+        <a:lnRef idx="2">
+          <a:scrgbClr r="0" g="0" b="0"/>
+        </a:lnRef>
+        <a:fillRef idx="0">
+          <a:scrgbClr r="0" g="0" b="0"/>
+        </a:fillRef>
+        <a:effectRef idx="0">
+          <a:scrgbClr r="0" g="0" b="0"/>
+        </a:effectRef>
+        <a:fontRef idx="minor"/>
+      </dsp:style>
+    </dsp:sp>
+    <dsp:sp modelId="{9880B007-7DDC-4D68-8E0B-52B63B7A409A}">
+      <dsp:nvSpPr>
+        <dsp:cNvPr id="0" name=""/>
+        <dsp:cNvSpPr/>
+      </dsp:nvSpPr>
+      <dsp:spPr>
+        <a:xfrm>
+          <a:off x="5436207" y="2277325"/>
+          <a:ext cx="1602888" cy="1602888"/>
+        </a:xfrm>
+        <a:prstGeom prst="arc">
+          <a:avLst>
+            <a:gd name="adj1" fmla="val 2400000"/>
+            <a:gd name="adj2" fmla="val 8400000"/>
+          </a:avLst>
+        </a:prstGeom>
+        <a:noFill/>
+        <a:ln w="19050" cap="rnd" cmpd="sng" algn="ctr">
+          <a:solidFill>
+            <a:schemeClr val="accent1">
+              <a:shade val="60000"/>
+              <a:hueOff val="0"/>
+              <a:satOff val="0"/>
+              <a:lumOff val="0"/>
+              <a:alphaOff val="0"/>
+            </a:schemeClr>
+          </a:solidFill>
+          <a:prstDash val="solid"/>
+        </a:ln>
+        <a:effectLst/>
+        <a:scene3d>
+          <a:camera prst="orthographicFront">
+            <a:rot lat="0" lon="0" rev="0"/>
+          </a:camera>
+          <a:lightRig rig="contrasting" dir="t">
+            <a:rot lat="0" lon="0" rev="1200000"/>
+          </a:lightRig>
+        </a:scene3d>
+        <a:sp3d z="-110000"/>
+      </dsp:spPr>
+      <dsp:style>
+        <a:lnRef idx="2">
+          <a:scrgbClr r="0" g="0" b="0"/>
+        </a:lnRef>
+        <a:fillRef idx="0">
+          <a:scrgbClr r="0" g="0" b="0"/>
+        </a:fillRef>
+        <a:effectRef idx="0">
+          <a:scrgbClr r="0" g="0" b="0"/>
+        </a:effectRef>
+        <a:fontRef idx="minor"/>
+      </dsp:style>
+    </dsp:sp>
+    <dsp:sp modelId="{69BE21C6-CF53-46E7-8B11-140CC76B57DF}">
+      <dsp:nvSpPr>
+        <dsp:cNvPr id="0" name=""/>
+        <dsp:cNvSpPr/>
+      </dsp:nvSpPr>
+      <dsp:spPr>
+        <a:xfrm>
+          <a:off x="4634762" y="2565845"/>
+          <a:ext cx="3205777" cy="1025848"/>
+        </a:xfrm>
+        <a:prstGeom prst="rect">
+          <a:avLst/>
+        </a:prstGeom>
+        <a:noFill/>
+        <a:ln>
+          <a:noFill/>
+        </a:ln>
+        <a:effectLst/>
+        <a:scene3d>
+          <a:camera prst="orthographicFront">
+            <a:rot lat="0" lon="0" rev="0"/>
+          </a:camera>
+          <a:lightRig rig="contrasting" dir="t">
+            <a:rot lat="0" lon="0" rev="1200000"/>
+          </a:lightRig>
+        </a:scene3d>
+        <a:sp3d/>
+      </dsp:spPr>
+      <dsp:style>
+        <a:lnRef idx="0">
+          <a:scrgbClr r="0" g="0" b="0"/>
+        </a:lnRef>
+        <a:fillRef idx="1">
+          <a:scrgbClr r="0" g="0" b="0"/>
+        </a:fillRef>
+        <a:effectRef idx="0">
+          <a:scrgbClr r="0" g="0" b="0"/>
+        </a:effectRef>
+        <a:fontRef idx="minor"/>
+      </dsp:style>
+      <dsp:txBody>
+        <a:bodyPr spcFirstLastPara="0" vert="horz" wrap="square" lIns="22860" tIns="22860" rIns="22860" bIns="22860" numCol="1" spcCol="1270" anchor="ctr" anchorCtr="0">
+          <a:noAutofit/>
+        </a:bodyPr>
+        <a:lstStyle/>
+        <a:p>
+          <a:pPr lvl="0" algn="ctr" defTabSz="1600200">
+            <a:lnSpc>
+              <a:spcPct val="90000"/>
+            </a:lnSpc>
+            <a:spcBef>
+              <a:spcPct val="0"/>
+            </a:spcBef>
+            <a:spcAft>
+              <a:spcPct val="35000"/>
+            </a:spcAft>
+          </a:pPr>
+          <a:r>
+            <a:rPr lang="cs-CZ" sz="3600" kern="1200" dirty="0" smtClean="0"/>
+            <a:t>Navigace uživatele</a:t>
+          </a:r>
+          <a:endParaRPr lang="cs-CZ" sz="3600" kern="1200" dirty="0"/>
+        </a:p>
+      </dsp:txBody>
+      <dsp:txXfrm>
+        <a:off x="4634762" y="2565845"/>
+        <a:ext cx="3205777" cy="1025848"/>
       </dsp:txXfrm>
     </dsp:sp>
   </dsp:spTree>
@@ -2087,12 +3751,1307 @@
 </dgm:layoutDef>
 </file>
 
-<file path=ppt/diagrams/quickStyle1.xml><?xml version="1.0" encoding="utf-8"?>
-<dgm:styleDef xmlns:dgm="http://schemas.openxmlformats.org/drawingml/2006/diagram" xmlns:a="http://schemas.openxmlformats.org/drawingml/2006/main" uniqueId="urn:microsoft.com/office/officeart/2005/8/quickstyle/3d1">
+<file path=ppt/diagrams/layout2.xml><?xml version="1.0" encoding="utf-8"?>
+<dgm:layoutDef xmlns:dgm="http://schemas.openxmlformats.org/drawingml/2006/diagram" xmlns:a="http://schemas.openxmlformats.org/drawingml/2006/main" uniqueId="urn:microsoft.com/office/officeart/2008/layout/HalfCircleOrganizationChart">
   <dgm:title val=""/>
   <dgm:desc val=""/>
   <dgm:catLst>
-    <dgm:cat type="3D" pri="11100"/>
+    <dgm:cat type="hierarchy" pri="1500"/>
+  </dgm:catLst>
+  <dgm:sampData>
+    <dgm:dataModel>
+      <dgm:ptLst>
+        <dgm:pt modelId="0" type="doc"/>
+        <dgm:pt modelId="1">
+          <dgm:prSet phldr="1"/>
+        </dgm:pt>
+        <dgm:pt modelId="11" type="asst">
+          <dgm:prSet phldr="1"/>
+        </dgm:pt>
+        <dgm:pt modelId="12">
+          <dgm:prSet phldr="1"/>
+        </dgm:pt>
+        <dgm:pt modelId="13">
+          <dgm:prSet phldr="1"/>
+        </dgm:pt>
+        <dgm:pt modelId="14">
+          <dgm:prSet phldr="1"/>
+        </dgm:pt>
+      </dgm:ptLst>
+      <dgm:cxnLst>
+        <dgm:cxn modelId="2" srcId="0" destId="1" srcOrd="0" destOrd="0"/>
+        <dgm:cxn modelId="15" srcId="1" destId="11" srcOrd="0" destOrd="0"/>
+        <dgm:cxn modelId="16" srcId="1" destId="12" srcOrd="1" destOrd="0"/>
+        <dgm:cxn modelId="17" srcId="1" destId="13" srcOrd="2" destOrd="0"/>
+        <dgm:cxn modelId="18" srcId="1" destId="14" srcOrd="2" destOrd="0"/>
+      </dgm:cxnLst>
+      <dgm:bg/>
+      <dgm:whole/>
+    </dgm:dataModel>
+  </dgm:sampData>
+  <dgm:styleData>
+    <dgm:dataModel>
+      <dgm:ptLst>
+        <dgm:pt modelId="0" type="doc"/>
+        <dgm:pt modelId="1">
+          <dgm:prSet phldr="1"/>
+        </dgm:pt>
+        <dgm:pt modelId="11">
+          <dgm:prSet phldr="1"/>
+        </dgm:pt>
+        <dgm:pt modelId="12">
+          <dgm:prSet phldr="1"/>
+        </dgm:pt>
+      </dgm:ptLst>
+      <dgm:cxnLst>
+        <dgm:cxn modelId="2" srcId="0" destId="1" srcOrd="0" destOrd="0"/>
+        <dgm:cxn modelId="3" srcId="1" destId="11" srcOrd="0" destOrd="0"/>
+        <dgm:cxn modelId="4" srcId="1" destId="12" srcOrd="1" destOrd="0"/>
+      </dgm:cxnLst>
+      <dgm:bg/>
+      <dgm:whole/>
+    </dgm:dataModel>
+  </dgm:styleData>
+  <dgm:clrData>
+    <dgm:dataModel>
+      <dgm:ptLst>
+        <dgm:pt modelId="0" type="doc"/>
+        <dgm:pt modelId="1">
+          <dgm:prSet phldr="1"/>
+        </dgm:pt>
+        <dgm:pt modelId="11" type="asst">
+          <dgm:prSet phldr="1"/>
+        </dgm:pt>
+        <dgm:pt modelId="12">
+          <dgm:prSet phldr="1"/>
+        </dgm:pt>
+        <dgm:pt modelId="13">
+          <dgm:prSet phldr="1"/>
+        </dgm:pt>
+        <dgm:pt modelId="14">
+          <dgm:prSet phldr="1"/>
+        </dgm:pt>
+      </dgm:ptLst>
+      <dgm:cxnLst>
+        <dgm:cxn modelId="2" srcId="0" destId="1" srcOrd="0" destOrd="0"/>
+        <dgm:cxn modelId="15" srcId="1" destId="11" srcOrd="0" destOrd="0"/>
+        <dgm:cxn modelId="16" srcId="1" destId="12" srcOrd="1" destOrd="0"/>
+        <dgm:cxn modelId="17" srcId="1" destId="13" srcOrd="2" destOrd="0"/>
+        <dgm:cxn modelId="18" srcId="1" destId="14" srcOrd="2" destOrd="0"/>
+      </dgm:cxnLst>
+      <dgm:bg/>
+      <dgm:whole/>
+    </dgm:dataModel>
+  </dgm:clrData>
+  <dgm:layoutNode name="Name0">
+    <dgm:varLst>
+      <dgm:orgChart val="1"/>
+      <dgm:chPref val="1"/>
+      <dgm:dir/>
+      <dgm:animOne val="branch"/>
+      <dgm:animLvl val="lvl"/>
+      <dgm:resizeHandles/>
+    </dgm:varLst>
+    <dgm:choose name="Name1">
+      <dgm:if name="Name2" func="var" arg="dir" op="equ" val="norm">
+        <dgm:alg type="hierChild">
+          <dgm:param type="linDir" val="fromL"/>
+        </dgm:alg>
+      </dgm:if>
+      <dgm:else name="Name3">
+        <dgm:alg type="hierChild">
+          <dgm:param type="linDir" val="fromR"/>
+        </dgm:alg>
+      </dgm:else>
+    </dgm:choose>
+    <dgm:shape xmlns:r="http://schemas.openxmlformats.org/officeDocument/2006/relationships" r:blip="">
+      <dgm:adjLst/>
+    </dgm:shape>
+    <dgm:presOf/>
+    <dgm:constrLst>
+      <dgm:constr type="w" for="des" forName="rootComposite1" refType="w" fact="10"/>
+      <dgm:constr type="h" for="des" forName="rootComposite1" refType="w" refFor="des" refForName="rootComposite1" fact="0.5"/>
+      <dgm:constr type="w" for="des" forName="rootComposite2" refType="w" fact="10"/>
+      <dgm:constr type="h" for="des" forName="rootComposite2" refType="w" refFor="des" refForName="rootComposite1" fact="0.5"/>
+      <dgm:constr type="w" for="des" forName="rootComposite3" refType="w" fact="10"/>
+      <dgm:constr type="h" for="des" forName="rootComposite3" refType="w" refFor="des" refForName="rootComposite1" fact="0.5"/>
+      <dgm:constr type="primFontSz" for="des" ptType="node" op="equ"/>
+      <dgm:constr type="sp" for="des" op="equ"/>
+      <dgm:constr type="sp" for="des" forName="hierRoot1" refType="w" refFor="des" refForName="rootComposite1" fact="0.21"/>
+      <dgm:constr type="sp" for="des" forName="hierRoot2" refType="sp" refFor="des" refForName="hierRoot1"/>
+      <dgm:constr type="sp" for="des" forName="hierRoot3" refType="sp" refFor="des" refForName="hierRoot1"/>
+      <dgm:constr type="sibSp" refType="w" refFor="des" refForName="rootComposite1" fact="0.21"/>
+      <dgm:constr type="sibSp" for="des" forName="hierChild2" refType="sibSp"/>
+      <dgm:constr type="sibSp" for="des" forName="hierChild3" refType="sibSp"/>
+      <dgm:constr type="sibSp" for="des" forName="hierChild4" refType="sibSp"/>
+      <dgm:constr type="sibSp" for="des" forName="hierChild5" refType="sibSp"/>
+      <dgm:constr type="sibSp" for="des" forName="hierChild6" refType="sibSp"/>
+      <dgm:constr type="sibSp" for="des" forName="hierChild7" refType="sibSp"/>
+      <dgm:constr type="secSibSp" refType="w" refFor="des" refForName="rootComposite1" fact="0.21"/>
+      <dgm:constr type="secSibSp" for="des" forName="hierChild2" refType="secSibSp"/>
+      <dgm:constr type="secSibSp" for="des" forName="hierChild3" refType="secSibSp"/>
+      <dgm:constr type="secSibSp" for="des" forName="hierChild4" refType="secSibSp"/>
+      <dgm:constr type="secSibSp" for="des" forName="hierChild5" refType="secSibSp"/>
+      <dgm:constr type="secSibSp" for="des" forName="hierChild6" refType="secSibSp"/>
+      <dgm:constr type="secSibSp" for="des" forName="hierChild7" refType="secSibSp"/>
+    </dgm:constrLst>
+    <dgm:forEach name="Name4" axis="ch">
+      <dgm:forEach name="Name5" axis="self" ptType="node">
+        <dgm:layoutNode name="hierRoot1">
+          <dgm:varLst>
+            <dgm:hierBranch val="init"/>
+          </dgm:varLst>
+          <dgm:choose name="Name6">
+            <dgm:if name="Name7" func="var" arg="hierBranch" op="equ" val="l">
+              <dgm:alg type="hierRoot">
+                <dgm:param type="hierAlign" val="tR"/>
+              </dgm:alg>
+              <dgm:constrLst>
+                <dgm:constr type="alignOff" val="0.65"/>
+              </dgm:constrLst>
+            </dgm:if>
+            <dgm:if name="Name8" func="var" arg="hierBranch" op="equ" val="r">
+              <dgm:alg type="hierRoot">
+                <dgm:param type="hierAlign" val="tL"/>
+              </dgm:alg>
+              <dgm:constrLst>
+                <dgm:constr type="alignOff" val="0.65"/>
+              </dgm:constrLst>
+            </dgm:if>
+            <dgm:if name="Name9" func="var" arg="hierBranch" op="equ" val="hang">
+              <dgm:alg type="hierRoot"/>
+              <dgm:constrLst>
+                <dgm:constr type="alignOff" val="0.65"/>
+              </dgm:constrLst>
+            </dgm:if>
+            <dgm:else name="Name10">
+              <dgm:alg type="hierRoot"/>
+              <dgm:constrLst>
+                <dgm:constr type="alignOff"/>
+                <dgm:constr type="bendDist" for="des" ptType="parTrans" refType="sp" fact="0.5"/>
+              </dgm:constrLst>
+            </dgm:else>
+          </dgm:choose>
+          <dgm:shape xmlns:r="http://schemas.openxmlformats.org/officeDocument/2006/relationships" r:blip="">
+            <dgm:adjLst/>
+          </dgm:shape>
+          <dgm:presOf/>
+          <dgm:layoutNode name="rootComposite1">
+            <dgm:alg type="composite"/>
+            <dgm:shape xmlns:r="http://schemas.openxmlformats.org/officeDocument/2006/relationships" r:blip="">
+              <dgm:adjLst/>
+            </dgm:shape>
+            <dgm:presOf axis="self" ptType="node" cnt="1"/>
+            <dgm:choose name="Name11">
+              <dgm:if name="Name12" func="var" arg="hierBranch" op="equ" val="init">
+                <dgm:constrLst>
+                  <dgm:constr type="l" for="ch" forName="rootText1"/>
+                  <dgm:constr type="t" for="ch" forName="rootText1" refType="h" fact="0.18"/>
+                  <dgm:constr type="w" for="ch" forName="rootText1" refType="w"/>
+                  <dgm:constr type="h" for="ch" forName="rootText1" refType="h" fact="0.64"/>
+                  <dgm:constr type="l" for="ch" forName="topArc1" refType="w" fact="0.25"/>
+                  <dgm:constr type="t" for="ch" forName="topArc1"/>
+                  <dgm:constr type="w" for="ch" forName="topArc1" refType="h" refFor="ch" refForName="topArc1"/>
+                  <dgm:constr type="h" for="ch" forName="topArc1" refType="h"/>
+                  <dgm:constr type="l" for="ch" forName="bottomArc1" refType="w" fact="0.25"/>
+                  <dgm:constr type="t" for="ch" forName="bottomArc1"/>
+                  <dgm:constr type="w" for="ch" forName="bottomArc1" refType="h" refFor="ch" refForName="bottomArc1"/>
+                  <dgm:constr type="h" for="ch" forName="bottomArc1" refType="h"/>
+                  <dgm:constr type="ctrX" for="ch" forName="topConnNode1" refType="w" fact="0.5"/>
+                  <dgm:constr type="t" for="ch" forName="topConnNode1"/>
+                  <dgm:constr type="w" for="ch" forName="topConnNode1" refType="h" fact="0.76"/>
+                  <dgm:constr type="b" for="ch" forName="topConnNode1" refType="t" refFor="ch" refForName="rootText1"/>
+                </dgm:constrLst>
+              </dgm:if>
+              <dgm:if name="Name13" func="var" arg="hierBranch" op="equ" val="l">
+                <dgm:constrLst>
+                  <dgm:constr type="l" for="ch" forName="rootText1"/>
+                  <dgm:constr type="t" for="ch" forName="rootText1" refType="h" fact="0.18"/>
+                  <dgm:constr type="w" for="ch" forName="rootText1" refType="w"/>
+                  <dgm:constr type="h" for="ch" forName="rootText1" refType="h" fact="0.64"/>
+                  <dgm:constr type="l" for="ch" forName="topArc1" refType="w" fact="0.25"/>
+                  <dgm:constr type="t" for="ch" forName="topArc1"/>
+                  <dgm:constr type="w" for="ch" forName="topArc1" refType="h" refFor="ch" refForName="topArc1"/>
+                  <dgm:constr type="h" for="ch" forName="topArc1" refType="h"/>
+                  <dgm:constr type="l" for="ch" forName="bottomArc1" refType="w" fact="0.25"/>
+                  <dgm:constr type="t" for="ch" forName="bottomArc1"/>
+                  <dgm:constr type="w" for="ch" forName="bottomArc1" refType="h" refFor="ch" refForName="bottomArc1"/>
+                  <dgm:constr type="h" for="ch" forName="bottomArc1" refType="h"/>
+                  <dgm:constr type="ctrX" for="ch" forName="topConnNode1" refType="w" fact="0.5"/>
+                  <dgm:constr type="t" for="ch" forName="topConnNode1"/>
+                  <dgm:constr type="w" for="ch" forName="topConnNode1" refType="h" fact="0.76"/>
+                  <dgm:constr type="b" for="ch" forName="topConnNode1" refType="t" refFor="ch" refForName="rootText1"/>
+                </dgm:constrLst>
+              </dgm:if>
+              <dgm:if name="Name14" func="var" arg="hierBranch" op="equ" val="r">
+                <dgm:constrLst>
+                  <dgm:constr type="l" for="ch" forName="rootText1"/>
+                  <dgm:constr type="t" for="ch" forName="rootText1" refType="h" fact="0.18"/>
+                  <dgm:constr type="w" for="ch" forName="rootText1" refType="w"/>
+                  <dgm:constr type="h" for="ch" forName="rootText1" refType="h" fact="0.64"/>
+                  <dgm:constr type="l" for="ch" forName="topArc1" refType="w" fact="0.25"/>
+                  <dgm:constr type="t" for="ch" forName="topArc1"/>
+                  <dgm:constr type="w" for="ch" forName="topArc1" refType="h" refFor="ch" refForName="topArc1"/>
+                  <dgm:constr type="h" for="ch" forName="topArc1" refType="h"/>
+                  <dgm:constr type="l" for="ch" forName="bottomArc1" refType="w" fact="0.25"/>
+                  <dgm:constr type="t" for="ch" forName="bottomArc1"/>
+                  <dgm:constr type="w" for="ch" forName="bottomArc1" refType="h" refFor="ch" refForName="bottomArc1"/>
+                  <dgm:constr type="h" for="ch" forName="bottomArc1" refType="h"/>
+                  <dgm:constr type="ctrX" for="ch" forName="topConnNode1" refType="w" fact="0.5"/>
+                  <dgm:constr type="t" for="ch" forName="topConnNode1"/>
+                  <dgm:constr type="w" for="ch" forName="topConnNode1" refType="h" fact="0.76"/>
+                  <dgm:constr type="b" for="ch" forName="topConnNode1" refType="t" refFor="ch" refForName="rootText1"/>
+                </dgm:constrLst>
+              </dgm:if>
+              <dgm:else name="Name15">
+                <dgm:constrLst>
+                  <dgm:constr type="l" for="ch" forName="rootText1"/>
+                  <dgm:constr type="t" for="ch" forName="rootText1" refType="h" fact="0.18"/>
+                  <dgm:constr type="w" for="ch" forName="rootText1" refType="w"/>
+                  <dgm:constr type="h" for="ch" forName="rootText1" refType="h" fact="0.64"/>
+                  <dgm:constr type="l" for="ch" forName="topArc1" refType="w" fact="0.25"/>
+                  <dgm:constr type="t" for="ch" forName="topArc1"/>
+                  <dgm:constr type="w" for="ch" forName="topArc1" refType="h" refFor="ch" refForName="topArc1"/>
+                  <dgm:constr type="h" for="ch" forName="topArc1" refType="h"/>
+                  <dgm:constr type="l" for="ch" forName="bottomArc1" refType="w" fact="0.25"/>
+                  <dgm:constr type="t" for="ch" forName="bottomArc1"/>
+                  <dgm:constr type="w" for="ch" forName="bottomArc1" refType="h" refFor="ch" refForName="bottomArc1"/>
+                  <dgm:constr type="h" for="ch" forName="bottomArc1" refType="h"/>
+                  <dgm:constr type="ctrX" for="ch" forName="topConnNode1" refType="w" fact="0.5"/>
+                  <dgm:constr type="t" for="ch" forName="topConnNode1"/>
+                  <dgm:constr type="w" for="ch" forName="topConnNode1" refType="h" fact="0.76"/>
+                  <dgm:constr type="b" for="ch" forName="topConnNode1" refType="t" refFor="ch" refForName="rootText1"/>
+                </dgm:constrLst>
+              </dgm:else>
+            </dgm:choose>
+            <dgm:layoutNode name="rootText1" styleLbl="alignAcc1">
+              <dgm:varLst>
+                <dgm:chPref val="3"/>
+              </dgm:varLst>
+              <dgm:alg type="tx"/>
+              <dgm:shape xmlns:r="http://schemas.openxmlformats.org/officeDocument/2006/relationships" type="rect" r:blip="" hideGeom="1">
+                <dgm:adjLst/>
+              </dgm:shape>
+              <dgm:presOf axis="self" ptType="node" cnt="1"/>
+              <dgm:constrLst>
+                <dgm:constr type="primFontSz" val="65"/>
+                <dgm:constr type="lMarg" refType="primFontSz" fact="0.05"/>
+                <dgm:constr type="rMarg" refType="primFontSz" fact="0.05"/>
+                <dgm:constr type="tMarg" refType="primFontSz" fact="0.05"/>
+                <dgm:constr type="bMarg" refType="primFontSz" fact="0.05"/>
+              </dgm:constrLst>
+              <dgm:ruleLst>
+                <dgm:rule type="primFontSz" val="5" fact="NaN" max="NaN"/>
+              </dgm:ruleLst>
+            </dgm:layoutNode>
+            <dgm:layoutNode name="topArc1" styleLbl="parChTrans1D1" moveWith="rootText1">
+              <dgm:alg type="sp"/>
+              <dgm:shape xmlns:r="http://schemas.openxmlformats.org/officeDocument/2006/relationships" type="arc" r:blip="" zOrderOff="-2">
+                <dgm:adjLst>
+                  <dgm:adj idx="1" val="-140"/>
+                  <dgm:adj idx="2" val="-40"/>
+                </dgm:adjLst>
+              </dgm:shape>
+              <dgm:presOf/>
+            </dgm:layoutNode>
+            <dgm:layoutNode name="bottomArc1" styleLbl="parChTrans1D1" moveWith="rootText1">
+              <dgm:alg type="sp"/>
+              <dgm:shape xmlns:r="http://schemas.openxmlformats.org/officeDocument/2006/relationships" type="arc" r:blip="" zOrderOff="-2">
+                <dgm:adjLst>
+                  <dgm:adj idx="1" val="40"/>
+                  <dgm:adj idx="2" val="140"/>
+                </dgm:adjLst>
+              </dgm:shape>
+              <dgm:presOf/>
+            </dgm:layoutNode>
+            <dgm:layoutNode name="topConnNode1" moveWith="rootText1">
+              <dgm:alg type="sp"/>
+              <dgm:shape xmlns:r="http://schemas.openxmlformats.org/officeDocument/2006/relationships" type="rect" r:blip="" hideGeom="1">
+                <dgm:adjLst/>
+              </dgm:shape>
+              <dgm:presOf axis="self" ptType="node" cnt="1"/>
+            </dgm:layoutNode>
+          </dgm:layoutNode>
+          <dgm:layoutNode name="hierChild2">
+            <dgm:choose name="Name16">
+              <dgm:if name="Name17" func="var" arg="hierBranch" op="equ" val="l">
+                <dgm:alg type="hierChild">
+                  <dgm:param type="chAlign" val="r"/>
+                  <dgm:param type="linDir" val="fromT"/>
+                </dgm:alg>
+              </dgm:if>
+              <dgm:if name="Name18" func="var" arg="hierBranch" op="equ" val="r">
+                <dgm:alg type="hierChild">
+                  <dgm:param type="chAlign" val="l"/>
+                  <dgm:param type="linDir" val="fromT"/>
+                </dgm:alg>
+              </dgm:if>
+              <dgm:if name="Name19" func="var" arg="hierBranch" op="equ" val="hang">
+                <dgm:choose name="Name20">
+                  <dgm:if name="Name21" func="var" arg="dir" op="equ" val="norm">
+                    <dgm:alg type="hierChild">
+                      <dgm:param type="chAlign" val="l"/>
+                      <dgm:param type="linDir" val="fromL"/>
+                      <dgm:param type="secChAlign" val="t"/>
+                      <dgm:param type="secLinDir" val="fromT"/>
+                    </dgm:alg>
+                  </dgm:if>
+                  <dgm:else name="Name22">
+                    <dgm:alg type="hierChild">
+                      <dgm:param type="chAlign" val="l"/>
+                      <dgm:param type="linDir" val="fromR"/>
+                      <dgm:param type="secChAlign" val="t"/>
+                      <dgm:param type="secLinDir" val="fromT"/>
+                    </dgm:alg>
+                  </dgm:else>
+                </dgm:choose>
+              </dgm:if>
+              <dgm:else name="Name23">
+                <dgm:choose name="Name24">
+                  <dgm:if name="Name25" func="var" arg="dir" op="equ" val="norm">
+                    <dgm:alg type="hierChild"/>
+                  </dgm:if>
+                  <dgm:else name="Name26">
+                    <dgm:alg type="hierChild">
+                      <dgm:param type="linDir" val="fromR"/>
+                    </dgm:alg>
+                  </dgm:else>
+                </dgm:choose>
+              </dgm:else>
+            </dgm:choose>
+            <dgm:shape xmlns:r="http://schemas.openxmlformats.org/officeDocument/2006/relationships" r:blip="">
+              <dgm:adjLst/>
+            </dgm:shape>
+            <dgm:presOf/>
+            <dgm:forEach name="rep2a" axis="ch" ptType="nonAsst">
+              <dgm:forEach name="Name27" axis="precedSib" ptType="parTrans" st="-1" cnt="1">
+                <dgm:layoutNode name="Name28">
+                  <dgm:choose name="Name29">
+                    <dgm:if name="Name30" func="var" arg="hierBranch" op="equ" val="std">
+                      <dgm:choose name="Name31">
+                        <dgm:if name="Name32" axis="self" func="depth" op="lte" val="2">
+                          <dgm:alg type="conn">
+                            <dgm:param type="connRout" val="bend"/>
+                            <dgm:param type="dim" val="1D"/>
+                            <dgm:param type="endSty" val="noArr"/>
+                            <dgm:param type="begPts" val="bCtr"/>
+                            <dgm:param type="endPts" val="tCtr"/>
+                            <dgm:param type="bendPt" val="end"/>
+                            <dgm:param type="srcNode" val="bottomArc1"/>
+                            <dgm:param type="dstNode" val="topArc2"/>
+                          </dgm:alg>
+                        </dgm:if>
+                        <dgm:if name="Name33" axis="par" ptType="asst" func="cnt" op="equ" val="1">
+                          <dgm:alg type="conn">
+                            <dgm:param type="connRout" val="bend"/>
+                            <dgm:param type="dim" val="1D"/>
+                            <dgm:param type="endSty" val="noArr"/>
+                            <dgm:param type="begPts" val="bCtr"/>
+                            <dgm:param type="endPts" val="tCtr"/>
+                            <dgm:param type="bendPt" val="end"/>
+                            <dgm:param type="srcNode" val="bottomArc3"/>
+                            <dgm:param type="dstNode" val="topArc2"/>
+                          </dgm:alg>
+                        </dgm:if>
+                        <dgm:else name="Name34">
+                          <dgm:alg type="conn">
+                            <dgm:param type="connRout" val="bend"/>
+                            <dgm:param type="dim" val="1D"/>
+                            <dgm:param type="endSty" val="noArr"/>
+                            <dgm:param type="begPts" val="bCtr"/>
+                            <dgm:param type="endPts" val="tCtr"/>
+                            <dgm:param type="bendPt" val="end"/>
+                            <dgm:param type="srcNode" val="bottomArc2"/>
+                            <dgm:param type="dstNode" val="topArc2"/>
+                          </dgm:alg>
+                        </dgm:else>
+                      </dgm:choose>
+                    </dgm:if>
+                    <dgm:if name="Name35" func="var" arg="hierBranch" op="equ" val="init">
+                      <dgm:choose name="Name36">
+                        <dgm:if name="Name37" axis="self" func="depth" op="lte" val="2">
+                          <dgm:choose name="Name38">
+                            <dgm:if name="Name39" axis="self" func="depth" op="lte" val="2">
+                              <dgm:alg type="conn">
+                                <dgm:param type="connRout" val="bend"/>
+                                <dgm:param type="dim" val="1D"/>
+                                <dgm:param type="endSty" val="noArr"/>
+                                <dgm:param type="begPts" val="bCtr"/>
+                                <dgm:param type="endPts" val="tCtr"/>
+                                <dgm:param type="bendPt" val="end"/>
+                                <dgm:param type="srcNode" val="bottomArc1"/>
+                                <dgm:param type="dstNode" val="topArc2"/>
+                              </dgm:alg>
+                            </dgm:if>
+                            <dgm:if name="Name40" axis="par" ptType="asst" func="cnt" op="equ" val="1">
+                              <dgm:alg type="conn">
+                                <dgm:param type="connRout" val="bend"/>
+                                <dgm:param type="dim" val="1D"/>
+                                <dgm:param type="endSty" val="noArr"/>
+                                <dgm:param type="begPts" val="bCtr"/>
+                                <dgm:param type="endPts" val="tCtr"/>
+                                <dgm:param type="bendPt" val="end"/>
+                                <dgm:param type="srcNode" val="bottomArc3"/>
+                                <dgm:param type="dstNode" val="topArc2"/>
+                              </dgm:alg>
+                            </dgm:if>
+                            <dgm:else name="Name41">
+                              <dgm:alg type="conn">
+                                <dgm:param type="connRout" val="bend"/>
+                                <dgm:param type="dim" val="1D"/>
+                                <dgm:param type="endSty" val="noArr"/>
+                                <dgm:param type="begPts" val="bCtr"/>
+                                <dgm:param type="endPts" val="tCtr"/>
+                                <dgm:param type="bendPt" val="end"/>
+                                <dgm:param type="srcNode" val="bottomArc2"/>
+                                <dgm:param type="dstNode" val="topArc2"/>
+                              </dgm:alg>
+                            </dgm:else>
+                          </dgm:choose>
+                        </dgm:if>
+                        <dgm:else name="Name42">
+                          <dgm:choose name="Name43">
+                            <dgm:if name="Name44" axis="par des" func="maxDepth" op="lte" val="1">
+                              <dgm:choose name="Name45">
+                                <dgm:if name="Name46" axis="self" func="depth" op="lte" val="2">
+                                  <dgm:alg type="conn">
+                                    <dgm:param type="connRout" val="bend"/>
+                                    <dgm:param type="dim" val="1D"/>
+                                    <dgm:param type="endSty" val="noArr"/>
+                                    <dgm:param type="begPts" val="bCtr"/>
+                                    <dgm:param type="endPts" val="bL bR"/>
+                                    <dgm:param type="srcNode" val="bottomArc1"/>
+                                    <dgm:param type="dstNode" val="topConnNode2"/>
+                                  </dgm:alg>
+                                </dgm:if>
+                                <dgm:if name="Name47" axis="par" ptType="asst" func="cnt" op="equ" val="1">
+                                  <dgm:alg type="conn">
+                                    <dgm:param type="connRout" val="bend"/>
+                                    <dgm:param type="dim" val="1D"/>
+                                    <dgm:param type="endSty" val="noArr"/>
+                                    <dgm:param type="begPts" val="bCtr"/>
+                                    <dgm:param type="endPts" val="bL bR"/>
+                                    <dgm:param type="srcNode" val="bottomArc3"/>
+                                    <dgm:param type="dstNode" val="topConnNode2"/>
+                                  </dgm:alg>
+                                </dgm:if>
+                                <dgm:else name="Name48">
+                                  <dgm:alg type="conn">
+                                    <dgm:param type="connRout" val="bend"/>
+                                    <dgm:param type="dim" val="1D"/>
+                                    <dgm:param type="endSty" val="noArr"/>
+                                    <dgm:param type="begPts" val="bCtr"/>
+                                    <dgm:param type="endPts" val="bL bR"/>
+                                    <dgm:param type="srcNode" val="bottomArc2"/>
+                                    <dgm:param type="dstNode" val="topConnNode2"/>
+                                  </dgm:alg>
+                                </dgm:else>
+                              </dgm:choose>
+                            </dgm:if>
+                            <dgm:else name="Name49">
+                              <dgm:choose name="Name50">
+                                <dgm:if name="Name51" axis="self" func="depth" op="lte" val="2">
+                                  <dgm:alg type="conn">
+                                    <dgm:param type="connRout" val="bend"/>
+                                    <dgm:param type="dim" val="1D"/>
+                                    <dgm:param type="endSty" val="noArr"/>
+                                    <dgm:param type="begPts" val="bCtr"/>
+                                    <dgm:param type="endPts" val="tCtr"/>
+                                    <dgm:param type="bendPt" val="end"/>
+                                    <dgm:param type="srcNode" val="bottomArc1"/>
+                                    <dgm:param type="dstNode" val="topArc2"/>
+                                  </dgm:alg>
+                                </dgm:if>
+                                <dgm:if name="Name52" axis="par" ptType="asst" func="cnt" op="equ" val="1">
+                                  <dgm:alg type="conn">
+                                    <dgm:param type="connRout" val="bend"/>
+                                    <dgm:param type="dim" val="1D"/>
+                                    <dgm:param type="endSty" val="noArr"/>
+                                    <dgm:param type="begPts" val="bCtr"/>
+                                    <dgm:param type="endPts" val="tCtr"/>
+                                    <dgm:param type="bendPt" val="end"/>
+                                    <dgm:param type="srcNode" val="bottomArc3"/>
+                                    <dgm:param type="dstNode" val="topArc2"/>
+                                  </dgm:alg>
+                                </dgm:if>
+                                <dgm:else name="Name53">
+                                  <dgm:alg type="conn">
+                                    <dgm:param type="connRout" val="bend"/>
+                                    <dgm:param type="dim" val="1D"/>
+                                    <dgm:param type="endSty" val="noArr"/>
+                                    <dgm:param type="begPts" val="bCtr"/>
+                                    <dgm:param type="endPts" val="tCtr"/>
+                                    <dgm:param type="bendPt" val="end"/>
+                                    <dgm:param type="srcNode" val="bottomArc2"/>
+                                    <dgm:param type="dstNode" val="topArc2"/>
+                                  </dgm:alg>
+                                </dgm:else>
+                              </dgm:choose>
+                            </dgm:else>
+                          </dgm:choose>
+                        </dgm:else>
+                      </dgm:choose>
+                    </dgm:if>
+                    <dgm:else name="Name54">
+                      <dgm:choose name="Name55">
+                        <dgm:if name="Name56" axis="self" func="depth" op="lte" val="2">
+                          <dgm:alg type="conn">
+                            <dgm:param type="connRout" val="bend"/>
+                            <dgm:param type="dim" val="1D"/>
+                            <dgm:param type="endSty" val="noArr"/>
+                            <dgm:param type="begPts" val="bCtr"/>
+                            <dgm:param type="endPts" val="bL bR"/>
+                            <dgm:param type="srcNode" val="bottomArc1"/>
+                            <dgm:param type="dstNode" val="topConnNode2"/>
+                          </dgm:alg>
+                        </dgm:if>
+                        <dgm:if name="Name57" axis="par" ptType="asst" func="cnt" op="equ" val="1">
+                          <dgm:alg type="conn">
+                            <dgm:param type="connRout" val="bend"/>
+                            <dgm:param type="dim" val="1D"/>
+                            <dgm:param type="endSty" val="noArr"/>
+                            <dgm:param type="begPts" val="bCtr"/>
+                            <dgm:param type="endPts" val="bL bR"/>
+                            <dgm:param type="srcNode" val="bottomArc3"/>
+                            <dgm:param type="dstNode" val="topConnNode2"/>
+                          </dgm:alg>
+                        </dgm:if>
+                        <dgm:else name="Name58">
+                          <dgm:alg type="conn">
+                            <dgm:param type="connRout" val="bend"/>
+                            <dgm:param type="dim" val="1D"/>
+                            <dgm:param type="endSty" val="noArr"/>
+                            <dgm:param type="begPts" val="bCtr"/>
+                            <dgm:param type="endPts" val="bL bR"/>
+                            <dgm:param type="srcNode" val="bottomArc2"/>
+                            <dgm:param type="dstNode" val="topConnNode2"/>
+                          </dgm:alg>
+                        </dgm:else>
+                      </dgm:choose>
+                    </dgm:else>
+                  </dgm:choose>
+                  <dgm:shape xmlns:r="http://schemas.openxmlformats.org/officeDocument/2006/relationships" type="conn" r:blip="" zOrderOff="-99999">
+                    <dgm:adjLst/>
+                  </dgm:shape>
+                  <dgm:presOf axis="self"/>
+                  <dgm:constrLst>
+                    <dgm:constr type="begPad"/>
+                    <dgm:constr type="endPad"/>
+                  </dgm:constrLst>
+                </dgm:layoutNode>
+              </dgm:forEach>
+              <dgm:layoutNode name="hierRoot2">
+                <dgm:varLst>
+                  <dgm:hierBranch val="init"/>
+                </dgm:varLst>
+                <dgm:choose name="Name59">
+                  <dgm:if name="Name60" func="var" arg="hierBranch" op="equ" val="l">
+                    <dgm:alg type="hierRoot">
+                      <dgm:param type="hierAlign" val="tR"/>
+                    </dgm:alg>
+                    <dgm:shape xmlns:r="http://schemas.openxmlformats.org/officeDocument/2006/relationships" r:blip="">
+                      <dgm:adjLst/>
+                    </dgm:shape>
+                    <dgm:presOf/>
+                    <dgm:constrLst>
+                      <dgm:constr type="alignOff" val="0.65"/>
+                    </dgm:constrLst>
+                  </dgm:if>
+                  <dgm:if name="Name61" func="var" arg="hierBranch" op="equ" val="r">
+                    <dgm:alg type="hierRoot">
+                      <dgm:param type="hierAlign" val="tL"/>
+                    </dgm:alg>
+                    <dgm:shape xmlns:r="http://schemas.openxmlformats.org/officeDocument/2006/relationships" r:blip="">
+                      <dgm:adjLst/>
+                    </dgm:shape>
+                    <dgm:presOf/>
+                    <dgm:constrLst>
+                      <dgm:constr type="alignOff" val="0.65"/>
+                    </dgm:constrLst>
+                  </dgm:if>
+                  <dgm:if name="Name62" func="var" arg="hierBranch" op="equ" val="std">
+                    <dgm:alg type="hierRoot"/>
+                    <dgm:shape xmlns:r="http://schemas.openxmlformats.org/officeDocument/2006/relationships" r:blip="">
+                      <dgm:adjLst/>
+                    </dgm:shape>
+                    <dgm:presOf/>
+                    <dgm:constrLst>
+                      <dgm:constr type="alignOff"/>
+                      <dgm:constr type="bendDist" for="des" ptType="parTrans" refType="sp" fact="0.5"/>
+                    </dgm:constrLst>
+                  </dgm:if>
+                  <dgm:if name="Name63" func="var" arg="hierBranch" op="equ" val="init">
+                    <dgm:choose name="Name64">
+                      <dgm:if name="Name65" axis="des" func="maxDepth" op="lte" val="1">
+                        <dgm:alg type="hierRoot">
+                          <dgm:param type="hierAlign" val="tL"/>
+                        </dgm:alg>
+                        <dgm:shape xmlns:r="http://schemas.openxmlformats.org/officeDocument/2006/relationships" r:blip="">
+                          <dgm:adjLst/>
+                        </dgm:shape>
+                        <dgm:presOf/>
+                        <dgm:constrLst>
+                          <dgm:constr type="alignOff" val="0.65"/>
+                        </dgm:constrLst>
+                      </dgm:if>
+                      <dgm:else name="Name66">
+                        <dgm:alg type="hierRoot"/>
+                        <dgm:shape xmlns:r="http://schemas.openxmlformats.org/officeDocument/2006/relationships" r:blip="">
+                          <dgm:adjLst/>
+                        </dgm:shape>
+                        <dgm:presOf/>
+                        <dgm:constrLst>
+                          <dgm:constr type="alignOff"/>
+                          <dgm:constr type="bendDist" for="des" ptType="parTrans" refType="sp" fact="0.5"/>
+                        </dgm:constrLst>
+                      </dgm:else>
+                    </dgm:choose>
+                  </dgm:if>
+                  <dgm:else name="Name67">
+                    <dgm:alg type="hierRoot"/>
+                    <dgm:shape xmlns:r="http://schemas.openxmlformats.org/officeDocument/2006/relationships" r:blip="">
+                      <dgm:adjLst/>
+                    </dgm:shape>
+                    <dgm:presOf/>
+                    <dgm:constrLst>
+                      <dgm:constr type="alignOff" val="0.65"/>
+                    </dgm:constrLst>
+                  </dgm:else>
+                </dgm:choose>
+                <dgm:layoutNode name="rootComposite2">
+                  <dgm:alg type="composite"/>
+                  <dgm:shape xmlns:r="http://schemas.openxmlformats.org/officeDocument/2006/relationships" r:blip="">
+                    <dgm:adjLst/>
+                  </dgm:shape>
+                  <dgm:presOf axis="self" ptType="node" cnt="1"/>
+                  <dgm:choose name="Name68">
+                    <dgm:if name="Name69" func="var" arg="hierBranch" op="equ" val="init">
+                      <dgm:constrLst>
+                        <dgm:constr type="l" for="ch" forName="rootText2"/>
+                        <dgm:constr type="t" for="ch" forName="rootText2" refType="h" fact="0.18"/>
+                        <dgm:constr type="w" for="ch" forName="rootText2" refType="w"/>
+                        <dgm:constr type="h" for="ch" forName="rootText2" refType="h" fact="0.64"/>
+                        <dgm:constr type="l" for="ch" forName="topArc2" refType="w" fact="0.25"/>
+                        <dgm:constr type="t" for="ch" forName="topArc2"/>
+                        <dgm:constr type="w" for="ch" forName="topArc2" refType="h" refFor="ch" refForName="topArc2"/>
+                        <dgm:constr type="h" for="ch" forName="topArc2" refType="h"/>
+                        <dgm:constr type="l" for="ch" forName="bottomArc2" refType="w" fact="0.25"/>
+                        <dgm:constr type="t" for="ch" forName="bottomArc2"/>
+                        <dgm:constr type="w" for="ch" forName="bottomArc2" refType="h" refFor="ch" refForName="bottomArc2"/>
+                        <dgm:constr type="h" for="ch" forName="bottomArc2" refType="h"/>
+                        <dgm:constr type="ctrX" for="ch" forName="topConnNode2" refType="w" fact="0.5"/>
+                        <dgm:constr type="t" for="ch" forName="topConnNode2"/>
+                        <dgm:constr type="w" for="ch" forName="topConnNode2" refType="h" fact="0.76"/>
+                        <dgm:constr type="b" for="ch" forName="topConnNode2" refType="t" refFor="ch" refForName="rootText2"/>
+                      </dgm:constrLst>
+                    </dgm:if>
+                    <dgm:if name="Name70" func="var" arg="hierBranch" op="equ" val="l">
+                      <dgm:constrLst>
+                        <dgm:constr type="l" for="ch" forName="rootText2"/>
+                        <dgm:constr type="t" for="ch" forName="rootText2" refType="h" fact="0.18"/>
+                        <dgm:constr type="w" for="ch" forName="rootText2" refType="w"/>
+                        <dgm:constr type="h" for="ch" forName="rootText2" refType="h" fact="0.64"/>
+                        <dgm:constr type="l" for="ch" forName="topArc2" refType="w" fact="0.25"/>
+                        <dgm:constr type="t" for="ch" forName="topArc2"/>
+                        <dgm:constr type="w" for="ch" forName="topArc2" refType="h" refFor="ch" refForName="topArc2"/>
+                        <dgm:constr type="h" for="ch" forName="topArc2" refType="h"/>
+                        <dgm:constr type="l" for="ch" forName="bottomArc2" refType="w" fact="0.25"/>
+                        <dgm:constr type="t" for="ch" forName="bottomArc2"/>
+                        <dgm:constr type="w" for="ch" forName="bottomArc2" refType="h" refFor="ch" refForName="bottomArc2"/>
+                        <dgm:constr type="h" for="ch" forName="bottomArc2" refType="h"/>
+                        <dgm:constr type="ctrX" for="ch" forName="topConnNode2" refType="w" fact="0.5"/>
+                        <dgm:constr type="t" for="ch" forName="topConnNode2"/>
+                        <dgm:constr type="w" for="ch" forName="topConnNode2" refType="h" fact="0.76"/>
+                        <dgm:constr type="b" for="ch" forName="topConnNode2" refType="t" refFor="ch" refForName="rootText2"/>
+                      </dgm:constrLst>
+                    </dgm:if>
+                    <dgm:if name="Name71" func="var" arg="hierBranch" op="equ" val="r">
+                      <dgm:constrLst>
+                        <dgm:constr type="l" for="ch" forName="rootText2"/>
+                        <dgm:constr type="t" for="ch" forName="rootText2" refType="h" fact="0.18"/>
+                        <dgm:constr type="w" for="ch" forName="rootText2" refType="w"/>
+                        <dgm:constr type="h" for="ch" forName="rootText2" refType="h" fact="0.64"/>
+                        <dgm:constr type="l" for="ch" forName="topArc2" refType="w" fact="0.25"/>
+                        <dgm:constr type="t" for="ch" forName="topArc2"/>
+                        <dgm:constr type="w" for="ch" forName="topArc2" refType="h" refFor="ch" refForName="topArc2"/>
+                        <dgm:constr type="h" for="ch" forName="topArc2" refType="h"/>
+                        <dgm:constr type="l" for="ch" forName="bottomArc2" refType="w" fact="0.25"/>
+                        <dgm:constr type="t" for="ch" forName="bottomArc2"/>
+                        <dgm:constr type="w" for="ch" forName="bottomArc2" refType="h" refFor="ch" refForName="bottomArc2"/>
+                        <dgm:constr type="h" for="ch" forName="bottomArc2" refType="h"/>
+                        <dgm:constr type="ctrX" for="ch" forName="topConnNode2" refType="w" fact="0.5"/>
+                        <dgm:constr type="t" for="ch" forName="topConnNode2"/>
+                        <dgm:constr type="w" for="ch" forName="topConnNode2" refType="h" fact="0.76"/>
+                        <dgm:constr type="b" for="ch" forName="topConnNode2" refType="t" refFor="ch" refForName="rootText2"/>
+                      </dgm:constrLst>
+                    </dgm:if>
+                    <dgm:else name="Name72">
+                      <dgm:constrLst>
+                        <dgm:constr type="l" for="ch" forName="rootText2"/>
+                        <dgm:constr type="t" for="ch" forName="rootText2" refType="h" fact="0.18"/>
+                        <dgm:constr type="w" for="ch" forName="rootText2" refType="w"/>
+                        <dgm:constr type="h" for="ch" forName="rootText2" refType="h" fact="0.64"/>
+                        <dgm:constr type="l" for="ch" forName="topArc2" refType="w" fact="0.25"/>
+                        <dgm:constr type="t" for="ch" forName="topArc2"/>
+                        <dgm:constr type="w" for="ch" forName="topArc2" refType="h" refFor="ch" refForName="topArc2"/>
+                        <dgm:constr type="h" for="ch" forName="topArc2" refType="h"/>
+                        <dgm:constr type="l" for="ch" forName="bottomArc2" refType="w" fact="0.25"/>
+                        <dgm:constr type="t" for="ch" forName="bottomArc2"/>
+                        <dgm:constr type="w" for="ch" forName="bottomArc2" refType="h" refFor="ch" refForName="bottomArc2"/>
+                        <dgm:constr type="h" for="ch" forName="bottomArc2" refType="h"/>
+                        <dgm:constr type="ctrX" for="ch" forName="topConnNode2" refType="w" fact="0.5"/>
+                        <dgm:constr type="t" for="ch" forName="topConnNode2"/>
+                        <dgm:constr type="w" for="ch" forName="topConnNode2" refType="h" fact="0.76"/>
+                        <dgm:constr type="b" for="ch" forName="topConnNode2" refType="t" refFor="ch" refForName="rootText2"/>
+                      </dgm:constrLst>
+                    </dgm:else>
+                  </dgm:choose>
+                  <dgm:layoutNode name="rootText2" styleLbl="alignAcc1">
+                    <dgm:varLst>
+                      <dgm:chPref val="3"/>
+                    </dgm:varLst>
+                    <dgm:alg type="tx"/>
+                    <dgm:shape xmlns:r="http://schemas.openxmlformats.org/officeDocument/2006/relationships" type="rect" r:blip="" hideGeom="1">
+                      <dgm:adjLst/>
+                    </dgm:shape>
+                    <dgm:presOf axis="self" ptType="node" cnt="1"/>
+                    <dgm:constrLst>
+                      <dgm:constr type="primFontSz" val="65"/>
+                      <dgm:constr type="lMarg" refType="primFontSz" fact="0.05"/>
+                      <dgm:constr type="rMarg" refType="primFontSz" fact="0.05"/>
+                      <dgm:constr type="tMarg" refType="primFontSz" fact="0.05"/>
+                      <dgm:constr type="bMarg" refType="primFontSz" fact="0.05"/>
+                    </dgm:constrLst>
+                    <dgm:ruleLst>
+                      <dgm:rule type="primFontSz" val="5" fact="NaN" max="NaN"/>
+                    </dgm:ruleLst>
+                  </dgm:layoutNode>
+                  <dgm:layoutNode name="topArc2" styleLbl="parChTrans1D1" moveWith="rootText2">
+                    <dgm:alg type="sp"/>
+                    <dgm:shape xmlns:r="http://schemas.openxmlformats.org/officeDocument/2006/relationships" type="arc" r:blip="" zOrderOff="-2">
+                      <dgm:adjLst>
+                        <dgm:adj idx="1" val="-140"/>
+                        <dgm:adj idx="2" val="-40"/>
+                      </dgm:adjLst>
+                    </dgm:shape>
+                    <dgm:presOf/>
+                  </dgm:layoutNode>
+                  <dgm:layoutNode name="bottomArc2" styleLbl="parChTrans1D1" moveWith="rootText2">
+                    <dgm:alg type="sp"/>
+                    <dgm:shape xmlns:r="http://schemas.openxmlformats.org/officeDocument/2006/relationships" type="arc" r:blip="" zOrderOff="-2">
+                      <dgm:adjLst>
+                        <dgm:adj idx="1" val="40"/>
+                        <dgm:adj idx="2" val="140"/>
+                      </dgm:adjLst>
+                    </dgm:shape>
+                    <dgm:presOf/>
+                  </dgm:layoutNode>
+                  <dgm:layoutNode name="topConnNode2" moveWith="rootText2">
+                    <dgm:alg type="sp"/>
+                    <dgm:shape xmlns:r="http://schemas.openxmlformats.org/officeDocument/2006/relationships" type="rect" r:blip="" hideGeom="1">
+                      <dgm:adjLst/>
+                    </dgm:shape>
+                    <dgm:presOf axis="self" ptType="node" cnt="1"/>
+                  </dgm:layoutNode>
+                </dgm:layoutNode>
+                <dgm:layoutNode name="hierChild4">
+                  <dgm:choose name="Name73">
+                    <dgm:if name="Name74" func="var" arg="hierBranch" op="equ" val="l">
+                      <dgm:alg type="hierChild">
+                        <dgm:param type="chAlign" val="r"/>
+                        <dgm:param type="linDir" val="fromT"/>
+                      </dgm:alg>
+                    </dgm:if>
+                    <dgm:if name="Name75" func="var" arg="hierBranch" op="equ" val="r">
+                      <dgm:alg type="hierChild">
+                        <dgm:param type="chAlign" val="l"/>
+                        <dgm:param type="linDir" val="fromT"/>
+                      </dgm:alg>
+                    </dgm:if>
+                    <dgm:if name="Name76" func="var" arg="hierBranch" op="equ" val="hang">
+                      <dgm:choose name="Name77">
+                        <dgm:if name="Name78" func="var" arg="dir" op="equ" val="norm">
+                          <dgm:alg type="hierChild">
+                            <dgm:param type="chAlign" val="l"/>
+                            <dgm:param type="linDir" val="fromL"/>
+                            <dgm:param type="secChAlign" val="t"/>
+                            <dgm:param type="secLinDir" val="fromT"/>
+                          </dgm:alg>
+                        </dgm:if>
+                        <dgm:else name="Name79">
+                          <dgm:alg type="hierChild">
+                            <dgm:param type="chAlign" val="l"/>
+                            <dgm:param type="linDir" val="fromR"/>
+                            <dgm:param type="secChAlign" val="t"/>
+                            <dgm:param type="secLinDir" val="fromT"/>
+                          </dgm:alg>
+                        </dgm:else>
+                      </dgm:choose>
+                    </dgm:if>
+                    <dgm:if name="Name80" func="var" arg="hierBranch" op="equ" val="std">
+                      <dgm:choose name="Name81">
+                        <dgm:if name="Name82" func="var" arg="dir" op="equ" val="norm">
+                          <dgm:alg type="hierChild"/>
+                        </dgm:if>
+                        <dgm:else name="Name83">
+                          <dgm:alg type="hierChild">
+                            <dgm:param type="linDir" val="fromR"/>
+                          </dgm:alg>
+                        </dgm:else>
+                      </dgm:choose>
+                    </dgm:if>
+                    <dgm:if name="Name84" func="var" arg="hierBranch" op="equ" val="init">
+                      <dgm:choose name="Name85">
+                        <dgm:if name="Name86" axis="des" func="maxDepth" op="lte" val="1">
+                          <dgm:alg type="hierChild">
+                            <dgm:param type="chAlign" val="l"/>
+                            <dgm:param type="linDir" val="fromT"/>
+                          </dgm:alg>
+                        </dgm:if>
+                        <dgm:else name="Name87">
+                          <dgm:choose name="Name88">
+                            <dgm:if name="Name89" func="var" arg="dir" op="equ" val="norm">
+                              <dgm:alg type="hierChild"/>
+                            </dgm:if>
+                            <dgm:else name="Name90">
+                              <dgm:alg type="hierChild">
+                                <dgm:param type="linDir" val="fromR"/>
+                              </dgm:alg>
+                            </dgm:else>
+                          </dgm:choose>
+                        </dgm:else>
+                      </dgm:choose>
+                    </dgm:if>
+                    <dgm:else name="Name91"/>
+                  </dgm:choose>
+                  <dgm:shape xmlns:r="http://schemas.openxmlformats.org/officeDocument/2006/relationships" r:blip="">
+                    <dgm:adjLst/>
+                  </dgm:shape>
+                  <dgm:presOf/>
+                  <dgm:forEach name="Name92" ref="rep2a"/>
+                </dgm:layoutNode>
+                <dgm:layoutNode name="hierChild5">
+                  <dgm:choose name="Name93">
+                    <dgm:if name="Name94" func="var" arg="dir" op="equ" val="norm">
+                      <dgm:alg type="hierChild">
+                        <dgm:param type="chAlign" val="l"/>
+                        <dgm:param type="linDir" val="fromL"/>
+                        <dgm:param type="secChAlign" val="t"/>
+                        <dgm:param type="secLinDir" val="fromT"/>
+                      </dgm:alg>
+                    </dgm:if>
+                    <dgm:else name="Name95">
+                      <dgm:alg type="hierChild">
+                        <dgm:param type="chAlign" val="l"/>
+                        <dgm:param type="linDir" val="fromR"/>
+                        <dgm:param type="secChAlign" val="t"/>
+                        <dgm:param type="secLinDir" val="fromT"/>
+                      </dgm:alg>
+                    </dgm:else>
+                  </dgm:choose>
+                  <dgm:shape xmlns:r="http://schemas.openxmlformats.org/officeDocument/2006/relationships" r:blip="">
+                    <dgm:adjLst/>
+                  </dgm:shape>
+                  <dgm:presOf/>
+                  <dgm:forEach name="Name96" ref="rep2b"/>
+                </dgm:layoutNode>
+              </dgm:layoutNode>
+            </dgm:forEach>
+          </dgm:layoutNode>
+          <dgm:layoutNode name="hierChild3">
+            <dgm:choose name="Name97">
+              <dgm:if name="Name98" func="var" arg="dir" op="equ" val="norm">
+                <dgm:alg type="hierChild">
+                  <dgm:param type="chAlign" val="l"/>
+                  <dgm:param type="linDir" val="fromL"/>
+                  <dgm:param type="secChAlign" val="t"/>
+                  <dgm:param type="secLinDir" val="fromT"/>
+                </dgm:alg>
+              </dgm:if>
+              <dgm:else name="Name99">
+                <dgm:alg type="hierChild">
+                  <dgm:param type="chAlign" val="l"/>
+                  <dgm:param type="linDir" val="fromR"/>
+                  <dgm:param type="secChAlign" val="t"/>
+                  <dgm:param type="secLinDir" val="fromT"/>
+                </dgm:alg>
+              </dgm:else>
+            </dgm:choose>
+            <dgm:shape xmlns:r="http://schemas.openxmlformats.org/officeDocument/2006/relationships" r:blip="">
+              <dgm:adjLst/>
+            </dgm:shape>
+            <dgm:presOf/>
+            <dgm:forEach name="rep2b" axis="ch" ptType="asst">
+              <dgm:forEach name="Name100" axis="precedSib" ptType="parTrans" st="-1" cnt="1">
+                <dgm:layoutNode name="Name101">
+                  <dgm:choose name="Name102">
+                    <dgm:if name="Name103" axis="self" func="depth" op="lte" val="2">
+                      <dgm:alg type="conn">
+                        <dgm:param type="connRout" val="bend"/>
+                        <dgm:param type="dim" val="1D"/>
+                        <dgm:param type="endSty" val="noArr"/>
+                        <dgm:param type="begPts" val="bCtr"/>
+                        <dgm:param type="endPts" val="bL bR"/>
+                        <dgm:param type="srcNode" val="bottomArc1"/>
+                        <dgm:param type="dstNode" val="topConnNode3"/>
+                      </dgm:alg>
+                    </dgm:if>
+                    <dgm:if name="Name104" axis="par" ptType="asst" func="cnt" op="equ" val="1">
+                      <dgm:alg type="conn">
+                        <dgm:param type="connRout" val="bend"/>
+                        <dgm:param type="dim" val="1D"/>
+                        <dgm:param type="endSty" val="noArr"/>
+                        <dgm:param type="begPts" val="bCtr"/>
+                        <dgm:param type="endPts" val="bL bR"/>
+                        <dgm:param type="srcNode" val="bottomArc3"/>
+                        <dgm:param type="dstNode" val="topConnNode3"/>
+                      </dgm:alg>
+                    </dgm:if>
+                    <dgm:else name="Name105">
+                      <dgm:alg type="conn">
+                        <dgm:param type="connRout" val="bend"/>
+                        <dgm:param type="dim" val="1D"/>
+                        <dgm:param type="endSty" val="noArr"/>
+                        <dgm:param type="begPts" val="bCtr"/>
+                        <dgm:param type="endPts" val="bL bR"/>
+                        <dgm:param type="srcNode" val="bottomArc2"/>
+                        <dgm:param type="dstNode" val="topConnNode3"/>
+                      </dgm:alg>
+                    </dgm:else>
+                  </dgm:choose>
+                  <dgm:shape xmlns:r="http://schemas.openxmlformats.org/officeDocument/2006/relationships" type="conn" r:blip="" zOrderOff="-99999">
+                    <dgm:adjLst/>
+                  </dgm:shape>
+                  <dgm:presOf axis="self"/>
+                  <dgm:constrLst>
+                    <dgm:constr type="begPad"/>
+                    <dgm:constr type="endPad"/>
+                  </dgm:constrLst>
+                </dgm:layoutNode>
+              </dgm:forEach>
+              <dgm:layoutNode name="hierRoot3">
+                <dgm:varLst>
+                  <dgm:hierBranch val="init"/>
+                </dgm:varLst>
+                <dgm:choose name="Name106">
+                  <dgm:if name="Name107" func="var" arg="hierBranch" op="equ" val="l">
+                    <dgm:alg type="hierRoot">
+                      <dgm:param type="hierAlign" val="tR"/>
+                    </dgm:alg>
+                    <dgm:shape xmlns:r="http://schemas.openxmlformats.org/officeDocument/2006/relationships" r:blip="">
+                      <dgm:adjLst/>
+                    </dgm:shape>
+                    <dgm:presOf/>
+                    <dgm:constrLst>
+                      <dgm:constr type="alignOff" val="0.65"/>
+                    </dgm:constrLst>
+                  </dgm:if>
+                  <dgm:if name="Name108" func="var" arg="hierBranch" op="equ" val="r">
+                    <dgm:alg type="hierRoot">
+                      <dgm:param type="hierAlign" val="tL"/>
+                    </dgm:alg>
+                    <dgm:shape xmlns:r="http://schemas.openxmlformats.org/officeDocument/2006/relationships" r:blip="">
+                      <dgm:adjLst/>
+                    </dgm:shape>
+                    <dgm:presOf/>
+                    <dgm:constrLst>
+                      <dgm:constr type="alignOff" val="0.65"/>
+                    </dgm:constrLst>
+                  </dgm:if>
+                  <dgm:if name="Name109" func="var" arg="hierBranch" op="equ" val="hang">
+                    <dgm:alg type="hierRoot"/>
+                    <dgm:shape xmlns:r="http://schemas.openxmlformats.org/officeDocument/2006/relationships" r:blip="">
+                      <dgm:adjLst/>
+                    </dgm:shape>
+                    <dgm:presOf/>
+                    <dgm:constrLst>
+                      <dgm:constr type="alignOff" val="0.65"/>
+                    </dgm:constrLst>
+                  </dgm:if>
+                  <dgm:if name="Name110" func="var" arg="hierBranch" op="equ" val="std">
+                    <dgm:alg type="hierRoot"/>
+                    <dgm:shape xmlns:r="http://schemas.openxmlformats.org/officeDocument/2006/relationships" r:blip="">
+                      <dgm:adjLst/>
+                    </dgm:shape>
+                    <dgm:presOf/>
+                    <dgm:constrLst>
+                      <dgm:constr type="alignOff"/>
+                      <dgm:constr type="bendDist" for="des" ptType="parTrans" refType="sp" fact="0.5"/>
+                    </dgm:constrLst>
+                  </dgm:if>
+                  <dgm:if name="Name111" func="var" arg="hierBranch" op="equ" val="init">
+                    <dgm:choose name="Name112">
+                      <dgm:if name="Name113" axis="des" func="maxDepth" op="lte" val="1">
+                        <dgm:alg type="hierRoot">
+                          <dgm:param type="hierAlign" val="tL"/>
+                        </dgm:alg>
+                        <dgm:shape xmlns:r="http://schemas.openxmlformats.org/officeDocument/2006/relationships" r:blip="">
+                          <dgm:adjLst/>
+                        </dgm:shape>
+                        <dgm:presOf/>
+                        <dgm:constrLst>
+                          <dgm:constr type="alignOff" val="0.65"/>
+                        </dgm:constrLst>
+                      </dgm:if>
+                      <dgm:else name="Name114">
+                        <dgm:alg type="hierRoot"/>
+                        <dgm:shape xmlns:r="http://schemas.openxmlformats.org/officeDocument/2006/relationships" r:blip="">
+                          <dgm:adjLst/>
+                        </dgm:shape>
+                        <dgm:presOf/>
+                        <dgm:constrLst>
+                          <dgm:constr type="alignOff"/>
+                          <dgm:constr type="bendDist" for="des" ptType="parTrans" refType="sp" fact="0.5"/>
+                        </dgm:constrLst>
+                      </dgm:else>
+                    </dgm:choose>
+                  </dgm:if>
+                  <dgm:else name="Name115"/>
+                </dgm:choose>
+                <dgm:layoutNode name="rootComposite3">
+                  <dgm:alg type="composite"/>
+                  <dgm:shape xmlns:r="http://schemas.openxmlformats.org/officeDocument/2006/relationships" r:blip="">
+                    <dgm:adjLst/>
+                  </dgm:shape>
+                  <dgm:presOf axis="self" ptType="node" cnt="1"/>
+                  <dgm:choose name="Name116">
+                    <dgm:if name="Name117" func="var" arg="hierBranch" op="equ" val="init">
+                      <dgm:constrLst>
+                        <dgm:constr type="l" for="ch" forName="rootText3"/>
+                        <dgm:constr type="t" for="ch" forName="rootText3" refType="h" fact="0.18"/>
+                        <dgm:constr type="w" for="ch" forName="rootText3" refType="w"/>
+                        <dgm:constr type="h" for="ch" forName="rootText3" refType="h" fact="0.64"/>
+                        <dgm:constr type="l" for="ch" forName="topArc3" refType="w" fact="0.25"/>
+                        <dgm:constr type="t" for="ch" forName="topArc3"/>
+                        <dgm:constr type="w" for="ch" forName="topArc3" refType="h" refFor="ch" refForName="topArc3"/>
+                        <dgm:constr type="h" for="ch" forName="topArc3" refType="h"/>
+                        <dgm:constr type="l" for="ch" forName="bottomArc3" refType="w" fact="0.25"/>
+                        <dgm:constr type="t" for="ch" forName="bottomArc3"/>
+                        <dgm:constr type="w" for="ch" forName="bottomArc3" refType="h" refFor="ch" refForName="bottomArc3"/>
+                        <dgm:constr type="h" for="ch" forName="bottomArc3" refType="h"/>
+                        <dgm:constr type="ctrX" for="ch" forName="topConnNode3" refType="w" fact="0.5"/>
+                        <dgm:constr type="t" for="ch" forName="topConnNode3"/>
+                        <dgm:constr type="w" for="ch" forName="topConnNode3" refType="h" fact="0.76"/>
+                        <dgm:constr type="b" for="ch" forName="topConnNode3" refType="t" refFor="ch" refForName="rootText3"/>
+                      </dgm:constrLst>
+                    </dgm:if>
+                    <dgm:if name="Name118" func="var" arg="hierBranch" op="equ" val="l">
+                      <dgm:constrLst>
+                        <dgm:constr type="l" for="ch" forName="rootText3"/>
+                        <dgm:constr type="t" for="ch" forName="rootText3" refType="h" fact="0.18"/>
+                        <dgm:constr type="w" for="ch" forName="rootText3" refType="w"/>
+                        <dgm:constr type="h" for="ch" forName="rootText3" refType="h" fact="0.64"/>
+                        <dgm:constr type="l" for="ch" forName="topArc3" refType="w" fact="0.25"/>
+                        <dgm:constr type="t" for="ch" forName="topArc3"/>
+                        <dgm:constr type="w" for="ch" forName="topArc3" refType="h" refFor="ch" refForName="topArc3"/>
+                        <dgm:constr type="h" for="ch" forName="topArc3" refType="h"/>
+                        <dgm:constr type="l" for="ch" forName="bottomArc3" refType="w" fact="0.25"/>
+                        <dgm:constr type="t" for="ch" forName="bottomArc3"/>
+                        <dgm:constr type="w" for="ch" forName="bottomArc3" refType="h" refFor="ch" refForName="bottomArc3"/>
+                        <dgm:constr type="h" for="ch" forName="bottomArc3" refType="h"/>
+                        <dgm:constr type="ctrX" for="ch" forName="topConnNode3" refType="w" fact="0.5"/>
+                        <dgm:constr type="t" for="ch" forName="topConnNode3"/>
+                        <dgm:constr type="w" for="ch" forName="topConnNode3" refType="h" fact="0.76"/>
+                        <dgm:constr type="b" for="ch" forName="topConnNode3" refType="t" refFor="ch" refForName="rootText3"/>
+                      </dgm:constrLst>
+                    </dgm:if>
+                    <dgm:if name="Name119" func="var" arg="hierBranch" op="equ" val="r">
+                      <dgm:constrLst>
+                        <dgm:constr type="l" for="ch" forName="rootText3"/>
+                        <dgm:constr type="t" for="ch" forName="rootText3" refType="h" fact="0.18"/>
+                        <dgm:constr type="w" for="ch" forName="rootText3" refType="w"/>
+                        <dgm:constr type="h" for="ch" forName="rootText3" refType="h" fact="0.64"/>
+                        <dgm:constr type="l" for="ch" forName="topArc3" refType="w" fact="0.25"/>
+                        <dgm:constr type="t" for="ch" forName="topArc3"/>
+                        <dgm:constr type="w" for="ch" forName="topArc3" refType="h" refFor="ch" refForName="topArc3"/>
+                        <dgm:constr type="h" for="ch" forName="topArc3" refType="h"/>
+                        <dgm:constr type="l" for="ch" forName="bottomArc3" refType="w" fact="0.25"/>
+                        <dgm:constr type="t" for="ch" forName="bottomArc3"/>
+                        <dgm:constr type="w" for="ch" forName="bottomArc3" refType="h" refFor="ch" refForName="bottomArc3"/>
+                        <dgm:constr type="h" for="ch" forName="bottomArc3" refType="h"/>
+                        <dgm:constr type="ctrX" for="ch" forName="topConnNode3" refType="w" fact="0.5"/>
+                        <dgm:constr type="t" for="ch" forName="topConnNode3"/>
+                        <dgm:constr type="w" for="ch" forName="topConnNode3" refType="h" fact="0.76"/>
+                        <dgm:constr type="b" for="ch" forName="topConnNode3" refType="t" refFor="ch" refForName="rootText3"/>
+                      </dgm:constrLst>
+                    </dgm:if>
+                    <dgm:else name="Name120">
+                      <dgm:constrLst>
+                        <dgm:constr type="l" for="ch" forName="rootText3"/>
+                        <dgm:constr type="t" for="ch" forName="rootText3" refType="h" fact="0.18"/>
+                        <dgm:constr type="w" for="ch" forName="rootText3" refType="w"/>
+                        <dgm:constr type="h" for="ch" forName="rootText3" refType="h" fact="0.64"/>
+                        <dgm:constr type="l" for="ch" forName="topArc3" refType="w" fact="0.25"/>
+                        <dgm:constr type="t" for="ch" forName="topArc3"/>
+                        <dgm:constr type="w" for="ch" forName="topArc3" refType="h" refFor="ch" refForName="topArc3"/>
+                        <dgm:constr type="h" for="ch" forName="topArc3" refType="h"/>
+                        <dgm:constr type="l" for="ch" forName="bottomArc3" refType="w" fact="0.25"/>
+                        <dgm:constr type="t" for="ch" forName="bottomArc3"/>
+                        <dgm:constr type="w" for="ch" forName="bottomArc3" refType="h" refFor="ch" refForName="bottomArc3"/>
+                        <dgm:constr type="h" for="ch" forName="bottomArc3" refType="h"/>
+                        <dgm:constr type="ctrX" for="ch" forName="topConnNode3" refType="w" fact="0.5"/>
+                        <dgm:constr type="t" for="ch" forName="topConnNode3"/>
+                        <dgm:constr type="w" for="ch" forName="topConnNode3" refType="h" fact="0.76"/>
+                        <dgm:constr type="b" for="ch" forName="topConnNode3" refType="t" refFor="ch" refForName="rootText3"/>
+                      </dgm:constrLst>
+                    </dgm:else>
+                  </dgm:choose>
+                  <dgm:layoutNode name="rootText3" styleLbl="alignAcc1">
+                    <dgm:varLst>
+                      <dgm:chPref val="3"/>
+                    </dgm:varLst>
+                    <dgm:alg type="tx"/>
+                    <dgm:shape xmlns:r="http://schemas.openxmlformats.org/officeDocument/2006/relationships" type="rect" r:blip="" hideGeom="1">
+                      <dgm:adjLst/>
+                    </dgm:shape>
+                    <dgm:presOf axis="self" ptType="node" cnt="1"/>
+                    <dgm:constrLst>
+                      <dgm:constr type="primFontSz" val="65"/>
+                      <dgm:constr type="lMarg" refType="primFontSz" fact="0.05"/>
+                      <dgm:constr type="rMarg" refType="primFontSz" fact="0.05"/>
+                      <dgm:constr type="tMarg" refType="primFontSz" fact="0.05"/>
+                      <dgm:constr type="bMarg" refType="primFontSz" fact="0.05"/>
+                    </dgm:constrLst>
+                    <dgm:ruleLst>
+                      <dgm:rule type="primFontSz" val="5" fact="NaN" max="NaN"/>
+                    </dgm:ruleLst>
+                  </dgm:layoutNode>
+                  <dgm:layoutNode name="topArc3" styleLbl="parChTrans1D1" moveWith="rootText3">
+                    <dgm:alg type="sp"/>
+                    <dgm:shape xmlns:r="http://schemas.openxmlformats.org/officeDocument/2006/relationships" type="arc" r:blip="" zOrderOff="-2">
+                      <dgm:adjLst>
+                        <dgm:adj idx="1" val="-140"/>
+                        <dgm:adj idx="2" val="-40"/>
+                      </dgm:adjLst>
+                    </dgm:shape>
+                    <dgm:presOf/>
+                  </dgm:layoutNode>
+                  <dgm:layoutNode name="bottomArc3" styleLbl="parChTrans1D1" moveWith="rootText3">
+                    <dgm:alg type="sp"/>
+                    <dgm:shape xmlns:r="http://schemas.openxmlformats.org/officeDocument/2006/relationships" type="arc" r:blip="" zOrderOff="-2">
+                      <dgm:adjLst>
+                        <dgm:adj idx="1" val="40"/>
+                        <dgm:adj idx="2" val="140"/>
+                      </dgm:adjLst>
+                    </dgm:shape>
+                    <dgm:presOf/>
+                  </dgm:layoutNode>
+                  <dgm:layoutNode name="topConnNode3" moveWith="rootText3">
+                    <dgm:alg type="sp"/>
+                    <dgm:shape xmlns:r="http://schemas.openxmlformats.org/officeDocument/2006/relationships" type="rect" r:blip="" hideGeom="1">
+                      <dgm:adjLst/>
+                    </dgm:shape>
+                    <dgm:presOf axis="self" ptType="node" cnt="1"/>
+                  </dgm:layoutNode>
+                </dgm:layoutNode>
+                <dgm:layoutNode name="hierChild6">
+                  <dgm:choose name="Name121">
+                    <dgm:if name="Name122" func="var" arg="hierBranch" op="equ" val="l">
+                      <dgm:alg type="hierChild">
+                        <dgm:param type="chAlign" val="r"/>
+                        <dgm:param type="linDir" val="fromT"/>
+                      </dgm:alg>
+                    </dgm:if>
+                    <dgm:if name="Name123" func="var" arg="hierBranch" op="equ" val="r">
+                      <dgm:alg type="hierChild">
+                        <dgm:param type="chAlign" val="l"/>
+                        <dgm:param type="linDir" val="fromT"/>
+                      </dgm:alg>
+                    </dgm:if>
+                    <dgm:if name="Name124" func="var" arg="hierBranch" op="equ" val="hang">
+                      <dgm:choose name="Name125">
+                        <dgm:if name="Name126" func="var" arg="dir" op="equ" val="norm">
+                          <dgm:alg type="hierChild">
+                            <dgm:param type="chAlign" val="l"/>
+                            <dgm:param type="linDir" val="fromL"/>
+                            <dgm:param type="secChAlign" val="t"/>
+                            <dgm:param type="secLinDir" val="fromT"/>
+                          </dgm:alg>
+                        </dgm:if>
+                        <dgm:else name="Name127">
+                          <dgm:alg type="hierChild">
+                            <dgm:param type="chAlign" val="l"/>
+                            <dgm:param type="linDir" val="fromR"/>
+                            <dgm:param type="secChAlign" val="t"/>
+                            <dgm:param type="secLinDir" val="fromT"/>
+                          </dgm:alg>
+                        </dgm:else>
+                      </dgm:choose>
+                    </dgm:if>
+                    <dgm:if name="Name128" func="var" arg="hierBranch" op="equ" val="std">
+                      <dgm:choose name="Name129">
+                        <dgm:if name="Name130" func="var" arg="dir" op="equ" val="norm">
+                          <dgm:alg type="hierChild"/>
+                        </dgm:if>
+                        <dgm:else name="Name131">
+                          <dgm:alg type="hierChild">
+                            <dgm:param type="linDir" val="fromR"/>
+                          </dgm:alg>
+                        </dgm:else>
+                      </dgm:choose>
+                    </dgm:if>
+                    <dgm:if name="Name132" func="var" arg="hierBranch" op="equ" val="init">
+                      <dgm:choose name="Name133">
+                        <dgm:if name="Name134" axis="des" func="maxDepth" op="lte" val="1">
+                          <dgm:alg type="hierChild">
+                            <dgm:param type="chAlign" val="l"/>
+                            <dgm:param type="linDir" val="fromT"/>
+                          </dgm:alg>
+                        </dgm:if>
+                        <dgm:else name="Name135">
+                          <dgm:alg type="hierChild"/>
+                        </dgm:else>
+                      </dgm:choose>
+                    </dgm:if>
+                    <dgm:else name="Name136"/>
+                  </dgm:choose>
+                  <dgm:shape xmlns:r="http://schemas.openxmlformats.org/officeDocument/2006/relationships" r:blip="">
+                    <dgm:adjLst/>
+                  </dgm:shape>
+                  <dgm:presOf/>
+                  <dgm:forEach name="Name137" ref="rep2a"/>
+                </dgm:layoutNode>
+                <dgm:layoutNode name="hierChild7">
+                  <dgm:choose name="Name138">
+                    <dgm:if name="Name139" func="var" arg="dir" op="equ" val="norm">
+                      <dgm:alg type="hierChild">
+                        <dgm:param type="chAlign" val="l"/>
+                        <dgm:param type="linDir" val="fromL"/>
+                        <dgm:param type="secChAlign" val="t"/>
+                        <dgm:param type="secLinDir" val="fromT"/>
+                      </dgm:alg>
+                    </dgm:if>
+                    <dgm:else name="Name140">
+                      <dgm:alg type="hierChild">
+                        <dgm:param type="chAlign" val="l"/>
+                        <dgm:param type="linDir" val="fromR"/>
+                        <dgm:param type="secChAlign" val="t"/>
+                        <dgm:param type="secLinDir" val="fromT"/>
+                      </dgm:alg>
+                    </dgm:else>
+                  </dgm:choose>
+                  <dgm:shape xmlns:r="http://schemas.openxmlformats.org/officeDocument/2006/relationships" r:blip="">
+                    <dgm:adjLst/>
+                  </dgm:shape>
+                  <dgm:presOf/>
+                  <dgm:forEach name="Name141" ref="rep2b"/>
+                </dgm:layoutNode>
+              </dgm:layoutNode>
+            </dgm:forEach>
+          </dgm:layoutNode>
+        </dgm:layoutNode>
+      </dgm:forEach>
+    </dgm:forEach>
+  </dgm:layoutNode>
+</dgm:layoutDef>
+</file>
+
+<file path=ppt/diagrams/quickStyle1.xml><?xml version="1.0" encoding="utf-8"?>
+<dgm:styleDef xmlns:dgm="http://schemas.openxmlformats.org/drawingml/2006/diagram" xmlns:a="http://schemas.openxmlformats.org/drawingml/2006/main" uniqueId="urn:microsoft.com/office/officeart/2005/8/quickstyle/simple3">
+  <dgm:title val=""/>
+  <dgm:desc val=""/>
+  <dgm:catLst>
+    <dgm:cat type="simple" pri="10300"/>
   </dgm:catLst>
   <dgm:scene3d>
     <a:camera prst="orthographicFront"/>
@@ -2103,23 +5062,22 @@
       <a:camera prst="orthographicFront"/>
       <a:lightRig rig="flat" dir="t"/>
     </dgm:scene3d>
-    <dgm:sp3d prstMaterial="plastic">
-      <a:bevelT w="120900" h="88900"/>
-      <a:bevelB w="88900" h="31750" prst="angle"/>
+    <dgm:sp3d prstMaterial="dkEdge">
+      <a:bevelT w="8200" h="38100"/>
     </dgm:sp3d>
     <dgm:txPr/>
     <dgm:style>
       <a:lnRef idx="0">
         <a:scrgbClr r="0" g="0" b="0"/>
       </a:lnRef>
-      <a:fillRef idx="3">
+      <a:fillRef idx="2">
         <a:scrgbClr r="0" g="0" b="0"/>
       </a:fillRef>
-      <a:effectRef idx="2">
+      <a:effectRef idx="1">
         <a:scrgbClr r="0" g="0" b="0"/>
       </a:effectRef>
       <a:fontRef idx="minor">
-        <a:schemeClr val="lt1"/>
+        <a:schemeClr val="dk1"/>
       </a:fontRef>
     </dgm:style>
   </dgm:styleLbl>
@@ -2128,23 +5086,22 @@
       <a:camera prst="orthographicFront"/>
       <a:lightRig rig="flat" dir="t"/>
     </dgm:scene3d>
-    <dgm:sp3d prstMaterial="plastic">
-      <a:bevelT w="120900" h="88900"/>
-      <a:bevelB w="88900" h="31750" prst="angle"/>
+    <dgm:sp3d prstMaterial="dkEdge">
+      <a:bevelT w="8200" h="38100"/>
     </dgm:sp3d>
     <dgm:txPr/>
     <dgm:style>
-      <a:lnRef idx="0">
+      <a:lnRef idx="1">
         <a:scrgbClr r="0" g="0" b="0"/>
       </a:lnRef>
-      <a:fillRef idx="3">
+      <a:fillRef idx="2">
         <a:scrgbClr r="0" g="0" b="0"/>
       </a:fillRef>
-      <a:effectRef idx="1">
+      <a:effectRef idx="0">
         <a:scrgbClr r="0" g="0" b="0"/>
       </a:effectRef>
       <a:fontRef idx="minor">
-        <a:schemeClr val="lt1"/>
+        <a:schemeClr val="dk1"/>
       </a:fontRef>
     </dgm:style>
   </dgm:styleLbl>
@@ -2153,19 +5110,18 @@
       <a:camera prst="orthographicFront"/>
       <a:lightRig rig="flat" dir="t"/>
     </dgm:scene3d>
-    <dgm:sp3d prstMaterial="plastic">
-      <a:bevelT w="120900" h="88900"/>
-      <a:bevelB w="88900" h="31750" prst="angle"/>
+    <dgm:sp3d prstMaterial="dkEdge">
+      <a:bevelT w="8200" h="38100"/>
     </dgm:sp3d>
     <dgm:txPr/>
     <dgm:style>
       <a:lnRef idx="0">
         <a:scrgbClr r="0" g="0" b="0"/>
       </a:lnRef>
-      <a:fillRef idx="1">
+      <a:fillRef idx="2">
         <a:scrgbClr r="0" g="0" b="0"/>
       </a:fillRef>
-      <a:effectRef idx="1">
+      <a:effectRef idx="0">
         <a:scrgbClr r="0" g="0" b="0"/>
       </a:effectRef>
       <a:fontRef idx="minor">
@@ -2176,25 +5132,22 @@
   <dgm:styleLbl name="alignNode1">
     <dgm:scene3d>
       <a:camera prst="orthographicFront"/>
-      <a:lightRig rig="flat" dir="t"/>
+      <a:lightRig rig="threePt" dir="t"/>
     </dgm:scene3d>
-    <dgm:sp3d prstMaterial="plastic">
-      <a:bevelT w="120900" h="88900"/>
-      <a:bevelB w="88900" h="31750" prst="angle"/>
-    </dgm:sp3d>
+    <dgm:sp3d/>
     <dgm:txPr/>
     <dgm:style>
       <a:lnRef idx="1">
         <a:scrgbClr r="0" g="0" b="0"/>
       </a:lnRef>
-      <a:fillRef idx="3">
+      <a:fillRef idx="2">
         <a:scrgbClr r="0" g="0" b="0"/>
       </a:fillRef>
-      <a:effectRef idx="2">
+      <a:effectRef idx="1">
         <a:scrgbClr r="0" g="0" b="0"/>
       </a:effectRef>
       <a:fontRef idx="minor">
-        <a:schemeClr val="lt1"/>
+        <a:schemeClr val="dk1"/>
       </a:fontRef>
     </dgm:style>
   </dgm:styleLbl>
@@ -2203,23 +5156,22 @@
       <a:camera prst="orthographicFront"/>
       <a:lightRig rig="flat" dir="t"/>
     </dgm:scene3d>
-    <dgm:sp3d prstMaterial="plastic">
-      <a:bevelT w="120900" h="88900"/>
-      <a:bevelB w="88900" h="31750" prst="angle"/>
+    <dgm:sp3d prstMaterial="dkEdge">
+      <a:bevelT w="8200" h="38100"/>
     </dgm:sp3d>
     <dgm:txPr/>
     <dgm:style>
       <a:lnRef idx="0">
         <a:scrgbClr r="0" g="0" b="0"/>
       </a:lnRef>
-      <a:fillRef idx="3">
+      <a:fillRef idx="2">
         <a:scrgbClr r="0" g="0" b="0"/>
       </a:fillRef>
-      <a:effectRef idx="2">
+      <a:effectRef idx="1">
         <a:scrgbClr r="0" g="0" b="0"/>
       </a:effectRef>
       <a:fontRef idx="minor">
-        <a:schemeClr val="lt1"/>
+        <a:schemeClr val="dk1"/>
       </a:fontRef>
     </dgm:style>
   </dgm:styleLbl>
@@ -2228,23 +5180,22 @@
       <a:camera prst="orthographicFront"/>
       <a:lightRig rig="flat" dir="t"/>
     </dgm:scene3d>
-    <dgm:sp3d prstMaterial="plastic">
-      <a:bevelT w="120900" h="88900"/>
-      <a:bevelB w="88900" h="31750" prst="angle"/>
+    <dgm:sp3d prstMaterial="dkEdge">
+      <a:bevelT w="8200" h="38100"/>
     </dgm:sp3d>
     <dgm:txPr/>
     <dgm:style>
       <a:lnRef idx="0">
         <a:scrgbClr r="0" g="0" b="0"/>
       </a:lnRef>
-      <a:fillRef idx="3">
+      <a:fillRef idx="2">
         <a:scrgbClr r="0" g="0" b="0"/>
       </a:fillRef>
       <a:effectRef idx="1">
         <a:scrgbClr r="0" g="0" b="0"/>
       </a:effectRef>
       <a:fontRef idx="minor">
-        <a:schemeClr val="lt1"/>
+        <a:schemeClr val="dk1"/>
       </a:fontRef>
     </dgm:style>
   </dgm:styleLbl>
@@ -2253,23 +5204,22 @@
       <a:camera prst="orthographicFront"/>
       <a:lightRig rig="flat" dir="t"/>
     </dgm:scene3d>
-    <dgm:sp3d prstMaterial="plastic">
-      <a:bevelT w="120900" h="88900"/>
-      <a:bevelB w="88900" h="31750" prst="angle"/>
+    <dgm:sp3d prstMaterial="dkEdge">
+      <a:bevelT w="8200" h="38100"/>
     </dgm:sp3d>
     <dgm:txPr/>
     <dgm:style>
       <a:lnRef idx="0">
         <a:scrgbClr r="0" g="0" b="0"/>
       </a:lnRef>
-      <a:fillRef idx="3">
+      <a:fillRef idx="2">
         <a:scrgbClr r="0" g="0" b="0"/>
       </a:fillRef>
       <a:effectRef idx="1">
         <a:scrgbClr r="0" g="0" b="0"/>
       </a:effectRef>
       <a:fontRef idx="minor">
-        <a:schemeClr val="lt1"/>
+        <a:schemeClr val="dk1"/>
       </a:fontRef>
     </dgm:style>
   </dgm:styleLbl>
@@ -2278,176 +5228,157 @@
       <a:camera prst="orthographicFront"/>
       <a:lightRig rig="flat" dir="t"/>
     </dgm:scene3d>
-    <dgm:sp3d prstMaterial="plastic">
-      <a:bevelT w="120900" h="88900"/>
-      <a:bevelB w="88900" h="31750" prst="angle"/>
+    <dgm:sp3d prstMaterial="dkEdge">
+      <a:bevelT w="8200" h="38100"/>
     </dgm:sp3d>
     <dgm:txPr/>
     <dgm:style>
       <a:lnRef idx="0">
         <a:scrgbClr r="0" g="0" b="0"/>
       </a:lnRef>
-      <a:fillRef idx="3">
+      <a:fillRef idx="2">
         <a:scrgbClr r="0" g="0" b="0"/>
       </a:fillRef>
       <a:effectRef idx="1">
         <a:scrgbClr r="0" g="0" b="0"/>
       </a:effectRef>
       <a:fontRef idx="minor">
-        <a:schemeClr val="lt1"/>
+        <a:schemeClr val="dk1"/>
       </a:fontRef>
     </dgm:style>
   </dgm:styleLbl>
   <dgm:styleLbl name="fgImgPlace1">
     <dgm:scene3d>
       <a:camera prst="orthographicFront"/>
-      <a:lightRig rig="flat" dir="t"/>
+      <a:lightRig rig="threePt" dir="t"/>
     </dgm:scene3d>
-    <dgm:sp3d z="127000" prstMaterial="plastic">
-      <a:bevelT w="88900" h="88900"/>
-      <a:bevelB w="88900" h="31750" prst="angle"/>
-    </dgm:sp3d>
+    <dgm:sp3d/>
+    <dgm:txPr/>
+    <dgm:style>
+      <a:lnRef idx="1">
+        <a:scrgbClr r="0" g="0" b="0"/>
+      </a:lnRef>
+      <a:fillRef idx="1">
+        <a:scrgbClr r="0" g="0" b="0"/>
+      </a:fillRef>
+      <a:effectRef idx="1">
+        <a:scrgbClr r="0" g="0" b="0"/>
+      </a:effectRef>
+      <a:fontRef idx="minor"/>
+    </dgm:style>
+  </dgm:styleLbl>
+  <dgm:styleLbl name="alignImgPlace1">
+    <dgm:scene3d>
+      <a:camera prst="orthographicFront"/>
+      <a:lightRig rig="threePt" dir="t"/>
+    </dgm:scene3d>
+    <dgm:sp3d/>
+    <dgm:txPr/>
+    <dgm:style>
+      <a:lnRef idx="1">
+        <a:scrgbClr r="0" g="0" b="0"/>
+      </a:lnRef>
+      <a:fillRef idx="1">
+        <a:scrgbClr r="0" g="0" b="0"/>
+      </a:fillRef>
+      <a:effectRef idx="1">
+        <a:scrgbClr r="0" g="0" b="0"/>
+      </a:effectRef>
+      <a:fontRef idx="minor"/>
+    </dgm:style>
+  </dgm:styleLbl>
+  <dgm:styleLbl name="bgImgPlace1">
+    <dgm:scene3d>
+      <a:camera prst="orthographicFront"/>
+      <a:lightRig rig="threePt" dir="t"/>
+    </dgm:scene3d>
+    <dgm:sp3d/>
+    <dgm:txPr/>
+    <dgm:style>
+      <a:lnRef idx="1">
+        <a:scrgbClr r="0" g="0" b="0"/>
+      </a:lnRef>
+      <a:fillRef idx="1">
+        <a:scrgbClr r="0" g="0" b="0"/>
+      </a:fillRef>
+      <a:effectRef idx="1">
+        <a:scrgbClr r="0" g="0" b="0"/>
+      </a:effectRef>
+      <a:fontRef idx="minor"/>
+    </dgm:style>
+  </dgm:styleLbl>
+  <dgm:styleLbl name="sibTrans2D1">
+    <dgm:scene3d>
+      <a:camera prst="orthographicFront"/>
+      <a:lightRig rig="threePt" dir="t"/>
+    </dgm:scene3d>
+    <dgm:sp3d/>
     <dgm:txPr/>
     <dgm:style>
       <a:lnRef idx="0">
         <a:scrgbClr r="0" g="0" b="0"/>
       </a:lnRef>
-      <a:fillRef idx="3">
+      <a:fillRef idx="2">
         <a:scrgbClr r="0" g="0" b="0"/>
       </a:fillRef>
-      <a:effectRef idx="2">
+      <a:effectRef idx="1">
         <a:scrgbClr r="0" g="0" b="0"/>
       </a:effectRef>
-      <a:fontRef idx="minor"/>
+      <a:fontRef idx="minor">
+        <a:schemeClr val="dk1"/>
+      </a:fontRef>
     </dgm:style>
   </dgm:styleLbl>
-  <dgm:styleLbl name="alignImgPlace1">
+  <dgm:styleLbl name="fgSibTrans2D1">
     <dgm:scene3d>
       <a:camera prst="orthographicFront"/>
-      <a:lightRig rig="flat" dir="t"/>
+      <a:lightRig rig="threePt" dir="t"/>
     </dgm:scene3d>
-    <dgm:sp3d prstMaterial="plastic">
-      <a:bevelT w="88900" h="88900"/>
-      <a:bevelB w="88900" h="31750" prst="angle"/>
-    </dgm:sp3d>
+    <dgm:sp3d/>
     <dgm:txPr/>
     <dgm:style>
       <a:lnRef idx="0">
         <a:scrgbClr r="0" g="0" b="0"/>
       </a:lnRef>
-      <a:fillRef idx="3">
+      <a:fillRef idx="2">
         <a:scrgbClr r="0" g="0" b="0"/>
       </a:fillRef>
-      <a:effectRef idx="2">
+      <a:effectRef idx="1">
         <a:scrgbClr r="0" g="0" b="0"/>
       </a:effectRef>
-      <a:fontRef idx="minor"/>
+      <a:fontRef idx="minor">
+        <a:schemeClr val="dk1"/>
+      </a:fontRef>
     </dgm:style>
   </dgm:styleLbl>
-  <dgm:styleLbl name="bgImgPlace1">
+  <dgm:styleLbl name="bgSibTrans2D1">
     <dgm:scene3d>
       <a:camera prst="orthographicFront"/>
-      <a:lightRig rig="flat" dir="t"/>
+      <a:lightRig rig="threePt" dir="t"/>
     </dgm:scene3d>
-    <dgm:sp3d z="-190500" prstMaterial="plastic">
-      <a:bevelT w="88900" h="88900"/>
-      <a:bevelB w="88900" h="31750" prst="angle"/>
-    </dgm:sp3d>
+    <dgm:sp3d/>
     <dgm:txPr/>
     <dgm:style>
       <a:lnRef idx="0">
         <a:scrgbClr r="0" g="0" b="0"/>
       </a:lnRef>
-      <a:fillRef idx="3">
+      <a:fillRef idx="2">
         <a:scrgbClr r="0" g="0" b="0"/>
       </a:fillRef>
-      <a:effectRef idx="2">
-        <a:scrgbClr r="0" g="0" b="0"/>
-      </a:effectRef>
-      <a:fontRef idx="minor"/>
-    </dgm:style>
-  </dgm:styleLbl>
-  <dgm:styleLbl name="sibTrans2D1">
-    <dgm:scene3d>
-      <a:camera prst="orthographicFront"/>
-      <a:lightRig rig="flat" dir="t"/>
-    </dgm:scene3d>
-    <dgm:sp3d z="-80000" prstMaterial="plastic">
-      <a:bevelT w="50800" h="50800"/>
-      <a:bevelB w="25400" h="25400" prst="angle"/>
-    </dgm:sp3d>
-    <dgm:txPr/>
-    <dgm:style>
-      <a:lnRef idx="0">
-        <a:scrgbClr r="0" g="0" b="0"/>
-      </a:lnRef>
-      <a:fillRef idx="3">
-        <a:scrgbClr r="0" g="0" b="0"/>
-      </a:fillRef>
-      <a:effectRef idx="2">
+      <a:effectRef idx="1">
         <a:scrgbClr r="0" g="0" b="0"/>
       </a:effectRef>
       <a:fontRef idx="minor">
-        <a:schemeClr val="lt1"/>
-      </a:fontRef>
-    </dgm:style>
-  </dgm:styleLbl>
-  <dgm:styleLbl name="fgSibTrans2D1">
-    <dgm:scene3d>
-      <a:camera prst="orthographicFront"/>
-      <a:lightRig rig="flat" dir="t"/>
-    </dgm:scene3d>
-    <dgm:sp3d z="127000" prstMaterial="plastic">
-      <a:bevelT w="50800" h="50800"/>
-      <a:bevelB w="25400" h="25400" prst="angle"/>
-    </dgm:sp3d>
-    <dgm:txPr/>
-    <dgm:style>
-      <a:lnRef idx="0">
-        <a:scrgbClr r="0" g="0" b="0"/>
-      </a:lnRef>
-      <a:fillRef idx="3">
-        <a:scrgbClr r="0" g="0" b="0"/>
-      </a:fillRef>
-      <a:effectRef idx="2">
-        <a:scrgbClr r="0" g="0" b="0"/>
-      </a:effectRef>
-      <a:fontRef idx="minor">
-        <a:schemeClr val="lt1"/>
-      </a:fontRef>
-    </dgm:style>
-  </dgm:styleLbl>
-  <dgm:styleLbl name="bgSibTrans2D1">
-    <dgm:scene3d>
-      <a:camera prst="orthographicFront"/>
-      <a:lightRig rig="flat" dir="t"/>
-    </dgm:scene3d>
-    <dgm:sp3d z="-190500" prstMaterial="plastic">
-      <a:bevelT w="50800" h="50800"/>
-      <a:bevelB w="25400" h="25400" prst="angle"/>
-    </dgm:sp3d>
-    <dgm:txPr/>
-    <dgm:style>
-      <a:lnRef idx="0">
-        <a:scrgbClr r="0" g="0" b="0"/>
-      </a:lnRef>
-      <a:fillRef idx="3">
-        <a:scrgbClr r="0" g="0" b="0"/>
-      </a:fillRef>
-      <a:effectRef idx="2">
-        <a:scrgbClr r="0" g="0" b="0"/>
-      </a:effectRef>
-      <a:fontRef idx="minor">
-        <a:schemeClr val="lt1"/>
+        <a:schemeClr val="dk1"/>
       </a:fontRef>
     </dgm:style>
   </dgm:styleLbl>
   <dgm:styleLbl name="sibTrans1D1">
     <dgm:scene3d>
       <a:camera prst="orthographicFront"/>
-      <a:lightRig rig="flat" dir="t"/>
+      <a:lightRig rig="threePt" dir="t"/>
     </dgm:scene3d>
-    <dgm:sp3d z="-40000" prstMaterial="matte"/>
+    <dgm:sp3d/>
     <dgm:txPr/>
     <dgm:style>
       <a:lnRef idx="1">
@@ -2467,16 +5398,16 @@
       <a:camera prst="orthographicFront"/>
       <a:lightRig rig="threePt" dir="t"/>
     </dgm:scene3d>
-    <dgm:sp3d z="127000" prstMaterial="matte"/>
+    <dgm:sp3d/>
     <dgm:txPr/>
     <dgm:style>
-      <a:lnRef idx="2">
+      <a:lnRef idx="1">
         <a:scrgbClr r="0" g="0" b="0"/>
       </a:lnRef>
-      <a:fillRef idx="1">
+      <a:fillRef idx="2">
         <a:scrgbClr r="0" g="0" b="0"/>
       </a:fillRef>
-      <a:effectRef idx="0">
+      <a:effectRef idx="1">
         <a:scrgbClr r="0" g="0" b="0"/>
       </a:effectRef>
       <a:fontRef idx="minor"/>
@@ -2487,23 +5418,22 @@
       <a:camera prst="orthographicFront"/>
       <a:lightRig rig="flat" dir="t"/>
     </dgm:scene3d>
-    <dgm:sp3d prstMaterial="plastic">
-      <a:bevelT w="120900" h="88900"/>
-      <a:bevelB w="88900" h="31750" prst="angle"/>
+    <dgm:sp3d prstMaterial="dkEdge">
+      <a:bevelT w="8200" h="38100"/>
     </dgm:sp3d>
     <dgm:txPr/>
     <dgm:style>
       <a:lnRef idx="0">
         <a:scrgbClr r="0" g="0" b="0"/>
       </a:lnRef>
-      <a:fillRef idx="3">
+      <a:fillRef idx="2">
         <a:scrgbClr r="0" g="0" b="0"/>
       </a:fillRef>
       <a:effectRef idx="1">
         <a:scrgbClr r="0" g="0" b="0"/>
       </a:effectRef>
       <a:fontRef idx="minor">
-        <a:schemeClr val="lt1"/>
+        <a:schemeClr val="dk1"/>
       </a:fontRef>
     </dgm:style>
   </dgm:styleLbl>
@@ -2512,23 +5442,22 @@
       <a:camera prst="orthographicFront"/>
       <a:lightRig rig="flat" dir="t"/>
     </dgm:scene3d>
-    <dgm:sp3d prstMaterial="plastic">
-      <a:bevelT w="120900" h="88900"/>
-      <a:bevelB w="88900" h="31750" prst="angle"/>
+    <dgm:sp3d prstMaterial="dkEdge">
+      <a:bevelT w="8200" h="38100"/>
     </dgm:sp3d>
     <dgm:txPr/>
     <dgm:style>
       <a:lnRef idx="0">
         <a:scrgbClr r="0" g="0" b="0"/>
       </a:lnRef>
-      <a:fillRef idx="3">
+      <a:fillRef idx="2">
         <a:scrgbClr r="0" g="0" b="0"/>
       </a:fillRef>
       <a:effectRef idx="1">
         <a:scrgbClr r="0" g="0" b="0"/>
       </a:effectRef>
       <a:fontRef idx="minor">
-        <a:schemeClr val="lt1"/>
+        <a:schemeClr val="dk1"/>
       </a:fontRef>
     </dgm:style>
   </dgm:styleLbl>
@@ -2537,23 +5466,22 @@
       <a:camera prst="orthographicFront"/>
       <a:lightRig rig="flat" dir="t"/>
     </dgm:scene3d>
-    <dgm:sp3d prstMaterial="plastic">
-      <a:bevelT w="120900" h="88900"/>
-      <a:bevelB w="88900" h="31750" prst="angle"/>
+    <dgm:sp3d prstMaterial="dkEdge">
+      <a:bevelT w="8200" h="38100"/>
     </dgm:sp3d>
     <dgm:txPr/>
     <dgm:style>
       <a:lnRef idx="0">
         <a:scrgbClr r="0" g="0" b="0"/>
       </a:lnRef>
-      <a:fillRef idx="3">
+      <a:fillRef idx="2">
         <a:scrgbClr r="0" g="0" b="0"/>
       </a:fillRef>
       <a:effectRef idx="1">
         <a:scrgbClr r="0" g="0" b="0"/>
       </a:effectRef>
       <a:fontRef idx="minor">
-        <a:schemeClr val="lt1"/>
+        <a:schemeClr val="dk1"/>
       </a:fontRef>
     </dgm:style>
   </dgm:styleLbl>
@@ -2562,586 +5490,563 @@
       <a:camera prst="orthographicFront"/>
       <a:lightRig rig="flat" dir="t"/>
     </dgm:scene3d>
-    <dgm:sp3d prstMaterial="plastic">
-      <a:bevelT w="120900" h="88900"/>
-      <a:bevelB w="88900" h="31750" prst="angle"/>
+    <dgm:sp3d prstMaterial="dkEdge">
+      <a:bevelT w="8200" h="38100"/>
     </dgm:sp3d>
     <dgm:txPr/>
     <dgm:style>
       <a:lnRef idx="0">
         <a:scrgbClr r="0" g="0" b="0"/>
       </a:lnRef>
-      <a:fillRef idx="3">
+      <a:fillRef idx="2">
         <a:scrgbClr r="0" g="0" b="0"/>
       </a:fillRef>
       <a:effectRef idx="1">
         <a:scrgbClr r="0" g="0" b="0"/>
       </a:effectRef>
       <a:fontRef idx="minor">
-        <a:schemeClr val="lt1"/>
+        <a:schemeClr val="dk1"/>
       </a:fontRef>
     </dgm:style>
   </dgm:styleLbl>
-  <dgm:styleLbl name="parChTrans2D1">
+  <dgm:styleLbl name="asst4">
     <dgm:scene3d>
       <a:camera prst="orthographicFront"/>
       <a:lightRig rig="flat" dir="t"/>
     </dgm:scene3d>
-    <dgm:sp3d z="-100000" prstMaterial="plastic">
-      <a:bevelT w="120900" h="88900"/>
-      <a:bevelB w="88900" h="31750" prst="angle"/>
+    <dgm:sp3d prstMaterial="dkEdge">
+      <a:bevelT w="8200" h="38100"/>
     </dgm:sp3d>
     <dgm:txPr/>
     <dgm:style>
       <a:lnRef idx="0">
         <a:scrgbClr r="0" g="0" b="0"/>
       </a:lnRef>
-      <a:fillRef idx="3">
+      <a:fillRef idx="2">
         <a:scrgbClr r="0" g="0" b="0"/>
       </a:fillRef>
       <a:effectRef idx="1">
         <a:scrgbClr r="0" g="0" b="0"/>
       </a:effectRef>
       <a:fontRef idx="minor">
-        <a:schemeClr val="lt1"/>
+        <a:schemeClr val="dk1"/>
+      </a:fontRef>
+    </dgm:style>
+  </dgm:styleLbl>
+  <dgm:styleLbl name="parChTrans2D1">
+    <dgm:scene3d>
+      <a:camera prst="orthographicFront"/>
+      <a:lightRig rig="threePt" dir="t"/>
+    </dgm:scene3d>
+    <dgm:sp3d/>
+    <dgm:txPr/>
+    <dgm:style>
+      <a:lnRef idx="1">
+        <a:scrgbClr r="0" g="0" b="0"/>
+      </a:lnRef>
+      <a:fillRef idx="2">
+        <a:scrgbClr r="0" g="0" b="0"/>
+      </a:fillRef>
+      <a:effectRef idx="1">
+        <a:scrgbClr r="0" g="0" b="0"/>
+      </a:effectRef>
+      <a:fontRef idx="minor">
+        <a:schemeClr val="dk1"/>
       </a:fontRef>
     </dgm:style>
   </dgm:styleLbl>
   <dgm:styleLbl name="parChTrans2D2">
     <dgm:scene3d>
       <a:camera prst="orthographicFront"/>
-      <a:lightRig rig="flat" dir="t"/>
+      <a:lightRig rig="threePt" dir="t"/>
     </dgm:scene3d>
-    <dgm:sp3d z="-60000" prstMaterial="plastic">
-      <a:bevelT w="120900" h="88900"/>
-      <a:bevelB w="88900" h="31750" prst="angle"/>
-    </dgm:sp3d>
+    <dgm:sp3d/>
+    <dgm:txPr/>
+    <dgm:style>
+      <a:lnRef idx="1">
+        <a:scrgbClr r="0" g="0" b="0"/>
+      </a:lnRef>
+      <a:fillRef idx="2">
+        <a:scrgbClr r="0" g="0" b="0"/>
+      </a:fillRef>
+      <a:effectRef idx="1">
+        <a:scrgbClr r="0" g="0" b="0"/>
+      </a:effectRef>
+      <a:fontRef idx="minor">
+        <a:schemeClr val="dk1"/>
+      </a:fontRef>
+    </dgm:style>
+  </dgm:styleLbl>
+  <dgm:styleLbl name="parChTrans2D3">
+    <dgm:scene3d>
+      <a:camera prst="orthographicFront"/>
+      <a:lightRig rig="threePt" dir="t"/>
+    </dgm:scene3d>
+    <dgm:sp3d/>
+    <dgm:txPr/>
+    <dgm:style>
+      <a:lnRef idx="1">
+        <a:scrgbClr r="0" g="0" b="0"/>
+      </a:lnRef>
+      <a:fillRef idx="2">
+        <a:scrgbClr r="0" g="0" b="0"/>
+      </a:fillRef>
+      <a:effectRef idx="1">
+        <a:scrgbClr r="0" g="0" b="0"/>
+      </a:effectRef>
+      <a:fontRef idx="minor">
+        <a:schemeClr val="dk1"/>
+      </a:fontRef>
+    </dgm:style>
+  </dgm:styleLbl>
+  <dgm:styleLbl name="parChTrans2D4">
+    <dgm:scene3d>
+      <a:camera prst="orthographicFront"/>
+      <a:lightRig rig="threePt" dir="t"/>
+    </dgm:scene3d>
+    <dgm:sp3d/>
+    <dgm:txPr/>
+    <dgm:style>
+      <a:lnRef idx="1">
+        <a:scrgbClr r="0" g="0" b="0"/>
+      </a:lnRef>
+      <a:fillRef idx="2">
+        <a:scrgbClr r="0" g="0" b="0"/>
+      </a:fillRef>
+      <a:effectRef idx="1">
+        <a:scrgbClr r="0" g="0" b="0"/>
+      </a:effectRef>
+      <a:fontRef idx="minor">
+        <a:schemeClr val="dk1"/>
+      </a:fontRef>
+    </dgm:style>
+  </dgm:styleLbl>
+  <dgm:styleLbl name="parChTrans1D1">
+    <dgm:scene3d>
+      <a:camera prst="orthographicFront"/>
+      <a:lightRig rig="threePt" dir="t"/>
+    </dgm:scene3d>
+    <dgm:sp3d/>
+    <dgm:txPr/>
+    <dgm:style>
+      <a:lnRef idx="2">
+        <a:scrgbClr r="0" g="0" b="0"/>
+      </a:lnRef>
+      <a:fillRef idx="0">
+        <a:scrgbClr r="0" g="0" b="0"/>
+      </a:fillRef>
+      <a:effectRef idx="0">
+        <a:scrgbClr r="0" g="0" b="0"/>
+      </a:effectRef>
+      <a:fontRef idx="minor"/>
+    </dgm:style>
+  </dgm:styleLbl>
+  <dgm:styleLbl name="parChTrans1D2">
+    <dgm:scene3d>
+      <a:camera prst="orthographicFront"/>
+      <a:lightRig rig="threePt" dir="t"/>
+    </dgm:scene3d>
+    <dgm:sp3d/>
+    <dgm:txPr/>
+    <dgm:style>
+      <a:lnRef idx="2">
+        <a:scrgbClr r="0" g="0" b="0"/>
+      </a:lnRef>
+      <a:fillRef idx="0">
+        <a:scrgbClr r="0" g="0" b="0"/>
+      </a:fillRef>
+      <a:effectRef idx="0">
+        <a:scrgbClr r="0" g="0" b="0"/>
+      </a:effectRef>
+      <a:fontRef idx="minor"/>
+    </dgm:style>
+  </dgm:styleLbl>
+  <dgm:styleLbl name="parChTrans1D3">
+    <dgm:scene3d>
+      <a:camera prst="orthographicFront"/>
+      <a:lightRig rig="threePt" dir="t"/>
+    </dgm:scene3d>
+    <dgm:sp3d/>
+    <dgm:txPr/>
+    <dgm:style>
+      <a:lnRef idx="2">
+        <a:scrgbClr r="0" g="0" b="0"/>
+      </a:lnRef>
+      <a:fillRef idx="0">
+        <a:scrgbClr r="0" g="0" b="0"/>
+      </a:fillRef>
+      <a:effectRef idx="0">
+        <a:scrgbClr r="0" g="0" b="0"/>
+      </a:effectRef>
+      <a:fontRef idx="minor"/>
+    </dgm:style>
+  </dgm:styleLbl>
+  <dgm:styleLbl name="parChTrans1D4">
+    <dgm:scene3d>
+      <a:camera prst="orthographicFront"/>
+      <a:lightRig rig="threePt" dir="t"/>
+    </dgm:scene3d>
+    <dgm:sp3d/>
+    <dgm:txPr/>
+    <dgm:style>
+      <a:lnRef idx="2">
+        <a:scrgbClr r="0" g="0" b="0"/>
+      </a:lnRef>
+      <a:fillRef idx="0">
+        <a:scrgbClr r="0" g="0" b="0"/>
+      </a:fillRef>
+      <a:effectRef idx="0">
+        <a:scrgbClr r="0" g="0" b="0"/>
+      </a:effectRef>
+      <a:fontRef idx="minor"/>
+    </dgm:style>
+  </dgm:styleLbl>
+  <dgm:styleLbl name="fgAcc1">
+    <dgm:scene3d>
+      <a:camera prst="orthographicFront"/>
+      <a:lightRig rig="threePt" dir="t"/>
+    </dgm:scene3d>
+    <dgm:sp3d/>
+    <dgm:txPr/>
+    <dgm:style>
+      <a:lnRef idx="1">
+        <a:scrgbClr r="0" g="0" b="0"/>
+      </a:lnRef>
+      <a:fillRef idx="1">
+        <a:scrgbClr r="0" g="0" b="0"/>
+      </a:fillRef>
+      <a:effectRef idx="0">
+        <a:scrgbClr r="0" g="0" b="0"/>
+      </a:effectRef>
+      <a:fontRef idx="minor"/>
+    </dgm:style>
+  </dgm:styleLbl>
+  <dgm:styleLbl name="conFgAcc1">
+    <dgm:scene3d>
+      <a:camera prst="orthographicFront"/>
+      <a:lightRig rig="threePt" dir="t"/>
+    </dgm:scene3d>
+    <dgm:sp3d/>
+    <dgm:txPr/>
+    <dgm:style>
+      <a:lnRef idx="1">
+        <a:scrgbClr r="0" g="0" b="0"/>
+      </a:lnRef>
+      <a:fillRef idx="1">
+        <a:scrgbClr r="0" g="0" b="0"/>
+      </a:fillRef>
+      <a:effectRef idx="0">
+        <a:scrgbClr r="0" g="0" b="0"/>
+      </a:effectRef>
+      <a:fontRef idx="minor"/>
+    </dgm:style>
+  </dgm:styleLbl>
+  <dgm:styleLbl name="alignAcc1">
+    <dgm:scene3d>
+      <a:camera prst="orthographicFront"/>
+      <a:lightRig rig="threePt" dir="t"/>
+    </dgm:scene3d>
+    <dgm:sp3d/>
+    <dgm:txPr/>
+    <dgm:style>
+      <a:lnRef idx="1">
+        <a:scrgbClr r="0" g="0" b="0"/>
+      </a:lnRef>
+      <a:fillRef idx="1">
+        <a:scrgbClr r="0" g="0" b="0"/>
+      </a:fillRef>
+      <a:effectRef idx="0">
+        <a:scrgbClr r="0" g="0" b="0"/>
+      </a:effectRef>
+      <a:fontRef idx="minor"/>
+    </dgm:style>
+  </dgm:styleLbl>
+  <dgm:styleLbl name="trAlignAcc1">
+    <dgm:scene3d>
+      <a:camera prst="orthographicFront"/>
+      <a:lightRig rig="threePt" dir="t"/>
+    </dgm:scene3d>
+    <dgm:sp3d/>
+    <dgm:txPr/>
+    <dgm:style>
+      <a:lnRef idx="1">
+        <a:scrgbClr r="0" g="0" b="0"/>
+      </a:lnRef>
+      <a:fillRef idx="1">
+        <a:scrgbClr r="0" g="0" b="0"/>
+      </a:fillRef>
+      <a:effectRef idx="0">
+        <a:scrgbClr r="0" g="0" b="0"/>
+      </a:effectRef>
+      <a:fontRef idx="minor"/>
+    </dgm:style>
+  </dgm:styleLbl>
+  <dgm:styleLbl name="bgAcc1">
+    <dgm:scene3d>
+      <a:camera prst="orthographicFront"/>
+      <a:lightRig rig="threePt" dir="t"/>
+    </dgm:scene3d>
+    <dgm:sp3d/>
+    <dgm:txPr/>
+    <dgm:style>
+      <a:lnRef idx="1">
+        <a:scrgbClr r="0" g="0" b="0"/>
+      </a:lnRef>
+      <a:fillRef idx="1">
+        <a:scrgbClr r="0" g="0" b="0"/>
+      </a:fillRef>
+      <a:effectRef idx="0">
+        <a:scrgbClr r="0" g="0" b="0"/>
+      </a:effectRef>
+      <a:fontRef idx="minor"/>
+    </dgm:style>
+  </dgm:styleLbl>
+  <dgm:styleLbl name="solidFgAcc1">
+    <dgm:scene3d>
+      <a:camera prst="orthographicFront"/>
+      <a:lightRig rig="threePt" dir="t"/>
+    </dgm:scene3d>
+    <dgm:sp3d/>
+    <dgm:txPr/>
+    <dgm:style>
+      <a:lnRef idx="1">
+        <a:scrgbClr r="0" g="0" b="0"/>
+      </a:lnRef>
+      <a:fillRef idx="2">
+        <a:scrgbClr r="0" g="0" b="0"/>
+      </a:fillRef>
+      <a:effectRef idx="0">
+        <a:scrgbClr r="0" g="0" b="0"/>
+      </a:effectRef>
+      <a:fontRef idx="minor"/>
+    </dgm:style>
+  </dgm:styleLbl>
+  <dgm:styleLbl name="solidAlignAcc1">
+    <dgm:scene3d>
+      <a:camera prst="orthographicFront"/>
+      <a:lightRig rig="threePt" dir="t"/>
+    </dgm:scene3d>
+    <dgm:sp3d/>
+    <dgm:txPr/>
+    <dgm:style>
+      <a:lnRef idx="1">
+        <a:scrgbClr r="0" g="0" b="0"/>
+      </a:lnRef>
+      <a:fillRef idx="1">
+        <a:scrgbClr r="0" g="0" b="0"/>
+      </a:fillRef>
+      <a:effectRef idx="0">
+        <a:scrgbClr r="0" g="0" b="0"/>
+      </a:effectRef>
+      <a:fontRef idx="minor"/>
+    </dgm:style>
+  </dgm:styleLbl>
+  <dgm:styleLbl name="solidBgAcc1">
+    <dgm:scene3d>
+      <a:camera prst="orthographicFront"/>
+      <a:lightRig rig="threePt" dir="t"/>
+    </dgm:scene3d>
+    <dgm:sp3d/>
+    <dgm:txPr/>
+    <dgm:style>
+      <a:lnRef idx="1">
+        <a:scrgbClr r="0" g="0" b="0"/>
+      </a:lnRef>
+      <a:fillRef idx="1">
+        <a:scrgbClr r="0" g="0" b="0"/>
+      </a:fillRef>
+      <a:effectRef idx="0">
+        <a:scrgbClr r="0" g="0" b="0"/>
+      </a:effectRef>
+      <a:fontRef idx="minor"/>
+    </dgm:style>
+  </dgm:styleLbl>
+  <dgm:styleLbl name="fgAccFollowNode1">
+    <dgm:scene3d>
+      <a:camera prst="orthographicFront"/>
+      <a:lightRig rig="threePt" dir="t"/>
+    </dgm:scene3d>
+    <dgm:sp3d/>
+    <dgm:txPr/>
+    <dgm:style>
+      <a:lnRef idx="1">
+        <a:scrgbClr r="0" g="0" b="0"/>
+      </a:lnRef>
+      <a:fillRef idx="1">
+        <a:scrgbClr r="0" g="0" b="0"/>
+      </a:fillRef>
+      <a:effectRef idx="0">
+        <a:scrgbClr r="0" g="0" b="0"/>
+      </a:effectRef>
+      <a:fontRef idx="minor"/>
+    </dgm:style>
+  </dgm:styleLbl>
+  <dgm:styleLbl name="alignAccFollowNode1">
+    <dgm:scene3d>
+      <a:camera prst="orthographicFront"/>
+      <a:lightRig rig="threePt" dir="t"/>
+    </dgm:scene3d>
+    <dgm:sp3d/>
+    <dgm:txPr/>
+    <dgm:style>
+      <a:lnRef idx="1">
+        <a:scrgbClr r="0" g="0" b="0"/>
+      </a:lnRef>
+      <a:fillRef idx="1">
+        <a:scrgbClr r="0" g="0" b="0"/>
+      </a:fillRef>
+      <a:effectRef idx="0">
+        <a:scrgbClr r="0" g="0" b="0"/>
+      </a:effectRef>
+      <a:fontRef idx="minor"/>
+    </dgm:style>
+  </dgm:styleLbl>
+  <dgm:styleLbl name="bgAccFollowNode1">
+    <dgm:scene3d>
+      <a:camera prst="orthographicFront"/>
+      <a:lightRig rig="threePt" dir="t"/>
+    </dgm:scene3d>
+    <dgm:sp3d/>
+    <dgm:txPr/>
+    <dgm:style>
+      <a:lnRef idx="1">
+        <a:scrgbClr r="0" g="0" b="0"/>
+      </a:lnRef>
+      <a:fillRef idx="1">
+        <a:scrgbClr r="0" g="0" b="0"/>
+      </a:fillRef>
+      <a:effectRef idx="0">
+        <a:scrgbClr r="0" g="0" b="0"/>
+      </a:effectRef>
+      <a:fontRef idx="minor"/>
+    </dgm:style>
+  </dgm:styleLbl>
+  <dgm:styleLbl name="fgAcc0">
+    <dgm:scene3d>
+      <a:camera prst="orthographicFront"/>
+      <a:lightRig rig="threePt" dir="t"/>
+    </dgm:scene3d>
+    <dgm:sp3d/>
+    <dgm:txPr/>
+    <dgm:style>
+      <a:lnRef idx="1">
+        <a:scrgbClr r="0" g="0" b="0"/>
+      </a:lnRef>
+      <a:fillRef idx="1">
+        <a:scrgbClr r="0" g="0" b="0"/>
+      </a:fillRef>
+      <a:effectRef idx="0">
+        <a:scrgbClr r="0" g="0" b="0"/>
+      </a:effectRef>
+      <a:fontRef idx="minor"/>
+    </dgm:style>
+  </dgm:styleLbl>
+  <dgm:styleLbl name="fgAcc2">
+    <dgm:scene3d>
+      <a:camera prst="orthographicFront"/>
+      <a:lightRig rig="threePt" dir="t"/>
+    </dgm:scene3d>
+    <dgm:sp3d/>
+    <dgm:txPr/>
+    <dgm:style>
+      <a:lnRef idx="1">
+        <a:scrgbClr r="0" g="0" b="0"/>
+      </a:lnRef>
+      <a:fillRef idx="1">
+        <a:scrgbClr r="0" g="0" b="0"/>
+      </a:fillRef>
+      <a:effectRef idx="0">
+        <a:scrgbClr r="0" g="0" b="0"/>
+      </a:effectRef>
+      <a:fontRef idx="minor"/>
+    </dgm:style>
+  </dgm:styleLbl>
+  <dgm:styleLbl name="fgAcc3">
+    <dgm:scene3d>
+      <a:camera prst="orthographicFront"/>
+      <a:lightRig rig="threePt" dir="t"/>
+    </dgm:scene3d>
+    <dgm:sp3d/>
+    <dgm:txPr/>
+    <dgm:style>
+      <a:lnRef idx="1">
+        <a:scrgbClr r="0" g="0" b="0"/>
+      </a:lnRef>
+      <a:fillRef idx="1">
+        <a:scrgbClr r="0" g="0" b="0"/>
+      </a:fillRef>
+      <a:effectRef idx="0">
+        <a:scrgbClr r="0" g="0" b="0"/>
+      </a:effectRef>
+      <a:fontRef idx="minor"/>
+    </dgm:style>
+  </dgm:styleLbl>
+  <dgm:styleLbl name="fgAcc4">
+    <dgm:scene3d>
+      <a:camera prst="orthographicFront"/>
+      <a:lightRig rig="threePt" dir="t"/>
+    </dgm:scene3d>
+    <dgm:sp3d/>
+    <dgm:txPr/>
+    <dgm:style>
+      <a:lnRef idx="1">
+        <a:scrgbClr r="0" g="0" b="0"/>
+      </a:lnRef>
+      <a:fillRef idx="1">
+        <a:scrgbClr r="0" g="0" b="0"/>
+      </a:fillRef>
+      <a:effectRef idx="0">
+        <a:scrgbClr r="0" g="0" b="0"/>
+      </a:effectRef>
+      <a:fontRef idx="minor"/>
+    </dgm:style>
+  </dgm:styleLbl>
+  <dgm:styleLbl name="bgShp">
+    <dgm:scene3d>
+      <a:camera prst="orthographicFront"/>
+      <a:lightRig rig="threePt" dir="t"/>
+    </dgm:scene3d>
+    <dgm:sp3d/>
     <dgm:txPr/>
     <dgm:style>
       <a:lnRef idx="0">
         <a:scrgbClr r="0" g="0" b="0"/>
       </a:lnRef>
-      <a:fillRef idx="3">
+      <a:fillRef idx="1">
         <a:scrgbClr r="0" g="0" b="0"/>
       </a:fillRef>
       <a:effectRef idx="1">
         <a:scrgbClr r="0" g="0" b="0"/>
       </a:effectRef>
-      <a:fontRef idx="minor">
-        <a:schemeClr val="lt1"/>
-      </a:fontRef>
+      <a:fontRef idx="minor"/>
     </dgm:style>
   </dgm:styleLbl>
-  <dgm:styleLbl name="parChTrans2D3">
+  <dgm:styleLbl name="dkBgShp">
     <dgm:scene3d>
       <a:camera prst="orthographicFront"/>
-      <a:lightRig rig="flat" dir="t"/>
+      <a:lightRig rig="threePt" dir="t"/>
     </dgm:scene3d>
-    <dgm:sp3d z="-60000" prstMaterial="plastic">
-      <a:bevelT w="120900" h="88900"/>
-      <a:bevelB w="88900" h="31750" prst="angle"/>
-    </dgm:sp3d>
+    <dgm:sp3d/>
     <dgm:txPr/>
     <dgm:style>
       <a:lnRef idx="0">
         <a:scrgbClr r="0" g="0" b="0"/>
       </a:lnRef>
-      <a:fillRef idx="3">
+      <a:fillRef idx="1">
         <a:scrgbClr r="0" g="0" b="0"/>
       </a:fillRef>
       <a:effectRef idx="1">
-        <a:scrgbClr r="0" g="0" b="0"/>
-      </a:effectRef>
-      <a:fontRef idx="minor">
-        <a:schemeClr val="lt1"/>
-      </a:fontRef>
-    </dgm:style>
-  </dgm:styleLbl>
-  <dgm:styleLbl name="parChTrans2D4">
-    <dgm:scene3d>
-      <a:camera prst="orthographicFront"/>
-      <a:lightRig rig="flat" dir="t"/>
-    </dgm:scene3d>
-    <dgm:sp3d z="-60000" prstMaterial="plastic">
-      <a:bevelT w="120900" h="88900"/>
-      <a:bevelB w="88900" h="31750" prst="angle"/>
-    </dgm:sp3d>
-    <dgm:txPr/>
-    <dgm:style>
-      <a:lnRef idx="0">
-        <a:scrgbClr r="0" g="0" b="0"/>
-      </a:lnRef>
-      <a:fillRef idx="3">
-        <a:scrgbClr r="0" g="0" b="0"/>
-      </a:fillRef>
-      <a:effectRef idx="1">
-        <a:scrgbClr r="0" g="0" b="0"/>
-      </a:effectRef>
-      <a:fontRef idx="minor">
-        <a:schemeClr val="lt1"/>
-      </a:fontRef>
-    </dgm:style>
-  </dgm:styleLbl>
-  <dgm:styleLbl name="parChTrans1D1">
-    <dgm:scene3d>
-      <a:camera prst="orthographicFront"/>
-      <a:lightRig rig="flat" dir="t"/>
-    </dgm:scene3d>
-    <dgm:sp3d prstMaterial="matte"/>
-    <dgm:txPr/>
-    <dgm:style>
-      <a:lnRef idx="2">
-        <a:scrgbClr r="0" g="0" b="0"/>
-      </a:lnRef>
-      <a:fillRef idx="0">
-        <a:scrgbClr r="0" g="0" b="0"/>
-      </a:fillRef>
-      <a:effectRef idx="0">
         <a:scrgbClr r="0" g="0" b="0"/>
       </a:effectRef>
       <a:fontRef idx="minor"/>
     </dgm:style>
   </dgm:styleLbl>
-  <dgm:styleLbl name="parChTrans1D2">
-    <dgm:scene3d>
-      <a:camera prst="orthographicFront"/>
-      <a:lightRig rig="flat" dir="t"/>
-    </dgm:scene3d>
-    <dgm:sp3d prstMaterial="matte"/>
-    <dgm:txPr/>
-    <dgm:style>
-      <a:lnRef idx="2">
-        <a:scrgbClr r="0" g="0" b="0"/>
-      </a:lnRef>
-      <a:fillRef idx="0">
-        <a:scrgbClr r="0" g="0" b="0"/>
-      </a:fillRef>
-      <a:effectRef idx="0">
-        <a:scrgbClr r="0" g="0" b="0"/>
-      </a:effectRef>
-      <a:fontRef idx="minor"/>
-    </dgm:style>
-  </dgm:styleLbl>
-  <dgm:styleLbl name="parChTrans1D3">
-    <dgm:scene3d>
-      <a:camera prst="orthographicFront"/>
-      <a:lightRig rig="flat" dir="t"/>
-    </dgm:scene3d>
-    <dgm:sp3d prstMaterial="matte"/>
-    <dgm:txPr/>
-    <dgm:style>
-      <a:lnRef idx="2">
-        <a:scrgbClr r="0" g="0" b="0"/>
-      </a:lnRef>
-      <a:fillRef idx="0">
-        <a:scrgbClr r="0" g="0" b="0"/>
-      </a:fillRef>
-      <a:effectRef idx="0">
-        <a:scrgbClr r="0" g="0" b="0"/>
-      </a:effectRef>
-      <a:fontRef idx="minor"/>
-    </dgm:style>
-  </dgm:styleLbl>
-  <dgm:styleLbl name="parChTrans1D4">
-    <dgm:scene3d>
-      <a:camera prst="orthographicFront"/>
-      <a:lightRig rig="flat" dir="t"/>
-    </dgm:scene3d>
-    <dgm:sp3d prstMaterial="matte"/>
-    <dgm:txPr/>
-    <dgm:style>
-      <a:lnRef idx="2">
-        <a:scrgbClr r="0" g="0" b="0"/>
-      </a:lnRef>
-      <a:fillRef idx="0">
-        <a:scrgbClr r="0" g="0" b="0"/>
-      </a:fillRef>
-      <a:effectRef idx="0">
-        <a:scrgbClr r="0" g="0" b="0"/>
-      </a:effectRef>
-      <a:fontRef idx="minor"/>
-    </dgm:style>
-  </dgm:styleLbl>
-  <dgm:styleLbl name="fgAcc1">
-    <dgm:scene3d>
-      <a:camera prst="orthographicFront"/>
-      <a:lightRig rig="flat" dir="t"/>
-    </dgm:scene3d>
-    <dgm:sp3d z="190500" extrusionH="12700" prstMaterial="plastic">
-      <a:bevelT w="50800" h="50800"/>
-    </dgm:sp3d>
-    <dgm:txPr/>
-    <dgm:style>
-      <a:lnRef idx="1">
-        <a:scrgbClr r="0" g="0" b="0"/>
-      </a:lnRef>
-      <a:fillRef idx="1">
-        <a:scrgbClr r="0" g="0" b="0"/>
-      </a:fillRef>
-      <a:effectRef idx="2">
-        <a:scrgbClr r="0" g="0" b="0"/>
-      </a:effectRef>
-      <a:fontRef idx="minor"/>
-    </dgm:style>
-  </dgm:styleLbl>
-  <dgm:styleLbl name="conFgAcc1">
-    <dgm:scene3d>
-      <a:camera prst="orthographicFront"/>
-      <a:lightRig rig="flat" dir="t"/>
-    </dgm:scene3d>
-    <dgm:sp3d z="190500" extrusionH="12700" prstMaterial="plastic">
-      <a:bevelT w="50800" h="50800"/>
-    </dgm:sp3d>
-    <dgm:txPr/>
-    <dgm:style>
-      <a:lnRef idx="1">
-        <a:scrgbClr r="0" g="0" b="0"/>
-      </a:lnRef>
-      <a:fillRef idx="1">
-        <a:scrgbClr r="0" g="0" b="0"/>
-      </a:fillRef>
-      <a:effectRef idx="2">
-        <a:scrgbClr r="0" g="0" b="0"/>
-      </a:effectRef>
-      <a:fontRef idx="minor"/>
-    </dgm:style>
-  </dgm:styleLbl>
-  <dgm:styleLbl name="alignAcc1">
-    <dgm:scene3d>
-      <a:camera prst="orthographicFront"/>
-      <a:lightRig rig="flat" dir="t"/>
-    </dgm:scene3d>
-    <dgm:sp3d extrusionH="12700" prstMaterial="plastic">
-      <a:bevelT w="50800" h="50800"/>
-    </dgm:sp3d>
-    <dgm:txPr/>
-    <dgm:style>
-      <a:lnRef idx="1">
-        <a:scrgbClr r="0" g="0" b="0"/>
-      </a:lnRef>
-      <a:fillRef idx="1">
-        <a:scrgbClr r="0" g="0" b="0"/>
-      </a:fillRef>
-      <a:effectRef idx="2">
-        <a:scrgbClr r="0" g="0" b="0"/>
-      </a:effectRef>
-      <a:fontRef idx="minor"/>
-    </dgm:style>
-  </dgm:styleLbl>
-  <dgm:styleLbl name="trAlignAcc1">
-    <dgm:scene3d>
-      <a:camera prst="orthographicFront"/>
-      <a:lightRig rig="flat" dir="t"/>
-    </dgm:scene3d>
-    <dgm:sp3d extrusionH="12700" prstMaterial="plastic">
-      <a:bevelT w="50800" h="50800"/>
-    </dgm:sp3d>
-    <dgm:txPr/>
-    <dgm:style>
-      <a:lnRef idx="1">
-        <a:scrgbClr r="0" g="0" b="0"/>
-      </a:lnRef>
-      <a:fillRef idx="1">
-        <a:scrgbClr r="0" g="0" b="0"/>
-      </a:fillRef>
-      <a:effectRef idx="2">
-        <a:scrgbClr r="0" g="0" b="0"/>
-      </a:effectRef>
-      <a:fontRef idx="minor"/>
-    </dgm:style>
-  </dgm:styleLbl>
-  <dgm:styleLbl name="bgAcc1">
-    <dgm:scene3d>
-      <a:camera prst="orthographicFront"/>
-      <a:lightRig rig="flat" dir="t"/>
-    </dgm:scene3d>
-    <dgm:sp3d z="-190500" extrusionH="12700" prstMaterial="plastic">
-      <a:bevelT w="50800" h="50800"/>
-    </dgm:sp3d>
-    <dgm:txPr/>
-    <dgm:style>
-      <a:lnRef idx="1">
-        <a:scrgbClr r="0" g="0" b="0"/>
-      </a:lnRef>
-      <a:fillRef idx="1">
-        <a:scrgbClr r="0" g="0" b="0"/>
-      </a:fillRef>
-      <a:effectRef idx="2">
-        <a:scrgbClr r="0" g="0" b="0"/>
-      </a:effectRef>
-      <a:fontRef idx="minor"/>
-    </dgm:style>
-  </dgm:styleLbl>
-  <dgm:styleLbl name="solidFgAcc1">
-    <dgm:scene3d>
-      <a:camera prst="orthographicFront"/>
-      <a:lightRig rig="flat" dir="t"/>
-    </dgm:scene3d>
-    <dgm:sp3d z="190500" extrusionH="12700" prstMaterial="plastic">
-      <a:bevelT w="50800" h="50800"/>
-    </dgm:sp3d>
-    <dgm:txPr/>
-    <dgm:style>
-      <a:lnRef idx="1">
-        <a:scrgbClr r="0" g="0" b="0"/>
-      </a:lnRef>
-      <a:fillRef idx="1">
-        <a:scrgbClr r="0" g="0" b="0"/>
-      </a:fillRef>
-      <a:effectRef idx="2">
-        <a:scrgbClr r="0" g="0" b="0"/>
-      </a:effectRef>
-      <a:fontRef idx="minor"/>
-    </dgm:style>
-  </dgm:styleLbl>
-  <dgm:styleLbl name="solidAlignAcc1">
-    <dgm:scene3d>
-      <a:camera prst="orthographicFront"/>
-      <a:lightRig rig="flat" dir="t"/>
-    </dgm:scene3d>
-    <dgm:sp3d extrusionH="12700" prstMaterial="plastic">
-      <a:bevelT w="50800" h="50800"/>
-    </dgm:sp3d>
-    <dgm:txPr/>
-    <dgm:style>
-      <a:lnRef idx="1">
-        <a:scrgbClr r="0" g="0" b="0"/>
-      </a:lnRef>
-      <a:fillRef idx="1">
-        <a:scrgbClr r="0" g="0" b="0"/>
-      </a:fillRef>
-      <a:effectRef idx="2">
-        <a:scrgbClr r="0" g="0" b="0"/>
-      </a:effectRef>
-      <a:fontRef idx="minor"/>
-    </dgm:style>
-  </dgm:styleLbl>
-  <dgm:styleLbl name="solidBgAcc1">
-    <dgm:scene3d>
-      <a:camera prst="orthographicFront"/>
-      <a:lightRig rig="flat" dir="t"/>
-    </dgm:scene3d>
-    <dgm:sp3d z="-190500" extrusionH="12700" prstMaterial="plastic">
-      <a:bevelT w="50800" h="50800"/>
-    </dgm:sp3d>
-    <dgm:txPr/>
-    <dgm:style>
-      <a:lnRef idx="1">
-        <a:scrgbClr r="0" g="0" b="0"/>
-      </a:lnRef>
-      <a:fillRef idx="1">
-        <a:scrgbClr r="0" g="0" b="0"/>
-      </a:fillRef>
-      <a:effectRef idx="2">
-        <a:scrgbClr r="0" g="0" b="0"/>
-      </a:effectRef>
-      <a:fontRef idx="minor"/>
-    </dgm:style>
-  </dgm:styleLbl>
-  <dgm:styleLbl name="fgAccFollowNode1">
-    <dgm:scene3d>
-      <a:camera prst="orthographicFront"/>
-      <a:lightRig rig="flat" dir="t"/>
-    </dgm:scene3d>
-    <dgm:sp3d z="190500" extrusionH="12700" prstMaterial="plastic">
-      <a:bevelT w="50800" h="50800"/>
-    </dgm:sp3d>
-    <dgm:txPr/>
-    <dgm:style>
-      <a:lnRef idx="1">
-        <a:scrgbClr r="0" g="0" b="0"/>
-      </a:lnRef>
-      <a:fillRef idx="1">
-        <a:scrgbClr r="0" g="0" b="0"/>
-      </a:fillRef>
-      <a:effectRef idx="2">
-        <a:scrgbClr r="0" g="0" b="0"/>
-      </a:effectRef>
-      <a:fontRef idx="minor"/>
-    </dgm:style>
-  </dgm:styleLbl>
-  <dgm:styleLbl name="alignAccFollowNode1">
-    <dgm:scene3d>
-      <a:camera prst="orthographicFront"/>
-      <a:lightRig rig="flat" dir="t"/>
-    </dgm:scene3d>
-    <dgm:sp3d extrusionH="12700" prstMaterial="plastic">
-      <a:bevelT w="50800" h="50800"/>
-    </dgm:sp3d>
-    <dgm:txPr/>
-    <dgm:style>
-      <a:lnRef idx="1">
-        <a:scrgbClr r="0" g="0" b="0"/>
-      </a:lnRef>
-      <a:fillRef idx="1">
-        <a:scrgbClr r="0" g="0" b="0"/>
-      </a:fillRef>
-      <a:effectRef idx="2">
-        <a:scrgbClr r="0" g="0" b="0"/>
-      </a:effectRef>
-      <a:fontRef idx="minor"/>
-    </dgm:style>
-  </dgm:styleLbl>
-  <dgm:styleLbl name="bgAccFollowNode1">
-    <dgm:scene3d>
-      <a:camera prst="orthographicFront"/>
-      <a:lightRig rig="flat" dir="t"/>
-    </dgm:scene3d>
-    <dgm:sp3d z="-190500" extrusionH="12700" prstMaterial="plastic">
-      <a:bevelT w="50800" h="50800"/>
-    </dgm:sp3d>
-    <dgm:txPr/>
-    <dgm:style>
-      <a:lnRef idx="1">
-        <a:scrgbClr r="0" g="0" b="0"/>
-      </a:lnRef>
-      <a:fillRef idx="1">
-        <a:scrgbClr r="0" g="0" b="0"/>
-      </a:fillRef>
-      <a:effectRef idx="2">
-        <a:scrgbClr r="0" g="0" b="0"/>
-      </a:effectRef>
-      <a:fontRef idx="minor"/>
-    </dgm:style>
-  </dgm:styleLbl>
-  <dgm:styleLbl name="fgAcc0">
-    <dgm:scene3d>
-      <a:camera prst="orthographicFront"/>
-      <a:lightRig rig="flat" dir="t"/>
-    </dgm:scene3d>
-    <dgm:sp3d z="190500" extrusionH="12700" prstMaterial="plastic">
-      <a:bevelT w="50800" h="50800"/>
-    </dgm:sp3d>
-    <dgm:txPr/>
-    <dgm:style>
-      <a:lnRef idx="1">
-        <a:scrgbClr r="0" g="0" b="0"/>
-      </a:lnRef>
-      <a:fillRef idx="1">
-        <a:scrgbClr r="0" g="0" b="0"/>
-      </a:fillRef>
-      <a:effectRef idx="2">
-        <a:scrgbClr r="0" g="0" b="0"/>
-      </a:effectRef>
-      <a:fontRef idx="minor"/>
-    </dgm:style>
-  </dgm:styleLbl>
-  <dgm:styleLbl name="fgAcc2">
-    <dgm:scene3d>
-      <a:camera prst="orthographicFront"/>
-      <a:lightRig rig="flat" dir="t"/>
-    </dgm:scene3d>
-    <dgm:sp3d z="190500" extrusionH="12700" prstMaterial="plastic">
-      <a:bevelT w="50800" h="50800"/>
-    </dgm:sp3d>
-    <dgm:txPr/>
-    <dgm:style>
-      <a:lnRef idx="1">
-        <a:scrgbClr r="0" g="0" b="0"/>
-      </a:lnRef>
-      <a:fillRef idx="1">
-        <a:scrgbClr r="0" g="0" b="0"/>
-      </a:fillRef>
-      <a:effectRef idx="2">
-        <a:scrgbClr r="0" g="0" b="0"/>
-      </a:effectRef>
-      <a:fontRef idx="minor"/>
-    </dgm:style>
-  </dgm:styleLbl>
-  <dgm:styleLbl name="fgAcc3">
-    <dgm:scene3d>
-      <a:camera prst="orthographicFront"/>
-      <a:lightRig rig="flat" dir="t"/>
-    </dgm:scene3d>
-    <dgm:sp3d z="190500" extrusionH="12700" prstMaterial="plastic">
-      <a:bevelT w="50800" h="50800"/>
-    </dgm:sp3d>
-    <dgm:txPr/>
-    <dgm:style>
-      <a:lnRef idx="1">
-        <a:scrgbClr r="0" g="0" b="0"/>
-      </a:lnRef>
-      <a:fillRef idx="1">
-        <a:scrgbClr r="0" g="0" b="0"/>
-      </a:fillRef>
-      <a:effectRef idx="2">
-        <a:scrgbClr r="0" g="0" b="0"/>
-      </a:effectRef>
-      <a:fontRef idx="minor"/>
-    </dgm:style>
-  </dgm:styleLbl>
-  <dgm:styleLbl name="fgAcc4">
-    <dgm:scene3d>
-      <a:camera prst="orthographicFront"/>
-      <a:lightRig rig="flat" dir="t"/>
-    </dgm:scene3d>
-    <dgm:sp3d z="190500" extrusionH="12700" prstMaterial="plastic">
-      <a:bevelT w="50800" h="50800"/>
-    </dgm:sp3d>
-    <dgm:txPr/>
-    <dgm:style>
-      <a:lnRef idx="1">
-        <a:scrgbClr r="0" g="0" b="0"/>
-      </a:lnRef>
-      <a:fillRef idx="1">
-        <a:scrgbClr r="0" g="0" b="0"/>
-      </a:fillRef>
-      <a:effectRef idx="2">
-        <a:scrgbClr r="0" g="0" b="0"/>
-      </a:effectRef>
-      <a:fontRef idx="minor"/>
-    </dgm:style>
-  </dgm:styleLbl>
-  <dgm:styleLbl name="bgShp">
-    <dgm:scene3d>
-      <a:camera prst="orthographicFront"/>
-      <a:lightRig rig="flat" dir="t"/>
-    </dgm:scene3d>
-    <dgm:sp3d z="-190500" extrusionH="12700" prstMaterial="plastic">
-      <a:bevelT w="50800" h="50800"/>
-    </dgm:sp3d>
-    <dgm:txPr/>
-    <dgm:style>
-      <a:lnRef idx="0">
-        <a:scrgbClr r="0" g="0" b="0"/>
-      </a:lnRef>
-      <a:fillRef idx="3">
-        <a:scrgbClr r="0" g="0" b="0"/>
-      </a:fillRef>
-      <a:effectRef idx="0">
-        <a:scrgbClr r="0" g="0" b="0"/>
-      </a:effectRef>
-      <a:fontRef idx="minor"/>
-    </dgm:style>
-  </dgm:styleLbl>
-  <dgm:styleLbl name="dkBgShp">
-    <dgm:scene3d>
-      <a:camera prst="orthographicFront"/>
-      <a:lightRig rig="flat" dir="t"/>
-    </dgm:scene3d>
-    <dgm:sp3d z="-190500" extrusionH="12700" prstMaterial="plastic">
-      <a:bevelT w="50800" h="50800"/>
-    </dgm:sp3d>
-    <dgm:txPr/>
-    <dgm:style>
-      <a:lnRef idx="0">
-        <a:scrgbClr r="0" g="0" b="0"/>
-      </a:lnRef>
-      <a:fillRef idx="2">
-        <a:scrgbClr r="0" g="0" b="0"/>
-      </a:fillRef>
-      <a:effectRef idx="0">
-        <a:scrgbClr r="0" g="0" b="0"/>
-      </a:effectRef>
-      <a:fontRef idx="minor"/>
-    </dgm:style>
-  </dgm:styleLbl>
   <dgm:styleLbl name="trBgShp">
     <dgm:scene3d>
       <a:camera prst="orthographicFront"/>
-      <a:lightRig rig="flat" dir="t"/>
+      <a:lightRig rig="threePt" dir="t"/>
     </dgm:scene3d>
-    <dgm:sp3d z="-190500" extrusionH="12700" prstMaterial="matte"/>
+    <dgm:sp3d/>
     <dgm:txPr/>
     <dgm:style>
       <a:lnRef idx="0">
@@ -3161,24 +6066,21 @@
       <a:camera prst="orthographicFront"/>
       <a:lightRig rig="flat" dir="t"/>
     </dgm:scene3d>
-    <dgm:sp3d z="190500" prstMaterial="plastic">
-      <a:bevelT w="120900" h="88900"/>
-      <a:bevelB w="88900" h="31750" prst="angle"/>
+    <dgm:sp3d prstMaterial="dkEdge">
+      <a:bevelT w="8200" h="38100"/>
     </dgm:sp3d>
     <dgm:txPr/>
     <dgm:style>
-      <a:lnRef idx="0">
+      <a:lnRef idx="1">
         <a:scrgbClr r="0" g="0" b="0"/>
       </a:lnRef>
-      <a:fillRef idx="1">
+      <a:fillRef idx="2">
         <a:scrgbClr r="0" g="0" b="0"/>
       </a:fillRef>
-      <a:effectRef idx="3">
+      <a:effectRef idx="1">
         <a:scrgbClr r="0" g="0" b="0"/>
       </a:effectRef>
-      <a:fontRef idx="minor">
-        <a:schemeClr val="lt1"/>
-      </a:fontRef>
+      <a:fontRef idx="minor"/>
     </dgm:style>
   </dgm:styleLbl>
   <dgm:styleLbl name="revTx">
@@ -3190,6 +6092,1336 @@
     <dgm:txPr/>
     <dgm:style>
       <a:lnRef idx="0">
+        <a:scrgbClr r="0" g="0" b="0"/>
+      </a:lnRef>
+      <a:fillRef idx="0">
+        <a:scrgbClr r="0" g="0" b="0"/>
+      </a:fillRef>
+      <a:effectRef idx="0">
+        <a:scrgbClr r="0" g="0" b="0"/>
+      </a:effectRef>
+      <a:fontRef idx="minor"/>
+    </dgm:style>
+  </dgm:styleLbl>
+</dgm:styleDef>
+</file>
+
+<file path=ppt/diagrams/quickStyle2.xml><?xml version="1.0" encoding="utf-8"?>
+<dgm:styleDef xmlns:dgm="http://schemas.openxmlformats.org/drawingml/2006/diagram" xmlns:a="http://schemas.openxmlformats.org/drawingml/2006/main" uniqueId="urn:microsoft.com/office/officeart/2005/8/quickstyle/3d3">
+  <dgm:title val=""/>
+  <dgm:desc val=""/>
+  <dgm:catLst>
+    <dgm:cat type="3D" pri="11300"/>
+  </dgm:catLst>
+  <dgm:scene3d>
+    <a:camera prst="orthographicFront"/>
+    <a:lightRig rig="threePt" dir="t"/>
+  </dgm:scene3d>
+  <dgm:styleLbl name="node0">
+    <dgm:scene3d>
+      <a:camera prst="orthographicFront">
+        <a:rot lat="0" lon="0" rev="0"/>
+      </a:camera>
+      <a:lightRig rig="contrasting" dir="t">
+        <a:rot lat="0" lon="0" rev="1200000"/>
+      </a:lightRig>
+    </dgm:scene3d>
+    <dgm:sp3d contourW="19050" prstMaterial="metal">
+      <a:bevelT w="88900" h="203200"/>
+      <a:bevelB w="165100" h="254000"/>
+    </dgm:sp3d>
+    <dgm:txPr/>
+    <dgm:style>
+      <a:lnRef idx="0">
+        <a:scrgbClr r="0" g="0" b="0"/>
+      </a:lnRef>
+      <a:fillRef idx="1">
+        <a:scrgbClr r="0" g="0" b="0"/>
+      </a:fillRef>
+      <a:effectRef idx="1">
+        <a:scrgbClr r="0" g="0" b="0"/>
+      </a:effectRef>
+      <a:fontRef idx="minor">
+        <a:schemeClr val="lt1"/>
+      </a:fontRef>
+    </dgm:style>
+  </dgm:styleLbl>
+  <dgm:styleLbl name="lnNode1">
+    <dgm:scene3d>
+      <a:camera prst="orthographicFront">
+        <a:rot lat="0" lon="0" rev="0"/>
+      </a:camera>
+      <a:lightRig rig="contrasting" dir="t">
+        <a:rot lat="0" lon="0" rev="1200000"/>
+      </a:lightRig>
+    </dgm:scene3d>
+    <dgm:sp3d contourW="19050" prstMaterial="metal">
+      <a:bevelT w="88900" h="203200"/>
+      <a:bevelB w="165100" h="254000"/>
+    </dgm:sp3d>
+    <dgm:txPr/>
+    <dgm:style>
+      <a:lnRef idx="0">
+        <a:scrgbClr r="0" g="0" b="0"/>
+      </a:lnRef>
+      <a:fillRef idx="1">
+        <a:scrgbClr r="0" g="0" b="0"/>
+      </a:fillRef>
+      <a:effectRef idx="1">
+        <a:scrgbClr r="0" g="0" b="0"/>
+      </a:effectRef>
+      <a:fontRef idx="minor">
+        <a:schemeClr val="lt1"/>
+      </a:fontRef>
+    </dgm:style>
+  </dgm:styleLbl>
+  <dgm:styleLbl name="vennNode1">
+    <dgm:scene3d>
+      <a:camera prst="orthographicFront">
+        <a:rot lat="0" lon="0" rev="0"/>
+      </a:camera>
+      <a:lightRig rig="contrasting" dir="t">
+        <a:rot lat="0" lon="0" rev="1200000"/>
+      </a:lightRig>
+    </dgm:scene3d>
+    <dgm:sp3d contourW="12700" prstMaterial="clear">
+      <a:bevelT w="177800" h="254000"/>
+      <a:bevelB w="152400"/>
+    </dgm:sp3d>
+    <dgm:txPr/>
+    <dgm:style>
+      <a:lnRef idx="0">
+        <a:scrgbClr r="0" g="0" b="0"/>
+      </a:lnRef>
+      <a:fillRef idx="1">
+        <a:scrgbClr r="0" g="0" b="0"/>
+      </a:fillRef>
+      <a:effectRef idx="0">
+        <a:scrgbClr r="0" g="0" b="0"/>
+      </a:effectRef>
+      <a:fontRef idx="minor">
+        <a:schemeClr val="tx1"/>
+      </a:fontRef>
+    </dgm:style>
+  </dgm:styleLbl>
+  <dgm:styleLbl name="alignNode1">
+    <dgm:scene3d>
+      <a:camera prst="orthographicFront">
+        <a:rot lat="0" lon="0" rev="0"/>
+      </a:camera>
+      <a:lightRig rig="contrasting" dir="t">
+        <a:rot lat="0" lon="0" rev="1200000"/>
+      </a:lightRig>
+    </dgm:scene3d>
+    <dgm:sp3d contourW="19050" prstMaterial="metal">
+      <a:bevelT w="88900" h="203200"/>
+      <a:bevelB w="165100" h="254000"/>
+    </dgm:sp3d>
+    <dgm:txPr/>
+    <dgm:style>
+      <a:lnRef idx="0">
+        <a:scrgbClr r="0" g="0" b="0"/>
+      </a:lnRef>
+      <a:fillRef idx="1">
+        <a:scrgbClr r="0" g="0" b="0"/>
+      </a:fillRef>
+      <a:effectRef idx="2">
+        <a:scrgbClr r="0" g="0" b="0"/>
+      </a:effectRef>
+      <a:fontRef idx="minor">
+        <a:schemeClr val="lt1"/>
+      </a:fontRef>
+    </dgm:style>
+  </dgm:styleLbl>
+  <dgm:styleLbl name="node1">
+    <dgm:scene3d>
+      <a:camera prst="orthographicFront">
+        <a:rot lat="0" lon="0" rev="0"/>
+      </a:camera>
+      <a:lightRig rig="contrasting" dir="t">
+        <a:rot lat="0" lon="0" rev="1200000"/>
+      </a:lightRig>
+    </dgm:scene3d>
+    <dgm:sp3d contourW="19050" prstMaterial="metal">
+      <a:bevelT w="88900" h="203200"/>
+      <a:bevelB w="165100" h="254000"/>
+    </dgm:sp3d>
+    <dgm:txPr/>
+    <dgm:style>
+      <a:lnRef idx="0">
+        <a:scrgbClr r="0" g="0" b="0"/>
+      </a:lnRef>
+      <a:fillRef idx="1">
+        <a:scrgbClr r="0" g="0" b="0"/>
+      </a:fillRef>
+      <a:effectRef idx="2">
+        <a:scrgbClr r="0" g="0" b="0"/>
+      </a:effectRef>
+      <a:fontRef idx="minor">
+        <a:schemeClr val="lt1"/>
+      </a:fontRef>
+    </dgm:style>
+  </dgm:styleLbl>
+  <dgm:styleLbl name="node2">
+    <dgm:scene3d>
+      <a:camera prst="orthographicFront">
+        <a:rot lat="0" lon="0" rev="0"/>
+      </a:camera>
+      <a:lightRig rig="contrasting" dir="t">
+        <a:rot lat="0" lon="0" rev="1200000"/>
+      </a:lightRig>
+    </dgm:scene3d>
+    <dgm:sp3d contourW="19050" prstMaterial="metal">
+      <a:bevelT w="88900" h="203200"/>
+      <a:bevelB w="165100" h="254000"/>
+    </dgm:sp3d>
+    <dgm:txPr/>
+    <dgm:style>
+      <a:lnRef idx="0">
+        <a:scrgbClr r="0" g="0" b="0"/>
+      </a:lnRef>
+      <a:fillRef idx="1">
+        <a:scrgbClr r="0" g="0" b="0"/>
+      </a:fillRef>
+      <a:effectRef idx="1">
+        <a:scrgbClr r="0" g="0" b="0"/>
+      </a:effectRef>
+      <a:fontRef idx="minor">
+        <a:schemeClr val="lt1"/>
+      </a:fontRef>
+    </dgm:style>
+  </dgm:styleLbl>
+  <dgm:styleLbl name="node3">
+    <dgm:scene3d>
+      <a:camera prst="orthographicFront">
+        <a:rot lat="0" lon="0" rev="0"/>
+      </a:camera>
+      <a:lightRig rig="contrasting" dir="t">
+        <a:rot lat="0" lon="0" rev="1200000"/>
+      </a:lightRig>
+    </dgm:scene3d>
+    <dgm:sp3d contourW="19050" prstMaterial="metal">
+      <a:bevelT w="88900" h="203200"/>
+      <a:bevelB w="165100" h="254000"/>
+    </dgm:sp3d>
+    <dgm:txPr/>
+    <dgm:style>
+      <a:lnRef idx="0">
+        <a:scrgbClr r="0" g="0" b="0"/>
+      </a:lnRef>
+      <a:fillRef idx="1">
+        <a:scrgbClr r="0" g="0" b="0"/>
+      </a:fillRef>
+      <a:effectRef idx="1">
+        <a:scrgbClr r="0" g="0" b="0"/>
+      </a:effectRef>
+      <a:fontRef idx="minor">
+        <a:schemeClr val="lt1"/>
+      </a:fontRef>
+    </dgm:style>
+  </dgm:styleLbl>
+  <dgm:styleLbl name="node4">
+    <dgm:scene3d>
+      <a:camera prst="orthographicFront">
+        <a:rot lat="0" lon="0" rev="0"/>
+      </a:camera>
+      <a:lightRig rig="contrasting" dir="t">
+        <a:rot lat="0" lon="0" rev="1200000"/>
+      </a:lightRig>
+    </dgm:scene3d>
+    <dgm:sp3d contourW="19050" prstMaterial="metal">
+      <a:bevelT w="88900" h="203200"/>
+      <a:bevelB w="165100" h="254000"/>
+    </dgm:sp3d>
+    <dgm:txPr/>
+    <dgm:style>
+      <a:lnRef idx="0">
+        <a:scrgbClr r="0" g="0" b="0"/>
+      </a:lnRef>
+      <a:fillRef idx="1">
+        <a:scrgbClr r="0" g="0" b="0"/>
+      </a:fillRef>
+      <a:effectRef idx="1">
+        <a:scrgbClr r="0" g="0" b="0"/>
+      </a:effectRef>
+      <a:fontRef idx="minor">
+        <a:schemeClr val="lt1"/>
+      </a:fontRef>
+    </dgm:style>
+  </dgm:styleLbl>
+  <dgm:styleLbl name="fgImgPlace1">
+    <dgm:scene3d>
+      <a:camera prst="orthographicFront">
+        <a:rot lat="0" lon="0" rev="0"/>
+      </a:camera>
+      <a:lightRig rig="contrasting" dir="t">
+        <a:rot lat="0" lon="0" rev="1200000"/>
+      </a:lightRig>
+    </dgm:scene3d>
+    <dgm:sp3d z="300000" contourW="19050" prstMaterial="metal">
+      <a:bevelT w="88900" h="203200"/>
+      <a:bevelB w="165100" h="254000"/>
+    </dgm:sp3d>
+    <dgm:txPr/>
+    <dgm:style>
+      <a:lnRef idx="0">
+        <a:scrgbClr r="0" g="0" b="0"/>
+      </a:lnRef>
+      <a:fillRef idx="1">
+        <a:scrgbClr r="0" g="0" b="0"/>
+      </a:fillRef>
+      <a:effectRef idx="1">
+        <a:scrgbClr r="0" g="0" b="0"/>
+      </a:effectRef>
+      <a:fontRef idx="minor"/>
+    </dgm:style>
+  </dgm:styleLbl>
+  <dgm:styleLbl name="alignImgPlace1">
+    <dgm:scene3d>
+      <a:camera prst="orthographicFront">
+        <a:rot lat="0" lon="0" rev="0"/>
+      </a:camera>
+      <a:lightRig rig="contrasting" dir="t">
+        <a:rot lat="0" lon="0" rev="1200000"/>
+      </a:lightRig>
+    </dgm:scene3d>
+    <dgm:sp3d contourW="12700" prstMaterial="flat">
+      <a:bevelT w="177800" h="254000"/>
+      <a:bevelB w="152400"/>
+    </dgm:sp3d>
+    <dgm:txPr/>
+    <dgm:style>
+      <a:lnRef idx="0">
+        <a:scrgbClr r="0" g="0" b="0"/>
+      </a:lnRef>
+      <a:fillRef idx="1">
+        <a:scrgbClr r="0" g="0" b="0"/>
+      </a:fillRef>
+      <a:effectRef idx="1">
+        <a:scrgbClr r="0" g="0" b="0"/>
+      </a:effectRef>
+      <a:fontRef idx="minor"/>
+    </dgm:style>
+  </dgm:styleLbl>
+  <dgm:styleLbl name="bgImgPlace1">
+    <dgm:scene3d>
+      <a:camera prst="orthographicFront">
+        <a:rot lat="0" lon="0" rev="0"/>
+      </a:camera>
+      <a:lightRig rig="contrasting" dir="t">
+        <a:rot lat="0" lon="0" rev="1200000"/>
+      </a:lightRig>
+    </dgm:scene3d>
+    <dgm:sp3d z="-300000" contourW="19050" prstMaterial="metal">
+      <a:bevelT w="88900" h="203200"/>
+      <a:bevelB w="165100" h="254000"/>
+    </dgm:sp3d>
+    <dgm:txPr/>
+    <dgm:style>
+      <a:lnRef idx="0">
+        <a:scrgbClr r="0" g="0" b="0"/>
+      </a:lnRef>
+      <a:fillRef idx="1">
+        <a:scrgbClr r="0" g="0" b="0"/>
+      </a:fillRef>
+      <a:effectRef idx="1">
+        <a:scrgbClr r="0" g="0" b="0"/>
+      </a:effectRef>
+      <a:fontRef idx="minor"/>
+    </dgm:style>
+  </dgm:styleLbl>
+  <dgm:styleLbl name="sibTrans2D1">
+    <dgm:scene3d>
+      <a:camera prst="orthographicFront">
+        <a:rot lat="0" lon="0" rev="0"/>
+      </a:camera>
+      <a:lightRig rig="contrasting" dir="t">
+        <a:rot lat="0" lon="0" rev="1200000"/>
+      </a:lightRig>
+    </dgm:scene3d>
+    <dgm:sp3d z="-182000" contourW="19050" prstMaterial="metal">
+      <a:bevelT w="88900" h="203200"/>
+      <a:bevelB w="165100" h="254000"/>
+    </dgm:sp3d>
+    <dgm:txPr/>
+    <dgm:style>
+      <a:lnRef idx="0">
+        <a:scrgbClr r="0" g="0" b="0"/>
+      </a:lnRef>
+      <a:fillRef idx="1">
+        <a:scrgbClr r="0" g="0" b="0"/>
+      </a:fillRef>
+      <a:effectRef idx="0">
+        <a:scrgbClr r="0" g="0" b="0"/>
+      </a:effectRef>
+      <a:fontRef idx="minor">
+        <a:schemeClr val="lt1"/>
+      </a:fontRef>
+    </dgm:style>
+  </dgm:styleLbl>
+  <dgm:styleLbl name="fgSibTrans2D1">
+    <dgm:scene3d>
+      <a:camera prst="orthographicFront">
+        <a:rot lat="0" lon="0" rev="0"/>
+      </a:camera>
+      <a:lightRig rig="contrasting" dir="t">
+        <a:rot lat="0" lon="0" rev="1200000"/>
+      </a:lightRig>
+    </dgm:scene3d>
+    <dgm:sp3d z="300000" contourW="19050" prstMaterial="metal">
+      <a:bevelT w="88900" h="203200"/>
+      <a:bevelB w="165100" h="254000"/>
+    </dgm:sp3d>
+    <dgm:txPr/>
+    <dgm:style>
+      <a:lnRef idx="0">
+        <a:scrgbClr r="0" g="0" b="0"/>
+      </a:lnRef>
+      <a:fillRef idx="1">
+        <a:scrgbClr r="0" g="0" b="0"/>
+      </a:fillRef>
+      <a:effectRef idx="0">
+        <a:scrgbClr r="0" g="0" b="0"/>
+      </a:effectRef>
+      <a:fontRef idx="minor"/>
+    </dgm:style>
+  </dgm:styleLbl>
+  <dgm:styleLbl name="bgSibTrans2D1">
+    <dgm:scene3d>
+      <a:camera prst="orthographicFront">
+        <a:rot lat="0" lon="0" rev="0"/>
+      </a:camera>
+      <a:lightRig rig="contrasting" dir="t">
+        <a:rot lat="0" lon="0" rev="1200000"/>
+      </a:lightRig>
+    </dgm:scene3d>
+    <dgm:sp3d z="-300000" contourW="19050" prstMaterial="metal">
+      <a:bevelT w="88900" h="203200"/>
+      <a:bevelB w="165100" h="254000"/>
+    </dgm:sp3d>
+    <dgm:txPr/>
+    <dgm:style>
+      <a:lnRef idx="0">
+        <a:scrgbClr r="0" g="0" b="0"/>
+      </a:lnRef>
+      <a:fillRef idx="1">
+        <a:scrgbClr r="0" g="0" b="0"/>
+      </a:fillRef>
+      <a:effectRef idx="0">
+        <a:scrgbClr r="0" g="0" b="0"/>
+      </a:effectRef>
+      <a:fontRef idx="minor"/>
+    </dgm:style>
+  </dgm:styleLbl>
+  <dgm:styleLbl name="sibTrans1D1">
+    <dgm:scene3d>
+      <a:camera prst="orthographicFront">
+        <a:rot lat="0" lon="0" rev="0"/>
+      </a:camera>
+      <a:lightRig rig="contrasting" dir="t">
+        <a:rot lat="0" lon="0" rev="1200000"/>
+      </a:lightRig>
+    </dgm:scene3d>
+    <dgm:sp3d z="-110000"/>
+    <dgm:txPr/>
+    <dgm:style>
+      <a:lnRef idx="1">
+        <a:scrgbClr r="0" g="0" b="0"/>
+      </a:lnRef>
+      <a:fillRef idx="0">
+        <a:scrgbClr r="0" g="0" b="0"/>
+      </a:fillRef>
+      <a:effectRef idx="0">
+        <a:scrgbClr r="0" g="0" b="0"/>
+      </a:effectRef>
+      <a:fontRef idx="minor"/>
+    </dgm:style>
+  </dgm:styleLbl>
+  <dgm:styleLbl name="callout">
+    <dgm:scene3d>
+      <a:camera prst="orthographicFront">
+        <a:rot lat="0" lon="0" rev="0"/>
+      </a:camera>
+      <a:lightRig rig="contrasting" dir="t">
+        <a:rot lat="0" lon="0" rev="1200000"/>
+      </a:lightRig>
+    </dgm:scene3d>
+    <dgm:sp3d z="10000"/>
+    <dgm:txPr/>
+    <dgm:style>
+      <a:lnRef idx="2">
+        <a:scrgbClr r="0" g="0" b="0"/>
+      </a:lnRef>
+      <a:fillRef idx="1">
+        <a:scrgbClr r="0" g="0" b="0"/>
+      </a:fillRef>
+      <a:effectRef idx="0">
+        <a:scrgbClr r="0" g="0" b="0"/>
+      </a:effectRef>
+      <a:fontRef idx="minor"/>
+    </dgm:style>
+  </dgm:styleLbl>
+  <dgm:styleLbl name="asst0">
+    <dgm:scene3d>
+      <a:camera prst="orthographicFront">
+        <a:rot lat="0" lon="0" rev="0"/>
+      </a:camera>
+      <a:lightRig rig="contrasting" dir="t">
+        <a:rot lat="0" lon="0" rev="1200000"/>
+      </a:lightRig>
+    </dgm:scene3d>
+    <dgm:sp3d contourW="19050" prstMaterial="metal">
+      <a:bevelT w="88900" h="203200"/>
+      <a:bevelB w="165100" h="254000"/>
+    </dgm:sp3d>
+    <dgm:txPr/>
+    <dgm:style>
+      <a:lnRef idx="0">
+        <a:scrgbClr r="0" g="0" b="0"/>
+      </a:lnRef>
+      <a:fillRef idx="1">
+        <a:scrgbClr r="0" g="0" b="0"/>
+      </a:fillRef>
+      <a:effectRef idx="1">
+        <a:scrgbClr r="0" g="0" b="0"/>
+      </a:effectRef>
+      <a:fontRef idx="minor">
+        <a:schemeClr val="lt1"/>
+      </a:fontRef>
+    </dgm:style>
+  </dgm:styleLbl>
+  <dgm:styleLbl name="asst1">
+    <dgm:scene3d>
+      <a:camera prst="orthographicFront">
+        <a:rot lat="0" lon="0" rev="0"/>
+      </a:camera>
+      <a:lightRig rig="contrasting" dir="t">
+        <a:rot lat="0" lon="0" rev="1200000"/>
+      </a:lightRig>
+    </dgm:scene3d>
+    <dgm:sp3d contourW="19050" prstMaterial="metal">
+      <a:bevelT w="88900" h="203200"/>
+      <a:bevelB w="165100" h="254000"/>
+    </dgm:sp3d>
+    <dgm:txPr/>
+    <dgm:style>
+      <a:lnRef idx="0">
+        <a:scrgbClr r="0" g="0" b="0"/>
+      </a:lnRef>
+      <a:fillRef idx="1">
+        <a:scrgbClr r="0" g="0" b="0"/>
+      </a:fillRef>
+      <a:effectRef idx="1">
+        <a:scrgbClr r="0" g="0" b="0"/>
+      </a:effectRef>
+      <a:fontRef idx="minor">
+        <a:schemeClr val="lt1"/>
+      </a:fontRef>
+    </dgm:style>
+  </dgm:styleLbl>
+  <dgm:styleLbl name="asst2">
+    <dgm:scene3d>
+      <a:camera prst="orthographicFront">
+        <a:rot lat="0" lon="0" rev="0"/>
+      </a:camera>
+      <a:lightRig rig="contrasting" dir="t">
+        <a:rot lat="0" lon="0" rev="1200000"/>
+      </a:lightRig>
+    </dgm:scene3d>
+    <dgm:sp3d contourW="19050" prstMaterial="metal">
+      <a:bevelT w="88900" h="203200"/>
+      <a:bevelB w="165100" h="254000"/>
+    </dgm:sp3d>
+    <dgm:txPr/>
+    <dgm:style>
+      <a:lnRef idx="0">
+        <a:scrgbClr r="0" g="0" b="0"/>
+      </a:lnRef>
+      <a:fillRef idx="1">
+        <a:scrgbClr r="0" g="0" b="0"/>
+      </a:fillRef>
+      <a:effectRef idx="1">
+        <a:scrgbClr r="0" g="0" b="0"/>
+      </a:effectRef>
+      <a:fontRef idx="minor">
+        <a:schemeClr val="lt1"/>
+      </a:fontRef>
+    </dgm:style>
+  </dgm:styleLbl>
+  <dgm:styleLbl name="asst3">
+    <dgm:scene3d>
+      <a:camera prst="orthographicFront">
+        <a:rot lat="0" lon="0" rev="0"/>
+      </a:camera>
+      <a:lightRig rig="contrasting" dir="t">
+        <a:rot lat="0" lon="0" rev="1200000"/>
+      </a:lightRig>
+    </dgm:scene3d>
+    <dgm:sp3d contourW="19050" prstMaterial="metal">
+      <a:bevelT w="88900" h="203200"/>
+      <a:bevelB w="165100" h="254000"/>
+    </dgm:sp3d>
+    <dgm:txPr/>
+    <dgm:style>
+      <a:lnRef idx="0">
+        <a:scrgbClr r="0" g="0" b="0"/>
+      </a:lnRef>
+      <a:fillRef idx="1">
+        <a:scrgbClr r="0" g="0" b="0"/>
+      </a:fillRef>
+      <a:effectRef idx="1">
+        <a:scrgbClr r="0" g="0" b="0"/>
+      </a:effectRef>
+      <a:fontRef idx="minor">
+        <a:schemeClr val="lt1"/>
+      </a:fontRef>
+    </dgm:style>
+  </dgm:styleLbl>
+  <dgm:styleLbl name="asst4">
+    <dgm:scene3d>
+      <a:camera prst="orthographicFront"/>
+      <a:lightRig rig="threePt" dir="t"/>
+    </dgm:scene3d>
+    <dgm:sp3d contourW="19050" prstMaterial="metal">
+      <a:bevelT w="88900" h="203200"/>
+      <a:bevelB w="165100" h="254000"/>
+    </dgm:sp3d>
+    <dgm:txPr/>
+    <dgm:style>
+      <a:lnRef idx="0">
+        <a:scrgbClr r="0" g="0" b="0"/>
+      </a:lnRef>
+      <a:fillRef idx="1">
+        <a:scrgbClr r="0" g="0" b="0"/>
+      </a:fillRef>
+      <a:effectRef idx="1">
+        <a:scrgbClr r="0" g="0" b="0"/>
+      </a:effectRef>
+      <a:fontRef idx="minor">
+        <a:schemeClr val="lt1"/>
+      </a:fontRef>
+    </dgm:style>
+  </dgm:styleLbl>
+  <dgm:styleLbl name="parChTrans2D1">
+    <dgm:scene3d>
+      <a:camera prst="orthographicFront">
+        <a:rot lat="0" lon="0" rev="0"/>
+      </a:camera>
+      <a:lightRig rig="contrasting" dir="t">
+        <a:rot lat="0" lon="0" rev="1200000"/>
+      </a:lightRig>
+    </dgm:scene3d>
+    <dgm:sp3d contourW="19050" prstMaterial="metal">
+      <a:bevelT w="88900" h="203200"/>
+      <a:bevelB w="165100" h="254000"/>
+    </dgm:sp3d>
+    <dgm:txPr/>
+    <dgm:style>
+      <a:lnRef idx="0">
+        <a:scrgbClr r="0" g="0" b="0"/>
+      </a:lnRef>
+      <a:fillRef idx="1">
+        <a:scrgbClr r="0" g="0" b="0"/>
+      </a:fillRef>
+      <a:effectRef idx="0">
+        <a:scrgbClr r="0" g="0" b="0"/>
+      </a:effectRef>
+      <a:fontRef idx="minor"/>
+    </dgm:style>
+  </dgm:styleLbl>
+  <dgm:styleLbl name="parChTrans2D2">
+    <dgm:scene3d>
+      <a:camera prst="orthographicFront">
+        <a:rot lat="0" lon="0" rev="0"/>
+      </a:camera>
+      <a:lightRig rig="contrasting" dir="t">
+        <a:rot lat="0" lon="0" rev="1200000"/>
+      </a:lightRig>
+    </dgm:scene3d>
+    <dgm:sp3d contourW="19050" prstMaterial="metal">
+      <a:bevelT w="88900" h="203200"/>
+      <a:bevelB w="165100" h="254000"/>
+    </dgm:sp3d>
+    <dgm:txPr/>
+    <dgm:style>
+      <a:lnRef idx="0">
+        <a:scrgbClr r="0" g="0" b="0"/>
+      </a:lnRef>
+      <a:fillRef idx="1">
+        <a:scrgbClr r="0" g="0" b="0"/>
+      </a:fillRef>
+      <a:effectRef idx="0">
+        <a:scrgbClr r="0" g="0" b="0"/>
+      </a:effectRef>
+      <a:fontRef idx="minor"/>
+    </dgm:style>
+  </dgm:styleLbl>
+  <dgm:styleLbl name="parChTrans2D3">
+    <dgm:scene3d>
+      <a:camera prst="orthographicFront">
+        <a:rot lat="0" lon="0" rev="0"/>
+      </a:camera>
+      <a:lightRig rig="contrasting" dir="t">
+        <a:rot lat="0" lon="0" rev="1200000"/>
+      </a:lightRig>
+    </dgm:scene3d>
+    <dgm:sp3d contourW="19050" prstMaterial="metal">
+      <a:bevelT w="88900" h="203200"/>
+      <a:bevelB w="165100" h="254000"/>
+    </dgm:sp3d>
+    <dgm:txPr/>
+    <dgm:style>
+      <a:lnRef idx="0">
+        <a:scrgbClr r="0" g="0" b="0"/>
+      </a:lnRef>
+      <a:fillRef idx="1">
+        <a:scrgbClr r="0" g="0" b="0"/>
+      </a:fillRef>
+      <a:effectRef idx="0">
+        <a:scrgbClr r="0" g="0" b="0"/>
+      </a:effectRef>
+      <a:fontRef idx="minor"/>
+    </dgm:style>
+  </dgm:styleLbl>
+  <dgm:styleLbl name="parChTrans2D4">
+    <dgm:scene3d>
+      <a:camera prst="orthographicFront">
+        <a:rot lat="0" lon="0" rev="0"/>
+      </a:camera>
+      <a:lightRig rig="contrasting" dir="t">
+        <a:rot lat="0" lon="0" rev="1200000"/>
+      </a:lightRig>
+    </dgm:scene3d>
+    <dgm:sp3d contourW="19050" prstMaterial="metal">
+      <a:bevelT w="88900" h="203200"/>
+      <a:bevelB w="165100" h="254000"/>
+    </dgm:sp3d>
+    <dgm:txPr/>
+    <dgm:style>
+      <a:lnRef idx="0">
+        <a:scrgbClr r="0" g="0" b="0"/>
+      </a:lnRef>
+      <a:fillRef idx="1">
+        <a:scrgbClr r="0" g="0" b="0"/>
+      </a:fillRef>
+      <a:effectRef idx="0">
+        <a:scrgbClr r="0" g="0" b="0"/>
+      </a:effectRef>
+      <a:fontRef idx="minor"/>
+    </dgm:style>
+  </dgm:styleLbl>
+  <dgm:styleLbl name="parChTrans1D1">
+    <dgm:scene3d>
+      <a:camera prst="orthographicFront">
+        <a:rot lat="0" lon="0" rev="0"/>
+      </a:camera>
+      <a:lightRig rig="contrasting" dir="t">
+        <a:rot lat="0" lon="0" rev="1200000"/>
+      </a:lightRig>
+    </dgm:scene3d>
+    <dgm:sp3d z="-110000"/>
+    <dgm:txPr/>
+    <dgm:style>
+      <a:lnRef idx="2">
+        <a:scrgbClr r="0" g="0" b="0"/>
+      </a:lnRef>
+      <a:fillRef idx="0">
+        <a:scrgbClr r="0" g="0" b="0"/>
+      </a:fillRef>
+      <a:effectRef idx="0">
+        <a:scrgbClr r="0" g="0" b="0"/>
+      </a:effectRef>
+      <a:fontRef idx="minor"/>
+    </dgm:style>
+  </dgm:styleLbl>
+  <dgm:styleLbl name="parChTrans1D2">
+    <dgm:scene3d>
+      <a:camera prst="orthographicFront">
+        <a:rot lat="0" lon="0" rev="0"/>
+      </a:camera>
+      <a:lightRig rig="contrasting" dir="t">
+        <a:rot lat="0" lon="0" rev="1200000"/>
+      </a:lightRig>
+    </dgm:scene3d>
+    <dgm:sp3d z="-110000"/>
+    <dgm:txPr/>
+    <dgm:style>
+      <a:lnRef idx="2">
+        <a:scrgbClr r="0" g="0" b="0"/>
+      </a:lnRef>
+      <a:fillRef idx="0">
+        <a:scrgbClr r="0" g="0" b="0"/>
+      </a:fillRef>
+      <a:effectRef idx="0">
+        <a:scrgbClr r="0" g="0" b="0"/>
+      </a:effectRef>
+      <a:fontRef idx="minor"/>
+    </dgm:style>
+  </dgm:styleLbl>
+  <dgm:styleLbl name="parChTrans1D3">
+    <dgm:scene3d>
+      <a:camera prst="orthographicFront">
+        <a:rot lat="0" lon="0" rev="0"/>
+      </a:camera>
+      <a:lightRig rig="contrasting" dir="t">
+        <a:rot lat="0" lon="0" rev="1200000"/>
+      </a:lightRig>
+    </dgm:scene3d>
+    <dgm:sp3d z="-110000"/>
+    <dgm:txPr/>
+    <dgm:style>
+      <a:lnRef idx="2">
+        <a:scrgbClr r="0" g="0" b="0"/>
+      </a:lnRef>
+      <a:fillRef idx="0">
+        <a:scrgbClr r="0" g="0" b="0"/>
+      </a:fillRef>
+      <a:effectRef idx="0">
+        <a:scrgbClr r="0" g="0" b="0"/>
+      </a:effectRef>
+      <a:fontRef idx="minor"/>
+    </dgm:style>
+  </dgm:styleLbl>
+  <dgm:styleLbl name="parChTrans1D4">
+    <dgm:scene3d>
+      <a:camera prst="orthographicFront">
+        <a:rot lat="0" lon="0" rev="0"/>
+      </a:camera>
+      <a:lightRig rig="contrasting" dir="t">
+        <a:rot lat="0" lon="0" rev="1200000"/>
+      </a:lightRig>
+    </dgm:scene3d>
+    <dgm:sp3d z="-110000"/>
+    <dgm:txPr/>
+    <dgm:style>
+      <a:lnRef idx="2">
+        <a:scrgbClr r="0" g="0" b="0"/>
+      </a:lnRef>
+      <a:fillRef idx="0">
+        <a:scrgbClr r="0" g="0" b="0"/>
+      </a:fillRef>
+      <a:effectRef idx="0">
+        <a:scrgbClr r="0" g="0" b="0"/>
+      </a:effectRef>
+      <a:fontRef idx="minor"/>
+    </dgm:style>
+  </dgm:styleLbl>
+  <dgm:styleLbl name="fgAcc1">
+    <dgm:scene3d>
+      <a:camera prst="orthographicFront">
+        <a:rot lat="0" lon="0" rev="0"/>
+      </a:camera>
+      <a:lightRig rig="contrasting" dir="t">
+        <a:rot lat="0" lon="0" rev="1200000"/>
+      </a:lightRig>
+    </dgm:scene3d>
+    <dgm:sp3d z="300000" contourW="19050" prstMaterial="metal">
+      <a:bevelT w="88900" h="203200"/>
+      <a:bevelB w="165100" h="254000"/>
+    </dgm:sp3d>
+    <dgm:txPr/>
+    <dgm:style>
+      <a:lnRef idx="0">
+        <a:scrgbClr r="0" g="0" b="0"/>
+      </a:lnRef>
+      <a:fillRef idx="1">
+        <a:scrgbClr r="0" g="0" b="0"/>
+      </a:fillRef>
+      <a:effectRef idx="0">
+        <a:scrgbClr r="0" g="0" b="0"/>
+      </a:effectRef>
+      <a:fontRef idx="minor"/>
+    </dgm:style>
+  </dgm:styleLbl>
+  <dgm:styleLbl name="conFgAcc1">
+    <dgm:scene3d>
+      <a:camera prst="orthographicFront">
+        <a:rot lat="0" lon="0" rev="0"/>
+      </a:camera>
+      <a:lightRig rig="contrasting" dir="t">
+        <a:rot lat="0" lon="0" rev="1200000"/>
+      </a:lightRig>
+    </dgm:scene3d>
+    <dgm:sp3d z="300000" contourW="19050" prstMaterial="metal">
+      <a:bevelT w="88900" h="203200"/>
+      <a:bevelB w="165100" h="254000"/>
+    </dgm:sp3d>
+    <dgm:txPr/>
+    <dgm:style>
+      <a:lnRef idx="0">
+        <a:scrgbClr r="0" g="0" b="0"/>
+      </a:lnRef>
+      <a:fillRef idx="1">
+        <a:scrgbClr r="0" g="0" b="0"/>
+      </a:fillRef>
+      <a:effectRef idx="0">
+        <a:scrgbClr r="0" g="0" b="0"/>
+      </a:effectRef>
+      <a:fontRef idx="minor"/>
+    </dgm:style>
+  </dgm:styleLbl>
+  <dgm:styleLbl name="alignAcc1">
+    <dgm:scene3d>
+      <a:camera prst="orthographicFront">
+        <a:rot lat="0" lon="0" rev="0"/>
+      </a:camera>
+      <a:lightRig rig="contrasting" dir="t">
+        <a:rot lat="0" lon="0" rev="1200000"/>
+      </a:lightRig>
+    </dgm:scene3d>
+    <dgm:sp3d contourW="19050" prstMaterial="metal">
+      <a:bevelT w="88900" h="203200"/>
+      <a:bevelB w="165100" h="254000"/>
+    </dgm:sp3d>
+    <dgm:txPr/>
+    <dgm:style>
+      <a:lnRef idx="0">
+        <a:scrgbClr r="0" g="0" b="0"/>
+      </a:lnRef>
+      <a:fillRef idx="1">
+        <a:scrgbClr r="0" g="0" b="0"/>
+      </a:fillRef>
+      <a:effectRef idx="0">
+        <a:scrgbClr r="0" g="0" b="0"/>
+      </a:effectRef>
+      <a:fontRef idx="minor"/>
+    </dgm:style>
+  </dgm:styleLbl>
+  <dgm:styleLbl name="trAlignAcc1">
+    <dgm:scene3d>
+      <a:camera prst="orthographicFront">
+        <a:rot lat="0" lon="0" rev="0"/>
+      </a:camera>
+      <a:lightRig rig="contrasting" dir="t">
+        <a:rot lat="0" lon="0" rev="1200000"/>
+      </a:lightRig>
+    </dgm:scene3d>
+    <dgm:sp3d contourW="19050" prstMaterial="metal">
+      <a:bevelT w="88900" h="203200"/>
+      <a:bevelB w="165100" h="254000"/>
+    </dgm:sp3d>
+    <dgm:txPr/>
+    <dgm:style>
+      <a:lnRef idx="0">
+        <a:scrgbClr r="0" g="0" b="0"/>
+      </a:lnRef>
+      <a:fillRef idx="1">
+        <a:scrgbClr r="0" g="0" b="0"/>
+      </a:fillRef>
+      <a:effectRef idx="1">
+        <a:scrgbClr r="0" g="0" b="0"/>
+      </a:effectRef>
+      <a:fontRef idx="minor"/>
+    </dgm:style>
+  </dgm:styleLbl>
+  <dgm:styleLbl name="bgAcc1">
+    <dgm:scene3d>
+      <a:camera prst="orthographicFront">
+        <a:rot lat="0" lon="0" rev="0"/>
+      </a:camera>
+      <a:lightRig rig="contrasting" dir="t">
+        <a:rot lat="0" lon="0" rev="1200000"/>
+      </a:lightRig>
+    </dgm:scene3d>
+    <dgm:sp3d z="-300000" contourW="19050" prstMaterial="metal">
+      <a:bevelT w="88900" h="203200"/>
+      <a:bevelB w="165100" h="254000"/>
+    </dgm:sp3d>
+    <dgm:txPr/>
+    <dgm:style>
+      <a:lnRef idx="0">
+        <a:scrgbClr r="0" g="0" b="0"/>
+      </a:lnRef>
+      <a:fillRef idx="1">
+        <a:scrgbClr r="0" g="0" b="0"/>
+      </a:fillRef>
+      <a:effectRef idx="0">
+        <a:scrgbClr r="0" g="0" b="0"/>
+      </a:effectRef>
+      <a:fontRef idx="minor"/>
+    </dgm:style>
+  </dgm:styleLbl>
+  <dgm:styleLbl name="solidFgAcc1">
+    <dgm:scene3d>
+      <a:camera prst="orthographicFront">
+        <a:rot lat="0" lon="0" rev="0"/>
+      </a:camera>
+      <a:lightRig rig="contrasting" dir="t">
+        <a:rot lat="0" lon="0" rev="1200000"/>
+      </a:lightRig>
+    </dgm:scene3d>
+    <dgm:sp3d z="300000" contourW="12700" prstMaterial="flat">
+      <a:bevelT w="177800" h="254000"/>
+      <a:bevelB w="152400"/>
+    </dgm:sp3d>
+    <dgm:txPr/>
+    <dgm:style>
+      <a:lnRef idx="0">
+        <a:scrgbClr r="0" g="0" b="0"/>
+      </a:lnRef>
+      <a:fillRef idx="1">
+        <a:scrgbClr r="0" g="0" b="0"/>
+      </a:fillRef>
+      <a:effectRef idx="0">
+        <a:scrgbClr r="0" g="0" b="0"/>
+      </a:effectRef>
+      <a:fontRef idx="minor"/>
+    </dgm:style>
+  </dgm:styleLbl>
+  <dgm:styleLbl name="solidAlignAcc1">
+    <dgm:scene3d>
+      <a:camera prst="orthographicFront">
+        <a:rot lat="0" lon="0" rev="0"/>
+      </a:camera>
+      <a:lightRig rig="contrasting" dir="t">
+        <a:rot lat="0" lon="0" rev="1200000"/>
+      </a:lightRig>
+    </dgm:scene3d>
+    <dgm:sp3d contourW="19050" prstMaterial="metal">
+      <a:bevelT w="88900" h="203200"/>
+      <a:bevelB w="165100" h="254000"/>
+    </dgm:sp3d>
+    <dgm:txPr/>
+    <dgm:style>
+      <a:lnRef idx="0">
+        <a:scrgbClr r="0" g="0" b="0"/>
+      </a:lnRef>
+      <a:fillRef idx="1">
+        <a:scrgbClr r="0" g="0" b="0"/>
+      </a:fillRef>
+      <a:effectRef idx="0">
+        <a:scrgbClr r="0" g="0" b="0"/>
+      </a:effectRef>
+      <a:fontRef idx="minor"/>
+    </dgm:style>
+  </dgm:styleLbl>
+  <dgm:styleLbl name="solidBgAcc1">
+    <dgm:scene3d>
+      <a:camera prst="orthographicFront">
+        <a:rot lat="0" lon="0" rev="0"/>
+      </a:camera>
+      <a:lightRig rig="contrasting" dir="t">
+        <a:rot lat="0" lon="0" rev="1200000"/>
+      </a:lightRig>
+    </dgm:scene3d>
+    <dgm:sp3d z="-300000" contourW="19050" prstMaterial="metal">
+      <a:bevelT w="88900" h="203200"/>
+      <a:bevelB w="165100" h="254000"/>
+    </dgm:sp3d>
+    <dgm:txPr/>
+    <dgm:style>
+      <a:lnRef idx="0">
+        <a:scrgbClr r="0" g="0" b="0"/>
+      </a:lnRef>
+      <a:fillRef idx="1">
+        <a:scrgbClr r="0" g="0" b="0"/>
+      </a:fillRef>
+      <a:effectRef idx="0">
+        <a:scrgbClr r="0" g="0" b="0"/>
+      </a:effectRef>
+      <a:fontRef idx="minor"/>
+    </dgm:style>
+  </dgm:styleLbl>
+  <dgm:styleLbl name="fgAccFollowNode1">
+    <dgm:scene3d>
+      <a:camera prst="orthographicFront">
+        <a:rot lat="0" lon="0" rev="0"/>
+      </a:camera>
+      <a:lightRig rig="contrasting" dir="t">
+        <a:rot lat="0" lon="0" rev="1200000"/>
+      </a:lightRig>
+    </dgm:scene3d>
+    <dgm:sp3d z="300000" contourW="19050" prstMaterial="metal">
+      <a:bevelT w="88900" h="203200"/>
+      <a:bevelB w="165100" h="254000"/>
+    </dgm:sp3d>
+    <dgm:txPr/>
+    <dgm:style>
+      <a:lnRef idx="0">
+        <a:scrgbClr r="0" g="0" b="0"/>
+      </a:lnRef>
+      <a:fillRef idx="1">
+        <a:scrgbClr r="0" g="0" b="0"/>
+      </a:fillRef>
+      <a:effectRef idx="0">
+        <a:scrgbClr r="0" g="0" b="0"/>
+      </a:effectRef>
+      <a:fontRef idx="minor"/>
+    </dgm:style>
+  </dgm:styleLbl>
+  <dgm:styleLbl name="alignAccFollowNode1">
+    <dgm:scene3d>
+      <a:camera prst="orthographicFront">
+        <a:rot lat="0" lon="0" rev="0"/>
+      </a:camera>
+      <a:lightRig rig="contrasting" dir="t">
+        <a:rot lat="0" lon="0" rev="1200000"/>
+      </a:lightRig>
+    </dgm:scene3d>
+    <dgm:sp3d contourW="19050" prstMaterial="metal">
+      <a:bevelT w="88900" h="203200"/>
+      <a:bevelB w="165100" h="254000"/>
+    </dgm:sp3d>
+    <dgm:txPr/>
+    <dgm:style>
+      <a:lnRef idx="0">
+        <a:scrgbClr r="0" g="0" b="0"/>
+      </a:lnRef>
+      <a:fillRef idx="1">
+        <a:scrgbClr r="0" g="0" b="0"/>
+      </a:fillRef>
+      <a:effectRef idx="0">
+        <a:scrgbClr r="0" g="0" b="0"/>
+      </a:effectRef>
+      <a:fontRef idx="minor"/>
+    </dgm:style>
+  </dgm:styleLbl>
+  <dgm:styleLbl name="bgAccFollowNode1">
+    <dgm:scene3d>
+      <a:camera prst="orthographicFront">
+        <a:rot lat="0" lon="0" rev="0"/>
+      </a:camera>
+      <a:lightRig rig="contrasting" dir="t">
+        <a:rot lat="0" lon="0" rev="1200000"/>
+      </a:lightRig>
+    </dgm:scene3d>
+    <dgm:sp3d z="-300000" contourW="19050" prstMaterial="metal">
+      <a:bevelT w="88900" h="203200"/>
+      <a:bevelB w="165100" h="254000"/>
+    </dgm:sp3d>
+    <dgm:txPr/>
+    <dgm:style>
+      <a:lnRef idx="0">
+        <a:scrgbClr r="0" g="0" b="0"/>
+      </a:lnRef>
+      <a:fillRef idx="1">
+        <a:scrgbClr r="0" g="0" b="0"/>
+      </a:fillRef>
+      <a:effectRef idx="0">
+        <a:scrgbClr r="0" g="0" b="0"/>
+      </a:effectRef>
+      <a:fontRef idx="minor"/>
+    </dgm:style>
+  </dgm:styleLbl>
+  <dgm:styleLbl name="fgAcc0">
+    <dgm:scene3d>
+      <a:camera prst="orthographicFront">
+        <a:rot lat="0" lon="0" rev="0"/>
+      </a:camera>
+      <a:lightRig rig="contrasting" dir="t">
+        <a:rot lat="0" lon="0" rev="1200000"/>
+      </a:lightRig>
+    </dgm:scene3d>
+    <dgm:sp3d z="300000" contourW="19050" prstMaterial="metal">
+      <a:bevelT w="88900" h="203200"/>
+      <a:bevelB w="165100" h="254000"/>
+    </dgm:sp3d>
+    <dgm:txPr/>
+    <dgm:style>
+      <a:lnRef idx="0">
+        <a:scrgbClr r="0" g="0" b="0"/>
+      </a:lnRef>
+      <a:fillRef idx="1">
+        <a:scrgbClr r="0" g="0" b="0"/>
+      </a:fillRef>
+      <a:effectRef idx="0">
+        <a:scrgbClr r="0" g="0" b="0"/>
+      </a:effectRef>
+      <a:fontRef idx="minor"/>
+    </dgm:style>
+  </dgm:styleLbl>
+  <dgm:styleLbl name="fgAcc2">
+    <dgm:scene3d>
+      <a:camera prst="orthographicFront">
+        <a:rot lat="0" lon="0" rev="0"/>
+      </a:camera>
+      <a:lightRig rig="contrasting" dir="t">
+        <a:rot lat="0" lon="0" rev="1200000"/>
+      </a:lightRig>
+    </dgm:scene3d>
+    <dgm:sp3d z="300000" contourW="19050" prstMaterial="metal">
+      <a:bevelT w="88900" h="203200"/>
+      <a:bevelB w="165100" h="254000"/>
+    </dgm:sp3d>
+    <dgm:txPr/>
+    <dgm:style>
+      <a:lnRef idx="0">
+        <a:scrgbClr r="0" g="0" b="0"/>
+      </a:lnRef>
+      <a:fillRef idx="1">
+        <a:scrgbClr r="0" g="0" b="0"/>
+      </a:fillRef>
+      <a:effectRef idx="0">
+        <a:scrgbClr r="0" g="0" b="0"/>
+      </a:effectRef>
+      <a:fontRef idx="minor"/>
+    </dgm:style>
+  </dgm:styleLbl>
+  <dgm:styleLbl name="fgAcc3">
+    <dgm:scene3d>
+      <a:camera prst="orthographicFront">
+        <a:rot lat="0" lon="0" rev="0"/>
+      </a:camera>
+      <a:lightRig rig="contrasting" dir="t">
+        <a:rot lat="0" lon="0" rev="1200000"/>
+      </a:lightRig>
+    </dgm:scene3d>
+    <dgm:sp3d z="300000" contourW="19050" prstMaterial="metal">
+      <a:bevelT w="88900" h="203200"/>
+      <a:bevelB w="165100" h="254000"/>
+    </dgm:sp3d>
+    <dgm:txPr/>
+    <dgm:style>
+      <a:lnRef idx="0">
+        <a:scrgbClr r="0" g="0" b="0"/>
+      </a:lnRef>
+      <a:fillRef idx="1">
+        <a:scrgbClr r="0" g="0" b="0"/>
+      </a:fillRef>
+      <a:effectRef idx="0">
+        <a:scrgbClr r="0" g="0" b="0"/>
+      </a:effectRef>
+      <a:fontRef idx="minor"/>
+    </dgm:style>
+  </dgm:styleLbl>
+  <dgm:styleLbl name="fgAcc4">
+    <dgm:scene3d>
+      <a:camera prst="orthographicFront">
+        <a:rot lat="0" lon="0" rev="0"/>
+      </a:camera>
+      <a:lightRig rig="contrasting" dir="t">
+        <a:rot lat="0" lon="0" rev="1200000"/>
+      </a:lightRig>
+    </dgm:scene3d>
+    <dgm:sp3d z="300000" contourW="19050" prstMaterial="metal">
+      <a:bevelT w="88900" h="203200"/>
+      <a:bevelB w="165100" h="254000"/>
+    </dgm:sp3d>
+    <dgm:txPr/>
+    <dgm:style>
+      <a:lnRef idx="0">
+        <a:scrgbClr r="0" g="0" b="0"/>
+      </a:lnRef>
+      <a:fillRef idx="1">
+        <a:scrgbClr r="0" g="0" b="0"/>
+      </a:fillRef>
+      <a:effectRef idx="0">
+        <a:scrgbClr r="0" g="0" b="0"/>
+      </a:effectRef>
+      <a:fontRef idx="minor"/>
+    </dgm:style>
+  </dgm:styleLbl>
+  <dgm:styleLbl name="bgShp">
+    <dgm:scene3d>
+      <a:camera prst="orthographicFront">
+        <a:rot lat="0" lon="0" rev="0"/>
+      </a:camera>
+      <a:lightRig rig="contrasting" dir="t">
+        <a:rot lat="0" lon="0" rev="1200000"/>
+      </a:lightRig>
+    </dgm:scene3d>
+    <dgm:sp3d z="-300000" prstMaterial="plastic"/>
+    <dgm:txPr/>
+    <dgm:style>
+      <a:lnRef idx="1">
+        <a:scrgbClr r="0" g="0" b="0"/>
+      </a:lnRef>
+      <a:fillRef idx="1">
+        <a:scrgbClr r="0" g="0" b="0"/>
+      </a:fillRef>
+      <a:effectRef idx="0">
+        <a:scrgbClr r="0" g="0" b="0"/>
+      </a:effectRef>
+      <a:fontRef idx="minor"/>
+    </dgm:style>
+  </dgm:styleLbl>
+  <dgm:styleLbl name="dkBgShp">
+    <dgm:scene3d>
+      <a:camera prst="orthographicFront">
+        <a:rot lat="0" lon="0" rev="0"/>
+      </a:camera>
+      <a:lightRig rig="contrasting" dir="t">
+        <a:rot lat="0" lon="0" rev="1200000"/>
+      </a:lightRig>
+    </dgm:scene3d>
+    <dgm:sp3d contourW="12700" prstMaterial="flat">
+      <a:bevelT w="100800" h="154000"/>
+      <a:bevelB w="152400"/>
+    </dgm:sp3d>
+    <dgm:txPr/>
+    <dgm:style>
+      <a:lnRef idx="0">
+        <a:scrgbClr r="0" g="0" b="0"/>
+      </a:lnRef>
+      <a:fillRef idx="1">
+        <a:scrgbClr r="0" g="0" b="0"/>
+      </a:fillRef>
+      <a:effectRef idx="0">
+        <a:scrgbClr r="0" g="0" b="0"/>
+      </a:effectRef>
+      <a:fontRef idx="minor"/>
+    </dgm:style>
+  </dgm:styleLbl>
+  <dgm:styleLbl name="trBgShp">
+    <dgm:scene3d>
+      <a:camera prst="orthographicFront">
+        <a:rot lat="0" lon="0" rev="0"/>
+      </a:camera>
+      <a:lightRig rig="contrasting" dir="t">
+        <a:rot lat="0" lon="0" rev="1200000"/>
+      </a:lightRig>
+    </dgm:scene3d>
+    <dgm:sp3d z="-152400" prstMaterial="matte"/>
+    <dgm:txPr/>
+    <dgm:style>
+      <a:lnRef idx="1">
+        <a:scrgbClr r="0" g="0" b="0"/>
+      </a:lnRef>
+      <a:fillRef idx="1">
+        <a:scrgbClr r="0" g="0" b="0"/>
+      </a:fillRef>
+      <a:effectRef idx="0">
+        <a:scrgbClr r="0" g="0" b="0"/>
+      </a:effectRef>
+      <a:fontRef idx="minor"/>
+    </dgm:style>
+  </dgm:styleLbl>
+  <dgm:styleLbl name="fgShp">
+    <dgm:scene3d>
+      <a:camera prst="orthographicFront">
+        <a:rot lat="0" lon="0" rev="0"/>
+      </a:camera>
+      <a:lightRig rig="contrasting" dir="t">
+        <a:rot lat="0" lon="0" rev="1200000"/>
+      </a:lightRig>
+    </dgm:scene3d>
+    <dgm:sp3d z="300000" contourW="19050" prstMaterial="metal">
+      <a:bevelT w="88900" h="203200"/>
+      <a:bevelB w="165100" h="254000"/>
+    </dgm:sp3d>
+    <dgm:txPr/>
+    <dgm:style>
+      <a:lnRef idx="0">
+        <a:scrgbClr r="0" g="0" b="0"/>
+      </a:lnRef>
+      <a:fillRef idx="1">
+        <a:scrgbClr r="0" g="0" b="0"/>
+      </a:fillRef>
+      <a:effectRef idx="0">
+        <a:scrgbClr r="0" g="0" b="0"/>
+      </a:effectRef>
+      <a:fontRef idx="minor"/>
+    </dgm:style>
+  </dgm:styleLbl>
+  <dgm:styleLbl name="revTx">
+    <dgm:scene3d>
+      <a:camera prst="orthographicFront"/>
+      <a:lightRig rig="threePt" dir="t"/>
+    </dgm:scene3d>
+    <dgm:sp3d/>
+    <dgm:txPr/>
+    <dgm:style>
+      <a:lnRef idx="1">
         <a:scrgbClr r="0" g="0" b="0"/>
       </a:lnRef>
       <a:fillRef idx="0">
@@ -3926,7 +8158,7 @@
           <a:p>
             <a:fld id="{D6A286D6-9690-4A7E-B0B1-9858359D4024}" type="datetimeFigureOut">
               <a:rPr lang="cs-CZ" smtClean="0"/>
-              <a:t>20.01.2017</a:t>
+              <a:t>22.01.2017</a:t>
             </a:fld>
             <a:endParaRPr lang="cs-CZ"/>
           </a:p>
@@ -4177,7 +8409,7 @@
           <a:p>
             <a:fld id="{D6A286D6-9690-4A7E-B0B1-9858359D4024}" type="datetimeFigureOut">
               <a:rPr lang="cs-CZ" smtClean="0"/>
-              <a:t>20.01.2017</a:t>
+              <a:t>22.01.2017</a:t>
             </a:fld>
             <a:endParaRPr lang="cs-CZ"/>
           </a:p>
@@ -4491,7 +8723,7 @@
           <a:p>
             <a:fld id="{D6A286D6-9690-4A7E-B0B1-9858359D4024}" type="datetimeFigureOut">
               <a:rPr lang="cs-CZ" smtClean="0"/>
-              <a:t>20.01.2017</a:t>
+              <a:t>22.01.2017</a:t>
             </a:fld>
             <a:endParaRPr lang="cs-CZ"/>
           </a:p>
@@ -4832,7 +9064,7 @@
           <a:p>
             <a:fld id="{D6A286D6-9690-4A7E-B0B1-9858359D4024}" type="datetimeFigureOut">
               <a:rPr lang="cs-CZ" smtClean="0"/>
-              <a:t>20.01.2017</a:t>
+              <a:t>22.01.2017</a:t>
             </a:fld>
             <a:endParaRPr lang="cs-CZ"/>
           </a:p>
@@ -5146,7 +9378,7 @@
           <a:p>
             <a:fld id="{D6A286D6-9690-4A7E-B0B1-9858359D4024}" type="datetimeFigureOut">
               <a:rPr lang="cs-CZ" smtClean="0"/>
-              <a:t>20.01.2017</a:t>
+              <a:t>22.01.2017</a:t>
             </a:fld>
             <a:endParaRPr lang="cs-CZ"/>
           </a:p>
@@ -5539,7 +9771,7 @@
           <a:p>
             <a:fld id="{D6A286D6-9690-4A7E-B0B1-9858359D4024}" type="datetimeFigureOut">
               <a:rPr lang="cs-CZ" smtClean="0"/>
-              <a:t>20.01.2017</a:t>
+              <a:t>22.01.2017</a:t>
             </a:fld>
             <a:endParaRPr lang="cs-CZ"/>
           </a:p>
@@ -5709,7 +9941,7 @@
           <a:p>
             <a:fld id="{D6A286D6-9690-4A7E-B0B1-9858359D4024}" type="datetimeFigureOut">
               <a:rPr lang="cs-CZ" smtClean="0"/>
-              <a:t>20.01.2017</a:t>
+              <a:t>22.01.2017</a:t>
             </a:fld>
             <a:endParaRPr lang="cs-CZ"/>
           </a:p>
@@ -5889,7 +10121,7 @@
           <a:p>
             <a:fld id="{D6A286D6-9690-4A7E-B0B1-9858359D4024}" type="datetimeFigureOut">
               <a:rPr lang="cs-CZ" smtClean="0"/>
-              <a:t>20.01.2017</a:t>
+              <a:t>22.01.2017</a:t>
             </a:fld>
             <a:endParaRPr lang="cs-CZ"/>
           </a:p>
@@ -6065,7 +10297,7 @@
           <a:p>
             <a:fld id="{D6A286D6-9690-4A7E-B0B1-9858359D4024}" type="datetimeFigureOut">
               <a:rPr lang="cs-CZ" smtClean="0"/>
-              <a:t>20.01.2017</a:t>
+              <a:t>22.01.2017</a:t>
             </a:fld>
             <a:endParaRPr lang="cs-CZ"/>
           </a:p>
@@ -6312,7 +10544,7 @@
           <a:p>
             <a:fld id="{D6A286D6-9690-4A7E-B0B1-9858359D4024}" type="datetimeFigureOut">
               <a:rPr lang="cs-CZ" smtClean="0"/>
-              <a:t>20.01.2017</a:t>
+              <a:t>22.01.2017</a:t>
             </a:fld>
             <a:endParaRPr lang="cs-CZ"/>
           </a:p>
@@ -6544,7 +10776,7 @@
           <a:p>
             <a:fld id="{D6A286D6-9690-4A7E-B0B1-9858359D4024}" type="datetimeFigureOut">
               <a:rPr lang="cs-CZ" smtClean="0"/>
-              <a:t>20.01.2017</a:t>
+              <a:t>22.01.2017</a:t>
             </a:fld>
             <a:endParaRPr lang="cs-CZ"/>
           </a:p>
@@ -6918,7 +11150,7 @@
           <a:p>
             <a:fld id="{D6A286D6-9690-4A7E-B0B1-9858359D4024}" type="datetimeFigureOut">
               <a:rPr lang="cs-CZ" smtClean="0"/>
-              <a:t>20.01.2017</a:t>
+              <a:t>22.01.2017</a:t>
             </a:fld>
             <a:endParaRPr lang="cs-CZ"/>
           </a:p>
@@ -7041,7 +11273,7 @@
           <a:p>
             <a:fld id="{D6A286D6-9690-4A7E-B0B1-9858359D4024}" type="datetimeFigureOut">
               <a:rPr lang="cs-CZ" smtClean="0"/>
-              <a:t>20.01.2017</a:t>
+              <a:t>22.01.2017</a:t>
             </a:fld>
             <a:endParaRPr lang="cs-CZ"/>
           </a:p>
@@ -7136,7 +11368,7 @@
           <a:p>
             <a:fld id="{D6A286D6-9690-4A7E-B0B1-9858359D4024}" type="datetimeFigureOut">
               <a:rPr lang="cs-CZ" smtClean="0"/>
-              <a:t>20.01.2017</a:t>
+              <a:t>22.01.2017</a:t>
             </a:fld>
             <a:endParaRPr lang="cs-CZ"/>
           </a:p>
@@ -7391,7 +11623,7 @@
           <a:p>
             <a:fld id="{D6A286D6-9690-4A7E-B0B1-9858359D4024}" type="datetimeFigureOut">
               <a:rPr lang="cs-CZ" smtClean="0"/>
-              <a:t>20.01.2017</a:t>
+              <a:t>22.01.2017</a:t>
             </a:fld>
             <a:endParaRPr lang="cs-CZ"/>
           </a:p>
@@ -7654,7 +11886,7 @@
           <a:p>
             <a:fld id="{D6A286D6-9690-4A7E-B0B1-9858359D4024}" type="datetimeFigureOut">
               <a:rPr lang="cs-CZ" smtClean="0"/>
-              <a:t>20.01.2017</a:t>
+              <a:t>22.01.2017</a:t>
             </a:fld>
             <a:endParaRPr lang="cs-CZ"/>
           </a:p>
@@ -8397,7 +12629,7 @@
           <a:p>
             <a:fld id="{D6A286D6-9690-4A7E-B0B1-9858359D4024}" type="datetimeFigureOut">
               <a:rPr lang="cs-CZ" smtClean="0"/>
-              <a:t>20.01.2017</a:t>
+              <a:t>22.01.2017</a:t>
             </a:fld>
             <a:endParaRPr lang="cs-CZ"/>
           </a:p>
@@ -8980,7 +13212,15 @@
             </a:r>
             <a:r>
               <a:rPr lang="cs-CZ" sz="2800" dirty="0" smtClean="0"/>
-              <a:t>Autor: Adam Červenka</a:t>
+              <a:t>Autor: </a:t>
+            </a:r>
+            <a:r>
+              <a:rPr lang="cs-CZ" sz="2800" dirty="0" smtClean="0"/>
+              <a:t>		Adam </a:t>
+            </a:r>
+            <a:r>
+              <a:rPr lang="cs-CZ" sz="2800" dirty="0" smtClean="0"/>
+              <a:t>Červenka</a:t>
             </a:r>
             <a:endParaRPr lang="en-US" sz="2800" dirty="0" smtClean="0"/>
           </a:p>
@@ -9001,6 +13241,10 @@
             <a:r>
               <a:rPr lang="en-US" sz="2800" dirty="0"/>
               <a:t>: </a:t>
+            </a:r>
+            <a:r>
+              <a:rPr lang="cs-CZ" sz="2800" dirty="0" smtClean="0"/>
+              <a:t>	</a:t>
             </a:r>
             <a:r>
               <a:rPr lang="en-US" sz="2800" dirty="0" smtClean="0"/>
@@ -9234,7 +13478,7 @@
             <p:ph idx="1"/>
             <p:extLst>
               <p:ext uri="{D42A27DB-BD31-4B8C-83A1-F6EECF244321}">
-                <p14:modId xmlns:p14="http://schemas.microsoft.com/office/powerpoint/2010/main" val="658939461"/>
+                <p14:modId xmlns:p14="http://schemas.microsoft.com/office/powerpoint/2010/main" val="2146189494"/>
               </p:ext>
             </p:extLst>
           </p:nvPr>
@@ -9307,15 +13551,7 @@
                   <a:schemeClr val="tx1"/>
                 </a:solidFill>
               </a:rPr>
-              <a:t>Realizace</a:t>
-            </a:r>
-            <a:r>
-              <a:rPr lang="cs-CZ" dirty="0">
-                <a:solidFill>
-                  <a:schemeClr val="tx1"/>
-                </a:solidFill>
-              </a:rPr>
-              <a:t> </a:t>
+              <a:t>Reali</a:t>
             </a:r>
             <a:r>
               <a:rPr lang="cs-CZ" dirty="0" smtClean="0">
@@ -9323,7 +13559,23 @@
                   <a:schemeClr val="tx1"/>
                 </a:solidFill>
               </a:rPr>
-              <a:t>a vývoj</a:t>
+              <a:t>z</a:t>
+            </a:r>
+            <a:r>
+              <a:rPr lang="en-US" dirty="0" smtClean="0">
+                <a:solidFill>
+                  <a:schemeClr val="tx1"/>
+                </a:solidFill>
+              </a:rPr>
+              <a:t>ace</a:t>
+            </a:r>
+            <a:r>
+              <a:rPr lang="cs-CZ" dirty="0" smtClean="0">
+                <a:solidFill>
+                  <a:schemeClr val="tx1"/>
+                </a:solidFill>
+              </a:rPr>
+              <a:t> a vývoj</a:t>
             </a:r>
             <a:endParaRPr lang="cs-CZ" dirty="0">
               <a:solidFill>
@@ -9333,25 +13585,31 @@
           </a:p>
         </p:txBody>
       </p:sp>
-      <p:sp>
-        <p:nvSpPr>
-          <p:cNvPr id="3" name="Zástupný symbol pro obsah 2"/>
-          <p:cNvSpPr>
-            <a:spLocks noGrp="1"/>
-          </p:cNvSpPr>
+      <p:graphicFrame>
+        <p:nvGraphicFramePr>
+          <p:cNvPr id="4" name="Zástupný symbol pro obsah 3"/>
+          <p:cNvGraphicFramePr>
+            <a:graphicFrameLocks noGrp="1"/>
+          </p:cNvGraphicFramePr>
           <p:nvPr>
             <p:ph idx="1"/>
+            <p:extLst>
+              <p:ext uri="{D42A27DB-BD31-4B8C-83A1-F6EECF244321}">
+                <p14:modId xmlns:p14="http://schemas.microsoft.com/office/powerpoint/2010/main" val="2838630033"/>
+              </p:ext>
+            </p:extLst>
           </p:nvPr>
-        </p:nvSpPr>
-        <p:spPr/>
-        <p:txBody>
-          <a:bodyPr/>
-          <a:lstStyle/>
-          <a:p>
-            <a:endParaRPr lang="cs-CZ"/>
-          </a:p>
-        </p:txBody>
-      </p:sp>
+        </p:nvGraphicFramePr>
+        <p:xfrm>
+          <a:off x="677863" y="2160588"/>
+          <a:ext cx="8596312" cy="3881437"/>
+        </p:xfrm>
+        <a:graphic>
+          <a:graphicData uri="http://schemas.openxmlformats.org/drawingml/2006/diagram">
+            <dgm:relIds xmlns:dgm="http://schemas.openxmlformats.org/drawingml/2006/diagram" xmlns:r="http://schemas.openxmlformats.org/officeDocument/2006/relationships" r:dm="rId2" r:lo="rId3" r:qs="rId4" r:cs="rId5"/>
+          </a:graphicData>
+        </a:graphic>
+      </p:graphicFrame>
     </p:spTree>
     <p:extLst>
       <p:ext uri="{BB962C8B-B14F-4D97-AF65-F5344CB8AC3E}">
@@ -9362,6 +13620,13 @@
   <p:clrMapOvr>
     <a:masterClrMapping/>
   </p:clrMapOvr>
+  <p:timing>
+    <p:tnLst>
+      <p:par>
+        <p:cTn id="1" dur="indefinite" restart="never" nodeType="tmRoot"/>
+      </p:par>
+    </p:tnLst>
+  </p:timing>
 </p:sld>
 </file>
 
@@ -9553,6 +13818,13 @@
   <p:clrMapOvr>
     <a:masterClrMapping/>
   </p:clrMapOvr>
+  <p:timing>
+    <p:tnLst>
+      <p:par>
+        <p:cTn id="1" dur="indefinite" restart="never" nodeType="tmRoot"/>
+      </p:par>
+    </p:tnLst>
+  </p:timing>
 </p:sld>
 </file>
 

--- a/doc/ISP_prezentace.pptx
+++ b/doc/ISP_prezentace.pptx
@@ -8,10 +8,12 @@
     <p:sldId id="256" r:id="rId2"/>
     <p:sldId id="257" r:id="rId3"/>
     <p:sldId id="260" r:id="rId4"/>
-    <p:sldId id="262" r:id="rId5"/>
-    <p:sldId id="258" r:id="rId6"/>
-    <p:sldId id="259" r:id="rId7"/>
-    <p:sldId id="261" r:id="rId8"/>
+    <p:sldId id="261" r:id="rId5"/>
+    <p:sldId id="262" r:id="rId6"/>
+    <p:sldId id="264" r:id="rId7"/>
+    <p:sldId id="263" r:id="rId8"/>
+    <p:sldId id="258" r:id="rId9"/>
+    <p:sldId id="259" r:id="rId10"/>
   </p:sldIdLst>
   <p:sldSz cx="12192000" cy="6858000"/>
   <p:notesSz cx="6858000" cy="9144000"/>
@@ -2077,6 +2079,13 @@
         </dgm:presLayoutVars>
       </dgm:prSet>
       <dgm:spPr/>
+      <dgm:t>
+        <a:bodyPr/>
+        <a:lstStyle/>
+        <a:p>
+          <a:endParaRPr lang="cs-CZ"/>
+        </a:p>
+      </dgm:t>
     </dgm:pt>
     <dgm:pt modelId="{E67650BA-9CE9-4748-8764-12DFD203F2E4}" type="pres">
       <dgm:prSet presAssocID="{7009181E-638E-42B7-B503-04682E7DBF8B}" presName="hierRoot1" presStyleCnt="0">
@@ -2097,6 +2106,13 @@
         </dgm:presLayoutVars>
       </dgm:prSet>
       <dgm:spPr/>
+      <dgm:t>
+        <a:bodyPr/>
+        <a:lstStyle/>
+        <a:p>
+          <a:endParaRPr lang="cs-CZ"/>
+        </a:p>
+      </dgm:t>
     </dgm:pt>
     <dgm:pt modelId="{BC9E5801-133A-4A10-A5CB-4E77979551B3}" type="pres">
       <dgm:prSet presAssocID="{7009181E-638E-42B7-B503-04682E7DBF8B}" presName="topArc1" presStyleLbl="parChTrans1D1" presStyleIdx="0" presStyleCnt="6"/>
@@ -2109,6 +2125,13 @@
     <dgm:pt modelId="{91C11B3D-1D3E-4504-8047-D2D297946D6A}" type="pres">
       <dgm:prSet presAssocID="{7009181E-638E-42B7-B503-04682E7DBF8B}" presName="topConnNode1" presStyleLbl="node1" presStyleIdx="0" presStyleCnt="0"/>
       <dgm:spPr/>
+      <dgm:t>
+        <a:bodyPr/>
+        <a:lstStyle/>
+        <a:p>
+          <a:endParaRPr lang="cs-CZ"/>
+        </a:p>
+      </dgm:t>
     </dgm:pt>
     <dgm:pt modelId="{ABDD2E58-E41E-49F5-9F50-B3424288486B}" type="pres">
       <dgm:prSet presAssocID="{7009181E-638E-42B7-B503-04682E7DBF8B}" presName="hierChild2" presStyleCnt="0"/>
@@ -2117,6 +2140,13 @@
     <dgm:pt modelId="{E7177388-EB6E-453D-A761-30B17B5091A8}" type="pres">
       <dgm:prSet presAssocID="{5CCB1E11-3A49-4B8F-AB36-40DCB0CCF222}" presName="Name28" presStyleLbl="parChTrans1D2" presStyleIdx="0" presStyleCnt="2"/>
       <dgm:spPr/>
+      <dgm:t>
+        <a:bodyPr/>
+        <a:lstStyle/>
+        <a:p>
+          <a:endParaRPr lang="cs-CZ"/>
+        </a:p>
+      </dgm:t>
     </dgm:pt>
     <dgm:pt modelId="{38A4A3B2-E34B-4EDC-8803-D1F9EC02044A}" type="pres">
       <dgm:prSet presAssocID="{8E388B11-3F17-49AF-ABDA-B6F826AD92F9}" presName="hierRoot2" presStyleCnt="0">
@@ -2137,6 +2167,13 @@
         </dgm:presLayoutVars>
       </dgm:prSet>
       <dgm:spPr/>
+      <dgm:t>
+        <a:bodyPr/>
+        <a:lstStyle/>
+        <a:p>
+          <a:endParaRPr lang="cs-CZ"/>
+        </a:p>
+      </dgm:t>
     </dgm:pt>
     <dgm:pt modelId="{9F87BEBD-B993-4865-BC40-3CF847E3EF29}" type="pres">
       <dgm:prSet presAssocID="{8E388B11-3F17-49AF-ABDA-B6F826AD92F9}" presName="topArc2" presStyleLbl="parChTrans1D1" presStyleIdx="2" presStyleCnt="6"/>
@@ -2149,6 +2186,13 @@
     <dgm:pt modelId="{0307CF5D-201D-456B-A5D1-F09067EB146D}" type="pres">
       <dgm:prSet presAssocID="{8E388B11-3F17-49AF-ABDA-B6F826AD92F9}" presName="topConnNode2" presStyleLbl="node2" presStyleIdx="0" presStyleCnt="0"/>
       <dgm:spPr/>
+      <dgm:t>
+        <a:bodyPr/>
+        <a:lstStyle/>
+        <a:p>
+          <a:endParaRPr lang="cs-CZ"/>
+        </a:p>
+      </dgm:t>
     </dgm:pt>
     <dgm:pt modelId="{CB6E2FCF-0097-428E-9A04-4277282B875E}" type="pres">
       <dgm:prSet presAssocID="{8E388B11-3F17-49AF-ABDA-B6F826AD92F9}" presName="hierChild4" presStyleCnt="0"/>
@@ -2161,6 +2205,13 @@
     <dgm:pt modelId="{81EEF6D2-1617-4371-B7C2-A4CEA969F4C5}" type="pres">
       <dgm:prSet presAssocID="{7164AE45-091A-4A8F-9A30-2277FA6BF322}" presName="Name28" presStyleLbl="parChTrans1D2" presStyleIdx="1" presStyleCnt="2"/>
       <dgm:spPr/>
+      <dgm:t>
+        <a:bodyPr/>
+        <a:lstStyle/>
+        <a:p>
+          <a:endParaRPr lang="cs-CZ"/>
+        </a:p>
+      </dgm:t>
     </dgm:pt>
     <dgm:pt modelId="{CAAF6927-4694-4C63-9ECD-9755AD4D43FB}" type="pres">
       <dgm:prSet presAssocID="{E6144ECF-4E01-4085-B37A-615E6C9C76E4}" presName="hierRoot2" presStyleCnt="0">
@@ -2181,6 +2232,13 @@
         </dgm:presLayoutVars>
       </dgm:prSet>
       <dgm:spPr/>
+      <dgm:t>
+        <a:bodyPr/>
+        <a:lstStyle/>
+        <a:p>
+          <a:endParaRPr lang="cs-CZ"/>
+        </a:p>
+      </dgm:t>
     </dgm:pt>
     <dgm:pt modelId="{9DD10EF7-FE0B-48F4-A210-6FA9B5DF3BCD}" type="pres">
       <dgm:prSet presAssocID="{E6144ECF-4E01-4085-B37A-615E6C9C76E4}" presName="topArc2" presStyleLbl="parChTrans1D1" presStyleIdx="4" presStyleCnt="6"/>
@@ -2193,6 +2251,13 @@
     <dgm:pt modelId="{E8BD95C4-8CC3-4AC7-A732-1F55FB829EA1}" type="pres">
       <dgm:prSet presAssocID="{E6144ECF-4E01-4085-B37A-615E6C9C76E4}" presName="topConnNode2" presStyleLbl="node2" presStyleIdx="0" presStyleCnt="0"/>
       <dgm:spPr/>
+      <dgm:t>
+        <a:bodyPr/>
+        <a:lstStyle/>
+        <a:p>
+          <a:endParaRPr lang="cs-CZ"/>
+        </a:p>
+      </dgm:t>
     </dgm:pt>
     <dgm:pt modelId="{CD9016E6-7410-4033-8C49-AC1D30EA2088}" type="pres">
       <dgm:prSet presAssocID="{E6144ECF-4E01-4085-B37A-615E6C9C76E4}" presName="hierChild4" presStyleCnt="0"/>
@@ -2208,18 +2273,18 @@
     </dgm:pt>
   </dgm:ptLst>
   <dgm:cxnLst>
-    <dgm:cxn modelId="{C3ADD324-CBD7-4166-ABED-196C401B664B}" type="presOf" srcId="{DC603501-88BC-4276-987B-0660956F9026}" destId="{FF668E03-D7E5-4952-8FF0-8B8BC363F1CF}" srcOrd="0" destOrd="0" presId="urn:microsoft.com/office/officeart/2008/layout/HalfCircleOrganizationChart"/>
-    <dgm:cxn modelId="{E5492E41-6860-4F62-AC63-7B4FEA0E3B7A}" type="presOf" srcId="{8E388B11-3F17-49AF-ABDA-B6F826AD92F9}" destId="{0307CF5D-201D-456B-A5D1-F09067EB146D}" srcOrd="1" destOrd="0" presId="urn:microsoft.com/office/officeart/2008/layout/HalfCircleOrganizationChart"/>
-    <dgm:cxn modelId="{A80DE5DB-4BB9-4097-AC94-5B5D536F12B6}" type="presOf" srcId="{7009181E-638E-42B7-B503-04682E7DBF8B}" destId="{16BBD506-B279-4466-8938-886EF0467E61}" srcOrd="0" destOrd="0" presId="urn:microsoft.com/office/officeart/2008/layout/HalfCircleOrganizationChart"/>
-    <dgm:cxn modelId="{BD0DB0A6-7A81-461E-8040-097E5A1920E5}" type="presOf" srcId="{E6144ECF-4E01-4085-B37A-615E6C9C76E4}" destId="{69BE21C6-CF53-46E7-8B11-140CC76B57DF}" srcOrd="0" destOrd="0" presId="urn:microsoft.com/office/officeart/2008/layout/HalfCircleOrganizationChart"/>
-    <dgm:cxn modelId="{D15AFEFF-A283-4450-8F36-EC3D919143DB}" srcId="{7009181E-638E-42B7-B503-04682E7DBF8B}" destId="{E6144ECF-4E01-4085-B37A-615E6C9C76E4}" srcOrd="1" destOrd="0" parTransId="{7164AE45-091A-4A8F-9A30-2277FA6BF322}" sibTransId="{ABD30387-E8AD-4D67-BE81-C009A22FD525}"/>
-    <dgm:cxn modelId="{A79FD6D0-1D27-4CA8-A75A-C55C68128478}" type="presOf" srcId="{E6144ECF-4E01-4085-B37A-615E6C9C76E4}" destId="{E8BD95C4-8CC3-4AC7-A732-1F55FB829EA1}" srcOrd="1" destOrd="0" presId="urn:microsoft.com/office/officeart/2008/layout/HalfCircleOrganizationChart"/>
+    <dgm:cxn modelId="{3AB4D3AA-4327-4CE1-A61D-BDE20B291E3C}" srcId="{7009181E-638E-42B7-B503-04682E7DBF8B}" destId="{8E388B11-3F17-49AF-ABDA-B6F826AD92F9}" srcOrd="0" destOrd="0" parTransId="{5CCB1E11-3A49-4B8F-AB36-40DCB0CCF222}" sibTransId="{E8ABABCB-0B2A-40FD-ABEF-AA0DC0A73C8F}"/>
     <dgm:cxn modelId="{5B752452-DA8D-4D0B-82FE-58D1B17D68AE}" type="presOf" srcId="{5CCB1E11-3A49-4B8F-AB36-40DCB0CCF222}" destId="{E7177388-EB6E-453D-A761-30B17B5091A8}" srcOrd="0" destOrd="0" presId="urn:microsoft.com/office/officeart/2008/layout/HalfCircleOrganizationChart"/>
     <dgm:cxn modelId="{A721445F-2A84-48B7-9A84-62D1E1A05BFA}" type="presOf" srcId="{7164AE45-091A-4A8F-9A30-2277FA6BF322}" destId="{81EEF6D2-1617-4371-B7C2-A4CEA969F4C5}" srcOrd="0" destOrd="0" presId="urn:microsoft.com/office/officeart/2008/layout/HalfCircleOrganizationChart"/>
-    <dgm:cxn modelId="{3AB4D3AA-4327-4CE1-A61D-BDE20B291E3C}" srcId="{7009181E-638E-42B7-B503-04682E7DBF8B}" destId="{8E388B11-3F17-49AF-ABDA-B6F826AD92F9}" srcOrd="0" destOrd="0" parTransId="{5CCB1E11-3A49-4B8F-AB36-40DCB0CCF222}" sibTransId="{E8ABABCB-0B2A-40FD-ABEF-AA0DC0A73C8F}"/>
     <dgm:cxn modelId="{1B1C2917-370A-414B-8E42-9ED2155FBFEC}" type="presOf" srcId="{7009181E-638E-42B7-B503-04682E7DBF8B}" destId="{91C11B3D-1D3E-4504-8047-D2D297946D6A}" srcOrd="1" destOrd="0" presId="urn:microsoft.com/office/officeart/2008/layout/HalfCircleOrganizationChart"/>
     <dgm:cxn modelId="{6FB53852-F7D1-4693-B833-7E8E26C05AE5}" type="presOf" srcId="{8E388B11-3F17-49AF-ABDA-B6F826AD92F9}" destId="{81412828-54F0-44BA-A945-0411401F368A}" srcOrd="0" destOrd="0" presId="urn:microsoft.com/office/officeart/2008/layout/HalfCircleOrganizationChart"/>
     <dgm:cxn modelId="{DE3E5D52-E210-4CCF-A573-FA1D2CE4B941}" srcId="{DC603501-88BC-4276-987B-0660956F9026}" destId="{7009181E-638E-42B7-B503-04682E7DBF8B}" srcOrd="0" destOrd="0" parTransId="{123D9E53-892C-4DD3-B28C-4E3E749206D2}" sibTransId="{3CEA6B7E-2DA0-41D1-B252-52E75632E4DD}"/>
+    <dgm:cxn modelId="{A80DE5DB-4BB9-4097-AC94-5B5D536F12B6}" type="presOf" srcId="{7009181E-638E-42B7-B503-04682E7DBF8B}" destId="{16BBD506-B279-4466-8938-886EF0467E61}" srcOrd="0" destOrd="0" presId="urn:microsoft.com/office/officeart/2008/layout/HalfCircleOrganizationChart"/>
+    <dgm:cxn modelId="{A79FD6D0-1D27-4CA8-A75A-C55C68128478}" type="presOf" srcId="{E6144ECF-4E01-4085-B37A-615E6C9C76E4}" destId="{E8BD95C4-8CC3-4AC7-A732-1F55FB829EA1}" srcOrd="1" destOrd="0" presId="urn:microsoft.com/office/officeart/2008/layout/HalfCircleOrganizationChart"/>
+    <dgm:cxn modelId="{BD0DB0A6-7A81-461E-8040-097E5A1920E5}" type="presOf" srcId="{E6144ECF-4E01-4085-B37A-615E6C9C76E4}" destId="{69BE21C6-CF53-46E7-8B11-140CC76B57DF}" srcOrd="0" destOrd="0" presId="urn:microsoft.com/office/officeart/2008/layout/HalfCircleOrganizationChart"/>
+    <dgm:cxn modelId="{C3ADD324-CBD7-4166-ABED-196C401B664B}" type="presOf" srcId="{DC603501-88BC-4276-987B-0660956F9026}" destId="{FF668E03-D7E5-4952-8FF0-8B8BC363F1CF}" srcOrd="0" destOrd="0" presId="urn:microsoft.com/office/officeart/2008/layout/HalfCircleOrganizationChart"/>
+    <dgm:cxn modelId="{E5492E41-6860-4F62-AC63-7B4FEA0E3B7A}" type="presOf" srcId="{8E388B11-3F17-49AF-ABDA-B6F826AD92F9}" destId="{0307CF5D-201D-456B-A5D1-F09067EB146D}" srcOrd="1" destOrd="0" presId="urn:microsoft.com/office/officeart/2008/layout/HalfCircleOrganizationChart"/>
+    <dgm:cxn modelId="{D15AFEFF-A283-4450-8F36-EC3D919143DB}" srcId="{7009181E-638E-42B7-B503-04682E7DBF8B}" destId="{E6144ECF-4E01-4085-B37A-615E6C9C76E4}" srcOrd="1" destOrd="0" parTransId="{7164AE45-091A-4A8F-9A30-2277FA6BF322}" sibTransId="{ABD30387-E8AD-4D67-BE81-C009A22FD525}"/>
     <dgm:cxn modelId="{DEE7D028-61B2-4D9D-AF58-763D901C8D3B}" type="presParOf" srcId="{FF668E03-D7E5-4952-8FF0-8B8BC363F1CF}" destId="{E67650BA-9CE9-4748-8764-12DFD203F2E4}" srcOrd="0" destOrd="0" presId="urn:microsoft.com/office/officeart/2008/layout/HalfCircleOrganizationChart"/>
     <dgm:cxn modelId="{00640DDE-1FE6-415C-8804-A7EE0562E116}" type="presParOf" srcId="{E67650BA-9CE9-4748-8764-12DFD203F2E4}" destId="{BAF25ADA-F1B0-4141-9361-CA7B4CB4A46A}" srcOrd="0" destOrd="0" presId="urn:microsoft.com/office/officeart/2008/layout/HalfCircleOrganizationChart"/>
     <dgm:cxn modelId="{A2A1CE82-A877-4698-9C57-7141FBA40F8A}" type="presParOf" srcId="{BAF25ADA-F1B0-4141-9361-CA7B4CB4A46A}" destId="{16BBD506-B279-4466-8938-886EF0467E61}" srcOrd="0" destOrd="0" presId="urn:microsoft.com/office/officeart/2008/layout/HalfCircleOrganizationChart"/>
@@ -8158,7 +8223,7 @@
           <a:p>
             <a:fld id="{D6A286D6-9690-4A7E-B0B1-9858359D4024}" type="datetimeFigureOut">
               <a:rPr lang="cs-CZ" smtClean="0"/>
-              <a:t>22.01.2017</a:t>
+              <a:t>25.01.2017</a:t>
             </a:fld>
             <a:endParaRPr lang="cs-CZ"/>
           </a:p>
@@ -8409,7 +8474,7 @@
           <a:p>
             <a:fld id="{D6A286D6-9690-4A7E-B0B1-9858359D4024}" type="datetimeFigureOut">
               <a:rPr lang="cs-CZ" smtClean="0"/>
-              <a:t>22.01.2017</a:t>
+              <a:t>25.01.2017</a:t>
             </a:fld>
             <a:endParaRPr lang="cs-CZ"/>
           </a:p>
@@ -8723,7 +8788,7 @@
           <a:p>
             <a:fld id="{D6A286D6-9690-4A7E-B0B1-9858359D4024}" type="datetimeFigureOut">
               <a:rPr lang="cs-CZ" smtClean="0"/>
-              <a:t>22.01.2017</a:t>
+              <a:t>25.01.2017</a:t>
             </a:fld>
             <a:endParaRPr lang="cs-CZ"/>
           </a:p>
@@ -9064,7 +9129,7 @@
           <a:p>
             <a:fld id="{D6A286D6-9690-4A7E-B0B1-9858359D4024}" type="datetimeFigureOut">
               <a:rPr lang="cs-CZ" smtClean="0"/>
-              <a:t>22.01.2017</a:t>
+              <a:t>25.01.2017</a:t>
             </a:fld>
             <a:endParaRPr lang="cs-CZ"/>
           </a:p>
@@ -9378,7 +9443,7 @@
           <a:p>
             <a:fld id="{D6A286D6-9690-4A7E-B0B1-9858359D4024}" type="datetimeFigureOut">
               <a:rPr lang="cs-CZ" smtClean="0"/>
-              <a:t>22.01.2017</a:t>
+              <a:t>25.01.2017</a:t>
             </a:fld>
             <a:endParaRPr lang="cs-CZ"/>
           </a:p>
@@ -9771,7 +9836,7 @@
           <a:p>
             <a:fld id="{D6A286D6-9690-4A7E-B0B1-9858359D4024}" type="datetimeFigureOut">
               <a:rPr lang="cs-CZ" smtClean="0"/>
-              <a:t>22.01.2017</a:t>
+              <a:t>25.01.2017</a:t>
             </a:fld>
             <a:endParaRPr lang="cs-CZ"/>
           </a:p>
@@ -9941,7 +10006,7 @@
           <a:p>
             <a:fld id="{D6A286D6-9690-4A7E-B0B1-9858359D4024}" type="datetimeFigureOut">
               <a:rPr lang="cs-CZ" smtClean="0"/>
-              <a:t>22.01.2017</a:t>
+              <a:t>25.01.2017</a:t>
             </a:fld>
             <a:endParaRPr lang="cs-CZ"/>
           </a:p>
@@ -10121,7 +10186,7 @@
           <a:p>
             <a:fld id="{D6A286D6-9690-4A7E-B0B1-9858359D4024}" type="datetimeFigureOut">
               <a:rPr lang="cs-CZ" smtClean="0"/>
-              <a:t>22.01.2017</a:t>
+              <a:t>25.01.2017</a:t>
             </a:fld>
             <a:endParaRPr lang="cs-CZ"/>
           </a:p>
@@ -10297,7 +10362,7 @@
           <a:p>
             <a:fld id="{D6A286D6-9690-4A7E-B0B1-9858359D4024}" type="datetimeFigureOut">
               <a:rPr lang="cs-CZ" smtClean="0"/>
-              <a:t>22.01.2017</a:t>
+              <a:t>25.01.2017</a:t>
             </a:fld>
             <a:endParaRPr lang="cs-CZ"/>
           </a:p>
@@ -10544,7 +10609,7 @@
           <a:p>
             <a:fld id="{D6A286D6-9690-4A7E-B0B1-9858359D4024}" type="datetimeFigureOut">
               <a:rPr lang="cs-CZ" smtClean="0"/>
-              <a:t>22.01.2017</a:t>
+              <a:t>25.01.2017</a:t>
             </a:fld>
             <a:endParaRPr lang="cs-CZ"/>
           </a:p>
@@ -10776,7 +10841,7 @@
           <a:p>
             <a:fld id="{D6A286D6-9690-4A7E-B0B1-9858359D4024}" type="datetimeFigureOut">
               <a:rPr lang="cs-CZ" smtClean="0"/>
-              <a:t>22.01.2017</a:t>
+              <a:t>25.01.2017</a:t>
             </a:fld>
             <a:endParaRPr lang="cs-CZ"/>
           </a:p>
@@ -11150,7 +11215,7 @@
           <a:p>
             <a:fld id="{D6A286D6-9690-4A7E-B0B1-9858359D4024}" type="datetimeFigureOut">
               <a:rPr lang="cs-CZ" smtClean="0"/>
-              <a:t>22.01.2017</a:t>
+              <a:t>25.01.2017</a:t>
             </a:fld>
             <a:endParaRPr lang="cs-CZ"/>
           </a:p>
@@ -11273,7 +11338,7 @@
           <a:p>
             <a:fld id="{D6A286D6-9690-4A7E-B0B1-9858359D4024}" type="datetimeFigureOut">
               <a:rPr lang="cs-CZ" smtClean="0"/>
-              <a:t>22.01.2017</a:t>
+              <a:t>25.01.2017</a:t>
             </a:fld>
             <a:endParaRPr lang="cs-CZ"/>
           </a:p>
@@ -11368,7 +11433,7 @@
           <a:p>
             <a:fld id="{D6A286D6-9690-4A7E-B0B1-9858359D4024}" type="datetimeFigureOut">
               <a:rPr lang="cs-CZ" smtClean="0"/>
-              <a:t>22.01.2017</a:t>
+              <a:t>25.01.2017</a:t>
             </a:fld>
             <a:endParaRPr lang="cs-CZ"/>
           </a:p>
@@ -11623,7 +11688,7 @@
           <a:p>
             <a:fld id="{D6A286D6-9690-4A7E-B0B1-9858359D4024}" type="datetimeFigureOut">
               <a:rPr lang="cs-CZ" smtClean="0"/>
-              <a:t>22.01.2017</a:t>
+              <a:t>25.01.2017</a:t>
             </a:fld>
             <a:endParaRPr lang="cs-CZ"/>
           </a:p>
@@ -11886,7 +11951,7 @@
           <a:p>
             <a:fld id="{D6A286D6-9690-4A7E-B0B1-9858359D4024}" type="datetimeFigureOut">
               <a:rPr lang="cs-CZ" smtClean="0"/>
-              <a:t>22.01.2017</a:t>
+              <a:t>25.01.2017</a:t>
             </a:fld>
             <a:endParaRPr lang="cs-CZ"/>
           </a:p>
@@ -12629,7 +12694,7 @@
           <a:p>
             <a:fld id="{D6A286D6-9690-4A7E-B0B1-9858359D4024}" type="datetimeFigureOut">
               <a:rPr lang="cs-CZ" smtClean="0"/>
-              <a:t>22.01.2017</a:t>
+              <a:t>25.01.2017</a:t>
             </a:fld>
             <a:endParaRPr lang="cs-CZ"/>
           </a:p>
@@ -13212,15 +13277,7 @@
             </a:r>
             <a:r>
               <a:rPr lang="cs-CZ" sz="2800" dirty="0" smtClean="0"/>
-              <a:t>Autor: </a:t>
-            </a:r>
-            <a:r>
-              <a:rPr lang="cs-CZ" sz="2800" dirty="0" smtClean="0"/>
-              <a:t>		Adam </a:t>
-            </a:r>
-            <a:r>
-              <a:rPr lang="cs-CZ" sz="2800" dirty="0" smtClean="0"/>
-              <a:t>Červenka</a:t>
+              <a:t>Autor: 		Adam Červenka</a:t>
             </a:r>
             <a:endParaRPr lang="en-US" sz="2800" dirty="0" smtClean="0"/>
           </a:p>
@@ -13295,7 +13352,7 @@
 </file>
 
 <file path=ppt/slides/slide2.xml><?xml version="1.0" encoding="utf-8"?>
-<p:sld xmlns:a="http://schemas.openxmlformats.org/drawingml/2006/main" xmlns:r="http://schemas.openxmlformats.org/officeDocument/2006/relationships" xmlns:p="http://schemas.openxmlformats.org/presentationml/2006/main">
+<p:sld xmlns:a="http://schemas.openxmlformats.org/drawingml/2006/main" xmlns:r="http://schemas.openxmlformats.org/officeDocument/2006/relationships" xmlns:p="http://schemas.openxmlformats.org/presentationml/2006/main" show="0">
   <p:cSld>
     <p:spTree>
       <p:nvGrpSpPr>
@@ -13410,6 +13467,14 @@
   <p:clrMapOvr>
     <a:masterClrMapping/>
   </p:clrMapOvr>
+  <mc:AlternateContent xmlns:mc="http://schemas.openxmlformats.org/markup-compatibility/2006" xmlns:p14="http://schemas.microsoft.com/office/powerpoint/2010/main">
+    <mc:Choice Requires="p14">
+      <p:transition spd="slow" p14:dur="2000"/>
+    </mc:Choice>
+    <mc:Fallback xmlns="">
+      <p:transition spd="slow"/>
+    </mc:Fallback>
+  </mc:AlternateContent>
   <p:timing>
     <p:tnLst>
       <p:par>
@@ -13421,7 +13486,7 @@
 </file>
 
 <file path=ppt/slides/slide3.xml><?xml version="1.0" encoding="utf-8"?>
-<p:sld xmlns:a="http://schemas.openxmlformats.org/drawingml/2006/main" xmlns:r="http://schemas.openxmlformats.org/officeDocument/2006/relationships" xmlns:p="http://schemas.openxmlformats.org/presentationml/2006/main">
+<p:sld xmlns:a="http://schemas.openxmlformats.org/drawingml/2006/main" xmlns:r="http://schemas.openxmlformats.org/officeDocument/2006/relationships" xmlns:p="http://schemas.openxmlformats.org/presentationml/2006/main" show="0">
   <p:cSld>
     <p:spTree>
       <p:nvGrpSpPr>
@@ -13503,6 +13568,14 @@
   <p:clrMapOvr>
     <a:masterClrMapping/>
   </p:clrMapOvr>
+  <mc:AlternateContent xmlns:mc="http://schemas.openxmlformats.org/markup-compatibility/2006" xmlns:p14="http://schemas.microsoft.com/office/powerpoint/2010/main">
+    <mc:Choice Requires="p14">
+      <p:transition spd="slow" p14:dur="2000"/>
+    </mc:Choice>
+    <mc:Fallback xmlns="">
+      <p:transition spd="slow"/>
+    </mc:Fallback>
+  </mc:AlternateContent>
   <p:timing>
     <p:tnLst>
       <p:par>
@@ -13514,255 +13587,6 @@
 </file>
 
 <file path=ppt/slides/slide4.xml><?xml version="1.0" encoding="utf-8"?>
-<p:sld xmlns:a="http://schemas.openxmlformats.org/drawingml/2006/main" xmlns:r="http://schemas.openxmlformats.org/officeDocument/2006/relationships" xmlns:p="http://schemas.openxmlformats.org/presentationml/2006/main">
-  <p:cSld>
-    <p:spTree>
-      <p:nvGrpSpPr>
-        <p:cNvPr id="1" name=""/>
-        <p:cNvGrpSpPr/>
-        <p:nvPr/>
-      </p:nvGrpSpPr>
-      <p:grpSpPr>
-        <a:xfrm>
-          <a:off x="0" y="0"/>
-          <a:ext cx="0" cy="0"/>
-          <a:chOff x="0" y="0"/>
-          <a:chExt cx="0" cy="0"/>
-        </a:xfrm>
-      </p:grpSpPr>
-      <p:sp>
-        <p:nvSpPr>
-          <p:cNvPr id="2" name="Nadpis 1"/>
-          <p:cNvSpPr>
-            <a:spLocks noGrp="1"/>
-          </p:cNvSpPr>
-          <p:nvPr>
-            <p:ph type="title"/>
-          </p:nvPr>
-        </p:nvSpPr>
-        <p:spPr/>
-        <p:txBody>
-          <a:bodyPr/>
-          <a:lstStyle/>
-          <a:p>
-            <a:r>
-              <a:rPr lang="en-US" dirty="0" err="1" smtClean="0">
-                <a:solidFill>
-                  <a:schemeClr val="tx1"/>
-                </a:solidFill>
-              </a:rPr>
-              <a:t>Reali</a:t>
-            </a:r>
-            <a:r>
-              <a:rPr lang="cs-CZ" dirty="0" smtClean="0">
-                <a:solidFill>
-                  <a:schemeClr val="tx1"/>
-                </a:solidFill>
-              </a:rPr>
-              <a:t>z</a:t>
-            </a:r>
-            <a:r>
-              <a:rPr lang="en-US" dirty="0" smtClean="0">
-                <a:solidFill>
-                  <a:schemeClr val="tx1"/>
-                </a:solidFill>
-              </a:rPr>
-              <a:t>ace</a:t>
-            </a:r>
-            <a:r>
-              <a:rPr lang="cs-CZ" dirty="0" smtClean="0">
-                <a:solidFill>
-                  <a:schemeClr val="tx1"/>
-                </a:solidFill>
-              </a:rPr>
-              <a:t> a vývoj</a:t>
-            </a:r>
-            <a:endParaRPr lang="cs-CZ" dirty="0">
-              <a:solidFill>
-                <a:schemeClr val="tx1"/>
-              </a:solidFill>
-            </a:endParaRPr>
-          </a:p>
-        </p:txBody>
-      </p:sp>
-      <p:graphicFrame>
-        <p:nvGraphicFramePr>
-          <p:cNvPr id="4" name="Zástupný symbol pro obsah 3"/>
-          <p:cNvGraphicFramePr>
-            <a:graphicFrameLocks noGrp="1"/>
-          </p:cNvGraphicFramePr>
-          <p:nvPr>
-            <p:ph idx="1"/>
-            <p:extLst>
-              <p:ext uri="{D42A27DB-BD31-4B8C-83A1-F6EECF244321}">
-                <p14:modId xmlns:p14="http://schemas.microsoft.com/office/powerpoint/2010/main" val="2838630033"/>
-              </p:ext>
-            </p:extLst>
-          </p:nvPr>
-        </p:nvGraphicFramePr>
-        <p:xfrm>
-          <a:off x="677863" y="2160588"/>
-          <a:ext cx="8596312" cy="3881437"/>
-        </p:xfrm>
-        <a:graphic>
-          <a:graphicData uri="http://schemas.openxmlformats.org/drawingml/2006/diagram">
-            <dgm:relIds xmlns:dgm="http://schemas.openxmlformats.org/drawingml/2006/diagram" xmlns:r="http://schemas.openxmlformats.org/officeDocument/2006/relationships" r:dm="rId2" r:lo="rId3" r:qs="rId4" r:cs="rId5"/>
-          </a:graphicData>
-        </a:graphic>
-      </p:graphicFrame>
-    </p:spTree>
-    <p:extLst>
-      <p:ext uri="{BB962C8B-B14F-4D97-AF65-F5344CB8AC3E}">
-        <p14:creationId xmlns:p14="http://schemas.microsoft.com/office/powerpoint/2010/main" val="290709890"/>
-      </p:ext>
-    </p:extLst>
-  </p:cSld>
-  <p:clrMapOvr>
-    <a:masterClrMapping/>
-  </p:clrMapOvr>
-  <p:timing>
-    <p:tnLst>
-      <p:par>
-        <p:cTn id="1" dur="indefinite" restart="never" nodeType="tmRoot"/>
-      </p:par>
-    </p:tnLst>
-  </p:timing>
-</p:sld>
-</file>
-
-<file path=ppt/slides/slide5.xml><?xml version="1.0" encoding="utf-8"?>
-<p:sld xmlns:a="http://schemas.openxmlformats.org/drawingml/2006/main" xmlns:r="http://schemas.openxmlformats.org/officeDocument/2006/relationships" xmlns:p="http://schemas.openxmlformats.org/presentationml/2006/main">
-  <p:cSld>
-    <p:spTree>
-      <p:nvGrpSpPr>
-        <p:cNvPr id="1" name=""/>
-        <p:cNvGrpSpPr/>
-        <p:nvPr/>
-      </p:nvGrpSpPr>
-      <p:grpSpPr>
-        <a:xfrm>
-          <a:off x="0" y="0"/>
-          <a:ext cx="0" cy="0"/>
-          <a:chOff x="0" y="0"/>
-          <a:chExt cx="0" cy="0"/>
-        </a:xfrm>
-      </p:grpSpPr>
-      <p:pic>
-        <p:nvPicPr>
-          <p:cNvPr id="5" name="Zástupný symbol pro obsah 4"/>
-          <p:cNvPicPr>
-            <a:picLocks noGrp="1" noChangeAspect="1"/>
-          </p:cNvPicPr>
-          <p:nvPr>
-            <p:ph idx="1"/>
-          </p:nvPr>
-        </p:nvPicPr>
-        <p:blipFill>
-          <a:blip r:embed="rId2">
-            <a:extLst>
-              <a:ext uri="{28A0092B-C50C-407E-A947-70E740481C1C}">
-                <a14:useLocalDpi xmlns:a14="http://schemas.microsoft.com/office/drawing/2010/main" val="0"/>
-              </a:ext>
-            </a:extLst>
-          </a:blip>
-          <a:stretch>
-            <a:fillRect/>
-          </a:stretch>
-        </p:blipFill>
-        <p:spPr>
-          <a:xfrm>
-            <a:off x="499749" y="147061"/>
-            <a:ext cx="7129487" cy="6384488"/>
-          </a:xfrm>
-        </p:spPr>
-      </p:pic>
-    </p:spTree>
-    <p:extLst>
-      <p:ext uri="{BB962C8B-B14F-4D97-AF65-F5344CB8AC3E}">
-        <p14:creationId xmlns:p14="http://schemas.microsoft.com/office/powerpoint/2010/main" val="292424517"/>
-      </p:ext>
-    </p:extLst>
-  </p:cSld>
-  <p:clrMapOvr>
-    <a:masterClrMapping/>
-  </p:clrMapOvr>
-  <p:timing>
-    <p:tnLst>
-      <p:par>
-        <p:cTn id="1" dur="indefinite" restart="never" nodeType="tmRoot"/>
-      </p:par>
-    </p:tnLst>
-  </p:timing>
-</p:sld>
-</file>
-
-<file path=ppt/slides/slide6.xml><?xml version="1.0" encoding="utf-8"?>
-<p:sld xmlns:a="http://schemas.openxmlformats.org/drawingml/2006/main" xmlns:r="http://schemas.openxmlformats.org/officeDocument/2006/relationships" xmlns:p="http://schemas.openxmlformats.org/presentationml/2006/main">
-  <p:cSld>
-    <p:spTree>
-      <p:nvGrpSpPr>
-        <p:cNvPr id="1" name=""/>
-        <p:cNvGrpSpPr/>
-        <p:nvPr/>
-      </p:nvGrpSpPr>
-      <p:grpSpPr>
-        <a:xfrm>
-          <a:off x="0" y="0"/>
-          <a:ext cx="0" cy="0"/>
-          <a:chOff x="0" y="0"/>
-          <a:chExt cx="0" cy="0"/>
-        </a:xfrm>
-      </p:grpSpPr>
-      <p:pic>
-        <p:nvPicPr>
-          <p:cNvPr id="10" name="Zástupný symbol pro obsah 9"/>
-          <p:cNvPicPr>
-            <a:picLocks noGrp="1" noChangeAspect="1"/>
-          </p:cNvPicPr>
-          <p:nvPr>
-            <p:ph idx="1"/>
-          </p:nvPr>
-        </p:nvPicPr>
-        <p:blipFill>
-          <a:blip r:embed="rId2">
-            <a:extLst>
-              <a:ext uri="{28A0092B-C50C-407E-A947-70E740481C1C}">
-                <a14:useLocalDpi xmlns:a14="http://schemas.microsoft.com/office/drawing/2010/main" val="0"/>
-              </a:ext>
-            </a:extLst>
-          </a:blip>
-          <a:stretch>
-            <a:fillRect/>
-          </a:stretch>
-        </p:blipFill>
-        <p:spPr>
-          <a:xfrm>
-            <a:off x="1505526" y="101599"/>
-            <a:ext cx="5828145" cy="6585527"/>
-          </a:xfrm>
-        </p:spPr>
-      </p:pic>
-    </p:spTree>
-    <p:extLst>
-      <p:ext uri="{BB962C8B-B14F-4D97-AF65-F5344CB8AC3E}">
-        <p14:creationId xmlns:p14="http://schemas.microsoft.com/office/powerpoint/2010/main" val="264051406"/>
-      </p:ext>
-    </p:extLst>
-  </p:cSld>
-  <p:clrMapOvr>
-    <a:masterClrMapping/>
-  </p:clrMapOvr>
-  <p:timing>
-    <p:tnLst>
-      <p:par>
-        <p:cTn id="1" dur="indefinite" restart="never" nodeType="tmRoot"/>
-      </p:par>
-    </p:tnLst>
-  </p:timing>
-</p:sld>
-</file>
-
-<file path=ppt/slides/slide7.xml><?xml version="1.0" encoding="utf-8"?>
 <p:sld xmlns:a="http://schemas.openxmlformats.org/drawingml/2006/main" xmlns:r="http://schemas.openxmlformats.org/officeDocument/2006/relationships" xmlns:p="http://schemas.openxmlformats.org/presentationml/2006/main">
   <p:cSld>
     <p:spTree>
@@ -13818,6 +13642,1549 @@
   <p:clrMapOvr>
     <a:masterClrMapping/>
   </p:clrMapOvr>
+  <mc:AlternateContent xmlns:mc="http://schemas.openxmlformats.org/markup-compatibility/2006" xmlns:p14="http://schemas.microsoft.com/office/powerpoint/2010/main">
+    <mc:Choice Requires="p14">
+      <p:transition spd="slow" p14:dur="2000"/>
+    </mc:Choice>
+    <mc:Fallback xmlns="">
+      <p:transition spd="slow"/>
+    </mc:Fallback>
+  </mc:AlternateContent>
+  <p:timing>
+    <p:tnLst>
+      <p:par>
+        <p:cTn id="1" dur="indefinite" restart="never" nodeType="tmRoot"/>
+      </p:par>
+    </p:tnLst>
+  </p:timing>
+</p:sld>
+</file>
+
+<file path=ppt/slides/slide5.xml><?xml version="1.0" encoding="utf-8"?>
+<p:sld xmlns:a="http://schemas.openxmlformats.org/drawingml/2006/main" xmlns:r="http://schemas.openxmlformats.org/officeDocument/2006/relationships" xmlns:p="http://schemas.openxmlformats.org/presentationml/2006/main">
+  <p:cSld>
+    <p:spTree>
+      <p:nvGrpSpPr>
+        <p:cNvPr id="1" name=""/>
+        <p:cNvGrpSpPr/>
+        <p:nvPr/>
+      </p:nvGrpSpPr>
+      <p:grpSpPr>
+        <a:xfrm>
+          <a:off x="0" y="0"/>
+          <a:ext cx="0" cy="0"/>
+          <a:chOff x="0" y="0"/>
+          <a:chExt cx="0" cy="0"/>
+        </a:xfrm>
+      </p:grpSpPr>
+      <p:sp>
+        <p:nvSpPr>
+          <p:cNvPr id="2" name="Nadpis 1"/>
+          <p:cNvSpPr>
+            <a:spLocks noGrp="1"/>
+          </p:cNvSpPr>
+          <p:nvPr>
+            <p:ph type="title"/>
+          </p:nvPr>
+        </p:nvSpPr>
+        <p:spPr/>
+        <p:txBody>
+          <a:bodyPr/>
+          <a:lstStyle/>
+          <a:p>
+            <a:r>
+              <a:rPr lang="cs-CZ" dirty="0" smtClean="0">
+                <a:solidFill>
+                  <a:schemeClr val="tx1"/>
+                </a:solidFill>
+              </a:rPr>
+              <a:t>Implementace</a:t>
+            </a:r>
+            <a:endParaRPr lang="cs-CZ" dirty="0">
+              <a:solidFill>
+                <a:schemeClr val="tx1"/>
+              </a:solidFill>
+            </a:endParaRPr>
+          </a:p>
+        </p:txBody>
+      </p:sp>
+      <p:graphicFrame>
+        <p:nvGraphicFramePr>
+          <p:cNvPr id="4" name="Zástupný symbol pro obsah 3"/>
+          <p:cNvGraphicFramePr>
+            <a:graphicFrameLocks noGrp="1"/>
+          </p:cNvGraphicFramePr>
+          <p:nvPr>
+            <p:ph idx="1"/>
+            <p:extLst>
+              <p:ext uri="{D42A27DB-BD31-4B8C-83A1-F6EECF244321}">
+                <p14:modId xmlns:p14="http://schemas.microsoft.com/office/powerpoint/2010/main" val="2240668816"/>
+              </p:ext>
+            </p:extLst>
+          </p:nvPr>
+        </p:nvGraphicFramePr>
+        <p:xfrm>
+          <a:off x="677334" y="1930400"/>
+          <a:ext cx="8596312" cy="3881437"/>
+        </p:xfrm>
+        <a:graphic>
+          <a:graphicData uri="http://schemas.openxmlformats.org/drawingml/2006/diagram">
+            <dgm:relIds xmlns:dgm="http://schemas.openxmlformats.org/drawingml/2006/diagram" xmlns:r="http://schemas.openxmlformats.org/officeDocument/2006/relationships" r:dm="rId2" r:lo="rId3" r:qs="rId4" r:cs="rId5"/>
+          </a:graphicData>
+        </a:graphic>
+      </p:graphicFrame>
+    </p:spTree>
+    <p:extLst>
+      <p:ext uri="{BB962C8B-B14F-4D97-AF65-F5344CB8AC3E}">
+        <p14:creationId xmlns:p14="http://schemas.microsoft.com/office/powerpoint/2010/main" val="290709890"/>
+      </p:ext>
+    </p:extLst>
+  </p:cSld>
+  <p:clrMapOvr>
+    <a:masterClrMapping/>
+  </p:clrMapOvr>
+  <p:timing>
+    <p:tnLst>
+      <p:par>
+        <p:cTn id="1" dur="indefinite" restart="never" nodeType="tmRoot"/>
+      </p:par>
+    </p:tnLst>
+  </p:timing>
+</p:sld>
+</file>
+
+<file path=ppt/slides/slide6.xml><?xml version="1.0" encoding="utf-8"?>
+<p:sld xmlns:a="http://schemas.openxmlformats.org/drawingml/2006/main" xmlns:r="http://schemas.openxmlformats.org/officeDocument/2006/relationships" xmlns:p="http://schemas.openxmlformats.org/presentationml/2006/main">
+  <p:cSld>
+    <p:spTree>
+      <p:nvGrpSpPr>
+        <p:cNvPr id="1" name=""/>
+        <p:cNvGrpSpPr/>
+        <p:nvPr/>
+      </p:nvGrpSpPr>
+      <p:grpSpPr>
+        <a:xfrm>
+          <a:off x="0" y="0"/>
+          <a:ext cx="0" cy="0"/>
+          <a:chOff x="0" y="0"/>
+          <a:chExt cx="0" cy="0"/>
+        </a:xfrm>
+      </p:grpSpPr>
+      <p:sp>
+        <p:nvSpPr>
+          <p:cNvPr id="2" name="Obdélník 1"/>
+          <p:cNvSpPr/>
+          <p:nvPr/>
+        </p:nvSpPr>
+        <p:spPr>
+          <a:xfrm>
+            <a:off x="3661064" y="534040"/>
+            <a:ext cx="2447549" cy="800614"/>
+          </a:xfrm>
+          <a:prstGeom prst="rect">
+            <a:avLst/>
+          </a:prstGeom>
+          <a:effectLst>
+            <a:outerShdw blurRad="50800" dist="38100" dir="2700000" algn="tl" rotWithShape="0">
+              <a:prstClr val="black">
+                <a:alpha val="40000"/>
+              </a:prstClr>
+            </a:outerShdw>
+          </a:effectLst>
+        </p:spPr>
+        <p:style>
+          <a:lnRef idx="2">
+            <a:schemeClr val="accent2"/>
+          </a:lnRef>
+          <a:fillRef idx="1">
+            <a:schemeClr val="lt1"/>
+          </a:fillRef>
+          <a:effectRef idx="0">
+            <a:schemeClr val="accent2"/>
+          </a:effectRef>
+          <a:fontRef idx="minor">
+            <a:schemeClr val="dk1"/>
+          </a:fontRef>
+        </p:style>
+        <p:txBody>
+          <a:bodyPr rtlCol="0" anchor="ctr"/>
+          <a:lstStyle/>
+          <a:p>
+            <a:pPr algn="ctr"/>
+            <a:r>
+              <a:rPr lang="cs-CZ" sz="2400" dirty="0" smtClean="0"/>
+              <a:t>První snímek</a:t>
+            </a:r>
+            <a:endParaRPr lang="cs-CZ" sz="2400" dirty="0"/>
+          </a:p>
+        </p:txBody>
+      </p:sp>
+      <p:sp>
+        <p:nvSpPr>
+          <p:cNvPr id="4" name="Obdélník 3"/>
+          <p:cNvSpPr/>
+          <p:nvPr/>
+        </p:nvSpPr>
+        <p:spPr>
+          <a:xfrm>
+            <a:off x="6904181" y="534039"/>
+            <a:ext cx="2447552" cy="800614"/>
+          </a:xfrm>
+          <a:prstGeom prst="rect">
+            <a:avLst/>
+          </a:prstGeom>
+          <a:effectLst>
+            <a:outerShdw blurRad="50800" dist="38100" dir="2700000" algn="tl" rotWithShape="0">
+              <a:prstClr val="black">
+                <a:alpha val="40000"/>
+              </a:prstClr>
+            </a:outerShdw>
+          </a:effectLst>
+        </p:spPr>
+        <p:style>
+          <a:lnRef idx="2">
+            <a:schemeClr val="accent2"/>
+          </a:lnRef>
+          <a:fillRef idx="1">
+            <a:schemeClr val="lt1"/>
+          </a:fillRef>
+          <a:effectRef idx="0">
+            <a:schemeClr val="accent2"/>
+          </a:effectRef>
+          <a:fontRef idx="minor">
+            <a:schemeClr val="dk1"/>
+          </a:fontRef>
+        </p:style>
+        <p:txBody>
+          <a:bodyPr rtlCol="0" anchor="ctr"/>
+          <a:lstStyle/>
+          <a:p>
+            <a:pPr algn="ctr"/>
+            <a:r>
+              <a:rPr lang="cs-CZ" sz="2400" dirty="0" smtClean="0"/>
+              <a:t>Druhý snímek</a:t>
+            </a:r>
+            <a:endParaRPr lang="cs-CZ" sz="2400" dirty="0"/>
+          </a:p>
+        </p:txBody>
+      </p:sp>
+      <p:sp>
+        <p:nvSpPr>
+          <p:cNvPr id="5" name="Obdélník 4"/>
+          <p:cNvSpPr/>
+          <p:nvPr/>
+        </p:nvSpPr>
+        <p:spPr>
+          <a:xfrm>
+            <a:off x="5176983" y="2317068"/>
+            <a:ext cx="3022252" cy="924896"/>
+          </a:xfrm>
+          <a:prstGeom prst="rect">
+            <a:avLst/>
+          </a:prstGeom>
+          <a:effectLst>
+            <a:outerShdw blurRad="50800" dist="38100" dir="2700000" algn="tl" rotWithShape="0">
+              <a:prstClr val="black">
+                <a:alpha val="40000"/>
+              </a:prstClr>
+            </a:outerShdw>
+          </a:effectLst>
+        </p:spPr>
+        <p:style>
+          <a:lnRef idx="2">
+            <a:schemeClr val="accent2"/>
+          </a:lnRef>
+          <a:fillRef idx="1">
+            <a:schemeClr val="lt1"/>
+          </a:fillRef>
+          <a:effectRef idx="0">
+            <a:schemeClr val="accent2"/>
+          </a:effectRef>
+          <a:fontRef idx="minor">
+            <a:schemeClr val="dk1"/>
+          </a:fontRef>
+        </p:style>
+        <p:txBody>
+          <a:bodyPr rtlCol="0" anchor="ctr"/>
+          <a:lstStyle/>
+          <a:p>
+            <a:pPr algn="ctr"/>
+            <a:r>
+              <a:rPr lang="cs-CZ" sz="2400" dirty="0" smtClean="0"/>
+              <a:t>Odhad struktury</a:t>
+            </a:r>
+            <a:endParaRPr lang="cs-CZ" sz="2400" dirty="0"/>
+          </a:p>
+        </p:txBody>
+      </p:sp>
+      <p:sp>
+        <p:nvSpPr>
+          <p:cNvPr id="6" name="Obdélník 5"/>
+          <p:cNvSpPr/>
+          <p:nvPr/>
+        </p:nvSpPr>
+        <p:spPr>
+          <a:xfrm>
+            <a:off x="1149927" y="2115128"/>
+            <a:ext cx="2914073" cy="895928"/>
+          </a:xfrm>
+          <a:prstGeom prst="rect">
+            <a:avLst/>
+          </a:prstGeom>
+          <a:effectLst>
+            <a:outerShdw blurRad="50800" dist="38100" dir="2700000" algn="tl" rotWithShape="0">
+              <a:prstClr val="black">
+                <a:alpha val="40000"/>
+              </a:prstClr>
+            </a:outerShdw>
+          </a:effectLst>
+        </p:spPr>
+        <p:style>
+          <a:lnRef idx="2">
+            <a:schemeClr val="accent2"/>
+          </a:lnRef>
+          <a:fillRef idx="1">
+            <a:schemeClr val="lt1"/>
+          </a:fillRef>
+          <a:effectRef idx="0">
+            <a:schemeClr val="accent2"/>
+          </a:effectRef>
+          <a:fontRef idx="minor">
+            <a:schemeClr val="dk1"/>
+          </a:fontRef>
+        </p:style>
+        <p:txBody>
+          <a:bodyPr rtlCol="0" anchor="ctr"/>
+          <a:lstStyle/>
+          <a:p>
+            <a:pPr algn="ctr"/>
+            <a:r>
+              <a:rPr lang="cs-CZ" sz="2400" dirty="0" smtClean="0"/>
+              <a:t>Referenční snímek</a:t>
+            </a:r>
+            <a:endParaRPr lang="cs-CZ" sz="2400" dirty="0"/>
+          </a:p>
+        </p:txBody>
+      </p:sp>
+      <p:sp>
+        <p:nvSpPr>
+          <p:cNvPr id="7" name="Obdélník 6"/>
+          <p:cNvSpPr/>
+          <p:nvPr/>
+        </p:nvSpPr>
+        <p:spPr>
+          <a:xfrm>
+            <a:off x="1149926" y="3500454"/>
+            <a:ext cx="2914074" cy="1099256"/>
+          </a:xfrm>
+          <a:prstGeom prst="rect">
+            <a:avLst/>
+          </a:prstGeom>
+          <a:effectLst>
+            <a:outerShdw blurRad="50800" dist="38100" dir="2700000" algn="tl" rotWithShape="0">
+              <a:prstClr val="black">
+                <a:alpha val="40000"/>
+              </a:prstClr>
+            </a:outerShdw>
+          </a:effectLst>
+        </p:spPr>
+        <p:style>
+          <a:lnRef idx="2">
+            <a:schemeClr val="accent2"/>
+          </a:lnRef>
+          <a:fillRef idx="1">
+            <a:schemeClr val="lt1"/>
+          </a:fillRef>
+          <a:effectRef idx="0">
+            <a:schemeClr val="accent2"/>
+          </a:effectRef>
+          <a:fontRef idx="minor">
+            <a:schemeClr val="dk1"/>
+          </a:fontRef>
+        </p:style>
+        <p:txBody>
+          <a:bodyPr rtlCol="0" anchor="ctr"/>
+          <a:lstStyle/>
+          <a:p>
+            <a:pPr algn="ctr"/>
+            <a:r>
+              <a:rPr lang="cs-CZ" sz="2400" dirty="0" smtClean="0"/>
+              <a:t>Ohnisková vzdálenost</a:t>
+            </a:r>
+            <a:endParaRPr lang="cs-CZ" sz="2400" dirty="0"/>
+          </a:p>
+        </p:txBody>
+      </p:sp>
+      <p:sp>
+        <p:nvSpPr>
+          <p:cNvPr id="8" name="Obdélník 7"/>
+          <p:cNvSpPr/>
+          <p:nvPr/>
+        </p:nvSpPr>
+        <p:spPr>
+          <a:xfrm>
+            <a:off x="1149927" y="5113934"/>
+            <a:ext cx="2914073" cy="843459"/>
+          </a:xfrm>
+          <a:prstGeom prst="rect">
+            <a:avLst/>
+          </a:prstGeom>
+          <a:effectLst>
+            <a:outerShdw blurRad="50800" dist="38100" dir="2700000" algn="tl" rotWithShape="0">
+              <a:prstClr val="black">
+                <a:alpha val="40000"/>
+              </a:prstClr>
+            </a:outerShdw>
+          </a:effectLst>
+        </p:spPr>
+        <p:style>
+          <a:lnRef idx="2">
+            <a:schemeClr val="accent2"/>
+          </a:lnRef>
+          <a:fillRef idx="1">
+            <a:schemeClr val="lt1"/>
+          </a:fillRef>
+          <a:effectRef idx="0">
+            <a:schemeClr val="accent2"/>
+          </a:effectRef>
+          <a:fontRef idx="minor">
+            <a:schemeClr val="dk1"/>
+          </a:fontRef>
+        </p:style>
+        <p:txBody>
+          <a:bodyPr rtlCol="0" anchor="ctr"/>
+          <a:lstStyle/>
+          <a:p>
+            <a:pPr algn="ctr"/>
+            <a:r>
+              <a:rPr lang="cs-CZ" sz="2400" dirty="0" smtClean="0"/>
+              <a:t>Kalibrace</a:t>
+            </a:r>
+            <a:endParaRPr lang="cs-CZ" sz="2400" dirty="0"/>
+          </a:p>
+        </p:txBody>
+      </p:sp>
+      <p:cxnSp>
+        <p:nvCxnSpPr>
+          <p:cNvPr id="10" name="Přímá spojnice se šipkou 9"/>
+          <p:cNvCxnSpPr>
+            <a:stCxn id="2" idx="2"/>
+            <a:endCxn id="5" idx="0"/>
+          </p:cNvCxnSpPr>
+          <p:nvPr/>
+        </p:nvCxnSpPr>
+        <p:spPr>
+          <a:xfrm rot="16200000" flipH="1">
+            <a:off x="5295267" y="924226"/>
+            <a:ext cx="982414" cy="1803270"/>
+          </a:xfrm>
+          <a:prstGeom prst="bentConnector3">
+            <a:avLst>
+              <a:gd name="adj1" fmla="val 50000"/>
+            </a:avLst>
+          </a:prstGeom>
+          <a:ln>
+            <a:tailEnd type="triangle"/>
+          </a:ln>
+          <a:effectLst>
+            <a:outerShdw blurRad="50800" dist="38100" dir="2700000" algn="tl" rotWithShape="0">
+              <a:prstClr val="black">
+                <a:alpha val="40000"/>
+              </a:prstClr>
+            </a:outerShdw>
+          </a:effectLst>
+        </p:spPr>
+        <p:style>
+          <a:lnRef idx="2">
+            <a:schemeClr val="accent2"/>
+          </a:lnRef>
+          <a:fillRef idx="1">
+            <a:schemeClr val="lt1"/>
+          </a:fillRef>
+          <a:effectRef idx="0">
+            <a:schemeClr val="accent2"/>
+          </a:effectRef>
+          <a:fontRef idx="minor">
+            <a:schemeClr val="dk1"/>
+          </a:fontRef>
+        </p:style>
+      </p:cxnSp>
+      <p:cxnSp>
+        <p:nvCxnSpPr>
+          <p:cNvPr id="14" name="Přímá spojnice se šipkou 13"/>
+          <p:cNvCxnSpPr>
+            <a:stCxn id="4" idx="2"/>
+            <a:endCxn id="5" idx="0"/>
+          </p:cNvCxnSpPr>
+          <p:nvPr/>
+        </p:nvCxnSpPr>
+        <p:spPr>
+          <a:xfrm rot="5400000">
+            <a:off x="6916826" y="1105936"/>
+            <a:ext cx="982415" cy="1439848"/>
+          </a:xfrm>
+          <a:prstGeom prst="bentConnector3">
+            <a:avLst>
+              <a:gd name="adj1" fmla="val 50000"/>
+            </a:avLst>
+          </a:prstGeom>
+          <a:ln>
+            <a:tailEnd type="triangle"/>
+          </a:ln>
+          <a:effectLst>
+            <a:outerShdw blurRad="50800" dist="38100" dir="2700000" algn="tl" rotWithShape="0">
+              <a:prstClr val="black">
+                <a:alpha val="40000"/>
+              </a:prstClr>
+            </a:outerShdw>
+          </a:effectLst>
+        </p:spPr>
+        <p:style>
+          <a:lnRef idx="2">
+            <a:schemeClr val="accent2"/>
+          </a:lnRef>
+          <a:fillRef idx="1">
+            <a:schemeClr val="lt1"/>
+          </a:fillRef>
+          <a:effectRef idx="0">
+            <a:schemeClr val="accent2"/>
+          </a:effectRef>
+          <a:fontRef idx="minor">
+            <a:schemeClr val="dk1"/>
+          </a:fontRef>
+        </p:style>
+      </p:cxnSp>
+      <p:cxnSp>
+        <p:nvCxnSpPr>
+          <p:cNvPr id="19" name="Pravoúhlá spojnice 18"/>
+          <p:cNvCxnSpPr>
+            <a:stCxn id="6" idx="2"/>
+            <a:endCxn id="7" idx="0"/>
+          </p:cNvCxnSpPr>
+          <p:nvPr/>
+        </p:nvCxnSpPr>
+        <p:spPr>
+          <a:xfrm rot="5400000">
+            <a:off x="2362265" y="3255755"/>
+            <a:ext cx="489398" cy="1"/>
+          </a:xfrm>
+          <a:prstGeom prst="bentConnector3">
+            <a:avLst/>
+          </a:prstGeom>
+          <a:ln>
+            <a:tailEnd type="triangle"/>
+          </a:ln>
+          <a:effectLst>
+            <a:outerShdw blurRad="50800" dist="38100" dir="2700000" algn="tl" rotWithShape="0">
+              <a:prstClr val="black">
+                <a:alpha val="40000"/>
+              </a:prstClr>
+            </a:outerShdw>
+          </a:effectLst>
+        </p:spPr>
+        <p:style>
+          <a:lnRef idx="2">
+            <a:schemeClr val="accent2"/>
+          </a:lnRef>
+          <a:fillRef idx="1">
+            <a:schemeClr val="lt1"/>
+          </a:fillRef>
+          <a:effectRef idx="0">
+            <a:schemeClr val="accent2"/>
+          </a:effectRef>
+          <a:fontRef idx="minor">
+            <a:schemeClr val="dk1"/>
+          </a:fontRef>
+        </p:style>
+      </p:cxnSp>
+      <p:cxnSp>
+        <p:nvCxnSpPr>
+          <p:cNvPr id="21" name="Pravoúhlá spojnice 20"/>
+          <p:cNvCxnSpPr>
+            <a:stCxn id="5" idx="2"/>
+            <a:endCxn id="7" idx="3"/>
+          </p:cNvCxnSpPr>
+          <p:nvPr/>
+        </p:nvCxnSpPr>
+        <p:spPr>
+          <a:xfrm rot="5400000">
+            <a:off x="4971996" y="2333969"/>
+            <a:ext cx="808118" cy="2624109"/>
+          </a:xfrm>
+          <a:prstGeom prst="bentConnector2">
+            <a:avLst/>
+          </a:prstGeom>
+          <a:ln>
+            <a:tailEnd type="triangle"/>
+          </a:ln>
+          <a:effectLst>
+            <a:outerShdw blurRad="50800" dist="38100" dir="2700000" algn="tl" rotWithShape="0">
+              <a:prstClr val="black">
+                <a:alpha val="40000"/>
+              </a:prstClr>
+            </a:outerShdw>
+          </a:effectLst>
+        </p:spPr>
+        <p:style>
+          <a:lnRef idx="2">
+            <a:schemeClr val="accent2"/>
+          </a:lnRef>
+          <a:fillRef idx="1">
+            <a:schemeClr val="lt1"/>
+          </a:fillRef>
+          <a:effectRef idx="0">
+            <a:schemeClr val="accent2"/>
+          </a:effectRef>
+          <a:fontRef idx="minor">
+            <a:schemeClr val="dk1"/>
+          </a:fontRef>
+        </p:style>
+      </p:cxnSp>
+      <p:cxnSp>
+        <p:nvCxnSpPr>
+          <p:cNvPr id="24" name="Přímá spojnice se šipkou 23"/>
+          <p:cNvCxnSpPr>
+            <a:stCxn id="7" idx="2"/>
+            <a:endCxn id="8" idx="0"/>
+          </p:cNvCxnSpPr>
+          <p:nvPr/>
+        </p:nvCxnSpPr>
+        <p:spPr>
+          <a:xfrm>
+            <a:off x="2606963" y="4599710"/>
+            <a:ext cx="1" cy="514224"/>
+          </a:xfrm>
+          <a:prstGeom prst="straightConnector1">
+            <a:avLst/>
+          </a:prstGeom>
+          <a:ln>
+            <a:tailEnd type="triangle"/>
+          </a:ln>
+          <a:effectLst>
+            <a:outerShdw blurRad="50800" dist="38100" dir="2700000" algn="tl" rotWithShape="0">
+              <a:prstClr val="black">
+                <a:alpha val="40000"/>
+              </a:prstClr>
+            </a:outerShdw>
+          </a:effectLst>
+        </p:spPr>
+        <p:style>
+          <a:lnRef idx="2">
+            <a:schemeClr val="accent2"/>
+          </a:lnRef>
+          <a:fillRef idx="1">
+            <a:schemeClr val="lt1"/>
+          </a:fillRef>
+          <a:effectRef idx="0">
+            <a:schemeClr val="accent2"/>
+          </a:effectRef>
+          <a:fontRef idx="minor">
+            <a:schemeClr val="dk1"/>
+          </a:fontRef>
+        </p:style>
+      </p:cxnSp>
+    </p:spTree>
+    <p:extLst>
+      <p:ext uri="{BB962C8B-B14F-4D97-AF65-F5344CB8AC3E}">
+        <p14:creationId xmlns:p14="http://schemas.microsoft.com/office/powerpoint/2010/main" val="2966733355"/>
+      </p:ext>
+    </p:extLst>
+  </p:cSld>
+  <p:clrMapOvr>
+    <a:masterClrMapping/>
+  </p:clrMapOvr>
+  <p:timing>
+    <p:tnLst>
+      <p:par>
+        <p:cTn id="1" dur="indefinite" restart="never" nodeType="tmRoot"/>
+      </p:par>
+    </p:tnLst>
+  </p:timing>
+</p:sld>
+</file>
+
+<file path=ppt/slides/slide7.xml><?xml version="1.0" encoding="utf-8"?>
+<p:sld xmlns:a="http://schemas.openxmlformats.org/drawingml/2006/main" xmlns:r="http://schemas.openxmlformats.org/officeDocument/2006/relationships" xmlns:p="http://schemas.openxmlformats.org/presentationml/2006/main">
+  <p:cSld>
+    <p:spTree>
+      <p:nvGrpSpPr>
+        <p:cNvPr id="1" name=""/>
+        <p:cNvGrpSpPr/>
+        <p:nvPr/>
+      </p:nvGrpSpPr>
+      <p:grpSpPr>
+        <a:xfrm>
+          <a:off x="0" y="0"/>
+          <a:ext cx="0" cy="0"/>
+          <a:chOff x="0" y="0"/>
+          <a:chExt cx="0" cy="0"/>
+        </a:xfrm>
+      </p:grpSpPr>
+      <p:sp>
+        <p:nvSpPr>
+          <p:cNvPr id="8" name="Obdélník 7"/>
+          <p:cNvSpPr/>
+          <p:nvPr/>
+        </p:nvSpPr>
+        <p:spPr>
+          <a:xfrm>
+            <a:off x="735708" y="2395681"/>
+            <a:ext cx="2161309" cy="900550"/>
+          </a:xfrm>
+          <a:prstGeom prst="rect">
+            <a:avLst/>
+          </a:prstGeom>
+          <a:effectLst>
+            <a:outerShdw blurRad="50800" dist="38100" dir="2700000" algn="tl" rotWithShape="0">
+              <a:prstClr val="black">
+                <a:alpha val="40000"/>
+              </a:prstClr>
+            </a:outerShdw>
+          </a:effectLst>
+        </p:spPr>
+        <p:style>
+          <a:lnRef idx="2">
+            <a:schemeClr val="accent2"/>
+          </a:lnRef>
+          <a:fillRef idx="1">
+            <a:schemeClr val="lt1"/>
+          </a:fillRef>
+          <a:effectRef idx="0">
+            <a:schemeClr val="accent2"/>
+          </a:effectRef>
+          <a:fontRef idx="minor">
+            <a:schemeClr val="dk1"/>
+          </a:fontRef>
+        </p:style>
+        <p:txBody>
+          <a:bodyPr rtlCol="0" anchor="ctr"/>
+          <a:lstStyle/>
+          <a:p>
+            <a:pPr algn="ctr"/>
+            <a:r>
+              <a:rPr lang="cs-CZ" sz="2400" dirty="0" smtClean="0"/>
+              <a:t>První snímek</a:t>
+            </a:r>
+            <a:endParaRPr lang="cs-CZ" sz="2400" dirty="0"/>
+          </a:p>
+        </p:txBody>
+      </p:sp>
+      <p:sp>
+        <p:nvSpPr>
+          <p:cNvPr id="9" name="Obdélník 8"/>
+          <p:cNvSpPr/>
+          <p:nvPr/>
+        </p:nvSpPr>
+        <p:spPr>
+          <a:xfrm>
+            <a:off x="3524732" y="2395681"/>
+            <a:ext cx="2474321" cy="900550"/>
+          </a:xfrm>
+          <a:prstGeom prst="rect">
+            <a:avLst/>
+          </a:prstGeom>
+          <a:effectLst>
+            <a:outerShdw blurRad="50800" dist="38100" dir="2700000" algn="tl" rotWithShape="0">
+              <a:prstClr val="black">
+                <a:alpha val="40000"/>
+              </a:prstClr>
+            </a:outerShdw>
+          </a:effectLst>
+        </p:spPr>
+        <p:style>
+          <a:lnRef idx="2">
+            <a:schemeClr val="accent2"/>
+          </a:lnRef>
+          <a:fillRef idx="1">
+            <a:schemeClr val="lt1"/>
+          </a:fillRef>
+          <a:effectRef idx="0">
+            <a:schemeClr val="accent2"/>
+          </a:effectRef>
+          <a:fontRef idx="minor">
+            <a:schemeClr val="dk1"/>
+          </a:fontRef>
+        </p:style>
+        <p:txBody>
+          <a:bodyPr rtlCol="0" anchor="ctr"/>
+          <a:lstStyle/>
+          <a:p>
+            <a:pPr algn="ctr"/>
+            <a:r>
+              <a:rPr lang="cs-CZ" sz="2400" dirty="0" smtClean="0"/>
+              <a:t>Aktuální snímek</a:t>
+            </a:r>
+            <a:endParaRPr lang="cs-CZ" sz="2400" dirty="0"/>
+          </a:p>
+        </p:txBody>
+      </p:sp>
+      <p:sp>
+        <p:nvSpPr>
+          <p:cNvPr id="10" name="Obdélník 9"/>
+          <p:cNvSpPr/>
+          <p:nvPr/>
+        </p:nvSpPr>
+        <p:spPr>
+          <a:xfrm>
+            <a:off x="2032000" y="4012040"/>
+            <a:ext cx="2369727" cy="900550"/>
+          </a:xfrm>
+          <a:prstGeom prst="rect">
+            <a:avLst/>
+          </a:prstGeom>
+          <a:effectLst>
+            <a:outerShdw blurRad="50800" dist="38100" dir="2700000" algn="tl" rotWithShape="0">
+              <a:prstClr val="black">
+                <a:alpha val="40000"/>
+              </a:prstClr>
+            </a:outerShdw>
+          </a:effectLst>
+        </p:spPr>
+        <p:style>
+          <a:lnRef idx="2">
+            <a:schemeClr val="accent2"/>
+          </a:lnRef>
+          <a:fillRef idx="1">
+            <a:schemeClr val="lt1"/>
+          </a:fillRef>
+          <a:effectRef idx="0">
+            <a:schemeClr val="accent2"/>
+          </a:effectRef>
+          <a:fontRef idx="minor">
+            <a:schemeClr val="dk1"/>
+          </a:fontRef>
+        </p:style>
+        <p:txBody>
+          <a:bodyPr rtlCol="0" anchor="ctr"/>
+          <a:lstStyle/>
+          <a:p>
+            <a:pPr algn="ctr"/>
+            <a:r>
+              <a:rPr lang="cs-CZ" sz="2400" dirty="0" smtClean="0"/>
+              <a:t>SIFT, </a:t>
+            </a:r>
+            <a:r>
+              <a:rPr lang="cs-CZ" sz="2400" dirty="0" err="1" smtClean="0"/>
+              <a:t>Matcher</a:t>
+            </a:r>
+            <a:endParaRPr lang="cs-CZ" sz="2400" dirty="0"/>
+          </a:p>
+        </p:txBody>
+      </p:sp>
+      <p:sp>
+        <p:nvSpPr>
+          <p:cNvPr id="11" name="Obdélník 10"/>
+          <p:cNvSpPr/>
+          <p:nvPr/>
+        </p:nvSpPr>
+        <p:spPr>
+          <a:xfrm>
+            <a:off x="2190794" y="5385947"/>
+            <a:ext cx="2052137" cy="900550"/>
+          </a:xfrm>
+          <a:prstGeom prst="rect">
+            <a:avLst/>
+          </a:prstGeom>
+          <a:effectLst>
+            <a:outerShdw blurRad="50800" dist="38100" dir="2700000" algn="tl" rotWithShape="0">
+              <a:prstClr val="black">
+                <a:alpha val="40000"/>
+              </a:prstClr>
+            </a:outerShdw>
+          </a:effectLst>
+        </p:spPr>
+        <p:style>
+          <a:lnRef idx="2">
+            <a:schemeClr val="accent2"/>
+          </a:lnRef>
+          <a:fillRef idx="1">
+            <a:schemeClr val="lt1"/>
+          </a:fillRef>
+          <a:effectRef idx="0">
+            <a:schemeClr val="accent2"/>
+          </a:effectRef>
+          <a:fontRef idx="minor">
+            <a:schemeClr val="dk1"/>
+          </a:fontRef>
+        </p:style>
+        <p:txBody>
+          <a:bodyPr rtlCol="0" anchor="ctr"/>
+          <a:lstStyle/>
+          <a:p>
+            <a:pPr algn="ctr"/>
+            <a:r>
+              <a:rPr lang="cs-CZ" sz="2400" dirty="0" smtClean="0"/>
+              <a:t>RANSAC</a:t>
+            </a:r>
+            <a:endParaRPr lang="cs-CZ" sz="2400" dirty="0"/>
+          </a:p>
+        </p:txBody>
+      </p:sp>
+      <p:sp>
+        <p:nvSpPr>
+          <p:cNvPr id="13" name="Obdélník 12"/>
+          <p:cNvSpPr/>
+          <p:nvPr/>
+        </p:nvSpPr>
+        <p:spPr>
+          <a:xfrm>
+            <a:off x="231600" y="630372"/>
+            <a:ext cx="3175924" cy="870533"/>
+          </a:xfrm>
+          <a:prstGeom prst="rect">
+            <a:avLst/>
+          </a:prstGeom>
+          <a:effectLst>
+            <a:outerShdw blurRad="50800" dist="38100" dir="2700000" algn="tl" rotWithShape="0">
+              <a:prstClr val="black">
+                <a:alpha val="40000"/>
+              </a:prstClr>
+            </a:outerShdw>
+          </a:effectLst>
+        </p:spPr>
+        <p:style>
+          <a:lnRef idx="2">
+            <a:schemeClr val="accent2"/>
+          </a:lnRef>
+          <a:fillRef idx="1">
+            <a:schemeClr val="lt1"/>
+          </a:fillRef>
+          <a:effectRef idx="0">
+            <a:schemeClr val="accent2"/>
+          </a:effectRef>
+          <a:fontRef idx="minor">
+            <a:schemeClr val="dk1"/>
+          </a:fontRef>
+        </p:style>
+        <p:txBody>
+          <a:bodyPr rtlCol="0" anchor="ctr"/>
+          <a:lstStyle/>
+          <a:p>
+            <a:pPr algn="ctr"/>
+            <a:r>
+              <a:rPr lang="cs-CZ" sz="2400" dirty="0" smtClean="0"/>
+              <a:t>Referenční snímek</a:t>
+            </a:r>
+            <a:endParaRPr lang="cs-CZ" sz="2400" dirty="0"/>
+          </a:p>
+        </p:txBody>
+      </p:sp>
+      <p:sp>
+        <p:nvSpPr>
+          <p:cNvPr id="14" name="Obdélník 13"/>
+          <p:cNvSpPr/>
+          <p:nvPr/>
+        </p:nvSpPr>
+        <p:spPr>
+          <a:xfrm>
+            <a:off x="6156035" y="2401454"/>
+            <a:ext cx="3133172" cy="900550"/>
+          </a:xfrm>
+          <a:prstGeom prst="rect">
+            <a:avLst/>
+          </a:prstGeom>
+          <a:effectLst>
+            <a:outerShdw blurRad="50800" dist="38100" dir="2700000" algn="tl" rotWithShape="0">
+              <a:prstClr val="black">
+                <a:alpha val="40000"/>
+              </a:prstClr>
+            </a:outerShdw>
+          </a:effectLst>
+        </p:spPr>
+        <p:style>
+          <a:lnRef idx="2">
+            <a:schemeClr val="accent2"/>
+          </a:lnRef>
+          <a:fillRef idx="1">
+            <a:schemeClr val="lt1"/>
+          </a:fillRef>
+          <a:effectRef idx="0">
+            <a:schemeClr val="accent2"/>
+          </a:effectRef>
+          <a:fontRef idx="minor">
+            <a:schemeClr val="dk1"/>
+          </a:fontRef>
+        </p:style>
+        <p:txBody>
+          <a:bodyPr rtlCol="0" anchor="ctr"/>
+          <a:lstStyle/>
+          <a:p>
+            <a:pPr algn="ctr"/>
+            <a:r>
+              <a:rPr lang="cs-CZ" sz="2400" dirty="0" smtClean="0"/>
+              <a:t>5-points </a:t>
+            </a:r>
+            <a:r>
+              <a:rPr lang="cs-CZ" sz="2400" dirty="0" err="1" smtClean="0"/>
+              <a:t>algorithm</a:t>
+            </a:r>
+            <a:endParaRPr lang="cs-CZ" sz="2400" dirty="0"/>
+          </a:p>
+        </p:txBody>
+      </p:sp>
+      <p:sp>
+        <p:nvSpPr>
+          <p:cNvPr id="16" name="Obdélník 15"/>
+          <p:cNvSpPr/>
+          <p:nvPr/>
+        </p:nvSpPr>
+        <p:spPr>
+          <a:xfrm>
+            <a:off x="6696552" y="4012040"/>
+            <a:ext cx="2052137" cy="900550"/>
+          </a:xfrm>
+          <a:prstGeom prst="rect">
+            <a:avLst/>
+          </a:prstGeom>
+          <a:effectLst>
+            <a:outerShdw blurRad="50800" dist="38100" dir="2700000" algn="tl" rotWithShape="0">
+              <a:prstClr val="black">
+                <a:alpha val="40000"/>
+              </a:prstClr>
+            </a:outerShdw>
+          </a:effectLst>
+        </p:spPr>
+        <p:style>
+          <a:lnRef idx="2">
+            <a:schemeClr val="accent2"/>
+          </a:lnRef>
+          <a:fillRef idx="1">
+            <a:schemeClr val="lt1"/>
+          </a:fillRef>
+          <a:effectRef idx="0">
+            <a:schemeClr val="accent2"/>
+          </a:effectRef>
+          <a:fontRef idx="minor">
+            <a:schemeClr val="dk1"/>
+          </a:fontRef>
+        </p:style>
+        <p:txBody>
+          <a:bodyPr rtlCol="0" anchor="ctr"/>
+          <a:lstStyle/>
+          <a:p>
+            <a:pPr algn="ctr"/>
+            <a:r>
+              <a:rPr lang="cs-CZ" sz="2400" dirty="0" smtClean="0"/>
+              <a:t>KLT </a:t>
+            </a:r>
+            <a:r>
+              <a:rPr lang="cs-CZ" sz="2400" dirty="0" err="1" smtClean="0"/>
+              <a:t>tracker</a:t>
+            </a:r>
+            <a:endParaRPr lang="cs-CZ" sz="2400" dirty="0"/>
+          </a:p>
+        </p:txBody>
+      </p:sp>
+      <p:cxnSp>
+        <p:nvCxnSpPr>
+          <p:cNvPr id="18" name="Přímá spojnice se šipkou 17"/>
+          <p:cNvCxnSpPr>
+            <a:stCxn id="10" idx="2"/>
+            <a:endCxn id="11" idx="0"/>
+          </p:cNvCxnSpPr>
+          <p:nvPr/>
+        </p:nvCxnSpPr>
+        <p:spPr>
+          <a:xfrm flipH="1">
+            <a:off x="3216863" y="4912590"/>
+            <a:ext cx="1" cy="473357"/>
+          </a:xfrm>
+          <a:prstGeom prst="straightConnector1">
+            <a:avLst/>
+          </a:prstGeom>
+          <a:ln>
+            <a:tailEnd type="triangle"/>
+          </a:ln>
+          <a:effectLst>
+            <a:outerShdw blurRad="50800" dist="38100" dir="2700000" algn="tl" rotWithShape="0">
+              <a:prstClr val="black">
+                <a:alpha val="40000"/>
+              </a:prstClr>
+            </a:outerShdw>
+          </a:effectLst>
+        </p:spPr>
+        <p:style>
+          <a:lnRef idx="2">
+            <a:schemeClr val="accent2"/>
+          </a:lnRef>
+          <a:fillRef idx="1">
+            <a:schemeClr val="lt1"/>
+          </a:fillRef>
+          <a:effectRef idx="0">
+            <a:schemeClr val="accent2"/>
+          </a:effectRef>
+          <a:fontRef idx="minor">
+            <a:schemeClr val="dk1"/>
+          </a:fontRef>
+        </p:style>
+      </p:cxnSp>
+      <p:cxnSp>
+        <p:nvCxnSpPr>
+          <p:cNvPr id="20" name="Pravoúhlá spojnice 19"/>
+          <p:cNvCxnSpPr>
+            <a:stCxn id="11" idx="3"/>
+            <a:endCxn id="16" idx="2"/>
+          </p:cNvCxnSpPr>
+          <p:nvPr/>
+        </p:nvCxnSpPr>
+        <p:spPr>
+          <a:xfrm flipV="1">
+            <a:off x="4242931" y="4912590"/>
+            <a:ext cx="3479690" cy="923632"/>
+          </a:xfrm>
+          <a:prstGeom prst="bentConnector2">
+            <a:avLst/>
+          </a:prstGeom>
+          <a:ln>
+            <a:tailEnd type="triangle"/>
+          </a:ln>
+          <a:effectLst>
+            <a:outerShdw blurRad="50800" dist="38100" dir="2700000" algn="tl" rotWithShape="0">
+              <a:prstClr val="black">
+                <a:alpha val="40000"/>
+              </a:prstClr>
+            </a:outerShdw>
+          </a:effectLst>
+        </p:spPr>
+        <p:style>
+          <a:lnRef idx="2">
+            <a:schemeClr val="accent2"/>
+          </a:lnRef>
+          <a:fillRef idx="1">
+            <a:schemeClr val="lt1"/>
+          </a:fillRef>
+          <a:effectRef idx="0">
+            <a:schemeClr val="accent2"/>
+          </a:effectRef>
+          <a:fontRef idx="minor">
+            <a:schemeClr val="dk1"/>
+          </a:fontRef>
+        </p:style>
+      </p:cxnSp>
+      <p:cxnSp>
+        <p:nvCxnSpPr>
+          <p:cNvPr id="31" name="Pravoúhlá spojnice 30"/>
+          <p:cNvCxnSpPr>
+            <a:stCxn id="8" idx="2"/>
+            <a:endCxn id="10" idx="0"/>
+          </p:cNvCxnSpPr>
+          <p:nvPr/>
+        </p:nvCxnSpPr>
+        <p:spPr>
+          <a:xfrm rot="16200000" flipH="1">
+            <a:off x="2158709" y="2953884"/>
+            <a:ext cx="715809" cy="1400501"/>
+          </a:xfrm>
+          <a:prstGeom prst="bentConnector3">
+            <a:avLst/>
+          </a:prstGeom>
+          <a:ln>
+            <a:tailEnd type="triangle"/>
+          </a:ln>
+          <a:effectLst>
+            <a:outerShdw blurRad="50800" dist="38100" dir="2700000" algn="tl" rotWithShape="0">
+              <a:prstClr val="black">
+                <a:alpha val="40000"/>
+              </a:prstClr>
+            </a:outerShdw>
+          </a:effectLst>
+        </p:spPr>
+        <p:style>
+          <a:lnRef idx="2">
+            <a:schemeClr val="accent2"/>
+          </a:lnRef>
+          <a:fillRef idx="1">
+            <a:schemeClr val="lt1"/>
+          </a:fillRef>
+          <a:effectRef idx="0">
+            <a:schemeClr val="accent2"/>
+          </a:effectRef>
+          <a:fontRef idx="minor">
+            <a:schemeClr val="dk1"/>
+          </a:fontRef>
+        </p:style>
+      </p:cxnSp>
+      <p:cxnSp>
+        <p:nvCxnSpPr>
+          <p:cNvPr id="33" name="Pravoúhlá spojnice 32"/>
+          <p:cNvCxnSpPr>
+            <a:stCxn id="9" idx="2"/>
+            <a:endCxn id="10" idx="0"/>
+          </p:cNvCxnSpPr>
+          <p:nvPr/>
+        </p:nvCxnSpPr>
+        <p:spPr>
+          <a:xfrm rot="5400000">
+            <a:off x="3631475" y="2881621"/>
+            <a:ext cx="715809" cy="1545029"/>
+          </a:xfrm>
+          <a:prstGeom prst="bentConnector3">
+            <a:avLst/>
+          </a:prstGeom>
+          <a:ln>
+            <a:tailEnd type="triangle"/>
+          </a:ln>
+          <a:effectLst>
+            <a:outerShdw blurRad="50800" dist="38100" dir="2700000" algn="tl" rotWithShape="0">
+              <a:prstClr val="black">
+                <a:alpha val="40000"/>
+              </a:prstClr>
+            </a:outerShdw>
+          </a:effectLst>
+        </p:spPr>
+        <p:style>
+          <a:lnRef idx="2">
+            <a:schemeClr val="accent2"/>
+          </a:lnRef>
+          <a:fillRef idx="1">
+            <a:schemeClr val="lt1"/>
+          </a:fillRef>
+          <a:effectRef idx="0">
+            <a:schemeClr val="accent2"/>
+          </a:effectRef>
+          <a:fontRef idx="minor">
+            <a:schemeClr val="dk1"/>
+          </a:fontRef>
+        </p:style>
+      </p:cxnSp>
+      <p:cxnSp>
+        <p:nvCxnSpPr>
+          <p:cNvPr id="35" name="Pravoúhlá spojnice 34"/>
+          <p:cNvCxnSpPr>
+            <a:stCxn id="13" idx="2"/>
+            <a:endCxn id="8" idx="0"/>
+          </p:cNvCxnSpPr>
+          <p:nvPr/>
+        </p:nvCxnSpPr>
+        <p:spPr>
+          <a:xfrm rot="5400000">
+            <a:off x="1370575" y="1946694"/>
+            <a:ext cx="894776" cy="3199"/>
+          </a:xfrm>
+          <a:prstGeom prst="bentConnector3">
+            <a:avLst>
+              <a:gd name="adj1" fmla="val 50000"/>
+            </a:avLst>
+          </a:prstGeom>
+          <a:ln>
+            <a:tailEnd type="triangle"/>
+          </a:ln>
+          <a:effectLst>
+            <a:outerShdw blurRad="50800" dist="38100" dir="2700000" algn="tl" rotWithShape="0">
+              <a:prstClr val="black">
+                <a:alpha val="40000"/>
+              </a:prstClr>
+            </a:outerShdw>
+          </a:effectLst>
+        </p:spPr>
+        <p:style>
+          <a:lnRef idx="2">
+            <a:schemeClr val="accent2"/>
+          </a:lnRef>
+          <a:fillRef idx="1">
+            <a:schemeClr val="lt1"/>
+          </a:fillRef>
+          <a:effectRef idx="0">
+            <a:schemeClr val="accent2"/>
+          </a:effectRef>
+          <a:fontRef idx="minor">
+            <a:schemeClr val="dk1"/>
+          </a:fontRef>
+        </p:style>
+      </p:cxnSp>
+      <p:cxnSp>
+        <p:nvCxnSpPr>
+          <p:cNvPr id="84" name="Přímá spojnice se šipkou 83"/>
+          <p:cNvCxnSpPr>
+            <a:stCxn id="16" idx="0"/>
+            <a:endCxn id="14" idx="2"/>
+          </p:cNvCxnSpPr>
+          <p:nvPr/>
+        </p:nvCxnSpPr>
+        <p:spPr>
+          <a:xfrm flipV="1">
+            <a:off x="7722621" y="3302004"/>
+            <a:ext cx="0" cy="710036"/>
+          </a:xfrm>
+          <a:prstGeom prst="straightConnector1">
+            <a:avLst/>
+          </a:prstGeom>
+          <a:ln>
+            <a:tailEnd type="triangle"/>
+          </a:ln>
+          <a:effectLst>
+            <a:outerShdw blurRad="50800" dist="38100" dir="2700000" algn="tl" rotWithShape="0">
+              <a:prstClr val="black">
+                <a:alpha val="40000"/>
+              </a:prstClr>
+            </a:outerShdw>
+          </a:effectLst>
+        </p:spPr>
+        <p:style>
+          <a:lnRef idx="2">
+            <a:schemeClr val="accent2"/>
+          </a:lnRef>
+          <a:fillRef idx="1">
+            <a:schemeClr val="lt1"/>
+          </a:fillRef>
+          <a:effectRef idx="0">
+            <a:schemeClr val="accent2"/>
+          </a:effectRef>
+          <a:fontRef idx="minor">
+            <a:schemeClr val="dk1"/>
+          </a:fontRef>
+        </p:style>
+      </p:cxnSp>
+      <p:sp>
+        <p:nvSpPr>
+          <p:cNvPr id="86" name="Obdélník 85"/>
+          <p:cNvSpPr/>
+          <p:nvPr/>
+        </p:nvSpPr>
+        <p:spPr>
+          <a:xfrm>
+            <a:off x="6305669" y="1007336"/>
+            <a:ext cx="2833902" cy="825504"/>
+          </a:xfrm>
+          <a:prstGeom prst="rect">
+            <a:avLst/>
+          </a:prstGeom>
+          <a:effectLst>
+            <a:outerShdw blurRad="50800" dist="38100" dir="2700000" algn="tl" rotWithShape="0">
+              <a:prstClr val="black">
+                <a:alpha val="40000"/>
+              </a:prstClr>
+            </a:outerShdw>
+          </a:effectLst>
+        </p:spPr>
+        <p:style>
+          <a:lnRef idx="2">
+            <a:schemeClr val="accent2"/>
+          </a:lnRef>
+          <a:fillRef idx="1">
+            <a:schemeClr val="lt1"/>
+          </a:fillRef>
+          <a:effectRef idx="0">
+            <a:schemeClr val="accent2"/>
+          </a:effectRef>
+          <a:fontRef idx="minor">
+            <a:schemeClr val="dk1"/>
+          </a:fontRef>
+        </p:style>
+        <p:txBody>
+          <a:bodyPr rtlCol="0" anchor="ctr"/>
+          <a:lstStyle/>
+          <a:p>
+            <a:pPr algn="ctr"/>
+            <a:r>
+              <a:rPr lang="cs-CZ" sz="2400" dirty="0" smtClean="0"/>
+              <a:t>Navigace</a:t>
+            </a:r>
+            <a:endParaRPr lang="cs-CZ" sz="2400" dirty="0"/>
+          </a:p>
+        </p:txBody>
+      </p:sp>
+      <p:cxnSp>
+        <p:nvCxnSpPr>
+          <p:cNvPr id="88" name="Přímá spojnice se šipkou 87"/>
+          <p:cNvCxnSpPr>
+            <a:stCxn id="14" idx="0"/>
+            <a:endCxn id="86" idx="2"/>
+          </p:cNvCxnSpPr>
+          <p:nvPr/>
+        </p:nvCxnSpPr>
+        <p:spPr>
+          <a:xfrm flipH="1" flipV="1">
+            <a:off x="7722620" y="1832840"/>
+            <a:ext cx="1" cy="568614"/>
+          </a:xfrm>
+          <a:prstGeom prst="straightConnector1">
+            <a:avLst/>
+          </a:prstGeom>
+          <a:ln>
+            <a:tailEnd type="triangle"/>
+          </a:ln>
+          <a:effectLst>
+            <a:outerShdw blurRad="50800" dist="38100" dir="2700000" algn="tl" rotWithShape="0">
+              <a:prstClr val="black">
+                <a:alpha val="40000"/>
+              </a:prstClr>
+            </a:outerShdw>
+          </a:effectLst>
+        </p:spPr>
+        <p:style>
+          <a:lnRef idx="2">
+            <a:schemeClr val="accent2"/>
+          </a:lnRef>
+          <a:fillRef idx="1">
+            <a:schemeClr val="lt1"/>
+          </a:fillRef>
+          <a:effectRef idx="0">
+            <a:schemeClr val="accent2"/>
+          </a:effectRef>
+          <a:fontRef idx="minor">
+            <a:schemeClr val="dk1"/>
+          </a:fontRef>
+        </p:style>
+      </p:cxnSp>
+    </p:spTree>
+    <p:extLst>
+      <p:ext uri="{BB962C8B-B14F-4D97-AF65-F5344CB8AC3E}">
+        <p14:creationId xmlns:p14="http://schemas.microsoft.com/office/powerpoint/2010/main" val="2827031763"/>
+      </p:ext>
+    </p:extLst>
+  </p:cSld>
+  <p:clrMapOvr>
+    <a:masterClrMapping/>
+  </p:clrMapOvr>
+  <p:timing>
+    <p:tnLst>
+      <p:par>
+        <p:cTn id="1" dur="indefinite" restart="never" nodeType="tmRoot"/>
+      </p:par>
+    </p:tnLst>
+  </p:timing>
+</p:sld>
+</file>
+
+<file path=ppt/slides/slide8.xml><?xml version="1.0" encoding="utf-8"?>
+<p:sld xmlns:a="http://schemas.openxmlformats.org/drawingml/2006/main" xmlns:r="http://schemas.openxmlformats.org/officeDocument/2006/relationships" xmlns:p="http://schemas.openxmlformats.org/presentationml/2006/main" show="0">
+  <p:cSld>
+    <p:spTree>
+      <p:nvGrpSpPr>
+        <p:cNvPr id="1" name=""/>
+        <p:cNvGrpSpPr/>
+        <p:nvPr/>
+      </p:nvGrpSpPr>
+      <p:grpSpPr>
+        <a:xfrm>
+          <a:off x="0" y="0"/>
+          <a:ext cx="0" cy="0"/>
+          <a:chOff x="0" y="0"/>
+          <a:chExt cx="0" cy="0"/>
+        </a:xfrm>
+      </p:grpSpPr>
+      <p:pic>
+        <p:nvPicPr>
+          <p:cNvPr id="5" name="Zástupný symbol pro obsah 4"/>
+          <p:cNvPicPr>
+            <a:picLocks noGrp="1" noChangeAspect="1"/>
+          </p:cNvPicPr>
+          <p:nvPr>
+            <p:ph idx="1"/>
+          </p:nvPr>
+        </p:nvPicPr>
+        <p:blipFill>
+          <a:blip r:embed="rId2">
+            <a:extLst>
+              <a:ext uri="{28A0092B-C50C-407E-A947-70E740481C1C}">
+                <a14:useLocalDpi xmlns:a14="http://schemas.microsoft.com/office/drawing/2010/main" val="0"/>
+              </a:ext>
+            </a:extLst>
+          </a:blip>
+          <a:stretch>
+            <a:fillRect/>
+          </a:stretch>
+        </p:blipFill>
+        <p:spPr>
+          <a:xfrm>
+            <a:off x="499749" y="147061"/>
+            <a:ext cx="7129487" cy="6384488"/>
+          </a:xfrm>
+        </p:spPr>
+      </p:pic>
+    </p:spTree>
+    <p:extLst>
+      <p:ext uri="{BB962C8B-B14F-4D97-AF65-F5344CB8AC3E}">
+        <p14:creationId xmlns:p14="http://schemas.microsoft.com/office/powerpoint/2010/main" val="292424517"/>
+      </p:ext>
+    </p:extLst>
+  </p:cSld>
+  <p:clrMapOvr>
+    <a:masterClrMapping/>
+  </p:clrMapOvr>
+  <mc:AlternateContent xmlns:mc="http://schemas.openxmlformats.org/markup-compatibility/2006">
+    <mc:Choice xmlns:p14="http://schemas.microsoft.com/office/powerpoint/2010/main" Requires="p14">
+      <p:transition spd="slow" p14:dur="2000"/>
+    </mc:Choice>
+    <mc:Fallback>
+      <p:transition spd="slow"/>
+    </mc:Fallback>
+  </mc:AlternateContent>
+  <p:timing>
+    <p:tnLst>
+      <p:par>
+        <p:cTn id="1" dur="indefinite" restart="never" nodeType="tmRoot"/>
+      </p:par>
+    </p:tnLst>
+  </p:timing>
+</p:sld>
+</file>
+
+<file path=ppt/slides/slide9.xml><?xml version="1.0" encoding="utf-8"?>
+<p:sld xmlns:a="http://schemas.openxmlformats.org/drawingml/2006/main" xmlns:r="http://schemas.openxmlformats.org/officeDocument/2006/relationships" xmlns:p="http://schemas.openxmlformats.org/presentationml/2006/main" show="0">
+  <p:cSld>
+    <p:spTree>
+      <p:nvGrpSpPr>
+        <p:cNvPr id="1" name=""/>
+        <p:cNvGrpSpPr/>
+        <p:nvPr/>
+      </p:nvGrpSpPr>
+      <p:grpSpPr>
+        <a:xfrm>
+          <a:off x="0" y="0"/>
+          <a:ext cx="0" cy="0"/>
+          <a:chOff x="0" y="0"/>
+          <a:chExt cx="0" cy="0"/>
+        </a:xfrm>
+      </p:grpSpPr>
+      <p:pic>
+        <p:nvPicPr>
+          <p:cNvPr id="10" name="Zástupný symbol pro obsah 9"/>
+          <p:cNvPicPr>
+            <a:picLocks noGrp="1" noChangeAspect="1"/>
+          </p:cNvPicPr>
+          <p:nvPr>
+            <p:ph idx="1"/>
+          </p:nvPr>
+        </p:nvPicPr>
+        <p:blipFill>
+          <a:blip r:embed="rId2">
+            <a:extLst>
+              <a:ext uri="{28A0092B-C50C-407E-A947-70E740481C1C}">
+                <a14:useLocalDpi xmlns:a14="http://schemas.microsoft.com/office/drawing/2010/main" val="0"/>
+              </a:ext>
+            </a:extLst>
+          </a:blip>
+          <a:stretch>
+            <a:fillRect/>
+          </a:stretch>
+        </p:blipFill>
+        <p:spPr>
+          <a:xfrm>
+            <a:off x="1505526" y="101599"/>
+            <a:ext cx="5828145" cy="6585527"/>
+          </a:xfrm>
+        </p:spPr>
+      </p:pic>
+    </p:spTree>
+    <p:extLst>
+      <p:ext uri="{BB962C8B-B14F-4D97-AF65-F5344CB8AC3E}">
+        <p14:creationId xmlns:p14="http://schemas.microsoft.com/office/powerpoint/2010/main" val="264051406"/>
+      </p:ext>
+    </p:extLst>
+  </p:cSld>
+  <p:clrMapOvr>
+    <a:masterClrMapping/>
+  </p:clrMapOvr>
+  <mc:AlternateContent xmlns:mc="http://schemas.openxmlformats.org/markup-compatibility/2006">
+    <mc:Choice xmlns:p14="http://schemas.microsoft.com/office/powerpoint/2010/main" Requires="p14">
+      <p:transition spd="slow" p14:dur="2000"/>
+    </mc:Choice>
+    <mc:Fallback>
+      <p:transition spd="slow"/>
+    </mc:Fallback>
+  </mc:AlternateContent>
   <p:timing>
     <p:tnLst>
       <p:par>

--- a/doc/ISP_prezentace.pptx
+++ b/doc/ISP_prezentace.pptx
@@ -6,12 +6,12 @@
   </p:sldMasterIdLst>
   <p:sldIdLst>
     <p:sldId id="256" r:id="rId2"/>
-    <p:sldId id="257" r:id="rId3"/>
-    <p:sldId id="260" r:id="rId4"/>
-    <p:sldId id="261" r:id="rId5"/>
-    <p:sldId id="262" r:id="rId6"/>
-    <p:sldId id="264" r:id="rId7"/>
-    <p:sldId id="263" r:id="rId8"/>
+    <p:sldId id="261" r:id="rId3"/>
+    <p:sldId id="262" r:id="rId4"/>
+    <p:sldId id="264" r:id="rId5"/>
+    <p:sldId id="263" r:id="rId6"/>
+    <p:sldId id="265" r:id="rId7"/>
+    <p:sldId id="266" r:id="rId8"/>
     <p:sldId id="258" r:id="rId9"/>
     <p:sldId id="259" r:id="rId10"/>
   </p:sldIdLst>
@@ -1615,334 +1615,6 @@
 </file>
 
 <file path=ppt/diagrams/data1.xml><?xml version="1.0" encoding="utf-8"?>
-<dgm:dataModel xmlns:dgm="http://schemas.openxmlformats.org/drawingml/2006/diagram" xmlns:a="http://schemas.openxmlformats.org/drawingml/2006/main">
-  <dgm:ptLst>
-    <dgm:pt modelId="{14827203-6BE6-4BBB-8320-CC4B07F40113}" type="doc">
-      <dgm:prSet loTypeId="urn:microsoft.com/office/officeart/2005/8/layout/process5" loCatId="process" qsTypeId="urn:microsoft.com/office/officeart/2005/8/quickstyle/simple3" qsCatId="simple" csTypeId="urn:microsoft.com/office/officeart/2005/8/colors/accent1_2" csCatId="accent1" phldr="1"/>
-      <dgm:spPr/>
-    </dgm:pt>
-    <dgm:pt modelId="{0596724B-743B-4D58-926D-7118CAF1D626}">
-      <dgm:prSet phldrT="[Text]"/>
-      <dgm:spPr/>
-      <dgm:t>
-        <a:bodyPr/>
-        <a:lstStyle/>
-        <a:p>
-          <a:r>
-            <a:rPr lang="cs-CZ" dirty="0" smtClean="0"/>
-            <a:t>Vytvořit dva snímky</a:t>
-          </a:r>
-          <a:endParaRPr lang="cs-CZ" dirty="0"/>
-        </a:p>
-      </dgm:t>
-    </dgm:pt>
-    <dgm:pt modelId="{77D3D969-751D-458F-AD09-471086B1DB59}" type="parTrans" cxnId="{81C13C3E-974F-45E4-B73E-43B8B0B992C0}">
-      <dgm:prSet/>
-      <dgm:spPr/>
-      <dgm:t>
-        <a:bodyPr/>
-        <a:lstStyle/>
-        <a:p>
-          <a:endParaRPr lang="cs-CZ"/>
-        </a:p>
-      </dgm:t>
-    </dgm:pt>
-    <dgm:pt modelId="{E8F3EE46-9837-4250-AB3F-07E8E51C2B97}" type="sibTrans" cxnId="{81C13C3E-974F-45E4-B73E-43B8B0B992C0}">
-      <dgm:prSet/>
-      <dgm:spPr/>
-      <dgm:t>
-        <a:bodyPr/>
-        <a:lstStyle/>
-        <a:p>
-          <a:endParaRPr lang="cs-CZ"/>
-        </a:p>
-      </dgm:t>
-    </dgm:pt>
-    <dgm:pt modelId="{ACCD8169-4818-4247-86B1-1DF501E9633E}">
-      <dgm:prSet phldrT="[Text]"/>
-      <dgm:spPr/>
-      <dgm:t>
-        <a:bodyPr/>
-        <a:lstStyle/>
-        <a:p>
-          <a:r>
-            <a:rPr lang="cs-CZ" dirty="0" smtClean="0"/>
-            <a:t>Korespondenční body</a:t>
-          </a:r>
-          <a:endParaRPr lang="cs-CZ" dirty="0"/>
-        </a:p>
-      </dgm:t>
-    </dgm:pt>
-    <dgm:pt modelId="{0EE13D44-FDCA-4A11-8DDF-2A9F27577C10}" type="parTrans" cxnId="{F68465A8-4B2E-4F2E-BABD-905F3DDD47D5}">
-      <dgm:prSet/>
-      <dgm:spPr/>
-      <dgm:t>
-        <a:bodyPr/>
-        <a:lstStyle/>
-        <a:p>
-          <a:endParaRPr lang="cs-CZ"/>
-        </a:p>
-      </dgm:t>
-    </dgm:pt>
-    <dgm:pt modelId="{E88C9672-0838-4454-ABF2-8B0D41826FB2}" type="sibTrans" cxnId="{F68465A8-4B2E-4F2E-BABD-905F3DDD47D5}">
-      <dgm:prSet/>
-      <dgm:spPr/>
-      <dgm:t>
-        <a:bodyPr/>
-        <a:lstStyle/>
-        <a:p>
-          <a:endParaRPr lang="cs-CZ"/>
-        </a:p>
-      </dgm:t>
-    </dgm:pt>
-    <dgm:pt modelId="{5B175873-2E2C-4536-89CA-98EBEF86699F}">
-      <dgm:prSet phldrT="[Text]"/>
-      <dgm:spPr/>
-      <dgm:t>
-        <a:bodyPr/>
-        <a:lstStyle/>
-        <a:p>
-          <a:r>
-            <a:rPr lang="cs-CZ" smtClean="0"/>
-            <a:t>Navigace</a:t>
-          </a:r>
-          <a:endParaRPr lang="cs-CZ" dirty="0"/>
-        </a:p>
-      </dgm:t>
-    </dgm:pt>
-    <dgm:pt modelId="{030D8D9E-38B4-400B-BDCA-DCA6BAD284DA}" type="parTrans" cxnId="{15D69421-2298-4BC6-B979-E68F9385E239}">
-      <dgm:prSet/>
-      <dgm:spPr/>
-      <dgm:t>
-        <a:bodyPr/>
-        <a:lstStyle/>
-        <a:p>
-          <a:endParaRPr lang="cs-CZ"/>
-        </a:p>
-      </dgm:t>
-    </dgm:pt>
-    <dgm:pt modelId="{7121CBF9-202B-4035-B513-0A4743F6A5E5}" type="sibTrans" cxnId="{15D69421-2298-4BC6-B979-E68F9385E239}">
-      <dgm:prSet/>
-      <dgm:spPr/>
-      <dgm:t>
-        <a:bodyPr/>
-        <a:lstStyle/>
-        <a:p>
-          <a:endParaRPr lang="cs-CZ"/>
-        </a:p>
-      </dgm:t>
-    </dgm:pt>
-    <dgm:pt modelId="{E3300FDB-8AF6-4936-940D-7AF65F360A62}">
-      <dgm:prSet phldrT="[Text]"/>
-      <dgm:spPr/>
-      <dgm:t>
-        <a:bodyPr/>
-        <a:lstStyle/>
-        <a:p>
-          <a:r>
-            <a:rPr lang="cs-CZ" smtClean="0"/>
-            <a:t>Pořízení snímku</a:t>
-          </a:r>
-          <a:endParaRPr lang="cs-CZ" dirty="0"/>
-        </a:p>
-      </dgm:t>
-    </dgm:pt>
-    <dgm:pt modelId="{3E958E05-6BE0-4CD1-8E48-A559C8C2C2C7}" type="parTrans" cxnId="{05B7CC0D-6308-4B81-828F-7521EC05D88F}">
-      <dgm:prSet/>
-      <dgm:spPr/>
-      <dgm:t>
-        <a:bodyPr/>
-        <a:lstStyle/>
-        <a:p>
-          <a:endParaRPr lang="cs-CZ"/>
-        </a:p>
-      </dgm:t>
-    </dgm:pt>
-    <dgm:pt modelId="{47848C98-7423-4FF9-A8DD-BE9FC50D3B05}" type="sibTrans" cxnId="{05B7CC0D-6308-4B81-828F-7521EC05D88F}">
-      <dgm:prSet/>
-      <dgm:spPr/>
-      <dgm:t>
-        <a:bodyPr/>
-        <a:lstStyle/>
-        <a:p>
-          <a:endParaRPr lang="cs-CZ"/>
-        </a:p>
-      </dgm:t>
-    </dgm:pt>
-    <dgm:pt modelId="{BB1E852B-B42F-4500-8683-287617D29D50}" type="pres">
-      <dgm:prSet presAssocID="{14827203-6BE6-4BBB-8320-CC4B07F40113}" presName="diagram" presStyleCnt="0">
-        <dgm:presLayoutVars>
-          <dgm:dir/>
-          <dgm:resizeHandles val="exact"/>
-        </dgm:presLayoutVars>
-      </dgm:prSet>
-      <dgm:spPr/>
-    </dgm:pt>
-    <dgm:pt modelId="{3CE91F69-CCCA-4F0D-BD80-6C053D25F7FF}" type="pres">
-      <dgm:prSet presAssocID="{0596724B-743B-4D58-926D-7118CAF1D626}" presName="node" presStyleLbl="node1" presStyleIdx="0" presStyleCnt="4">
-        <dgm:presLayoutVars>
-          <dgm:bulletEnabled val="1"/>
-        </dgm:presLayoutVars>
-      </dgm:prSet>
-      <dgm:spPr/>
-      <dgm:t>
-        <a:bodyPr/>
-        <a:lstStyle/>
-        <a:p>
-          <a:endParaRPr lang="cs-CZ"/>
-        </a:p>
-      </dgm:t>
-    </dgm:pt>
-    <dgm:pt modelId="{40D9F68F-4BB4-4BDE-9A63-FDCB0DECDEA1}" type="pres">
-      <dgm:prSet presAssocID="{E8F3EE46-9837-4250-AB3F-07E8E51C2B97}" presName="sibTrans" presStyleLbl="sibTrans2D1" presStyleIdx="0" presStyleCnt="3"/>
-      <dgm:spPr/>
-      <dgm:t>
-        <a:bodyPr/>
-        <a:lstStyle/>
-        <a:p>
-          <a:endParaRPr lang="cs-CZ"/>
-        </a:p>
-      </dgm:t>
-    </dgm:pt>
-    <dgm:pt modelId="{2630FA7B-3AD8-4508-AF95-4243608CBA1C}" type="pres">
-      <dgm:prSet presAssocID="{E8F3EE46-9837-4250-AB3F-07E8E51C2B97}" presName="connectorText" presStyleLbl="sibTrans2D1" presStyleIdx="0" presStyleCnt="3"/>
-      <dgm:spPr/>
-      <dgm:t>
-        <a:bodyPr/>
-        <a:lstStyle/>
-        <a:p>
-          <a:endParaRPr lang="cs-CZ"/>
-        </a:p>
-      </dgm:t>
-    </dgm:pt>
-    <dgm:pt modelId="{CDA88B6E-100C-495D-BFB1-A8A131957869}" type="pres">
-      <dgm:prSet presAssocID="{ACCD8169-4818-4247-86B1-1DF501E9633E}" presName="node" presStyleLbl="node1" presStyleIdx="1" presStyleCnt="4">
-        <dgm:presLayoutVars>
-          <dgm:bulletEnabled val="1"/>
-        </dgm:presLayoutVars>
-      </dgm:prSet>
-      <dgm:spPr/>
-      <dgm:t>
-        <a:bodyPr/>
-        <a:lstStyle/>
-        <a:p>
-          <a:endParaRPr lang="cs-CZ"/>
-        </a:p>
-      </dgm:t>
-    </dgm:pt>
-    <dgm:pt modelId="{582ED37A-81FA-4DCE-9E79-2519487CB4A5}" type="pres">
-      <dgm:prSet presAssocID="{E88C9672-0838-4454-ABF2-8B0D41826FB2}" presName="sibTrans" presStyleLbl="sibTrans2D1" presStyleIdx="1" presStyleCnt="3"/>
-      <dgm:spPr/>
-      <dgm:t>
-        <a:bodyPr/>
-        <a:lstStyle/>
-        <a:p>
-          <a:endParaRPr lang="cs-CZ"/>
-        </a:p>
-      </dgm:t>
-    </dgm:pt>
-    <dgm:pt modelId="{1A251DF1-7E17-4BB5-9C9E-C12D48354754}" type="pres">
-      <dgm:prSet presAssocID="{E88C9672-0838-4454-ABF2-8B0D41826FB2}" presName="connectorText" presStyleLbl="sibTrans2D1" presStyleIdx="1" presStyleCnt="3"/>
-      <dgm:spPr/>
-      <dgm:t>
-        <a:bodyPr/>
-        <a:lstStyle/>
-        <a:p>
-          <a:endParaRPr lang="cs-CZ"/>
-        </a:p>
-      </dgm:t>
-    </dgm:pt>
-    <dgm:pt modelId="{1E239C66-EEC4-40AE-9182-DC3E09152E49}" type="pres">
-      <dgm:prSet presAssocID="{5B175873-2E2C-4536-89CA-98EBEF86699F}" presName="node" presStyleLbl="node1" presStyleIdx="2" presStyleCnt="4">
-        <dgm:presLayoutVars>
-          <dgm:bulletEnabled val="1"/>
-        </dgm:presLayoutVars>
-      </dgm:prSet>
-      <dgm:spPr/>
-      <dgm:t>
-        <a:bodyPr/>
-        <a:lstStyle/>
-        <a:p>
-          <a:endParaRPr lang="cs-CZ"/>
-        </a:p>
-      </dgm:t>
-    </dgm:pt>
-    <dgm:pt modelId="{E2E820BD-B1AC-4943-9A0D-BD7DCF9CF986}" type="pres">
-      <dgm:prSet presAssocID="{7121CBF9-202B-4035-B513-0A4743F6A5E5}" presName="sibTrans" presStyleLbl="sibTrans2D1" presStyleIdx="2" presStyleCnt="3"/>
-      <dgm:spPr/>
-      <dgm:t>
-        <a:bodyPr/>
-        <a:lstStyle/>
-        <a:p>
-          <a:endParaRPr lang="cs-CZ"/>
-        </a:p>
-      </dgm:t>
-    </dgm:pt>
-    <dgm:pt modelId="{1BAED8B9-3BF2-427C-BD55-0BACEDEF65F4}" type="pres">
-      <dgm:prSet presAssocID="{7121CBF9-202B-4035-B513-0A4743F6A5E5}" presName="connectorText" presStyleLbl="sibTrans2D1" presStyleIdx="2" presStyleCnt="3"/>
-      <dgm:spPr/>
-      <dgm:t>
-        <a:bodyPr/>
-        <a:lstStyle/>
-        <a:p>
-          <a:endParaRPr lang="cs-CZ"/>
-        </a:p>
-      </dgm:t>
-    </dgm:pt>
-    <dgm:pt modelId="{00821F2B-8EDF-459D-81D8-16669CEC700D}" type="pres">
-      <dgm:prSet presAssocID="{E3300FDB-8AF6-4936-940D-7AF65F360A62}" presName="node" presStyleLbl="node1" presStyleIdx="3" presStyleCnt="4">
-        <dgm:presLayoutVars>
-          <dgm:bulletEnabled val="1"/>
-        </dgm:presLayoutVars>
-      </dgm:prSet>
-      <dgm:spPr/>
-      <dgm:t>
-        <a:bodyPr/>
-        <a:lstStyle/>
-        <a:p>
-          <a:endParaRPr lang="cs-CZ"/>
-        </a:p>
-      </dgm:t>
-    </dgm:pt>
-  </dgm:ptLst>
-  <dgm:cxnLst>
-    <dgm:cxn modelId="{B1332883-8A16-4E1C-9CDE-7C478FFD24FA}" type="presOf" srcId="{5B175873-2E2C-4536-89CA-98EBEF86699F}" destId="{1E239C66-EEC4-40AE-9182-DC3E09152E49}" srcOrd="0" destOrd="0" presId="urn:microsoft.com/office/officeart/2005/8/layout/process5"/>
-    <dgm:cxn modelId="{300EDF35-F232-4CC4-91D0-5CBBA7960FF2}" type="presOf" srcId="{ACCD8169-4818-4247-86B1-1DF501E9633E}" destId="{CDA88B6E-100C-495D-BFB1-A8A131957869}" srcOrd="0" destOrd="0" presId="urn:microsoft.com/office/officeart/2005/8/layout/process5"/>
-    <dgm:cxn modelId="{E50D30A7-8518-4020-B6B8-18CCA73D8FD8}" type="presOf" srcId="{E3300FDB-8AF6-4936-940D-7AF65F360A62}" destId="{00821F2B-8EDF-459D-81D8-16669CEC700D}" srcOrd="0" destOrd="0" presId="urn:microsoft.com/office/officeart/2005/8/layout/process5"/>
-    <dgm:cxn modelId="{8B1F75D0-3597-46DB-BF58-10E672AB1822}" type="presOf" srcId="{7121CBF9-202B-4035-B513-0A4743F6A5E5}" destId="{E2E820BD-B1AC-4943-9A0D-BD7DCF9CF986}" srcOrd="0" destOrd="0" presId="urn:microsoft.com/office/officeart/2005/8/layout/process5"/>
-    <dgm:cxn modelId="{8CA85EE2-5D03-48A0-899D-08B9FCB264D1}" type="presOf" srcId="{E88C9672-0838-4454-ABF2-8B0D41826FB2}" destId="{582ED37A-81FA-4DCE-9E79-2519487CB4A5}" srcOrd="0" destOrd="0" presId="urn:microsoft.com/office/officeart/2005/8/layout/process5"/>
-    <dgm:cxn modelId="{81C13C3E-974F-45E4-B73E-43B8B0B992C0}" srcId="{14827203-6BE6-4BBB-8320-CC4B07F40113}" destId="{0596724B-743B-4D58-926D-7118CAF1D626}" srcOrd="0" destOrd="0" parTransId="{77D3D969-751D-458F-AD09-471086B1DB59}" sibTransId="{E8F3EE46-9837-4250-AB3F-07E8E51C2B97}"/>
-    <dgm:cxn modelId="{E0079318-70E4-4ED9-8C3F-91CB849F603E}" type="presOf" srcId="{14827203-6BE6-4BBB-8320-CC4B07F40113}" destId="{BB1E852B-B42F-4500-8683-287617D29D50}" srcOrd="0" destOrd="0" presId="urn:microsoft.com/office/officeart/2005/8/layout/process5"/>
-    <dgm:cxn modelId="{A7E75000-0230-492F-930A-C631FCC244EF}" type="presOf" srcId="{0596724B-743B-4D58-926D-7118CAF1D626}" destId="{3CE91F69-CCCA-4F0D-BD80-6C053D25F7FF}" srcOrd="0" destOrd="0" presId="urn:microsoft.com/office/officeart/2005/8/layout/process5"/>
-    <dgm:cxn modelId="{37B7D7FE-6AED-4B81-B4EC-BA95A1602A68}" type="presOf" srcId="{7121CBF9-202B-4035-B513-0A4743F6A5E5}" destId="{1BAED8B9-3BF2-427C-BD55-0BACEDEF65F4}" srcOrd="1" destOrd="0" presId="urn:microsoft.com/office/officeart/2005/8/layout/process5"/>
-    <dgm:cxn modelId="{F68465A8-4B2E-4F2E-BABD-905F3DDD47D5}" srcId="{14827203-6BE6-4BBB-8320-CC4B07F40113}" destId="{ACCD8169-4818-4247-86B1-1DF501E9633E}" srcOrd="1" destOrd="0" parTransId="{0EE13D44-FDCA-4A11-8DDF-2A9F27577C10}" sibTransId="{E88C9672-0838-4454-ABF2-8B0D41826FB2}"/>
-    <dgm:cxn modelId="{7CFFFBD0-8328-4273-B045-73CEB727F9F3}" type="presOf" srcId="{E8F3EE46-9837-4250-AB3F-07E8E51C2B97}" destId="{2630FA7B-3AD8-4508-AF95-4243608CBA1C}" srcOrd="1" destOrd="0" presId="urn:microsoft.com/office/officeart/2005/8/layout/process5"/>
-    <dgm:cxn modelId="{15D69421-2298-4BC6-B979-E68F9385E239}" srcId="{14827203-6BE6-4BBB-8320-CC4B07F40113}" destId="{5B175873-2E2C-4536-89CA-98EBEF86699F}" srcOrd="2" destOrd="0" parTransId="{030D8D9E-38B4-400B-BDCA-DCA6BAD284DA}" sibTransId="{7121CBF9-202B-4035-B513-0A4743F6A5E5}"/>
-    <dgm:cxn modelId="{05B7CC0D-6308-4B81-828F-7521EC05D88F}" srcId="{14827203-6BE6-4BBB-8320-CC4B07F40113}" destId="{E3300FDB-8AF6-4936-940D-7AF65F360A62}" srcOrd="3" destOrd="0" parTransId="{3E958E05-6BE0-4CD1-8E48-A559C8C2C2C7}" sibTransId="{47848C98-7423-4FF9-A8DD-BE9FC50D3B05}"/>
-    <dgm:cxn modelId="{9A22A4D8-148A-430C-A453-B57364A8E036}" type="presOf" srcId="{E88C9672-0838-4454-ABF2-8B0D41826FB2}" destId="{1A251DF1-7E17-4BB5-9C9E-C12D48354754}" srcOrd="1" destOrd="0" presId="urn:microsoft.com/office/officeart/2005/8/layout/process5"/>
-    <dgm:cxn modelId="{70A3365A-6FB7-4B98-81D5-E694F2602A2A}" type="presOf" srcId="{E8F3EE46-9837-4250-AB3F-07E8E51C2B97}" destId="{40D9F68F-4BB4-4BDE-9A63-FDCB0DECDEA1}" srcOrd="0" destOrd="0" presId="urn:microsoft.com/office/officeart/2005/8/layout/process5"/>
-    <dgm:cxn modelId="{0681FAB2-D2DB-489B-A248-59CD2C1E5413}" type="presParOf" srcId="{BB1E852B-B42F-4500-8683-287617D29D50}" destId="{3CE91F69-CCCA-4F0D-BD80-6C053D25F7FF}" srcOrd="0" destOrd="0" presId="urn:microsoft.com/office/officeart/2005/8/layout/process5"/>
-    <dgm:cxn modelId="{20AE861E-3A4A-45E7-9D8C-24824559D5E0}" type="presParOf" srcId="{BB1E852B-B42F-4500-8683-287617D29D50}" destId="{40D9F68F-4BB4-4BDE-9A63-FDCB0DECDEA1}" srcOrd="1" destOrd="0" presId="urn:microsoft.com/office/officeart/2005/8/layout/process5"/>
-    <dgm:cxn modelId="{D24C94F5-043C-487C-ADFD-FCA8DA6BFD43}" type="presParOf" srcId="{40D9F68F-4BB4-4BDE-9A63-FDCB0DECDEA1}" destId="{2630FA7B-3AD8-4508-AF95-4243608CBA1C}" srcOrd="0" destOrd="0" presId="urn:microsoft.com/office/officeart/2005/8/layout/process5"/>
-    <dgm:cxn modelId="{3963D295-0738-4099-A9D0-A2F4DF300497}" type="presParOf" srcId="{BB1E852B-B42F-4500-8683-287617D29D50}" destId="{CDA88B6E-100C-495D-BFB1-A8A131957869}" srcOrd="2" destOrd="0" presId="urn:microsoft.com/office/officeart/2005/8/layout/process5"/>
-    <dgm:cxn modelId="{FE79A79D-4557-49E4-9F33-E5E1144FB126}" type="presParOf" srcId="{BB1E852B-B42F-4500-8683-287617D29D50}" destId="{582ED37A-81FA-4DCE-9E79-2519487CB4A5}" srcOrd="3" destOrd="0" presId="urn:microsoft.com/office/officeart/2005/8/layout/process5"/>
-    <dgm:cxn modelId="{6F54141B-6159-49A2-973C-848638E1940A}" type="presParOf" srcId="{582ED37A-81FA-4DCE-9E79-2519487CB4A5}" destId="{1A251DF1-7E17-4BB5-9C9E-C12D48354754}" srcOrd="0" destOrd="0" presId="urn:microsoft.com/office/officeart/2005/8/layout/process5"/>
-    <dgm:cxn modelId="{6237B3B3-7F83-4166-82A6-2DAF8FBC21B0}" type="presParOf" srcId="{BB1E852B-B42F-4500-8683-287617D29D50}" destId="{1E239C66-EEC4-40AE-9182-DC3E09152E49}" srcOrd="4" destOrd="0" presId="urn:microsoft.com/office/officeart/2005/8/layout/process5"/>
-    <dgm:cxn modelId="{5246EC01-ED2D-4085-8E04-A498A2CC7471}" type="presParOf" srcId="{BB1E852B-B42F-4500-8683-287617D29D50}" destId="{E2E820BD-B1AC-4943-9A0D-BD7DCF9CF986}" srcOrd="5" destOrd="0" presId="urn:microsoft.com/office/officeart/2005/8/layout/process5"/>
-    <dgm:cxn modelId="{9EF9C344-57EB-4573-A068-7970C6DF150E}" type="presParOf" srcId="{E2E820BD-B1AC-4943-9A0D-BD7DCF9CF986}" destId="{1BAED8B9-3BF2-427C-BD55-0BACEDEF65F4}" srcOrd="0" destOrd="0" presId="urn:microsoft.com/office/officeart/2005/8/layout/process5"/>
-    <dgm:cxn modelId="{7289E9DD-5501-412A-98C9-0E6DC870736F}" type="presParOf" srcId="{BB1E852B-B42F-4500-8683-287617D29D50}" destId="{00821F2B-8EDF-459D-81D8-16669CEC700D}" srcOrd="6" destOrd="0" presId="urn:microsoft.com/office/officeart/2005/8/layout/process5"/>
-  </dgm:cxnLst>
-  <dgm:bg/>
-  <dgm:whole/>
-  <dgm:extLst>
-    <a:ext uri="http://schemas.microsoft.com/office/drawing/2008/diagram">
-      <dsp:dataModelExt xmlns:dsp="http://schemas.microsoft.com/office/drawing/2008/diagram" relId="rId6" minVer="http://schemas.openxmlformats.org/drawingml/2006/diagram"/>
-    </a:ext>
-  </dgm:extLst>
-</dgm:dataModel>
-</file>
-
-<file path=ppt/diagrams/data2.xml><?xml version="1.0" encoding="utf-8"?>
 <dgm:dataModel xmlns:dgm="http://schemas.openxmlformats.org/drawingml/2006/diagram" xmlns:a="http://schemas.openxmlformats.org/drawingml/2006/main">
   <dgm:ptLst>
     <dgm:pt modelId="{DC603501-88BC-4276-987B-0660956F9026}" type="doc">
@@ -2322,653 +1994,335 @@
 </dgm:dataModel>
 </file>
 
-<file path=ppt/diagrams/drawing1.xml><?xml version="1.0" encoding="utf-8"?>
-<dsp:drawing xmlns:dgm="http://schemas.openxmlformats.org/drawingml/2006/diagram" xmlns:dsp="http://schemas.microsoft.com/office/drawing/2008/diagram" xmlns:a="http://schemas.openxmlformats.org/drawingml/2006/main">
-  <dsp:spTree>
-    <dsp:nvGrpSpPr>
-      <dsp:cNvPr id="0" name=""/>
-      <dsp:cNvGrpSpPr/>
-    </dsp:nvGrpSpPr>
-    <dsp:grpSpPr/>
-    <dsp:sp modelId="{3CE91F69-CCCA-4F0D-BD80-6C053D25F7FF}">
-      <dsp:nvSpPr>
-        <dsp:cNvPr id="0" name=""/>
-        <dsp:cNvSpPr/>
-      </dsp:nvSpPr>
-      <dsp:spPr>
-        <a:xfrm>
-          <a:off x="1391863" y="3190"/>
-          <a:ext cx="2421910" cy="1453146"/>
-        </a:xfrm>
-        <a:prstGeom prst="roundRect">
-          <a:avLst>
-            <a:gd name="adj" fmla="val 10000"/>
-          </a:avLst>
-        </a:prstGeom>
-        <a:gradFill rotWithShape="0">
-          <a:gsLst>
-            <a:gs pos="0">
-              <a:schemeClr val="accent1">
-                <a:hueOff val="0"/>
-                <a:satOff val="0"/>
-                <a:lumOff val="0"/>
-                <a:alphaOff val="0"/>
-                <a:tint val="65000"/>
-                <a:lumMod val="110000"/>
-              </a:schemeClr>
-            </a:gs>
-            <a:gs pos="88000">
-              <a:schemeClr val="accent1">
-                <a:hueOff val="0"/>
-                <a:satOff val="0"/>
-                <a:lumOff val="0"/>
-                <a:alphaOff val="0"/>
-                <a:tint val="90000"/>
-              </a:schemeClr>
-            </a:gs>
-          </a:gsLst>
-          <a:lin ang="5400000" scaled="0"/>
-        </a:gradFill>
-        <a:ln>
-          <a:noFill/>
-        </a:ln>
-        <a:effectLst/>
-        <a:scene3d>
-          <a:camera prst="orthographicFront"/>
-          <a:lightRig rig="flat" dir="t"/>
-        </a:scene3d>
-        <a:sp3d prstMaterial="dkEdge">
-          <a:bevelT w="8200" h="38100"/>
-        </a:sp3d>
-      </dsp:spPr>
-      <dsp:style>
-        <a:lnRef idx="0">
-          <a:scrgbClr r="0" g="0" b="0"/>
-        </a:lnRef>
-        <a:fillRef idx="2">
-          <a:scrgbClr r="0" g="0" b="0"/>
-        </a:fillRef>
-        <a:effectRef idx="1">
-          <a:scrgbClr r="0" g="0" b="0"/>
-        </a:effectRef>
-        <a:fontRef idx="minor">
-          <a:schemeClr val="dk1"/>
-        </a:fontRef>
-      </dsp:style>
-      <dsp:txBody>
-        <a:bodyPr spcFirstLastPara="0" vert="horz" wrap="square" lIns="91440" tIns="91440" rIns="91440" bIns="91440" numCol="1" spcCol="1270" anchor="ctr" anchorCtr="0">
-          <a:noAutofit/>
-        </a:bodyPr>
+<file path=ppt/diagrams/data2.xml><?xml version="1.0" encoding="utf-8"?>
+<dgm:dataModel xmlns:dgm="http://schemas.openxmlformats.org/drawingml/2006/diagram" xmlns:a="http://schemas.openxmlformats.org/drawingml/2006/main">
+  <dgm:ptLst>
+    <dgm:pt modelId="{14827203-6BE6-4BBB-8320-CC4B07F40113}" type="doc">
+      <dgm:prSet loTypeId="urn:microsoft.com/office/officeart/2005/8/layout/process5" loCatId="process" qsTypeId="urn:microsoft.com/office/officeart/2005/8/quickstyle/simple3" qsCatId="simple" csTypeId="urn:microsoft.com/office/officeart/2005/8/colors/accent1_2" csCatId="accent1" phldr="1"/>
+      <dgm:spPr/>
+    </dgm:pt>
+    <dgm:pt modelId="{0596724B-743B-4D58-926D-7118CAF1D626}">
+      <dgm:prSet phldrT="[Text]"/>
+      <dgm:spPr/>
+      <dgm:t>
+        <a:bodyPr/>
         <a:lstStyle/>
         <a:p>
-          <a:pPr lvl="0" algn="ctr" defTabSz="1066800">
-            <a:lnSpc>
-              <a:spcPct val="90000"/>
-            </a:lnSpc>
-            <a:spcBef>
-              <a:spcPct val="0"/>
-            </a:spcBef>
-            <a:spcAft>
-              <a:spcPct val="35000"/>
-            </a:spcAft>
-          </a:pPr>
           <a:r>
-            <a:rPr lang="cs-CZ" sz="2400" kern="1200" dirty="0" smtClean="0"/>
+            <a:rPr lang="cs-CZ" dirty="0" smtClean="0"/>
             <a:t>Vytvořit dva snímky</a:t>
           </a:r>
-          <a:endParaRPr lang="cs-CZ" sz="2400" kern="1200" dirty="0"/>
+          <a:endParaRPr lang="cs-CZ" dirty="0"/>
         </a:p>
-      </dsp:txBody>
-      <dsp:txXfrm>
-        <a:off x="1434424" y="45751"/>
-        <a:ext cx="2336788" cy="1368024"/>
-      </dsp:txXfrm>
-    </dsp:sp>
-    <dsp:sp modelId="{40D9F68F-4BB4-4BDE-9A63-FDCB0DECDEA1}">
-      <dsp:nvSpPr>
-        <dsp:cNvPr id="0" name=""/>
-        <dsp:cNvSpPr/>
-      </dsp:nvSpPr>
-      <dsp:spPr>
-        <a:xfrm>
-          <a:off x="4026902" y="429446"/>
-          <a:ext cx="513444" cy="600633"/>
-        </a:xfrm>
-        <a:prstGeom prst="rightArrow">
-          <a:avLst>
-            <a:gd name="adj1" fmla="val 60000"/>
-            <a:gd name="adj2" fmla="val 50000"/>
-          </a:avLst>
-        </a:prstGeom>
-        <a:gradFill rotWithShape="0">
-          <a:gsLst>
-            <a:gs pos="0">
-              <a:schemeClr val="accent1">
-                <a:tint val="60000"/>
-                <a:hueOff val="0"/>
-                <a:satOff val="0"/>
-                <a:lumOff val="0"/>
-                <a:alphaOff val="0"/>
-                <a:tint val="65000"/>
-                <a:lumMod val="110000"/>
-              </a:schemeClr>
-            </a:gs>
-            <a:gs pos="88000">
-              <a:schemeClr val="accent1">
-                <a:tint val="60000"/>
-                <a:hueOff val="0"/>
-                <a:satOff val="0"/>
-                <a:lumOff val="0"/>
-                <a:alphaOff val="0"/>
-                <a:tint val="90000"/>
-              </a:schemeClr>
-            </a:gs>
-          </a:gsLst>
-          <a:lin ang="5400000" scaled="0"/>
-        </a:gradFill>
-        <a:ln>
-          <a:noFill/>
-        </a:ln>
-        <a:effectLst/>
-      </dsp:spPr>
-      <dsp:style>
-        <a:lnRef idx="0">
-          <a:scrgbClr r="0" g="0" b="0"/>
-        </a:lnRef>
-        <a:fillRef idx="2">
-          <a:scrgbClr r="0" g="0" b="0"/>
-        </a:fillRef>
-        <a:effectRef idx="1">
-          <a:scrgbClr r="0" g="0" b="0"/>
-        </a:effectRef>
-        <a:fontRef idx="minor">
-          <a:schemeClr val="dk1"/>
-        </a:fontRef>
-      </dsp:style>
-      <dsp:txBody>
-        <a:bodyPr spcFirstLastPara="0" vert="horz" wrap="square" lIns="0" tIns="0" rIns="0" bIns="0" numCol="1" spcCol="1270" anchor="ctr" anchorCtr="0">
-          <a:noAutofit/>
-        </a:bodyPr>
+      </dgm:t>
+    </dgm:pt>
+    <dgm:pt modelId="{77D3D969-751D-458F-AD09-471086B1DB59}" type="parTrans" cxnId="{81C13C3E-974F-45E4-B73E-43B8B0B992C0}">
+      <dgm:prSet/>
+      <dgm:spPr/>
+      <dgm:t>
+        <a:bodyPr/>
         <a:lstStyle/>
         <a:p>
-          <a:pPr lvl="0" algn="ctr" defTabSz="844550">
-            <a:lnSpc>
-              <a:spcPct val="90000"/>
-            </a:lnSpc>
-            <a:spcBef>
-              <a:spcPct val="0"/>
-            </a:spcBef>
-            <a:spcAft>
-              <a:spcPct val="35000"/>
-            </a:spcAft>
-          </a:pPr>
-          <a:endParaRPr lang="cs-CZ" sz="1900" kern="1200"/>
+          <a:endParaRPr lang="cs-CZ"/>
         </a:p>
-      </dsp:txBody>
-      <dsp:txXfrm>
-        <a:off x="4026902" y="549573"/>
-        <a:ext cx="359411" cy="360379"/>
-      </dsp:txXfrm>
-    </dsp:sp>
-    <dsp:sp modelId="{CDA88B6E-100C-495D-BFB1-A8A131957869}">
-      <dsp:nvSpPr>
-        <dsp:cNvPr id="0" name=""/>
-        <dsp:cNvSpPr/>
-      </dsp:nvSpPr>
-      <dsp:spPr>
-        <a:xfrm>
-          <a:off x="4782538" y="3190"/>
-          <a:ext cx="2421910" cy="1453146"/>
-        </a:xfrm>
-        <a:prstGeom prst="roundRect">
-          <a:avLst>
-            <a:gd name="adj" fmla="val 10000"/>
-          </a:avLst>
-        </a:prstGeom>
-        <a:gradFill rotWithShape="0">
-          <a:gsLst>
-            <a:gs pos="0">
-              <a:schemeClr val="accent1">
-                <a:hueOff val="0"/>
-                <a:satOff val="0"/>
-                <a:lumOff val="0"/>
-                <a:alphaOff val="0"/>
-                <a:tint val="65000"/>
-                <a:lumMod val="110000"/>
-              </a:schemeClr>
-            </a:gs>
-            <a:gs pos="88000">
-              <a:schemeClr val="accent1">
-                <a:hueOff val="0"/>
-                <a:satOff val="0"/>
-                <a:lumOff val="0"/>
-                <a:alphaOff val="0"/>
-                <a:tint val="90000"/>
-              </a:schemeClr>
-            </a:gs>
-          </a:gsLst>
-          <a:lin ang="5400000" scaled="0"/>
-        </a:gradFill>
-        <a:ln>
-          <a:noFill/>
-        </a:ln>
-        <a:effectLst/>
-        <a:scene3d>
-          <a:camera prst="orthographicFront"/>
-          <a:lightRig rig="flat" dir="t"/>
-        </a:scene3d>
-        <a:sp3d prstMaterial="dkEdge">
-          <a:bevelT w="8200" h="38100"/>
-        </a:sp3d>
-      </dsp:spPr>
-      <dsp:style>
-        <a:lnRef idx="0">
-          <a:scrgbClr r="0" g="0" b="0"/>
-        </a:lnRef>
-        <a:fillRef idx="2">
-          <a:scrgbClr r="0" g="0" b="0"/>
-        </a:fillRef>
-        <a:effectRef idx="1">
-          <a:scrgbClr r="0" g="0" b="0"/>
-        </a:effectRef>
-        <a:fontRef idx="minor">
-          <a:schemeClr val="dk1"/>
-        </a:fontRef>
-      </dsp:style>
-      <dsp:txBody>
-        <a:bodyPr spcFirstLastPara="0" vert="horz" wrap="square" lIns="91440" tIns="91440" rIns="91440" bIns="91440" numCol="1" spcCol="1270" anchor="ctr" anchorCtr="0">
-          <a:noAutofit/>
-        </a:bodyPr>
+      </dgm:t>
+    </dgm:pt>
+    <dgm:pt modelId="{E8F3EE46-9837-4250-AB3F-07E8E51C2B97}" type="sibTrans" cxnId="{81C13C3E-974F-45E4-B73E-43B8B0B992C0}">
+      <dgm:prSet/>
+      <dgm:spPr/>
+      <dgm:t>
+        <a:bodyPr/>
         <a:lstStyle/>
         <a:p>
-          <a:pPr lvl="0" algn="ctr" defTabSz="1066800">
-            <a:lnSpc>
-              <a:spcPct val="90000"/>
-            </a:lnSpc>
-            <a:spcBef>
-              <a:spcPct val="0"/>
-            </a:spcBef>
-            <a:spcAft>
-              <a:spcPct val="35000"/>
-            </a:spcAft>
-          </a:pPr>
+          <a:endParaRPr lang="cs-CZ"/>
+        </a:p>
+      </dgm:t>
+    </dgm:pt>
+    <dgm:pt modelId="{ACCD8169-4818-4247-86B1-1DF501E9633E}">
+      <dgm:prSet phldrT="[Text]"/>
+      <dgm:spPr/>
+      <dgm:t>
+        <a:bodyPr/>
+        <a:lstStyle/>
+        <a:p>
           <a:r>
-            <a:rPr lang="cs-CZ" sz="2400" kern="1200" dirty="0" smtClean="0"/>
+            <a:rPr lang="cs-CZ" dirty="0" smtClean="0"/>
             <a:t>Korespondenční body</a:t>
           </a:r>
-          <a:endParaRPr lang="cs-CZ" sz="2400" kern="1200" dirty="0"/>
+          <a:endParaRPr lang="cs-CZ" dirty="0"/>
         </a:p>
-      </dsp:txBody>
-      <dsp:txXfrm>
-        <a:off x="4825099" y="45751"/>
-        <a:ext cx="2336788" cy="1368024"/>
-      </dsp:txXfrm>
-    </dsp:sp>
-    <dsp:sp modelId="{582ED37A-81FA-4DCE-9E79-2519487CB4A5}">
-      <dsp:nvSpPr>
-        <dsp:cNvPr id="0" name=""/>
-        <dsp:cNvSpPr/>
-      </dsp:nvSpPr>
-      <dsp:spPr>
-        <a:xfrm rot="5400000">
-          <a:off x="5736770" y="1625870"/>
-          <a:ext cx="513444" cy="600633"/>
-        </a:xfrm>
-        <a:prstGeom prst="rightArrow">
-          <a:avLst>
-            <a:gd name="adj1" fmla="val 60000"/>
-            <a:gd name="adj2" fmla="val 50000"/>
-          </a:avLst>
-        </a:prstGeom>
-        <a:gradFill rotWithShape="0">
-          <a:gsLst>
-            <a:gs pos="0">
-              <a:schemeClr val="accent1">
-                <a:tint val="60000"/>
-                <a:hueOff val="0"/>
-                <a:satOff val="0"/>
-                <a:lumOff val="0"/>
-                <a:alphaOff val="0"/>
-                <a:tint val="65000"/>
-                <a:lumMod val="110000"/>
-              </a:schemeClr>
-            </a:gs>
-            <a:gs pos="88000">
-              <a:schemeClr val="accent1">
-                <a:tint val="60000"/>
-                <a:hueOff val="0"/>
-                <a:satOff val="0"/>
-                <a:lumOff val="0"/>
-                <a:alphaOff val="0"/>
-                <a:tint val="90000"/>
-              </a:schemeClr>
-            </a:gs>
-          </a:gsLst>
-          <a:lin ang="5400000" scaled="0"/>
-        </a:gradFill>
-        <a:ln>
-          <a:noFill/>
-        </a:ln>
-        <a:effectLst/>
-      </dsp:spPr>
-      <dsp:style>
-        <a:lnRef idx="0">
-          <a:scrgbClr r="0" g="0" b="0"/>
-        </a:lnRef>
-        <a:fillRef idx="2">
-          <a:scrgbClr r="0" g="0" b="0"/>
-        </a:fillRef>
-        <a:effectRef idx="1">
-          <a:scrgbClr r="0" g="0" b="0"/>
-        </a:effectRef>
-        <a:fontRef idx="minor">
-          <a:schemeClr val="dk1"/>
-        </a:fontRef>
-      </dsp:style>
-      <dsp:txBody>
-        <a:bodyPr spcFirstLastPara="0" vert="horz" wrap="square" lIns="0" tIns="0" rIns="0" bIns="0" numCol="1" spcCol="1270" anchor="ctr" anchorCtr="0">
-          <a:noAutofit/>
-        </a:bodyPr>
+      </dgm:t>
+    </dgm:pt>
+    <dgm:pt modelId="{0EE13D44-FDCA-4A11-8DDF-2A9F27577C10}" type="parTrans" cxnId="{F68465A8-4B2E-4F2E-BABD-905F3DDD47D5}">
+      <dgm:prSet/>
+      <dgm:spPr/>
+      <dgm:t>
+        <a:bodyPr/>
         <a:lstStyle/>
         <a:p>
-          <a:pPr lvl="0" algn="ctr" defTabSz="844550">
-            <a:lnSpc>
-              <a:spcPct val="90000"/>
-            </a:lnSpc>
-            <a:spcBef>
-              <a:spcPct val="0"/>
-            </a:spcBef>
-            <a:spcAft>
-              <a:spcPct val="35000"/>
-            </a:spcAft>
-          </a:pPr>
-          <a:endParaRPr lang="cs-CZ" sz="1900" kern="1200"/>
+          <a:endParaRPr lang="cs-CZ"/>
         </a:p>
-      </dsp:txBody>
-      <dsp:txXfrm rot="-5400000">
-        <a:off x="5813303" y="1669465"/>
-        <a:ext cx="360379" cy="359411"/>
-      </dsp:txXfrm>
-    </dsp:sp>
-    <dsp:sp modelId="{1E239C66-EEC4-40AE-9182-DC3E09152E49}">
-      <dsp:nvSpPr>
-        <dsp:cNvPr id="0" name=""/>
-        <dsp:cNvSpPr/>
-      </dsp:nvSpPr>
-      <dsp:spPr>
-        <a:xfrm>
-          <a:off x="4782538" y="2425100"/>
-          <a:ext cx="2421910" cy="1453146"/>
-        </a:xfrm>
-        <a:prstGeom prst="roundRect">
-          <a:avLst>
-            <a:gd name="adj" fmla="val 10000"/>
-          </a:avLst>
-        </a:prstGeom>
-        <a:gradFill rotWithShape="0">
-          <a:gsLst>
-            <a:gs pos="0">
-              <a:schemeClr val="accent1">
-                <a:hueOff val="0"/>
-                <a:satOff val="0"/>
-                <a:lumOff val="0"/>
-                <a:alphaOff val="0"/>
-                <a:tint val="65000"/>
-                <a:lumMod val="110000"/>
-              </a:schemeClr>
-            </a:gs>
-            <a:gs pos="88000">
-              <a:schemeClr val="accent1">
-                <a:hueOff val="0"/>
-                <a:satOff val="0"/>
-                <a:lumOff val="0"/>
-                <a:alphaOff val="0"/>
-                <a:tint val="90000"/>
-              </a:schemeClr>
-            </a:gs>
-          </a:gsLst>
-          <a:lin ang="5400000" scaled="0"/>
-        </a:gradFill>
-        <a:ln>
-          <a:noFill/>
-        </a:ln>
-        <a:effectLst/>
-        <a:scene3d>
-          <a:camera prst="orthographicFront"/>
-          <a:lightRig rig="flat" dir="t"/>
-        </a:scene3d>
-        <a:sp3d prstMaterial="dkEdge">
-          <a:bevelT w="8200" h="38100"/>
-        </a:sp3d>
-      </dsp:spPr>
-      <dsp:style>
-        <a:lnRef idx="0">
-          <a:scrgbClr r="0" g="0" b="0"/>
-        </a:lnRef>
-        <a:fillRef idx="2">
-          <a:scrgbClr r="0" g="0" b="0"/>
-        </a:fillRef>
-        <a:effectRef idx="1">
-          <a:scrgbClr r="0" g="0" b="0"/>
-        </a:effectRef>
-        <a:fontRef idx="minor">
-          <a:schemeClr val="dk1"/>
-        </a:fontRef>
-      </dsp:style>
-      <dsp:txBody>
-        <a:bodyPr spcFirstLastPara="0" vert="horz" wrap="square" lIns="91440" tIns="91440" rIns="91440" bIns="91440" numCol="1" spcCol="1270" anchor="ctr" anchorCtr="0">
-          <a:noAutofit/>
-        </a:bodyPr>
+      </dgm:t>
+    </dgm:pt>
+    <dgm:pt modelId="{E88C9672-0838-4454-ABF2-8B0D41826FB2}" type="sibTrans" cxnId="{F68465A8-4B2E-4F2E-BABD-905F3DDD47D5}">
+      <dgm:prSet/>
+      <dgm:spPr/>
+      <dgm:t>
+        <a:bodyPr/>
         <a:lstStyle/>
         <a:p>
-          <a:pPr lvl="0" algn="ctr" defTabSz="1066800">
-            <a:lnSpc>
-              <a:spcPct val="90000"/>
-            </a:lnSpc>
-            <a:spcBef>
-              <a:spcPct val="0"/>
-            </a:spcBef>
-            <a:spcAft>
-              <a:spcPct val="35000"/>
-            </a:spcAft>
-          </a:pPr>
+          <a:endParaRPr lang="cs-CZ"/>
+        </a:p>
+      </dgm:t>
+    </dgm:pt>
+    <dgm:pt modelId="{5B175873-2E2C-4536-89CA-98EBEF86699F}">
+      <dgm:prSet phldrT="[Text]"/>
+      <dgm:spPr/>
+      <dgm:t>
+        <a:bodyPr/>
+        <a:lstStyle/>
+        <a:p>
           <a:r>
-            <a:rPr lang="cs-CZ" sz="2400" kern="1200" smtClean="0"/>
+            <a:rPr lang="cs-CZ" smtClean="0"/>
             <a:t>Navigace</a:t>
           </a:r>
-          <a:endParaRPr lang="cs-CZ" sz="2400" kern="1200" dirty="0"/>
+          <a:endParaRPr lang="cs-CZ" dirty="0"/>
         </a:p>
-      </dsp:txBody>
-      <dsp:txXfrm>
-        <a:off x="4825099" y="2467661"/>
-        <a:ext cx="2336788" cy="1368024"/>
-      </dsp:txXfrm>
-    </dsp:sp>
-    <dsp:sp modelId="{E2E820BD-B1AC-4943-9A0D-BD7DCF9CF986}">
-      <dsp:nvSpPr>
-        <dsp:cNvPr id="0" name=""/>
-        <dsp:cNvSpPr/>
-      </dsp:nvSpPr>
-      <dsp:spPr>
-        <a:xfrm rot="10800000">
-          <a:off x="4055964" y="2851356"/>
-          <a:ext cx="513444" cy="600633"/>
-        </a:xfrm>
-        <a:prstGeom prst="rightArrow">
-          <a:avLst>
-            <a:gd name="adj1" fmla="val 60000"/>
-            <a:gd name="adj2" fmla="val 50000"/>
-          </a:avLst>
-        </a:prstGeom>
-        <a:gradFill rotWithShape="0">
-          <a:gsLst>
-            <a:gs pos="0">
-              <a:schemeClr val="accent1">
-                <a:tint val="60000"/>
-                <a:hueOff val="0"/>
-                <a:satOff val="0"/>
-                <a:lumOff val="0"/>
-                <a:alphaOff val="0"/>
-                <a:tint val="65000"/>
-                <a:lumMod val="110000"/>
-              </a:schemeClr>
-            </a:gs>
-            <a:gs pos="88000">
-              <a:schemeClr val="accent1">
-                <a:tint val="60000"/>
-                <a:hueOff val="0"/>
-                <a:satOff val="0"/>
-                <a:lumOff val="0"/>
-                <a:alphaOff val="0"/>
-                <a:tint val="90000"/>
-              </a:schemeClr>
-            </a:gs>
-          </a:gsLst>
-          <a:lin ang="5400000" scaled="0"/>
-        </a:gradFill>
-        <a:ln>
-          <a:noFill/>
-        </a:ln>
-        <a:effectLst/>
-      </dsp:spPr>
-      <dsp:style>
-        <a:lnRef idx="0">
-          <a:scrgbClr r="0" g="0" b="0"/>
-        </a:lnRef>
-        <a:fillRef idx="2">
-          <a:scrgbClr r="0" g="0" b="0"/>
-        </a:fillRef>
-        <a:effectRef idx="1">
-          <a:scrgbClr r="0" g="0" b="0"/>
-        </a:effectRef>
-        <a:fontRef idx="minor">
-          <a:schemeClr val="dk1"/>
-        </a:fontRef>
-      </dsp:style>
-      <dsp:txBody>
-        <a:bodyPr spcFirstLastPara="0" vert="horz" wrap="square" lIns="0" tIns="0" rIns="0" bIns="0" numCol="1" spcCol="1270" anchor="ctr" anchorCtr="0">
-          <a:noAutofit/>
-        </a:bodyPr>
+      </dgm:t>
+    </dgm:pt>
+    <dgm:pt modelId="{030D8D9E-38B4-400B-BDCA-DCA6BAD284DA}" type="parTrans" cxnId="{15D69421-2298-4BC6-B979-E68F9385E239}">
+      <dgm:prSet/>
+      <dgm:spPr/>
+      <dgm:t>
+        <a:bodyPr/>
         <a:lstStyle/>
         <a:p>
-          <a:pPr lvl="0" algn="ctr" defTabSz="844550">
-            <a:lnSpc>
-              <a:spcPct val="90000"/>
-            </a:lnSpc>
-            <a:spcBef>
-              <a:spcPct val="0"/>
-            </a:spcBef>
-            <a:spcAft>
-              <a:spcPct val="35000"/>
-            </a:spcAft>
-          </a:pPr>
-          <a:endParaRPr lang="cs-CZ" sz="1900" kern="1200"/>
+          <a:endParaRPr lang="cs-CZ"/>
         </a:p>
-      </dsp:txBody>
-      <dsp:txXfrm rot="10800000">
-        <a:off x="4209997" y="2971483"/>
-        <a:ext cx="359411" cy="360379"/>
-      </dsp:txXfrm>
-    </dsp:sp>
-    <dsp:sp modelId="{00821F2B-8EDF-459D-81D8-16669CEC700D}">
-      <dsp:nvSpPr>
-        <dsp:cNvPr id="0" name=""/>
-        <dsp:cNvSpPr/>
-      </dsp:nvSpPr>
-      <dsp:spPr>
-        <a:xfrm>
-          <a:off x="1391863" y="2425100"/>
-          <a:ext cx="2421910" cy="1453146"/>
-        </a:xfrm>
-        <a:prstGeom prst="roundRect">
-          <a:avLst>
-            <a:gd name="adj" fmla="val 10000"/>
-          </a:avLst>
-        </a:prstGeom>
-        <a:gradFill rotWithShape="0">
-          <a:gsLst>
-            <a:gs pos="0">
-              <a:schemeClr val="accent1">
-                <a:hueOff val="0"/>
-                <a:satOff val="0"/>
-                <a:lumOff val="0"/>
-                <a:alphaOff val="0"/>
-                <a:tint val="65000"/>
-                <a:lumMod val="110000"/>
-              </a:schemeClr>
-            </a:gs>
-            <a:gs pos="88000">
-              <a:schemeClr val="accent1">
-                <a:hueOff val="0"/>
-                <a:satOff val="0"/>
-                <a:lumOff val="0"/>
-                <a:alphaOff val="0"/>
-                <a:tint val="90000"/>
-              </a:schemeClr>
-            </a:gs>
-          </a:gsLst>
-          <a:lin ang="5400000" scaled="0"/>
-        </a:gradFill>
-        <a:ln>
-          <a:noFill/>
-        </a:ln>
-        <a:effectLst/>
-        <a:scene3d>
-          <a:camera prst="orthographicFront"/>
-          <a:lightRig rig="flat" dir="t"/>
-        </a:scene3d>
-        <a:sp3d prstMaterial="dkEdge">
-          <a:bevelT w="8200" h="38100"/>
-        </a:sp3d>
-      </dsp:spPr>
-      <dsp:style>
-        <a:lnRef idx="0">
-          <a:scrgbClr r="0" g="0" b="0"/>
-        </a:lnRef>
-        <a:fillRef idx="2">
-          <a:scrgbClr r="0" g="0" b="0"/>
-        </a:fillRef>
-        <a:effectRef idx="1">
-          <a:scrgbClr r="0" g="0" b="0"/>
-        </a:effectRef>
-        <a:fontRef idx="minor">
-          <a:schemeClr val="dk1"/>
-        </a:fontRef>
-      </dsp:style>
-      <dsp:txBody>
-        <a:bodyPr spcFirstLastPara="0" vert="horz" wrap="square" lIns="91440" tIns="91440" rIns="91440" bIns="91440" numCol="1" spcCol="1270" anchor="ctr" anchorCtr="0">
-          <a:noAutofit/>
-        </a:bodyPr>
+      </dgm:t>
+    </dgm:pt>
+    <dgm:pt modelId="{7121CBF9-202B-4035-B513-0A4743F6A5E5}" type="sibTrans" cxnId="{15D69421-2298-4BC6-B979-E68F9385E239}">
+      <dgm:prSet/>
+      <dgm:spPr/>
+      <dgm:t>
+        <a:bodyPr/>
         <a:lstStyle/>
         <a:p>
-          <a:pPr lvl="0" algn="ctr" defTabSz="1066800">
-            <a:lnSpc>
-              <a:spcPct val="90000"/>
-            </a:lnSpc>
-            <a:spcBef>
-              <a:spcPct val="0"/>
-            </a:spcBef>
-            <a:spcAft>
-              <a:spcPct val="35000"/>
-            </a:spcAft>
-          </a:pPr>
+          <a:endParaRPr lang="cs-CZ"/>
+        </a:p>
+      </dgm:t>
+    </dgm:pt>
+    <dgm:pt modelId="{E3300FDB-8AF6-4936-940D-7AF65F360A62}">
+      <dgm:prSet phldrT="[Text]"/>
+      <dgm:spPr/>
+      <dgm:t>
+        <a:bodyPr/>
+        <a:lstStyle/>
+        <a:p>
           <a:r>
-            <a:rPr lang="cs-CZ" sz="2400" kern="1200" smtClean="0"/>
+            <a:rPr lang="cs-CZ" smtClean="0"/>
             <a:t>Pořízení snímku</a:t>
           </a:r>
-          <a:endParaRPr lang="cs-CZ" sz="2400" kern="1200" dirty="0"/>
+          <a:endParaRPr lang="cs-CZ" dirty="0"/>
         </a:p>
-      </dsp:txBody>
-      <dsp:txXfrm>
-        <a:off x="1434424" y="2467661"/>
-        <a:ext cx="2336788" cy="1368024"/>
-      </dsp:txXfrm>
-    </dsp:sp>
-  </dsp:spTree>
-</dsp:drawing>
+      </dgm:t>
+    </dgm:pt>
+    <dgm:pt modelId="{3E958E05-6BE0-4CD1-8E48-A559C8C2C2C7}" type="parTrans" cxnId="{05B7CC0D-6308-4B81-828F-7521EC05D88F}">
+      <dgm:prSet/>
+      <dgm:spPr/>
+      <dgm:t>
+        <a:bodyPr/>
+        <a:lstStyle/>
+        <a:p>
+          <a:endParaRPr lang="cs-CZ"/>
+        </a:p>
+      </dgm:t>
+    </dgm:pt>
+    <dgm:pt modelId="{47848C98-7423-4FF9-A8DD-BE9FC50D3B05}" type="sibTrans" cxnId="{05B7CC0D-6308-4B81-828F-7521EC05D88F}">
+      <dgm:prSet/>
+      <dgm:spPr/>
+      <dgm:t>
+        <a:bodyPr/>
+        <a:lstStyle/>
+        <a:p>
+          <a:endParaRPr lang="cs-CZ"/>
+        </a:p>
+      </dgm:t>
+    </dgm:pt>
+    <dgm:pt modelId="{BB1E852B-B42F-4500-8683-287617D29D50}" type="pres">
+      <dgm:prSet presAssocID="{14827203-6BE6-4BBB-8320-CC4B07F40113}" presName="diagram" presStyleCnt="0">
+        <dgm:presLayoutVars>
+          <dgm:dir/>
+          <dgm:resizeHandles val="exact"/>
+        </dgm:presLayoutVars>
+      </dgm:prSet>
+      <dgm:spPr/>
+    </dgm:pt>
+    <dgm:pt modelId="{3CE91F69-CCCA-4F0D-BD80-6C053D25F7FF}" type="pres">
+      <dgm:prSet presAssocID="{0596724B-743B-4D58-926D-7118CAF1D626}" presName="node" presStyleLbl="node1" presStyleIdx="0" presStyleCnt="4">
+        <dgm:presLayoutVars>
+          <dgm:bulletEnabled val="1"/>
+        </dgm:presLayoutVars>
+      </dgm:prSet>
+      <dgm:spPr/>
+      <dgm:t>
+        <a:bodyPr/>
+        <a:lstStyle/>
+        <a:p>
+          <a:endParaRPr lang="cs-CZ"/>
+        </a:p>
+      </dgm:t>
+    </dgm:pt>
+    <dgm:pt modelId="{40D9F68F-4BB4-4BDE-9A63-FDCB0DECDEA1}" type="pres">
+      <dgm:prSet presAssocID="{E8F3EE46-9837-4250-AB3F-07E8E51C2B97}" presName="sibTrans" presStyleLbl="sibTrans2D1" presStyleIdx="0" presStyleCnt="3"/>
+      <dgm:spPr/>
+      <dgm:t>
+        <a:bodyPr/>
+        <a:lstStyle/>
+        <a:p>
+          <a:endParaRPr lang="cs-CZ"/>
+        </a:p>
+      </dgm:t>
+    </dgm:pt>
+    <dgm:pt modelId="{2630FA7B-3AD8-4508-AF95-4243608CBA1C}" type="pres">
+      <dgm:prSet presAssocID="{E8F3EE46-9837-4250-AB3F-07E8E51C2B97}" presName="connectorText" presStyleLbl="sibTrans2D1" presStyleIdx="0" presStyleCnt="3"/>
+      <dgm:spPr/>
+      <dgm:t>
+        <a:bodyPr/>
+        <a:lstStyle/>
+        <a:p>
+          <a:endParaRPr lang="cs-CZ"/>
+        </a:p>
+      </dgm:t>
+    </dgm:pt>
+    <dgm:pt modelId="{CDA88B6E-100C-495D-BFB1-A8A131957869}" type="pres">
+      <dgm:prSet presAssocID="{ACCD8169-4818-4247-86B1-1DF501E9633E}" presName="node" presStyleLbl="node1" presStyleIdx="1" presStyleCnt="4">
+        <dgm:presLayoutVars>
+          <dgm:bulletEnabled val="1"/>
+        </dgm:presLayoutVars>
+      </dgm:prSet>
+      <dgm:spPr/>
+      <dgm:t>
+        <a:bodyPr/>
+        <a:lstStyle/>
+        <a:p>
+          <a:endParaRPr lang="cs-CZ"/>
+        </a:p>
+      </dgm:t>
+    </dgm:pt>
+    <dgm:pt modelId="{582ED37A-81FA-4DCE-9E79-2519487CB4A5}" type="pres">
+      <dgm:prSet presAssocID="{E88C9672-0838-4454-ABF2-8B0D41826FB2}" presName="sibTrans" presStyleLbl="sibTrans2D1" presStyleIdx="1" presStyleCnt="3"/>
+      <dgm:spPr/>
+      <dgm:t>
+        <a:bodyPr/>
+        <a:lstStyle/>
+        <a:p>
+          <a:endParaRPr lang="cs-CZ"/>
+        </a:p>
+      </dgm:t>
+    </dgm:pt>
+    <dgm:pt modelId="{1A251DF1-7E17-4BB5-9C9E-C12D48354754}" type="pres">
+      <dgm:prSet presAssocID="{E88C9672-0838-4454-ABF2-8B0D41826FB2}" presName="connectorText" presStyleLbl="sibTrans2D1" presStyleIdx="1" presStyleCnt="3"/>
+      <dgm:spPr/>
+      <dgm:t>
+        <a:bodyPr/>
+        <a:lstStyle/>
+        <a:p>
+          <a:endParaRPr lang="cs-CZ"/>
+        </a:p>
+      </dgm:t>
+    </dgm:pt>
+    <dgm:pt modelId="{1E239C66-EEC4-40AE-9182-DC3E09152E49}" type="pres">
+      <dgm:prSet presAssocID="{5B175873-2E2C-4536-89CA-98EBEF86699F}" presName="node" presStyleLbl="node1" presStyleIdx="2" presStyleCnt="4">
+        <dgm:presLayoutVars>
+          <dgm:bulletEnabled val="1"/>
+        </dgm:presLayoutVars>
+      </dgm:prSet>
+      <dgm:spPr/>
+      <dgm:t>
+        <a:bodyPr/>
+        <a:lstStyle/>
+        <a:p>
+          <a:endParaRPr lang="cs-CZ"/>
+        </a:p>
+      </dgm:t>
+    </dgm:pt>
+    <dgm:pt modelId="{E2E820BD-B1AC-4943-9A0D-BD7DCF9CF986}" type="pres">
+      <dgm:prSet presAssocID="{7121CBF9-202B-4035-B513-0A4743F6A5E5}" presName="sibTrans" presStyleLbl="sibTrans2D1" presStyleIdx="2" presStyleCnt="3"/>
+      <dgm:spPr/>
+      <dgm:t>
+        <a:bodyPr/>
+        <a:lstStyle/>
+        <a:p>
+          <a:endParaRPr lang="cs-CZ"/>
+        </a:p>
+      </dgm:t>
+    </dgm:pt>
+    <dgm:pt modelId="{1BAED8B9-3BF2-427C-BD55-0BACEDEF65F4}" type="pres">
+      <dgm:prSet presAssocID="{7121CBF9-202B-4035-B513-0A4743F6A5E5}" presName="connectorText" presStyleLbl="sibTrans2D1" presStyleIdx="2" presStyleCnt="3"/>
+      <dgm:spPr/>
+      <dgm:t>
+        <a:bodyPr/>
+        <a:lstStyle/>
+        <a:p>
+          <a:endParaRPr lang="cs-CZ"/>
+        </a:p>
+      </dgm:t>
+    </dgm:pt>
+    <dgm:pt modelId="{00821F2B-8EDF-459D-81D8-16669CEC700D}" type="pres">
+      <dgm:prSet presAssocID="{E3300FDB-8AF6-4936-940D-7AF65F360A62}" presName="node" presStyleLbl="node1" presStyleIdx="3" presStyleCnt="4">
+        <dgm:presLayoutVars>
+          <dgm:bulletEnabled val="1"/>
+        </dgm:presLayoutVars>
+      </dgm:prSet>
+      <dgm:spPr/>
+      <dgm:t>
+        <a:bodyPr/>
+        <a:lstStyle/>
+        <a:p>
+          <a:endParaRPr lang="cs-CZ"/>
+        </a:p>
+      </dgm:t>
+    </dgm:pt>
+  </dgm:ptLst>
+  <dgm:cxnLst>
+    <dgm:cxn modelId="{B1332883-8A16-4E1C-9CDE-7C478FFD24FA}" type="presOf" srcId="{5B175873-2E2C-4536-89CA-98EBEF86699F}" destId="{1E239C66-EEC4-40AE-9182-DC3E09152E49}" srcOrd="0" destOrd="0" presId="urn:microsoft.com/office/officeart/2005/8/layout/process5"/>
+    <dgm:cxn modelId="{300EDF35-F232-4CC4-91D0-5CBBA7960FF2}" type="presOf" srcId="{ACCD8169-4818-4247-86B1-1DF501E9633E}" destId="{CDA88B6E-100C-495D-BFB1-A8A131957869}" srcOrd="0" destOrd="0" presId="urn:microsoft.com/office/officeart/2005/8/layout/process5"/>
+    <dgm:cxn modelId="{E50D30A7-8518-4020-B6B8-18CCA73D8FD8}" type="presOf" srcId="{E3300FDB-8AF6-4936-940D-7AF65F360A62}" destId="{00821F2B-8EDF-459D-81D8-16669CEC700D}" srcOrd="0" destOrd="0" presId="urn:microsoft.com/office/officeart/2005/8/layout/process5"/>
+    <dgm:cxn modelId="{8B1F75D0-3597-46DB-BF58-10E672AB1822}" type="presOf" srcId="{7121CBF9-202B-4035-B513-0A4743F6A5E5}" destId="{E2E820BD-B1AC-4943-9A0D-BD7DCF9CF986}" srcOrd="0" destOrd="0" presId="urn:microsoft.com/office/officeart/2005/8/layout/process5"/>
+    <dgm:cxn modelId="{8CA85EE2-5D03-48A0-899D-08B9FCB264D1}" type="presOf" srcId="{E88C9672-0838-4454-ABF2-8B0D41826FB2}" destId="{582ED37A-81FA-4DCE-9E79-2519487CB4A5}" srcOrd="0" destOrd="0" presId="urn:microsoft.com/office/officeart/2005/8/layout/process5"/>
+    <dgm:cxn modelId="{81C13C3E-974F-45E4-B73E-43B8B0B992C0}" srcId="{14827203-6BE6-4BBB-8320-CC4B07F40113}" destId="{0596724B-743B-4D58-926D-7118CAF1D626}" srcOrd="0" destOrd="0" parTransId="{77D3D969-751D-458F-AD09-471086B1DB59}" sibTransId="{E8F3EE46-9837-4250-AB3F-07E8E51C2B97}"/>
+    <dgm:cxn modelId="{E0079318-70E4-4ED9-8C3F-91CB849F603E}" type="presOf" srcId="{14827203-6BE6-4BBB-8320-CC4B07F40113}" destId="{BB1E852B-B42F-4500-8683-287617D29D50}" srcOrd="0" destOrd="0" presId="urn:microsoft.com/office/officeart/2005/8/layout/process5"/>
+    <dgm:cxn modelId="{A7E75000-0230-492F-930A-C631FCC244EF}" type="presOf" srcId="{0596724B-743B-4D58-926D-7118CAF1D626}" destId="{3CE91F69-CCCA-4F0D-BD80-6C053D25F7FF}" srcOrd="0" destOrd="0" presId="urn:microsoft.com/office/officeart/2005/8/layout/process5"/>
+    <dgm:cxn modelId="{37B7D7FE-6AED-4B81-B4EC-BA95A1602A68}" type="presOf" srcId="{7121CBF9-202B-4035-B513-0A4743F6A5E5}" destId="{1BAED8B9-3BF2-427C-BD55-0BACEDEF65F4}" srcOrd="1" destOrd="0" presId="urn:microsoft.com/office/officeart/2005/8/layout/process5"/>
+    <dgm:cxn modelId="{F68465A8-4B2E-4F2E-BABD-905F3DDD47D5}" srcId="{14827203-6BE6-4BBB-8320-CC4B07F40113}" destId="{ACCD8169-4818-4247-86B1-1DF501E9633E}" srcOrd="1" destOrd="0" parTransId="{0EE13D44-FDCA-4A11-8DDF-2A9F27577C10}" sibTransId="{E88C9672-0838-4454-ABF2-8B0D41826FB2}"/>
+    <dgm:cxn modelId="{7CFFFBD0-8328-4273-B045-73CEB727F9F3}" type="presOf" srcId="{E8F3EE46-9837-4250-AB3F-07E8E51C2B97}" destId="{2630FA7B-3AD8-4508-AF95-4243608CBA1C}" srcOrd="1" destOrd="0" presId="urn:microsoft.com/office/officeart/2005/8/layout/process5"/>
+    <dgm:cxn modelId="{15D69421-2298-4BC6-B979-E68F9385E239}" srcId="{14827203-6BE6-4BBB-8320-CC4B07F40113}" destId="{5B175873-2E2C-4536-89CA-98EBEF86699F}" srcOrd="2" destOrd="0" parTransId="{030D8D9E-38B4-400B-BDCA-DCA6BAD284DA}" sibTransId="{7121CBF9-202B-4035-B513-0A4743F6A5E5}"/>
+    <dgm:cxn modelId="{05B7CC0D-6308-4B81-828F-7521EC05D88F}" srcId="{14827203-6BE6-4BBB-8320-CC4B07F40113}" destId="{E3300FDB-8AF6-4936-940D-7AF65F360A62}" srcOrd="3" destOrd="0" parTransId="{3E958E05-6BE0-4CD1-8E48-A559C8C2C2C7}" sibTransId="{47848C98-7423-4FF9-A8DD-BE9FC50D3B05}"/>
+    <dgm:cxn modelId="{9A22A4D8-148A-430C-A453-B57364A8E036}" type="presOf" srcId="{E88C9672-0838-4454-ABF2-8B0D41826FB2}" destId="{1A251DF1-7E17-4BB5-9C9E-C12D48354754}" srcOrd="1" destOrd="0" presId="urn:microsoft.com/office/officeart/2005/8/layout/process5"/>
+    <dgm:cxn modelId="{70A3365A-6FB7-4B98-81D5-E694F2602A2A}" type="presOf" srcId="{E8F3EE46-9837-4250-AB3F-07E8E51C2B97}" destId="{40D9F68F-4BB4-4BDE-9A63-FDCB0DECDEA1}" srcOrd="0" destOrd="0" presId="urn:microsoft.com/office/officeart/2005/8/layout/process5"/>
+    <dgm:cxn modelId="{0681FAB2-D2DB-489B-A248-59CD2C1E5413}" type="presParOf" srcId="{BB1E852B-B42F-4500-8683-287617D29D50}" destId="{3CE91F69-CCCA-4F0D-BD80-6C053D25F7FF}" srcOrd="0" destOrd="0" presId="urn:microsoft.com/office/officeart/2005/8/layout/process5"/>
+    <dgm:cxn modelId="{20AE861E-3A4A-45E7-9D8C-24824559D5E0}" type="presParOf" srcId="{BB1E852B-B42F-4500-8683-287617D29D50}" destId="{40D9F68F-4BB4-4BDE-9A63-FDCB0DECDEA1}" srcOrd="1" destOrd="0" presId="urn:microsoft.com/office/officeart/2005/8/layout/process5"/>
+    <dgm:cxn modelId="{D24C94F5-043C-487C-ADFD-FCA8DA6BFD43}" type="presParOf" srcId="{40D9F68F-4BB4-4BDE-9A63-FDCB0DECDEA1}" destId="{2630FA7B-3AD8-4508-AF95-4243608CBA1C}" srcOrd="0" destOrd="0" presId="urn:microsoft.com/office/officeart/2005/8/layout/process5"/>
+    <dgm:cxn modelId="{3963D295-0738-4099-A9D0-A2F4DF300497}" type="presParOf" srcId="{BB1E852B-B42F-4500-8683-287617D29D50}" destId="{CDA88B6E-100C-495D-BFB1-A8A131957869}" srcOrd="2" destOrd="0" presId="urn:microsoft.com/office/officeart/2005/8/layout/process5"/>
+    <dgm:cxn modelId="{FE79A79D-4557-49E4-9F33-E5E1144FB126}" type="presParOf" srcId="{BB1E852B-B42F-4500-8683-287617D29D50}" destId="{582ED37A-81FA-4DCE-9E79-2519487CB4A5}" srcOrd="3" destOrd="0" presId="urn:microsoft.com/office/officeart/2005/8/layout/process5"/>
+    <dgm:cxn modelId="{6F54141B-6159-49A2-973C-848638E1940A}" type="presParOf" srcId="{582ED37A-81FA-4DCE-9E79-2519487CB4A5}" destId="{1A251DF1-7E17-4BB5-9C9E-C12D48354754}" srcOrd="0" destOrd="0" presId="urn:microsoft.com/office/officeart/2005/8/layout/process5"/>
+    <dgm:cxn modelId="{6237B3B3-7F83-4166-82A6-2DAF8FBC21B0}" type="presParOf" srcId="{BB1E852B-B42F-4500-8683-287617D29D50}" destId="{1E239C66-EEC4-40AE-9182-DC3E09152E49}" srcOrd="4" destOrd="0" presId="urn:microsoft.com/office/officeart/2005/8/layout/process5"/>
+    <dgm:cxn modelId="{5246EC01-ED2D-4085-8E04-A498A2CC7471}" type="presParOf" srcId="{BB1E852B-B42F-4500-8683-287617D29D50}" destId="{E2E820BD-B1AC-4943-9A0D-BD7DCF9CF986}" srcOrd="5" destOrd="0" presId="urn:microsoft.com/office/officeart/2005/8/layout/process5"/>
+    <dgm:cxn modelId="{9EF9C344-57EB-4573-A068-7970C6DF150E}" type="presParOf" srcId="{E2E820BD-B1AC-4943-9A0D-BD7DCF9CF986}" destId="{1BAED8B9-3BF2-427C-BD55-0BACEDEF65F4}" srcOrd="0" destOrd="0" presId="urn:microsoft.com/office/officeart/2005/8/layout/process5"/>
+    <dgm:cxn modelId="{7289E9DD-5501-412A-98C9-0E6DC870736F}" type="presParOf" srcId="{BB1E852B-B42F-4500-8683-287617D29D50}" destId="{00821F2B-8EDF-459D-81D8-16669CEC700D}" srcOrd="6" destOrd="0" presId="urn:microsoft.com/office/officeart/2005/8/layout/process5"/>
+  </dgm:cxnLst>
+  <dgm:bg/>
+  <dgm:whole/>
+  <dgm:extLst>
+    <a:ext uri="http://schemas.microsoft.com/office/drawing/2008/diagram">
+      <dsp:dataModelExt xmlns:dsp="http://schemas.microsoft.com/office/drawing/2008/diagram" relId="rId6" minVer="http://schemas.openxmlformats.org/drawingml/2006/diagram"/>
+    </a:ext>
+  </dgm:extLst>
+</dgm:dataModel>
 </file>
 
-<file path=ppt/diagrams/drawing2.xml><?xml version="1.0" encoding="utf-8"?>
+<file path=ppt/diagrams/drawing1.xml><?xml version="1.0" encoding="utf-8"?>
 <dsp:drawing xmlns:dgm="http://schemas.openxmlformats.org/drawingml/2006/diagram" xmlns:dsp="http://schemas.microsoft.com/office/drawing/2008/diagram" xmlns:a="http://schemas.openxmlformats.org/drawingml/2006/main">
   <dsp:spTree>
     <dsp:nvGrpSpPr>
@@ -3645,178 +2999,653 @@
 </dsp:drawing>
 </file>
 
-<file path=ppt/diagrams/layout1.xml><?xml version="1.0" encoding="utf-8"?>
-<dgm:layoutDef xmlns:dgm="http://schemas.openxmlformats.org/drawingml/2006/diagram" xmlns:a="http://schemas.openxmlformats.org/drawingml/2006/main" uniqueId="urn:microsoft.com/office/officeart/2005/8/layout/process5">
-  <dgm:title val=""/>
-  <dgm:desc val=""/>
-  <dgm:catLst>
-    <dgm:cat type="process" pri="17000"/>
-  </dgm:catLst>
-  <dgm:sampData>
-    <dgm:dataModel>
-      <dgm:ptLst>
-        <dgm:pt modelId="0" type="doc"/>
-        <dgm:pt modelId="1">
-          <dgm:prSet phldr="1"/>
-        </dgm:pt>
-        <dgm:pt modelId="2">
-          <dgm:prSet phldr="1"/>
-        </dgm:pt>
-        <dgm:pt modelId="3">
-          <dgm:prSet phldr="1"/>
-        </dgm:pt>
-        <dgm:pt modelId="4">
-          <dgm:prSet phldr="1"/>
-        </dgm:pt>
-        <dgm:pt modelId="5">
-          <dgm:prSet phldr="1"/>
-        </dgm:pt>
-      </dgm:ptLst>
-      <dgm:cxnLst>
-        <dgm:cxn modelId="7" srcId="0" destId="1" srcOrd="0" destOrd="0"/>
-        <dgm:cxn modelId="8" srcId="0" destId="2" srcOrd="1" destOrd="0"/>
-        <dgm:cxn modelId="9" srcId="0" destId="3" srcOrd="2" destOrd="0"/>
-        <dgm:cxn modelId="10" srcId="0" destId="4" srcOrd="3" destOrd="0"/>
-        <dgm:cxn modelId="11" srcId="0" destId="5" srcOrd="4" destOrd="0"/>
-      </dgm:cxnLst>
-      <dgm:bg/>
-      <dgm:whole/>
-    </dgm:dataModel>
-  </dgm:sampData>
-  <dgm:styleData>
-    <dgm:dataModel>
-      <dgm:ptLst>
-        <dgm:pt modelId="0" type="doc"/>
-        <dgm:pt modelId="1"/>
-        <dgm:pt modelId="2"/>
-      </dgm:ptLst>
-      <dgm:cxnLst>
-        <dgm:cxn modelId="3" srcId="0" destId="1" srcOrd="0" destOrd="0"/>
-        <dgm:cxn modelId="4" srcId="0" destId="2" srcOrd="1" destOrd="0"/>
-      </dgm:cxnLst>
-      <dgm:bg/>
-      <dgm:whole/>
-    </dgm:dataModel>
-  </dgm:styleData>
-  <dgm:clrData>
-    <dgm:dataModel>
-      <dgm:ptLst>
-        <dgm:pt modelId="0" type="doc"/>
-        <dgm:pt modelId="1"/>
-        <dgm:pt modelId="2"/>
-        <dgm:pt modelId="3"/>
-        <dgm:pt modelId="4"/>
-      </dgm:ptLst>
-      <dgm:cxnLst>
-        <dgm:cxn modelId="5" srcId="0" destId="1" srcOrd="0" destOrd="0"/>
-        <dgm:cxn modelId="6" srcId="0" destId="2" srcOrd="1" destOrd="0"/>
-        <dgm:cxn modelId="7" srcId="0" destId="3" srcOrd="2" destOrd="0"/>
-        <dgm:cxn modelId="8" srcId="0" destId="4" srcOrd="3" destOrd="0"/>
-      </dgm:cxnLst>
-      <dgm:bg/>
-      <dgm:whole/>
-    </dgm:dataModel>
-  </dgm:clrData>
-  <dgm:layoutNode name="diagram">
-    <dgm:varLst>
-      <dgm:dir/>
-      <dgm:resizeHandles val="exact"/>
-    </dgm:varLst>
-    <dgm:choose name="Name0">
-      <dgm:if name="Name1" axis="self" func="var" arg="dir" op="equ" val="norm">
-        <dgm:alg type="snake">
-          <dgm:param type="grDir" val="tL"/>
-          <dgm:param type="flowDir" val="row"/>
-          <dgm:param type="contDir" val="revDir"/>
-          <dgm:param type="bkpt" val="endCnv"/>
-        </dgm:alg>
-      </dgm:if>
-      <dgm:else name="Name2">
-        <dgm:alg type="snake">
-          <dgm:param type="grDir" val="tR"/>
-          <dgm:param type="flowDir" val="row"/>
-          <dgm:param type="contDir" val="revDir"/>
-          <dgm:param type="bkpt" val="endCnv"/>
-        </dgm:alg>
-      </dgm:else>
-    </dgm:choose>
-    <dgm:shape xmlns:r="http://schemas.openxmlformats.org/officeDocument/2006/relationships" r:blip="">
-      <dgm:adjLst/>
-    </dgm:shape>
-    <dgm:presOf/>
-    <dgm:constrLst>
-      <dgm:constr type="w" for="ch" ptType="node" refType="w"/>
-      <dgm:constr type="w" for="ch" forName="sibTrans" refType="w" refFor="ch" refPtType="node" op="equ" fact="0.4"/>
-      <dgm:constr type="sp" refType="w" refFor="ch" refForName="sibTrans" op="equ"/>
-      <dgm:constr type="primFontSz" for="ch" ptType="node" op="equ" val="65"/>
-      <dgm:constr type="primFontSz" for="des" forName="connectorText" op="equ" val="55"/>
-      <dgm:constr type="primFontSz" for="des" forName="connectorText" refType="primFontSz" refFor="ch" refPtType="node" op="lte" fact="0.8"/>
-    </dgm:constrLst>
-    <dgm:ruleLst/>
-    <dgm:forEach name="nodesForEach" axis="ch" ptType="node">
-      <dgm:layoutNode name="node">
-        <dgm:varLst>
-          <dgm:bulletEnabled val="1"/>
-        </dgm:varLst>
-        <dgm:alg type="tx"/>
-        <dgm:shape xmlns:r="http://schemas.openxmlformats.org/officeDocument/2006/relationships" type="roundRect" r:blip="">
-          <dgm:adjLst>
-            <dgm:adj idx="1" val="0.1"/>
-          </dgm:adjLst>
-        </dgm:shape>
-        <dgm:presOf axis="desOrSelf" ptType="node"/>
-        <dgm:constrLst>
-          <dgm:constr type="h" refType="w" fact="0.6"/>
-          <dgm:constr type="tMarg" refType="primFontSz" fact="0.3"/>
-          <dgm:constr type="bMarg" refType="primFontSz" fact="0.3"/>
-          <dgm:constr type="lMarg" refType="primFontSz" fact="0.3"/>
-          <dgm:constr type="rMarg" refType="primFontSz" fact="0.3"/>
-        </dgm:constrLst>
-        <dgm:ruleLst>
-          <dgm:rule type="primFontSz" val="5" fact="NaN" max="NaN"/>
-        </dgm:ruleLst>
-      </dgm:layoutNode>
-      <dgm:forEach name="sibTransForEach" axis="followSib" ptType="sibTrans" cnt="1">
-        <dgm:layoutNode name="sibTrans">
-          <dgm:alg type="conn">
-            <dgm:param type="begPts" val="auto"/>
-            <dgm:param type="endPts" val="auto"/>
-          </dgm:alg>
-          <dgm:shape xmlns:r="http://schemas.openxmlformats.org/officeDocument/2006/relationships" type="conn" r:blip="">
-            <dgm:adjLst/>
-          </dgm:shape>
-          <dgm:presOf axis="self"/>
-          <dgm:constrLst>
-            <dgm:constr type="h" refType="w" fact="0.62"/>
-            <dgm:constr type="connDist"/>
-          </dgm:constrLst>
-          <dgm:ruleLst/>
-          <dgm:layoutNode name="connectorText">
-            <dgm:alg type="tx">
-              <dgm:param type="autoTxRot" val="upr"/>
-            </dgm:alg>
-            <dgm:shape xmlns:r="http://schemas.openxmlformats.org/officeDocument/2006/relationships" type="conn" r:blip="" hideGeom="1">
-              <dgm:adjLst/>
-            </dgm:shape>
-            <dgm:presOf axis="self"/>
-            <dgm:constrLst>
-              <dgm:constr type="lMarg"/>
-              <dgm:constr type="rMarg"/>
-              <dgm:constr type="tMarg"/>
-              <dgm:constr type="bMarg"/>
-            </dgm:constrLst>
-            <dgm:ruleLst>
-              <dgm:rule type="primFontSz" val="5" fact="NaN" max="NaN"/>
-            </dgm:ruleLst>
-          </dgm:layoutNode>
-        </dgm:layoutNode>
-      </dgm:forEach>
-    </dgm:forEach>
-  </dgm:layoutNode>
-</dgm:layoutDef>
+<file path=ppt/diagrams/drawing2.xml><?xml version="1.0" encoding="utf-8"?>
+<dsp:drawing xmlns:dgm="http://schemas.openxmlformats.org/drawingml/2006/diagram" xmlns:dsp="http://schemas.microsoft.com/office/drawing/2008/diagram" xmlns:a="http://schemas.openxmlformats.org/drawingml/2006/main">
+  <dsp:spTree>
+    <dsp:nvGrpSpPr>
+      <dsp:cNvPr id="0" name=""/>
+      <dsp:cNvGrpSpPr/>
+    </dsp:nvGrpSpPr>
+    <dsp:grpSpPr/>
+    <dsp:sp modelId="{3CE91F69-CCCA-4F0D-BD80-6C053D25F7FF}">
+      <dsp:nvSpPr>
+        <dsp:cNvPr id="0" name=""/>
+        <dsp:cNvSpPr/>
+      </dsp:nvSpPr>
+      <dsp:spPr>
+        <a:xfrm>
+          <a:off x="1391863" y="3190"/>
+          <a:ext cx="2421910" cy="1453146"/>
+        </a:xfrm>
+        <a:prstGeom prst="roundRect">
+          <a:avLst>
+            <a:gd name="adj" fmla="val 10000"/>
+          </a:avLst>
+        </a:prstGeom>
+        <a:gradFill rotWithShape="0">
+          <a:gsLst>
+            <a:gs pos="0">
+              <a:schemeClr val="accent1">
+                <a:hueOff val="0"/>
+                <a:satOff val="0"/>
+                <a:lumOff val="0"/>
+                <a:alphaOff val="0"/>
+                <a:tint val="65000"/>
+                <a:lumMod val="110000"/>
+              </a:schemeClr>
+            </a:gs>
+            <a:gs pos="88000">
+              <a:schemeClr val="accent1">
+                <a:hueOff val="0"/>
+                <a:satOff val="0"/>
+                <a:lumOff val="0"/>
+                <a:alphaOff val="0"/>
+                <a:tint val="90000"/>
+              </a:schemeClr>
+            </a:gs>
+          </a:gsLst>
+          <a:lin ang="5400000" scaled="0"/>
+        </a:gradFill>
+        <a:ln>
+          <a:noFill/>
+        </a:ln>
+        <a:effectLst/>
+        <a:scene3d>
+          <a:camera prst="orthographicFront"/>
+          <a:lightRig rig="flat" dir="t"/>
+        </a:scene3d>
+        <a:sp3d prstMaterial="dkEdge">
+          <a:bevelT w="8200" h="38100"/>
+        </a:sp3d>
+      </dsp:spPr>
+      <dsp:style>
+        <a:lnRef idx="0">
+          <a:scrgbClr r="0" g="0" b="0"/>
+        </a:lnRef>
+        <a:fillRef idx="2">
+          <a:scrgbClr r="0" g="0" b="0"/>
+        </a:fillRef>
+        <a:effectRef idx="1">
+          <a:scrgbClr r="0" g="0" b="0"/>
+        </a:effectRef>
+        <a:fontRef idx="minor">
+          <a:schemeClr val="dk1"/>
+        </a:fontRef>
+      </dsp:style>
+      <dsp:txBody>
+        <a:bodyPr spcFirstLastPara="0" vert="horz" wrap="square" lIns="91440" tIns="91440" rIns="91440" bIns="91440" numCol="1" spcCol="1270" anchor="ctr" anchorCtr="0">
+          <a:noAutofit/>
+        </a:bodyPr>
+        <a:lstStyle/>
+        <a:p>
+          <a:pPr lvl="0" algn="ctr" defTabSz="1066800">
+            <a:lnSpc>
+              <a:spcPct val="90000"/>
+            </a:lnSpc>
+            <a:spcBef>
+              <a:spcPct val="0"/>
+            </a:spcBef>
+            <a:spcAft>
+              <a:spcPct val="35000"/>
+            </a:spcAft>
+          </a:pPr>
+          <a:r>
+            <a:rPr lang="cs-CZ" sz="2400" kern="1200" dirty="0" smtClean="0"/>
+            <a:t>Vytvořit dva snímky</a:t>
+          </a:r>
+          <a:endParaRPr lang="cs-CZ" sz="2400" kern="1200" dirty="0"/>
+        </a:p>
+      </dsp:txBody>
+      <dsp:txXfrm>
+        <a:off x="1434424" y="45751"/>
+        <a:ext cx="2336788" cy="1368024"/>
+      </dsp:txXfrm>
+    </dsp:sp>
+    <dsp:sp modelId="{40D9F68F-4BB4-4BDE-9A63-FDCB0DECDEA1}">
+      <dsp:nvSpPr>
+        <dsp:cNvPr id="0" name=""/>
+        <dsp:cNvSpPr/>
+      </dsp:nvSpPr>
+      <dsp:spPr>
+        <a:xfrm>
+          <a:off x="4026902" y="429446"/>
+          <a:ext cx="513444" cy="600633"/>
+        </a:xfrm>
+        <a:prstGeom prst="rightArrow">
+          <a:avLst>
+            <a:gd name="adj1" fmla="val 60000"/>
+            <a:gd name="adj2" fmla="val 50000"/>
+          </a:avLst>
+        </a:prstGeom>
+        <a:gradFill rotWithShape="0">
+          <a:gsLst>
+            <a:gs pos="0">
+              <a:schemeClr val="accent1">
+                <a:tint val="60000"/>
+                <a:hueOff val="0"/>
+                <a:satOff val="0"/>
+                <a:lumOff val="0"/>
+                <a:alphaOff val="0"/>
+                <a:tint val="65000"/>
+                <a:lumMod val="110000"/>
+              </a:schemeClr>
+            </a:gs>
+            <a:gs pos="88000">
+              <a:schemeClr val="accent1">
+                <a:tint val="60000"/>
+                <a:hueOff val="0"/>
+                <a:satOff val="0"/>
+                <a:lumOff val="0"/>
+                <a:alphaOff val="0"/>
+                <a:tint val="90000"/>
+              </a:schemeClr>
+            </a:gs>
+          </a:gsLst>
+          <a:lin ang="5400000" scaled="0"/>
+        </a:gradFill>
+        <a:ln>
+          <a:noFill/>
+        </a:ln>
+        <a:effectLst/>
+      </dsp:spPr>
+      <dsp:style>
+        <a:lnRef idx="0">
+          <a:scrgbClr r="0" g="0" b="0"/>
+        </a:lnRef>
+        <a:fillRef idx="2">
+          <a:scrgbClr r="0" g="0" b="0"/>
+        </a:fillRef>
+        <a:effectRef idx="1">
+          <a:scrgbClr r="0" g="0" b="0"/>
+        </a:effectRef>
+        <a:fontRef idx="minor">
+          <a:schemeClr val="dk1"/>
+        </a:fontRef>
+      </dsp:style>
+      <dsp:txBody>
+        <a:bodyPr spcFirstLastPara="0" vert="horz" wrap="square" lIns="0" tIns="0" rIns="0" bIns="0" numCol="1" spcCol="1270" anchor="ctr" anchorCtr="0">
+          <a:noAutofit/>
+        </a:bodyPr>
+        <a:lstStyle/>
+        <a:p>
+          <a:pPr lvl="0" algn="ctr" defTabSz="844550">
+            <a:lnSpc>
+              <a:spcPct val="90000"/>
+            </a:lnSpc>
+            <a:spcBef>
+              <a:spcPct val="0"/>
+            </a:spcBef>
+            <a:spcAft>
+              <a:spcPct val="35000"/>
+            </a:spcAft>
+          </a:pPr>
+          <a:endParaRPr lang="cs-CZ" sz="1900" kern="1200"/>
+        </a:p>
+      </dsp:txBody>
+      <dsp:txXfrm>
+        <a:off x="4026902" y="549573"/>
+        <a:ext cx="359411" cy="360379"/>
+      </dsp:txXfrm>
+    </dsp:sp>
+    <dsp:sp modelId="{CDA88B6E-100C-495D-BFB1-A8A131957869}">
+      <dsp:nvSpPr>
+        <dsp:cNvPr id="0" name=""/>
+        <dsp:cNvSpPr/>
+      </dsp:nvSpPr>
+      <dsp:spPr>
+        <a:xfrm>
+          <a:off x="4782538" y="3190"/>
+          <a:ext cx="2421910" cy="1453146"/>
+        </a:xfrm>
+        <a:prstGeom prst="roundRect">
+          <a:avLst>
+            <a:gd name="adj" fmla="val 10000"/>
+          </a:avLst>
+        </a:prstGeom>
+        <a:gradFill rotWithShape="0">
+          <a:gsLst>
+            <a:gs pos="0">
+              <a:schemeClr val="accent1">
+                <a:hueOff val="0"/>
+                <a:satOff val="0"/>
+                <a:lumOff val="0"/>
+                <a:alphaOff val="0"/>
+                <a:tint val="65000"/>
+                <a:lumMod val="110000"/>
+              </a:schemeClr>
+            </a:gs>
+            <a:gs pos="88000">
+              <a:schemeClr val="accent1">
+                <a:hueOff val="0"/>
+                <a:satOff val="0"/>
+                <a:lumOff val="0"/>
+                <a:alphaOff val="0"/>
+                <a:tint val="90000"/>
+              </a:schemeClr>
+            </a:gs>
+          </a:gsLst>
+          <a:lin ang="5400000" scaled="0"/>
+        </a:gradFill>
+        <a:ln>
+          <a:noFill/>
+        </a:ln>
+        <a:effectLst/>
+        <a:scene3d>
+          <a:camera prst="orthographicFront"/>
+          <a:lightRig rig="flat" dir="t"/>
+        </a:scene3d>
+        <a:sp3d prstMaterial="dkEdge">
+          <a:bevelT w="8200" h="38100"/>
+        </a:sp3d>
+      </dsp:spPr>
+      <dsp:style>
+        <a:lnRef idx="0">
+          <a:scrgbClr r="0" g="0" b="0"/>
+        </a:lnRef>
+        <a:fillRef idx="2">
+          <a:scrgbClr r="0" g="0" b="0"/>
+        </a:fillRef>
+        <a:effectRef idx="1">
+          <a:scrgbClr r="0" g="0" b="0"/>
+        </a:effectRef>
+        <a:fontRef idx="minor">
+          <a:schemeClr val="dk1"/>
+        </a:fontRef>
+      </dsp:style>
+      <dsp:txBody>
+        <a:bodyPr spcFirstLastPara="0" vert="horz" wrap="square" lIns="91440" tIns="91440" rIns="91440" bIns="91440" numCol="1" spcCol="1270" anchor="ctr" anchorCtr="0">
+          <a:noAutofit/>
+        </a:bodyPr>
+        <a:lstStyle/>
+        <a:p>
+          <a:pPr lvl="0" algn="ctr" defTabSz="1066800">
+            <a:lnSpc>
+              <a:spcPct val="90000"/>
+            </a:lnSpc>
+            <a:spcBef>
+              <a:spcPct val="0"/>
+            </a:spcBef>
+            <a:spcAft>
+              <a:spcPct val="35000"/>
+            </a:spcAft>
+          </a:pPr>
+          <a:r>
+            <a:rPr lang="cs-CZ" sz="2400" kern="1200" dirty="0" smtClean="0"/>
+            <a:t>Korespondenční body</a:t>
+          </a:r>
+          <a:endParaRPr lang="cs-CZ" sz="2400" kern="1200" dirty="0"/>
+        </a:p>
+      </dsp:txBody>
+      <dsp:txXfrm>
+        <a:off x="4825099" y="45751"/>
+        <a:ext cx="2336788" cy="1368024"/>
+      </dsp:txXfrm>
+    </dsp:sp>
+    <dsp:sp modelId="{582ED37A-81FA-4DCE-9E79-2519487CB4A5}">
+      <dsp:nvSpPr>
+        <dsp:cNvPr id="0" name=""/>
+        <dsp:cNvSpPr/>
+      </dsp:nvSpPr>
+      <dsp:spPr>
+        <a:xfrm rot="5400000">
+          <a:off x="5736770" y="1625870"/>
+          <a:ext cx="513444" cy="600633"/>
+        </a:xfrm>
+        <a:prstGeom prst="rightArrow">
+          <a:avLst>
+            <a:gd name="adj1" fmla="val 60000"/>
+            <a:gd name="adj2" fmla="val 50000"/>
+          </a:avLst>
+        </a:prstGeom>
+        <a:gradFill rotWithShape="0">
+          <a:gsLst>
+            <a:gs pos="0">
+              <a:schemeClr val="accent1">
+                <a:tint val="60000"/>
+                <a:hueOff val="0"/>
+                <a:satOff val="0"/>
+                <a:lumOff val="0"/>
+                <a:alphaOff val="0"/>
+                <a:tint val="65000"/>
+                <a:lumMod val="110000"/>
+              </a:schemeClr>
+            </a:gs>
+            <a:gs pos="88000">
+              <a:schemeClr val="accent1">
+                <a:tint val="60000"/>
+                <a:hueOff val="0"/>
+                <a:satOff val="0"/>
+                <a:lumOff val="0"/>
+                <a:alphaOff val="0"/>
+                <a:tint val="90000"/>
+              </a:schemeClr>
+            </a:gs>
+          </a:gsLst>
+          <a:lin ang="5400000" scaled="0"/>
+        </a:gradFill>
+        <a:ln>
+          <a:noFill/>
+        </a:ln>
+        <a:effectLst/>
+      </dsp:spPr>
+      <dsp:style>
+        <a:lnRef idx="0">
+          <a:scrgbClr r="0" g="0" b="0"/>
+        </a:lnRef>
+        <a:fillRef idx="2">
+          <a:scrgbClr r="0" g="0" b="0"/>
+        </a:fillRef>
+        <a:effectRef idx="1">
+          <a:scrgbClr r="0" g="0" b="0"/>
+        </a:effectRef>
+        <a:fontRef idx="minor">
+          <a:schemeClr val="dk1"/>
+        </a:fontRef>
+      </dsp:style>
+      <dsp:txBody>
+        <a:bodyPr spcFirstLastPara="0" vert="horz" wrap="square" lIns="0" tIns="0" rIns="0" bIns="0" numCol="1" spcCol="1270" anchor="ctr" anchorCtr="0">
+          <a:noAutofit/>
+        </a:bodyPr>
+        <a:lstStyle/>
+        <a:p>
+          <a:pPr lvl="0" algn="ctr" defTabSz="844550">
+            <a:lnSpc>
+              <a:spcPct val="90000"/>
+            </a:lnSpc>
+            <a:spcBef>
+              <a:spcPct val="0"/>
+            </a:spcBef>
+            <a:spcAft>
+              <a:spcPct val="35000"/>
+            </a:spcAft>
+          </a:pPr>
+          <a:endParaRPr lang="cs-CZ" sz="1900" kern="1200"/>
+        </a:p>
+      </dsp:txBody>
+      <dsp:txXfrm rot="-5400000">
+        <a:off x="5813303" y="1669465"/>
+        <a:ext cx="360379" cy="359411"/>
+      </dsp:txXfrm>
+    </dsp:sp>
+    <dsp:sp modelId="{1E239C66-EEC4-40AE-9182-DC3E09152E49}">
+      <dsp:nvSpPr>
+        <dsp:cNvPr id="0" name=""/>
+        <dsp:cNvSpPr/>
+      </dsp:nvSpPr>
+      <dsp:spPr>
+        <a:xfrm>
+          <a:off x="4782538" y="2425100"/>
+          <a:ext cx="2421910" cy="1453146"/>
+        </a:xfrm>
+        <a:prstGeom prst="roundRect">
+          <a:avLst>
+            <a:gd name="adj" fmla="val 10000"/>
+          </a:avLst>
+        </a:prstGeom>
+        <a:gradFill rotWithShape="0">
+          <a:gsLst>
+            <a:gs pos="0">
+              <a:schemeClr val="accent1">
+                <a:hueOff val="0"/>
+                <a:satOff val="0"/>
+                <a:lumOff val="0"/>
+                <a:alphaOff val="0"/>
+                <a:tint val="65000"/>
+                <a:lumMod val="110000"/>
+              </a:schemeClr>
+            </a:gs>
+            <a:gs pos="88000">
+              <a:schemeClr val="accent1">
+                <a:hueOff val="0"/>
+                <a:satOff val="0"/>
+                <a:lumOff val="0"/>
+                <a:alphaOff val="0"/>
+                <a:tint val="90000"/>
+              </a:schemeClr>
+            </a:gs>
+          </a:gsLst>
+          <a:lin ang="5400000" scaled="0"/>
+        </a:gradFill>
+        <a:ln>
+          <a:noFill/>
+        </a:ln>
+        <a:effectLst/>
+        <a:scene3d>
+          <a:camera prst="orthographicFront"/>
+          <a:lightRig rig="flat" dir="t"/>
+        </a:scene3d>
+        <a:sp3d prstMaterial="dkEdge">
+          <a:bevelT w="8200" h="38100"/>
+        </a:sp3d>
+      </dsp:spPr>
+      <dsp:style>
+        <a:lnRef idx="0">
+          <a:scrgbClr r="0" g="0" b="0"/>
+        </a:lnRef>
+        <a:fillRef idx="2">
+          <a:scrgbClr r="0" g="0" b="0"/>
+        </a:fillRef>
+        <a:effectRef idx="1">
+          <a:scrgbClr r="0" g="0" b="0"/>
+        </a:effectRef>
+        <a:fontRef idx="minor">
+          <a:schemeClr val="dk1"/>
+        </a:fontRef>
+      </dsp:style>
+      <dsp:txBody>
+        <a:bodyPr spcFirstLastPara="0" vert="horz" wrap="square" lIns="91440" tIns="91440" rIns="91440" bIns="91440" numCol="1" spcCol="1270" anchor="ctr" anchorCtr="0">
+          <a:noAutofit/>
+        </a:bodyPr>
+        <a:lstStyle/>
+        <a:p>
+          <a:pPr lvl="0" algn="ctr" defTabSz="1066800">
+            <a:lnSpc>
+              <a:spcPct val="90000"/>
+            </a:lnSpc>
+            <a:spcBef>
+              <a:spcPct val="0"/>
+            </a:spcBef>
+            <a:spcAft>
+              <a:spcPct val="35000"/>
+            </a:spcAft>
+          </a:pPr>
+          <a:r>
+            <a:rPr lang="cs-CZ" sz="2400" kern="1200" smtClean="0"/>
+            <a:t>Navigace</a:t>
+          </a:r>
+          <a:endParaRPr lang="cs-CZ" sz="2400" kern="1200" dirty="0"/>
+        </a:p>
+      </dsp:txBody>
+      <dsp:txXfrm>
+        <a:off x="4825099" y="2467661"/>
+        <a:ext cx="2336788" cy="1368024"/>
+      </dsp:txXfrm>
+    </dsp:sp>
+    <dsp:sp modelId="{E2E820BD-B1AC-4943-9A0D-BD7DCF9CF986}">
+      <dsp:nvSpPr>
+        <dsp:cNvPr id="0" name=""/>
+        <dsp:cNvSpPr/>
+      </dsp:nvSpPr>
+      <dsp:spPr>
+        <a:xfrm rot="10800000">
+          <a:off x="4055964" y="2851356"/>
+          <a:ext cx="513444" cy="600633"/>
+        </a:xfrm>
+        <a:prstGeom prst="rightArrow">
+          <a:avLst>
+            <a:gd name="adj1" fmla="val 60000"/>
+            <a:gd name="adj2" fmla="val 50000"/>
+          </a:avLst>
+        </a:prstGeom>
+        <a:gradFill rotWithShape="0">
+          <a:gsLst>
+            <a:gs pos="0">
+              <a:schemeClr val="accent1">
+                <a:tint val="60000"/>
+                <a:hueOff val="0"/>
+                <a:satOff val="0"/>
+                <a:lumOff val="0"/>
+                <a:alphaOff val="0"/>
+                <a:tint val="65000"/>
+                <a:lumMod val="110000"/>
+              </a:schemeClr>
+            </a:gs>
+            <a:gs pos="88000">
+              <a:schemeClr val="accent1">
+                <a:tint val="60000"/>
+                <a:hueOff val="0"/>
+                <a:satOff val="0"/>
+                <a:lumOff val="0"/>
+                <a:alphaOff val="0"/>
+                <a:tint val="90000"/>
+              </a:schemeClr>
+            </a:gs>
+          </a:gsLst>
+          <a:lin ang="5400000" scaled="0"/>
+        </a:gradFill>
+        <a:ln>
+          <a:noFill/>
+        </a:ln>
+        <a:effectLst/>
+      </dsp:spPr>
+      <dsp:style>
+        <a:lnRef idx="0">
+          <a:scrgbClr r="0" g="0" b="0"/>
+        </a:lnRef>
+        <a:fillRef idx="2">
+          <a:scrgbClr r="0" g="0" b="0"/>
+        </a:fillRef>
+        <a:effectRef idx="1">
+          <a:scrgbClr r="0" g="0" b="0"/>
+        </a:effectRef>
+        <a:fontRef idx="minor">
+          <a:schemeClr val="dk1"/>
+        </a:fontRef>
+      </dsp:style>
+      <dsp:txBody>
+        <a:bodyPr spcFirstLastPara="0" vert="horz" wrap="square" lIns="0" tIns="0" rIns="0" bIns="0" numCol="1" spcCol="1270" anchor="ctr" anchorCtr="0">
+          <a:noAutofit/>
+        </a:bodyPr>
+        <a:lstStyle/>
+        <a:p>
+          <a:pPr lvl="0" algn="ctr" defTabSz="844550">
+            <a:lnSpc>
+              <a:spcPct val="90000"/>
+            </a:lnSpc>
+            <a:spcBef>
+              <a:spcPct val="0"/>
+            </a:spcBef>
+            <a:spcAft>
+              <a:spcPct val="35000"/>
+            </a:spcAft>
+          </a:pPr>
+          <a:endParaRPr lang="cs-CZ" sz="1900" kern="1200"/>
+        </a:p>
+      </dsp:txBody>
+      <dsp:txXfrm rot="10800000">
+        <a:off x="4209997" y="2971483"/>
+        <a:ext cx="359411" cy="360379"/>
+      </dsp:txXfrm>
+    </dsp:sp>
+    <dsp:sp modelId="{00821F2B-8EDF-459D-81D8-16669CEC700D}">
+      <dsp:nvSpPr>
+        <dsp:cNvPr id="0" name=""/>
+        <dsp:cNvSpPr/>
+      </dsp:nvSpPr>
+      <dsp:spPr>
+        <a:xfrm>
+          <a:off x="1391863" y="2425100"/>
+          <a:ext cx="2421910" cy="1453146"/>
+        </a:xfrm>
+        <a:prstGeom prst="roundRect">
+          <a:avLst>
+            <a:gd name="adj" fmla="val 10000"/>
+          </a:avLst>
+        </a:prstGeom>
+        <a:gradFill rotWithShape="0">
+          <a:gsLst>
+            <a:gs pos="0">
+              <a:schemeClr val="accent1">
+                <a:hueOff val="0"/>
+                <a:satOff val="0"/>
+                <a:lumOff val="0"/>
+                <a:alphaOff val="0"/>
+                <a:tint val="65000"/>
+                <a:lumMod val="110000"/>
+              </a:schemeClr>
+            </a:gs>
+            <a:gs pos="88000">
+              <a:schemeClr val="accent1">
+                <a:hueOff val="0"/>
+                <a:satOff val="0"/>
+                <a:lumOff val="0"/>
+                <a:alphaOff val="0"/>
+                <a:tint val="90000"/>
+              </a:schemeClr>
+            </a:gs>
+          </a:gsLst>
+          <a:lin ang="5400000" scaled="0"/>
+        </a:gradFill>
+        <a:ln>
+          <a:noFill/>
+        </a:ln>
+        <a:effectLst/>
+        <a:scene3d>
+          <a:camera prst="orthographicFront"/>
+          <a:lightRig rig="flat" dir="t"/>
+        </a:scene3d>
+        <a:sp3d prstMaterial="dkEdge">
+          <a:bevelT w="8200" h="38100"/>
+        </a:sp3d>
+      </dsp:spPr>
+      <dsp:style>
+        <a:lnRef idx="0">
+          <a:scrgbClr r="0" g="0" b="0"/>
+        </a:lnRef>
+        <a:fillRef idx="2">
+          <a:scrgbClr r="0" g="0" b="0"/>
+        </a:fillRef>
+        <a:effectRef idx="1">
+          <a:scrgbClr r="0" g="0" b="0"/>
+        </a:effectRef>
+        <a:fontRef idx="minor">
+          <a:schemeClr val="dk1"/>
+        </a:fontRef>
+      </dsp:style>
+      <dsp:txBody>
+        <a:bodyPr spcFirstLastPara="0" vert="horz" wrap="square" lIns="91440" tIns="91440" rIns="91440" bIns="91440" numCol="1" spcCol="1270" anchor="ctr" anchorCtr="0">
+          <a:noAutofit/>
+        </a:bodyPr>
+        <a:lstStyle/>
+        <a:p>
+          <a:pPr lvl="0" algn="ctr" defTabSz="1066800">
+            <a:lnSpc>
+              <a:spcPct val="90000"/>
+            </a:lnSpc>
+            <a:spcBef>
+              <a:spcPct val="0"/>
+            </a:spcBef>
+            <a:spcAft>
+              <a:spcPct val="35000"/>
+            </a:spcAft>
+          </a:pPr>
+          <a:r>
+            <a:rPr lang="cs-CZ" sz="2400" kern="1200" smtClean="0"/>
+            <a:t>Pořízení snímku</a:t>
+          </a:r>
+          <a:endParaRPr lang="cs-CZ" sz="2400" kern="1200" dirty="0"/>
+        </a:p>
+      </dsp:txBody>
+      <dsp:txXfrm>
+        <a:off x="1434424" y="2467661"/>
+        <a:ext cx="2336788" cy="1368024"/>
+      </dsp:txXfrm>
+    </dsp:sp>
+  </dsp:spTree>
+</dsp:drawing>
 </file>
 
-<file path=ppt/diagrams/layout2.xml><?xml version="1.0" encoding="utf-8"?>
+<file path=ppt/diagrams/layout1.xml><?xml version="1.0" encoding="utf-8"?>
 <dgm:layoutDef xmlns:dgm="http://schemas.openxmlformats.org/drawingml/2006/diagram" xmlns:a="http://schemas.openxmlformats.org/drawingml/2006/main" uniqueId="urn:microsoft.com/office/officeart/2008/layout/HalfCircleOrganizationChart">
   <dgm:title val=""/>
   <dgm:desc val=""/>
@@ -5111,1067 +4940,178 @@
 </dgm:layoutDef>
 </file>
 
-<file path=ppt/diagrams/quickStyle1.xml><?xml version="1.0" encoding="utf-8"?>
-<dgm:styleDef xmlns:dgm="http://schemas.openxmlformats.org/drawingml/2006/diagram" xmlns:a="http://schemas.openxmlformats.org/drawingml/2006/main" uniqueId="urn:microsoft.com/office/officeart/2005/8/quickstyle/simple3">
+<file path=ppt/diagrams/layout2.xml><?xml version="1.0" encoding="utf-8"?>
+<dgm:layoutDef xmlns:dgm="http://schemas.openxmlformats.org/drawingml/2006/diagram" xmlns:a="http://schemas.openxmlformats.org/drawingml/2006/main" uniqueId="urn:microsoft.com/office/officeart/2005/8/layout/process5">
   <dgm:title val=""/>
   <dgm:desc val=""/>
   <dgm:catLst>
-    <dgm:cat type="simple" pri="10300"/>
+    <dgm:cat type="process" pri="17000"/>
   </dgm:catLst>
-  <dgm:scene3d>
-    <a:camera prst="orthographicFront"/>
-    <a:lightRig rig="threePt" dir="t"/>
-  </dgm:scene3d>
-  <dgm:styleLbl name="node0">
-    <dgm:scene3d>
-      <a:camera prst="orthographicFront"/>
-      <a:lightRig rig="flat" dir="t"/>
-    </dgm:scene3d>
-    <dgm:sp3d prstMaterial="dkEdge">
-      <a:bevelT w="8200" h="38100"/>
-    </dgm:sp3d>
-    <dgm:txPr/>
-    <dgm:style>
-      <a:lnRef idx="0">
-        <a:scrgbClr r="0" g="0" b="0"/>
-      </a:lnRef>
-      <a:fillRef idx="2">
-        <a:scrgbClr r="0" g="0" b="0"/>
-      </a:fillRef>
-      <a:effectRef idx="1">
-        <a:scrgbClr r="0" g="0" b="0"/>
-      </a:effectRef>
-      <a:fontRef idx="minor">
-        <a:schemeClr val="dk1"/>
-      </a:fontRef>
-    </dgm:style>
-  </dgm:styleLbl>
-  <dgm:styleLbl name="lnNode1">
-    <dgm:scene3d>
-      <a:camera prst="orthographicFront"/>
-      <a:lightRig rig="flat" dir="t"/>
-    </dgm:scene3d>
-    <dgm:sp3d prstMaterial="dkEdge">
-      <a:bevelT w="8200" h="38100"/>
-    </dgm:sp3d>
-    <dgm:txPr/>
-    <dgm:style>
-      <a:lnRef idx="1">
-        <a:scrgbClr r="0" g="0" b="0"/>
-      </a:lnRef>
-      <a:fillRef idx="2">
-        <a:scrgbClr r="0" g="0" b="0"/>
-      </a:fillRef>
-      <a:effectRef idx="0">
-        <a:scrgbClr r="0" g="0" b="0"/>
-      </a:effectRef>
-      <a:fontRef idx="minor">
-        <a:schemeClr val="dk1"/>
-      </a:fontRef>
-    </dgm:style>
-  </dgm:styleLbl>
-  <dgm:styleLbl name="vennNode1">
-    <dgm:scene3d>
-      <a:camera prst="orthographicFront"/>
-      <a:lightRig rig="flat" dir="t"/>
-    </dgm:scene3d>
-    <dgm:sp3d prstMaterial="dkEdge">
-      <a:bevelT w="8200" h="38100"/>
-    </dgm:sp3d>
-    <dgm:txPr/>
-    <dgm:style>
-      <a:lnRef idx="0">
-        <a:scrgbClr r="0" g="0" b="0"/>
-      </a:lnRef>
-      <a:fillRef idx="2">
-        <a:scrgbClr r="0" g="0" b="0"/>
-      </a:fillRef>
-      <a:effectRef idx="0">
-        <a:scrgbClr r="0" g="0" b="0"/>
-      </a:effectRef>
-      <a:fontRef idx="minor">
-        <a:schemeClr val="tx1"/>
-      </a:fontRef>
-    </dgm:style>
-  </dgm:styleLbl>
-  <dgm:styleLbl name="alignNode1">
-    <dgm:scene3d>
-      <a:camera prst="orthographicFront"/>
-      <a:lightRig rig="threePt" dir="t"/>
-    </dgm:scene3d>
-    <dgm:sp3d/>
-    <dgm:txPr/>
-    <dgm:style>
-      <a:lnRef idx="1">
-        <a:scrgbClr r="0" g="0" b="0"/>
-      </a:lnRef>
-      <a:fillRef idx="2">
-        <a:scrgbClr r="0" g="0" b="0"/>
-      </a:fillRef>
-      <a:effectRef idx="1">
-        <a:scrgbClr r="0" g="0" b="0"/>
-      </a:effectRef>
-      <a:fontRef idx="minor">
-        <a:schemeClr val="dk1"/>
-      </a:fontRef>
-    </dgm:style>
-  </dgm:styleLbl>
-  <dgm:styleLbl name="node1">
-    <dgm:scene3d>
-      <a:camera prst="orthographicFront"/>
-      <a:lightRig rig="flat" dir="t"/>
-    </dgm:scene3d>
-    <dgm:sp3d prstMaterial="dkEdge">
-      <a:bevelT w="8200" h="38100"/>
-    </dgm:sp3d>
-    <dgm:txPr/>
-    <dgm:style>
-      <a:lnRef idx="0">
-        <a:scrgbClr r="0" g="0" b="0"/>
-      </a:lnRef>
-      <a:fillRef idx="2">
-        <a:scrgbClr r="0" g="0" b="0"/>
-      </a:fillRef>
-      <a:effectRef idx="1">
-        <a:scrgbClr r="0" g="0" b="0"/>
-      </a:effectRef>
-      <a:fontRef idx="minor">
-        <a:schemeClr val="dk1"/>
-      </a:fontRef>
-    </dgm:style>
-  </dgm:styleLbl>
-  <dgm:styleLbl name="node2">
-    <dgm:scene3d>
-      <a:camera prst="orthographicFront"/>
-      <a:lightRig rig="flat" dir="t"/>
-    </dgm:scene3d>
-    <dgm:sp3d prstMaterial="dkEdge">
-      <a:bevelT w="8200" h="38100"/>
-    </dgm:sp3d>
-    <dgm:txPr/>
-    <dgm:style>
-      <a:lnRef idx="0">
-        <a:scrgbClr r="0" g="0" b="0"/>
-      </a:lnRef>
-      <a:fillRef idx="2">
-        <a:scrgbClr r="0" g="0" b="0"/>
-      </a:fillRef>
-      <a:effectRef idx="1">
-        <a:scrgbClr r="0" g="0" b="0"/>
-      </a:effectRef>
-      <a:fontRef idx="minor">
-        <a:schemeClr val="dk1"/>
-      </a:fontRef>
-    </dgm:style>
-  </dgm:styleLbl>
-  <dgm:styleLbl name="node3">
-    <dgm:scene3d>
-      <a:camera prst="orthographicFront"/>
-      <a:lightRig rig="flat" dir="t"/>
-    </dgm:scene3d>
-    <dgm:sp3d prstMaterial="dkEdge">
-      <a:bevelT w="8200" h="38100"/>
-    </dgm:sp3d>
-    <dgm:txPr/>
-    <dgm:style>
-      <a:lnRef idx="0">
-        <a:scrgbClr r="0" g="0" b="0"/>
-      </a:lnRef>
-      <a:fillRef idx="2">
-        <a:scrgbClr r="0" g="0" b="0"/>
-      </a:fillRef>
-      <a:effectRef idx="1">
-        <a:scrgbClr r="0" g="0" b="0"/>
-      </a:effectRef>
-      <a:fontRef idx="minor">
-        <a:schemeClr val="dk1"/>
-      </a:fontRef>
-    </dgm:style>
-  </dgm:styleLbl>
-  <dgm:styleLbl name="node4">
-    <dgm:scene3d>
-      <a:camera prst="orthographicFront"/>
-      <a:lightRig rig="flat" dir="t"/>
-    </dgm:scene3d>
-    <dgm:sp3d prstMaterial="dkEdge">
-      <a:bevelT w="8200" h="38100"/>
-    </dgm:sp3d>
-    <dgm:txPr/>
-    <dgm:style>
-      <a:lnRef idx="0">
-        <a:scrgbClr r="0" g="0" b="0"/>
-      </a:lnRef>
-      <a:fillRef idx="2">
-        <a:scrgbClr r="0" g="0" b="0"/>
-      </a:fillRef>
-      <a:effectRef idx="1">
-        <a:scrgbClr r="0" g="0" b="0"/>
-      </a:effectRef>
-      <a:fontRef idx="minor">
-        <a:schemeClr val="dk1"/>
-      </a:fontRef>
-    </dgm:style>
-  </dgm:styleLbl>
-  <dgm:styleLbl name="fgImgPlace1">
-    <dgm:scene3d>
-      <a:camera prst="orthographicFront"/>
-      <a:lightRig rig="threePt" dir="t"/>
-    </dgm:scene3d>
-    <dgm:sp3d/>
-    <dgm:txPr/>
-    <dgm:style>
-      <a:lnRef idx="1">
-        <a:scrgbClr r="0" g="0" b="0"/>
-      </a:lnRef>
-      <a:fillRef idx="1">
-        <a:scrgbClr r="0" g="0" b="0"/>
-      </a:fillRef>
-      <a:effectRef idx="1">
-        <a:scrgbClr r="0" g="0" b="0"/>
-      </a:effectRef>
-      <a:fontRef idx="minor"/>
-    </dgm:style>
-  </dgm:styleLbl>
-  <dgm:styleLbl name="alignImgPlace1">
-    <dgm:scene3d>
-      <a:camera prst="orthographicFront"/>
-      <a:lightRig rig="threePt" dir="t"/>
-    </dgm:scene3d>
-    <dgm:sp3d/>
-    <dgm:txPr/>
-    <dgm:style>
-      <a:lnRef idx="1">
-        <a:scrgbClr r="0" g="0" b="0"/>
-      </a:lnRef>
-      <a:fillRef idx="1">
-        <a:scrgbClr r="0" g="0" b="0"/>
-      </a:fillRef>
-      <a:effectRef idx="1">
-        <a:scrgbClr r="0" g="0" b="0"/>
-      </a:effectRef>
-      <a:fontRef idx="minor"/>
-    </dgm:style>
-  </dgm:styleLbl>
-  <dgm:styleLbl name="bgImgPlace1">
-    <dgm:scene3d>
-      <a:camera prst="orthographicFront"/>
-      <a:lightRig rig="threePt" dir="t"/>
-    </dgm:scene3d>
-    <dgm:sp3d/>
-    <dgm:txPr/>
-    <dgm:style>
-      <a:lnRef idx="1">
-        <a:scrgbClr r="0" g="0" b="0"/>
-      </a:lnRef>
-      <a:fillRef idx="1">
-        <a:scrgbClr r="0" g="0" b="0"/>
-      </a:fillRef>
-      <a:effectRef idx="1">
-        <a:scrgbClr r="0" g="0" b="0"/>
-      </a:effectRef>
-      <a:fontRef idx="minor"/>
-    </dgm:style>
-  </dgm:styleLbl>
-  <dgm:styleLbl name="sibTrans2D1">
-    <dgm:scene3d>
-      <a:camera prst="orthographicFront"/>
-      <a:lightRig rig="threePt" dir="t"/>
-    </dgm:scene3d>
-    <dgm:sp3d/>
-    <dgm:txPr/>
-    <dgm:style>
-      <a:lnRef idx="0">
-        <a:scrgbClr r="0" g="0" b="0"/>
-      </a:lnRef>
-      <a:fillRef idx="2">
-        <a:scrgbClr r="0" g="0" b="0"/>
-      </a:fillRef>
-      <a:effectRef idx="1">
-        <a:scrgbClr r="0" g="0" b="0"/>
-      </a:effectRef>
-      <a:fontRef idx="minor">
-        <a:schemeClr val="dk1"/>
-      </a:fontRef>
-    </dgm:style>
-  </dgm:styleLbl>
-  <dgm:styleLbl name="fgSibTrans2D1">
-    <dgm:scene3d>
-      <a:camera prst="orthographicFront"/>
-      <a:lightRig rig="threePt" dir="t"/>
-    </dgm:scene3d>
-    <dgm:sp3d/>
-    <dgm:txPr/>
-    <dgm:style>
-      <a:lnRef idx="0">
-        <a:scrgbClr r="0" g="0" b="0"/>
-      </a:lnRef>
-      <a:fillRef idx="2">
-        <a:scrgbClr r="0" g="0" b="0"/>
-      </a:fillRef>
-      <a:effectRef idx="1">
-        <a:scrgbClr r="0" g="0" b="0"/>
-      </a:effectRef>
-      <a:fontRef idx="minor">
-        <a:schemeClr val="dk1"/>
-      </a:fontRef>
-    </dgm:style>
-  </dgm:styleLbl>
-  <dgm:styleLbl name="bgSibTrans2D1">
-    <dgm:scene3d>
-      <a:camera prst="orthographicFront"/>
-      <a:lightRig rig="threePt" dir="t"/>
-    </dgm:scene3d>
-    <dgm:sp3d/>
-    <dgm:txPr/>
-    <dgm:style>
-      <a:lnRef idx="0">
-        <a:scrgbClr r="0" g="0" b="0"/>
-      </a:lnRef>
-      <a:fillRef idx="2">
-        <a:scrgbClr r="0" g="0" b="0"/>
-      </a:fillRef>
-      <a:effectRef idx="1">
-        <a:scrgbClr r="0" g="0" b="0"/>
-      </a:effectRef>
-      <a:fontRef idx="minor">
-        <a:schemeClr val="dk1"/>
-      </a:fontRef>
-    </dgm:style>
-  </dgm:styleLbl>
-  <dgm:styleLbl name="sibTrans1D1">
-    <dgm:scene3d>
-      <a:camera prst="orthographicFront"/>
-      <a:lightRig rig="threePt" dir="t"/>
-    </dgm:scene3d>
-    <dgm:sp3d/>
-    <dgm:txPr/>
-    <dgm:style>
-      <a:lnRef idx="1">
-        <a:scrgbClr r="0" g="0" b="0"/>
-      </a:lnRef>
-      <a:fillRef idx="0">
-        <a:scrgbClr r="0" g="0" b="0"/>
-      </a:fillRef>
-      <a:effectRef idx="0">
-        <a:scrgbClr r="0" g="0" b="0"/>
-      </a:effectRef>
-      <a:fontRef idx="minor"/>
-    </dgm:style>
-  </dgm:styleLbl>
-  <dgm:styleLbl name="callout">
-    <dgm:scene3d>
-      <a:camera prst="orthographicFront"/>
-      <a:lightRig rig="threePt" dir="t"/>
-    </dgm:scene3d>
-    <dgm:sp3d/>
-    <dgm:txPr/>
-    <dgm:style>
-      <a:lnRef idx="1">
-        <a:scrgbClr r="0" g="0" b="0"/>
-      </a:lnRef>
-      <a:fillRef idx="2">
-        <a:scrgbClr r="0" g="0" b="0"/>
-      </a:fillRef>
-      <a:effectRef idx="1">
-        <a:scrgbClr r="0" g="0" b="0"/>
-      </a:effectRef>
-      <a:fontRef idx="minor"/>
-    </dgm:style>
-  </dgm:styleLbl>
-  <dgm:styleLbl name="asst0">
-    <dgm:scene3d>
-      <a:camera prst="orthographicFront"/>
-      <a:lightRig rig="flat" dir="t"/>
-    </dgm:scene3d>
-    <dgm:sp3d prstMaterial="dkEdge">
-      <a:bevelT w="8200" h="38100"/>
-    </dgm:sp3d>
-    <dgm:txPr/>
-    <dgm:style>
-      <a:lnRef idx="0">
-        <a:scrgbClr r="0" g="0" b="0"/>
-      </a:lnRef>
-      <a:fillRef idx="2">
-        <a:scrgbClr r="0" g="0" b="0"/>
-      </a:fillRef>
-      <a:effectRef idx="1">
-        <a:scrgbClr r="0" g="0" b="0"/>
-      </a:effectRef>
-      <a:fontRef idx="minor">
-        <a:schemeClr val="dk1"/>
-      </a:fontRef>
-    </dgm:style>
-  </dgm:styleLbl>
-  <dgm:styleLbl name="asst1">
-    <dgm:scene3d>
-      <a:camera prst="orthographicFront"/>
-      <a:lightRig rig="flat" dir="t"/>
-    </dgm:scene3d>
-    <dgm:sp3d prstMaterial="dkEdge">
-      <a:bevelT w="8200" h="38100"/>
-    </dgm:sp3d>
-    <dgm:txPr/>
-    <dgm:style>
-      <a:lnRef idx="0">
-        <a:scrgbClr r="0" g="0" b="0"/>
-      </a:lnRef>
-      <a:fillRef idx="2">
-        <a:scrgbClr r="0" g="0" b="0"/>
-      </a:fillRef>
-      <a:effectRef idx="1">
-        <a:scrgbClr r="0" g="0" b="0"/>
-      </a:effectRef>
-      <a:fontRef idx="minor">
-        <a:schemeClr val="dk1"/>
-      </a:fontRef>
-    </dgm:style>
-  </dgm:styleLbl>
-  <dgm:styleLbl name="asst2">
-    <dgm:scene3d>
-      <a:camera prst="orthographicFront"/>
-      <a:lightRig rig="flat" dir="t"/>
-    </dgm:scene3d>
-    <dgm:sp3d prstMaterial="dkEdge">
-      <a:bevelT w="8200" h="38100"/>
-    </dgm:sp3d>
-    <dgm:txPr/>
-    <dgm:style>
-      <a:lnRef idx="0">
-        <a:scrgbClr r="0" g="0" b="0"/>
-      </a:lnRef>
-      <a:fillRef idx="2">
-        <a:scrgbClr r="0" g="0" b="0"/>
-      </a:fillRef>
-      <a:effectRef idx="1">
-        <a:scrgbClr r="0" g="0" b="0"/>
-      </a:effectRef>
-      <a:fontRef idx="minor">
-        <a:schemeClr val="dk1"/>
-      </a:fontRef>
-    </dgm:style>
-  </dgm:styleLbl>
-  <dgm:styleLbl name="asst3">
-    <dgm:scene3d>
-      <a:camera prst="orthographicFront"/>
-      <a:lightRig rig="flat" dir="t"/>
-    </dgm:scene3d>
-    <dgm:sp3d prstMaterial="dkEdge">
-      <a:bevelT w="8200" h="38100"/>
-    </dgm:sp3d>
-    <dgm:txPr/>
-    <dgm:style>
-      <a:lnRef idx="0">
-        <a:scrgbClr r="0" g="0" b="0"/>
-      </a:lnRef>
-      <a:fillRef idx="2">
-        <a:scrgbClr r="0" g="0" b="0"/>
-      </a:fillRef>
-      <a:effectRef idx="1">
-        <a:scrgbClr r="0" g="0" b="0"/>
-      </a:effectRef>
-      <a:fontRef idx="minor">
-        <a:schemeClr val="dk1"/>
-      </a:fontRef>
-    </dgm:style>
-  </dgm:styleLbl>
-  <dgm:styleLbl name="asst4">
-    <dgm:scene3d>
-      <a:camera prst="orthographicFront"/>
-      <a:lightRig rig="flat" dir="t"/>
-    </dgm:scene3d>
-    <dgm:sp3d prstMaterial="dkEdge">
-      <a:bevelT w="8200" h="38100"/>
-    </dgm:sp3d>
-    <dgm:txPr/>
-    <dgm:style>
-      <a:lnRef idx="0">
-        <a:scrgbClr r="0" g="0" b="0"/>
-      </a:lnRef>
-      <a:fillRef idx="2">
-        <a:scrgbClr r="0" g="0" b="0"/>
-      </a:fillRef>
-      <a:effectRef idx="1">
-        <a:scrgbClr r="0" g="0" b="0"/>
-      </a:effectRef>
-      <a:fontRef idx="minor">
-        <a:schemeClr val="dk1"/>
-      </a:fontRef>
-    </dgm:style>
-  </dgm:styleLbl>
-  <dgm:styleLbl name="parChTrans2D1">
-    <dgm:scene3d>
-      <a:camera prst="orthographicFront"/>
-      <a:lightRig rig="threePt" dir="t"/>
-    </dgm:scene3d>
-    <dgm:sp3d/>
-    <dgm:txPr/>
-    <dgm:style>
-      <a:lnRef idx="1">
-        <a:scrgbClr r="0" g="0" b="0"/>
-      </a:lnRef>
-      <a:fillRef idx="2">
-        <a:scrgbClr r="0" g="0" b="0"/>
-      </a:fillRef>
-      <a:effectRef idx="1">
-        <a:scrgbClr r="0" g="0" b="0"/>
-      </a:effectRef>
-      <a:fontRef idx="minor">
-        <a:schemeClr val="dk1"/>
-      </a:fontRef>
-    </dgm:style>
-  </dgm:styleLbl>
-  <dgm:styleLbl name="parChTrans2D2">
-    <dgm:scene3d>
-      <a:camera prst="orthographicFront"/>
-      <a:lightRig rig="threePt" dir="t"/>
-    </dgm:scene3d>
-    <dgm:sp3d/>
-    <dgm:txPr/>
-    <dgm:style>
-      <a:lnRef idx="1">
-        <a:scrgbClr r="0" g="0" b="0"/>
-      </a:lnRef>
-      <a:fillRef idx="2">
-        <a:scrgbClr r="0" g="0" b="0"/>
-      </a:fillRef>
-      <a:effectRef idx="1">
-        <a:scrgbClr r="0" g="0" b="0"/>
-      </a:effectRef>
-      <a:fontRef idx="minor">
-        <a:schemeClr val="dk1"/>
-      </a:fontRef>
-    </dgm:style>
-  </dgm:styleLbl>
-  <dgm:styleLbl name="parChTrans2D3">
-    <dgm:scene3d>
-      <a:camera prst="orthographicFront"/>
-      <a:lightRig rig="threePt" dir="t"/>
-    </dgm:scene3d>
-    <dgm:sp3d/>
-    <dgm:txPr/>
-    <dgm:style>
-      <a:lnRef idx="1">
-        <a:scrgbClr r="0" g="0" b="0"/>
-      </a:lnRef>
-      <a:fillRef idx="2">
-        <a:scrgbClr r="0" g="0" b="0"/>
-      </a:fillRef>
-      <a:effectRef idx="1">
-        <a:scrgbClr r="0" g="0" b="0"/>
-      </a:effectRef>
-      <a:fontRef idx="minor">
-        <a:schemeClr val="dk1"/>
-      </a:fontRef>
-    </dgm:style>
-  </dgm:styleLbl>
-  <dgm:styleLbl name="parChTrans2D4">
-    <dgm:scene3d>
-      <a:camera prst="orthographicFront"/>
-      <a:lightRig rig="threePt" dir="t"/>
-    </dgm:scene3d>
-    <dgm:sp3d/>
-    <dgm:txPr/>
-    <dgm:style>
-      <a:lnRef idx="1">
-        <a:scrgbClr r="0" g="0" b="0"/>
-      </a:lnRef>
-      <a:fillRef idx="2">
-        <a:scrgbClr r="0" g="0" b="0"/>
-      </a:fillRef>
-      <a:effectRef idx="1">
-        <a:scrgbClr r="0" g="0" b="0"/>
-      </a:effectRef>
-      <a:fontRef idx="minor">
-        <a:schemeClr val="dk1"/>
-      </a:fontRef>
-    </dgm:style>
-  </dgm:styleLbl>
-  <dgm:styleLbl name="parChTrans1D1">
-    <dgm:scene3d>
-      <a:camera prst="orthographicFront"/>
-      <a:lightRig rig="threePt" dir="t"/>
-    </dgm:scene3d>
-    <dgm:sp3d/>
-    <dgm:txPr/>
-    <dgm:style>
-      <a:lnRef idx="2">
-        <a:scrgbClr r="0" g="0" b="0"/>
-      </a:lnRef>
-      <a:fillRef idx="0">
-        <a:scrgbClr r="0" g="0" b="0"/>
-      </a:fillRef>
-      <a:effectRef idx="0">
-        <a:scrgbClr r="0" g="0" b="0"/>
-      </a:effectRef>
-      <a:fontRef idx="minor"/>
-    </dgm:style>
-  </dgm:styleLbl>
-  <dgm:styleLbl name="parChTrans1D2">
-    <dgm:scene3d>
-      <a:camera prst="orthographicFront"/>
-      <a:lightRig rig="threePt" dir="t"/>
-    </dgm:scene3d>
-    <dgm:sp3d/>
-    <dgm:txPr/>
-    <dgm:style>
-      <a:lnRef idx="2">
-        <a:scrgbClr r="0" g="0" b="0"/>
-      </a:lnRef>
-      <a:fillRef idx="0">
-        <a:scrgbClr r="0" g="0" b="0"/>
-      </a:fillRef>
-      <a:effectRef idx="0">
-        <a:scrgbClr r="0" g="0" b="0"/>
-      </a:effectRef>
-      <a:fontRef idx="minor"/>
-    </dgm:style>
-  </dgm:styleLbl>
-  <dgm:styleLbl name="parChTrans1D3">
-    <dgm:scene3d>
-      <a:camera prst="orthographicFront"/>
-      <a:lightRig rig="threePt" dir="t"/>
-    </dgm:scene3d>
-    <dgm:sp3d/>
-    <dgm:txPr/>
-    <dgm:style>
-      <a:lnRef idx="2">
-        <a:scrgbClr r="0" g="0" b="0"/>
-      </a:lnRef>
-      <a:fillRef idx="0">
-        <a:scrgbClr r="0" g="0" b="0"/>
-      </a:fillRef>
-      <a:effectRef idx="0">
-        <a:scrgbClr r="0" g="0" b="0"/>
-      </a:effectRef>
-      <a:fontRef idx="minor"/>
-    </dgm:style>
-  </dgm:styleLbl>
-  <dgm:styleLbl name="parChTrans1D4">
-    <dgm:scene3d>
-      <a:camera prst="orthographicFront"/>
-      <a:lightRig rig="threePt" dir="t"/>
-    </dgm:scene3d>
-    <dgm:sp3d/>
-    <dgm:txPr/>
-    <dgm:style>
-      <a:lnRef idx="2">
-        <a:scrgbClr r="0" g="0" b="0"/>
-      </a:lnRef>
-      <a:fillRef idx="0">
-        <a:scrgbClr r="0" g="0" b="0"/>
-      </a:fillRef>
-      <a:effectRef idx="0">
-        <a:scrgbClr r="0" g="0" b="0"/>
-      </a:effectRef>
-      <a:fontRef idx="minor"/>
-    </dgm:style>
-  </dgm:styleLbl>
-  <dgm:styleLbl name="fgAcc1">
-    <dgm:scene3d>
-      <a:camera prst="orthographicFront"/>
-      <a:lightRig rig="threePt" dir="t"/>
-    </dgm:scene3d>
-    <dgm:sp3d/>
-    <dgm:txPr/>
-    <dgm:style>
-      <a:lnRef idx="1">
-        <a:scrgbClr r="0" g="0" b="0"/>
-      </a:lnRef>
-      <a:fillRef idx="1">
-        <a:scrgbClr r="0" g="0" b="0"/>
-      </a:fillRef>
-      <a:effectRef idx="0">
-        <a:scrgbClr r="0" g="0" b="0"/>
-      </a:effectRef>
-      <a:fontRef idx="minor"/>
-    </dgm:style>
-  </dgm:styleLbl>
-  <dgm:styleLbl name="conFgAcc1">
-    <dgm:scene3d>
-      <a:camera prst="orthographicFront"/>
-      <a:lightRig rig="threePt" dir="t"/>
-    </dgm:scene3d>
-    <dgm:sp3d/>
-    <dgm:txPr/>
-    <dgm:style>
-      <a:lnRef idx="1">
-        <a:scrgbClr r="0" g="0" b="0"/>
-      </a:lnRef>
-      <a:fillRef idx="1">
-        <a:scrgbClr r="0" g="0" b="0"/>
-      </a:fillRef>
-      <a:effectRef idx="0">
-        <a:scrgbClr r="0" g="0" b="0"/>
-      </a:effectRef>
-      <a:fontRef idx="minor"/>
-    </dgm:style>
-  </dgm:styleLbl>
-  <dgm:styleLbl name="alignAcc1">
-    <dgm:scene3d>
-      <a:camera prst="orthographicFront"/>
-      <a:lightRig rig="threePt" dir="t"/>
-    </dgm:scene3d>
-    <dgm:sp3d/>
-    <dgm:txPr/>
-    <dgm:style>
-      <a:lnRef idx="1">
-        <a:scrgbClr r="0" g="0" b="0"/>
-      </a:lnRef>
-      <a:fillRef idx="1">
-        <a:scrgbClr r="0" g="0" b="0"/>
-      </a:fillRef>
-      <a:effectRef idx="0">
-        <a:scrgbClr r="0" g="0" b="0"/>
-      </a:effectRef>
-      <a:fontRef idx="minor"/>
-    </dgm:style>
-  </dgm:styleLbl>
-  <dgm:styleLbl name="trAlignAcc1">
-    <dgm:scene3d>
-      <a:camera prst="orthographicFront"/>
-      <a:lightRig rig="threePt" dir="t"/>
-    </dgm:scene3d>
-    <dgm:sp3d/>
-    <dgm:txPr/>
-    <dgm:style>
-      <a:lnRef idx="1">
-        <a:scrgbClr r="0" g="0" b="0"/>
-      </a:lnRef>
-      <a:fillRef idx="1">
-        <a:scrgbClr r="0" g="0" b="0"/>
-      </a:fillRef>
-      <a:effectRef idx="0">
-        <a:scrgbClr r="0" g="0" b="0"/>
-      </a:effectRef>
-      <a:fontRef idx="minor"/>
-    </dgm:style>
-  </dgm:styleLbl>
-  <dgm:styleLbl name="bgAcc1">
-    <dgm:scene3d>
-      <a:camera prst="orthographicFront"/>
-      <a:lightRig rig="threePt" dir="t"/>
-    </dgm:scene3d>
-    <dgm:sp3d/>
-    <dgm:txPr/>
-    <dgm:style>
-      <a:lnRef idx="1">
-        <a:scrgbClr r="0" g="0" b="0"/>
-      </a:lnRef>
-      <a:fillRef idx="1">
-        <a:scrgbClr r="0" g="0" b="0"/>
-      </a:fillRef>
-      <a:effectRef idx="0">
-        <a:scrgbClr r="0" g="0" b="0"/>
-      </a:effectRef>
-      <a:fontRef idx="minor"/>
-    </dgm:style>
-  </dgm:styleLbl>
-  <dgm:styleLbl name="solidFgAcc1">
-    <dgm:scene3d>
-      <a:camera prst="orthographicFront"/>
-      <a:lightRig rig="threePt" dir="t"/>
-    </dgm:scene3d>
-    <dgm:sp3d/>
-    <dgm:txPr/>
-    <dgm:style>
-      <a:lnRef idx="1">
-        <a:scrgbClr r="0" g="0" b="0"/>
-      </a:lnRef>
-      <a:fillRef idx="2">
-        <a:scrgbClr r="0" g="0" b="0"/>
-      </a:fillRef>
-      <a:effectRef idx="0">
-        <a:scrgbClr r="0" g="0" b="0"/>
-      </a:effectRef>
-      <a:fontRef idx="minor"/>
-    </dgm:style>
-  </dgm:styleLbl>
-  <dgm:styleLbl name="solidAlignAcc1">
-    <dgm:scene3d>
-      <a:camera prst="orthographicFront"/>
-      <a:lightRig rig="threePt" dir="t"/>
-    </dgm:scene3d>
-    <dgm:sp3d/>
-    <dgm:txPr/>
-    <dgm:style>
-      <a:lnRef idx="1">
-        <a:scrgbClr r="0" g="0" b="0"/>
-      </a:lnRef>
-      <a:fillRef idx="1">
-        <a:scrgbClr r="0" g="0" b="0"/>
-      </a:fillRef>
-      <a:effectRef idx="0">
-        <a:scrgbClr r="0" g="0" b="0"/>
-      </a:effectRef>
-      <a:fontRef idx="minor"/>
-    </dgm:style>
-  </dgm:styleLbl>
-  <dgm:styleLbl name="solidBgAcc1">
-    <dgm:scene3d>
-      <a:camera prst="orthographicFront"/>
-      <a:lightRig rig="threePt" dir="t"/>
-    </dgm:scene3d>
-    <dgm:sp3d/>
-    <dgm:txPr/>
-    <dgm:style>
-      <a:lnRef idx="1">
-        <a:scrgbClr r="0" g="0" b="0"/>
-      </a:lnRef>
-      <a:fillRef idx="1">
-        <a:scrgbClr r="0" g="0" b="0"/>
-      </a:fillRef>
-      <a:effectRef idx="0">
-        <a:scrgbClr r="0" g="0" b="0"/>
-      </a:effectRef>
-      <a:fontRef idx="minor"/>
-    </dgm:style>
-  </dgm:styleLbl>
-  <dgm:styleLbl name="fgAccFollowNode1">
-    <dgm:scene3d>
-      <a:camera prst="orthographicFront"/>
-      <a:lightRig rig="threePt" dir="t"/>
-    </dgm:scene3d>
-    <dgm:sp3d/>
-    <dgm:txPr/>
-    <dgm:style>
-      <a:lnRef idx="1">
-        <a:scrgbClr r="0" g="0" b="0"/>
-      </a:lnRef>
-      <a:fillRef idx="1">
-        <a:scrgbClr r="0" g="0" b="0"/>
-      </a:fillRef>
-      <a:effectRef idx="0">
-        <a:scrgbClr r="0" g="0" b="0"/>
-      </a:effectRef>
-      <a:fontRef idx="minor"/>
-    </dgm:style>
-  </dgm:styleLbl>
-  <dgm:styleLbl name="alignAccFollowNode1">
-    <dgm:scene3d>
-      <a:camera prst="orthographicFront"/>
-      <a:lightRig rig="threePt" dir="t"/>
-    </dgm:scene3d>
-    <dgm:sp3d/>
-    <dgm:txPr/>
-    <dgm:style>
-      <a:lnRef idx="1">
-        <a:scrgbClr r="0" g="0" b="0"/>
-      </a:lnRef>
-      <a:fillRef idx="1">
-        <a:scrgbClr r="0" g="0" b="0"/>
-      </a:fillRef>
-      <a:effectRef idx="0">
-        <a:scrgbClr r="0" g="0" b="0"/>
-      </a:effectRef>
-      <a:fontRef idx="minor"/>
-    </dgm:style>
-  </dgm:styleLbl>
-  <dgm:styleLbl name="bgAccFollowNode1">
-    <dgm:scene3d>
-      <a:camera prst="orthographicFront"/>
-      <a:lightRig rig="threePt" dir="t"/>
-    </dgm:scene3d>
-    <dgm:sp3d/>
-    <dgm:txPr/>
-    <dgm:style>
-      <a:lnRef idx="1">
-        <a:scrgbClr r="0" g="0" b="0"/>
-      </a:lnRef>
-      <a:fillRef idx="1">
-        <a:scrgbClr r="0" g="0" b="0"/>
-      </a:fillRef>
-      <a:effectRef idx="0">
-        <a:scrgbClr r="0" g="0" b="0"/>
-      </a:effectRef>
-      <a:fontRef idx="minor"/>
-    </dgm:style>
-  </dgm:styleLbl>
-  <dgm:styleLbl name="fgAcc0">
-    <dgm:scene3d>
-      <a:camera prst="orthographicFront"/>
-      <a:lightRig rig="threePt" dir="t"/>
-    </dgm:scene3d>
-    <dgm:sp3d/>
-    <dgm:txPr/>
-    <dgm:style>
-      <a:lnRef idx="1">
-        <a:scrgbClr r="0" g="0" b="0"/>
-      </a:lnRef>
-      <a:fillRef idx="1">
-        <a:scrgbClr r="0" g="0" b="0"/>
-      </a:fillRef>
-      <a:effectRef idx="0">
-        <a:scrgbClr r="0" g="0" b="0"/>
-      </a:effectRef>
-      <a:fontRef idx="minor"/>
-    </dgm:style>
-  </dgm:styleLbl>
-  <dgm:styleLbl name="fgAcc2">
-    <dgm:scene3d>
-      <a:camera prst="orthographicFront"/>
-      <a:lightRig rig="threePt" dir="t"/>
-    </dgm:scene3d>
-    <dgm:sp3d/>
-    <dgm:txPr/>
-    <dgm:style>
-      <a:lnRef idx="1">
-        <a:scrgbClr r="0" g="0" b="0"/>
-      </a:lnRef>
-      <a:fillRef idx="1">
-        <a:scrgbClr r="0" g="0" b="0"/>
-      </a:fillRef>
-      <a:effectRef idx="0">
-        <a:scrgbClr r="0" g="0" b="0"/>
-      </a:effectRef>
-      <a:fontRef idx="minor"/>
-    </dgm:style>
-  </dgm:styleLbl>
-  <dgm:styleLbl name="fgAcc3">
-    <dgm:scene3d>
-      <a:camera prst="orthographicFront"/>
-      <a:lightRig rig="threePt" dir="t"/>
-    </dgm:scene3d>
-    <dgm:sp3d/>
-    <dgm:txPr/>
-    <dgm:style>
-      <a:lnRef idx="1">
-        <a:scrgbClr r="0" g="0" b="0"/>
-      </a:lnRef>
-      <a:fillRef idx="1">
-        <a:scrgbClr r="0" g="0" b="0"/>
-      </a:fillRef>
-      <a:effectRef idx="0">
-        <a:scrgbClr r="0" g="0" b="0"/>
-      </a:effectRef>
-      <a:fontRef idx="minor"/>
-    </dgm:style>
-  </dgm:styleLbl>
-  <dgm:styleLbl name="fgAcc4">
-    <dgm:scene3d>
-      <a:camera prst="orthographicFront"/>
-      <a:lightRig rig="threePt" dir="t"/>
-    </dgm:scene3d>
-    <dgm:sp3d/>
-    <dgm:txPr/>
-    <dgm:style>
-      <a:lnRef idx="1">
-        <a:scrgbClr r="0" g="0" b="0"/>
-      </a:lnRef>
-      <a:fillRef idx="1">
-        <a:scrgbClr r="0" g="0" b="0"/>
-      </a:fillRef>
-      <a:effectRef idx="0">
-        <a:scrgbClr r="0" g="0" b="0"/>
-      </a:effectRef>
-      <a:fontRef idx="minor"/>
-    </dgm:style>
-  </dgm:styleLbl>
-  <dgm:styleLbl name="bgShp">
-    <dgm:scene3d>
-      <a:camera prst="orthographicFront"/>
-      <a:lightRig rig="threePt" dir="t"/>
-    </dgm:scene3d>
-    <dgm:sp3d/>
-    <dgm:txPr/>
-    <dgm:style>
-      <a:lnRef idx="0">
-        <a:scrgbClr r="0" g="0" b="0"/>
-      </a:lnRef>
-      <a:fillRef idx="1">
-        <a:scrgbClr r="0" g="0" b="0"/>
-      </a:fillRef>
-      <a:effectRef idx="1">
-        <a:scrgbClr r="0" g="0" b="0"/>
-      </a:effectRef>
-      <a:fontRef idx="minor"/>
-    </dgm:style>
-  </dgm:styleLbl>
-  <dgm:styleLbl name="dkBgShp">
-    <dgm:scene3d>
-      <a:camera prst="orthographicFront"/>
-      <a:lightRig rig="threePt" dir="t"/>
-    </dgm:scene3d>
-    <dgm:sp3d/>
-    <dgm:txPr/>
-    <dgm:style>
-      <a:lnRef idx="0">
-        <a:scrgbClr r="0" g="0" b="0"/>
-      </a:lnRef>
-      <a:fillRef idx="1">
-        <a:scrgbClr r="0" g="0" b="0"/>
-      </a:fillRef>
-      <a:effectRef idx="1">
-        <a:scrgbClr r="0" g="0" b="0"/>
-      </a:effectRef>
-      <a:fontRef idx="minor"/>
-    </dgm:style>
-  </dgm:styleLbl>
-  <dgm:styleLbl name="trBgShp">
-    <dgm:scene3d>
-      <a:camera prst="orthographicFront"/>
-      <a:lightRig rig="threePt" dir="t"/>
-    </dgm:scene3d>
-    <dgm:sp3d/>
-    <dgm:txPr/>
-    <dgm:style>
-      <a:lnRef idx="0">
-        <a:scrgbClr r="0" g="0" b="0"/>
-      </a:lnRef>
-      <a:fillRef idx="1">
-        <a:scrgbClr r="0" g="0" b="0"/>
-      </a:fillRef>
-      <a:effectRef idx="0">
-        <a:scrgbClr r="0" g="0" b="0"/>
-      </a:effectRef>
-      <a:fontRef idx="minor"/>
-    </dgm:style>
-  </dgm:styleLbl>
-  <dgm:styleLbl name="fgShp">
-    <dgm:scene3d>
-      <a:camera prst="orthographicFront"/>
-      <a:lightRig rig="flat" dir="t"/>
-    </dgm:scene3d>
-    <dgm:sp3d prstMaterial="dkEdge">
-      <a:bevelT w="8200" h="38100"/>
-    </dgm:sp3d>
-    <dgm:txPr/>
-    <dgm:style>
-      <a:lnRef idx="1">
-        <a:scrgbClr r="0" g="0" b="0"/>
-      </a:lnRef>
-      <a:fillRef idx="2">
-        <a:scrgbClr r="0" g="0" b="0"/>
-      </a:fillRef>
-      <a:effectRef idx="1">
-        <a:scrgbClr r="0" g="0" b="0"/>
-      </a:effectRef>
-      <a:fontRef idx="minor"/>
-    </dgm:style>
-  </dgm:styleLbl>
-  <dgm:styleLbl name="revTx">
-    <dgm:scene3d>
-      <a:camera prst="orthographicFront"/>
-      <a:lightRig rig="threePt" dir="t"/>
-    </dgm:scene3d>
-    <dgm:sp3d/>
-    <dgm:txPr/>
-    <dgm:style>
-      <a:lnRef idx="0">
-        <a:scrgbClr r="0" g="0" b="0"/>
-      </a:lnRef>
-      <a:fillRef idx="0">
-        <a:scrgbClr r="0" g="0" b="0"/>
-      </a:fillRef>
-      <a:effectRef idx="0">
-        <a:scrgbClr r="0" g="0" b="0"/>
-      </a:effectRef>
-      <a:fontRef idx="minor"/>
-    </dgm:style>
-  </dgm:styleLbl>
-</dgm:styleDef>
+  <dgm:sampData>
+    <dgm:dataModel>
+      <dgm:ptLst>
+        <dgm:pt modelId="0" type="doc"/>
+        <dgm:pt modelId="1">
+          <dgm:prSet phldr="1"/>
+        </dgm:pt>
+        <dgm:pt modelId="2">
+          <dgm:prSet phldr="1"/>
+        </dgm:pt>
+        <dgm:pt modelId="3">
+          <dgm:prSet phldr="1"/>
+        </dgm:pt>
+        <dgm:pt modelId="4">
+          <dgm:prSet phldr="1"/>
+        </dgm:pt>
+        <dgm:pt modelId="5">
+          <dgm:prSet phldr="1"/>
+        </dgm:pt>
+      </dgm:ptLst>
+      <dgm:cxnLst>
+        <dgm:cxn modelId="7" srcId="0" destId="1" srcOrd="0" destOrd="0"/>
+        <dgm:cxn modelId="8" srcId="0" destId="2" srcOrd="1" destOrd="0"/>
+        <dgm:cxn modelId="9" srcId="0" destId="3" srcOrd="2" destOrd="0"/>
+        <dgm:cxn modelId="10" srcId="0" destId="4" srcOrd="3" destOrd="0"/>
+        <dgm:cxn modelId="11" srcId="0" destId="5" srcOrd="4" destOrd="0"/>
+      </dgm:cxnLst>
+      <dgm:bg/>
+      <dgm:whole/>
+    </dgm:dataModel>
+  </dgm:sampData>
+  <dgm:styleData>
+    <dgm:dataModel>
+      <dgm:ptLst>
+        <dgm:pt modelId="0" type="doc"/>
+        <dgm:pt modelId="1"/>
+        <dgm:pt modelId="2"/>
+      </dgm:ptLst>
+      <dgm:cxnLst>
+        <dgm:cxn modelId="3" srcId="0" destId="1" srcOrd="0" destOrd="0"/>
+        <dgm:cxn modelId="4" srcId="0" destId="2" srcOrd="1" destOrd="0"/>
+      </dgm:cxnLst>
+      <dgm:bg/>
+      <dgm:whole/>
+    </dgm:dataModel>
+  </dgm:styleData>
+  <dgm:clrData>
+    <dgm:dataModel>
+      <dgm:ptLst>
+        <dgm:pt modelId="0" type="doc"/>
+        <dgm:pt modelId="1"/>
+        <dgm:pt modelId="2"/>
+        <dgm:pt modelId="3"/>
+        <dgm:pt modelId="4"/>
+      </dgm:ptLst>
+      <dgm:cxnLst>
+        <dgm:cxn modelId="5" srcId="0" destId="1" srcOrd="0" destOrd="0"/>
+        <dgm:cxn modelId="6" srcId="0" destId="2" srcOrd="1" destOrd="0"/>
+        <dgm:cxn modelId="7" srcId="0" destId="3" srcOrd="2" destOrd="0"/>
+        <dgm:cxn modelId="8" srcId="0" destId="4" srcOrd="3" destOrd="0"/>
+      </dgm:cxnLst>
+      <dgm:bg/>
+      <dgm:whole/>
+    </dgm:dataModel>
+  </dgm:clrData>
+  <dgm:layoutNode name="diagram">
+    <dgm:varLst>
+      <dgm:dir/>
+      <dgm:resizeHandles val="exact"/>
+    </dgm:varLst>
+    <dgm:choose name="Name0">
+      <dgm:if name="Name1" axis="self" func="var" arg="dir" op="equ" val="norm">
+        <dgm:alg type="snake">
+          <dgm:param type="grDir" val="tL"/>
+          <dgm:param type="flowDir" val="row"/>
+          <dgm:param type="contDir" val="revDir"/>
+          <dgm:param type="bkpt" val="endCnv"/>
+        </dgm:alg>
+      </dgm:if>
+      <dgm:else name="Name2">
+        <dgm:alg type="snake">
+          <dgm:param type="grDir" val="tR"/>
+          <dgm:param type="flowDir" val="row"/>
+          <dgm:param type="contDir" val="revDir"/>
+          <dgm:param type="bkpt" val="endCnv"/>
+        </dgm:alg>
+      </dgm:else>
+    </dgm:choose>
+    <dgm:shape xmlns:r="http://schemas.openxmlformats.org/officeDocument/2006/relationships" r:blip="">
+      <dgm:adjLst/>
+    </dgm:shape>
+    <dgm:presOf/>
+    <dgm:constrLst>
+      <dgm:constr type="w" for="ch" ptType="node" refType="w"/>
+      <dgm:constr type="w" for="ch" forName="sibTrans" refType="w" refFor="ch" refPtType="node" op="equ" fact="0.4"/>
+      <dgm:constr type="sp" refType="w" refFor="ch" refForName="sibTrans" op="equ"/>
+      <dgm:constr type="primFontSz" for="ch" ptType="node" op="equ" val="65"/>
+      <dgm:constr type="primFontSz" for="des" forName="connectorText" op="equ" val="55"/>
+      <dgm:constr type="primFontSz" for="des" forName="connectorText" refType="primFontSz" refFor="ch" refPtType="node" op="lte" fact="0.8"/>
+    </dgm:constrLst>
+    <dgm:ruleLst/>
+    <dgm:forEach name="nodesForEach" axis="ch" ptType="node">
+      <dgm:layoutNode name="node">
+        <dgm:varLst>
+          <dgm:bulletEnabled val="1"/>
+        </dgm:varLst>
+        <dgm:alg type="tx"/>
+        <dgm:shape xmlns:r="http://schemas.openxmlformats.org/officeDocument/2006/relationships" type="roundRect" r:blip="">
+          <dgm:adjLst>
+            <dgm:adj idx="1" val="0.1"/>
+          </dgm:adjLst>
+        </dgm:shape>
+        <dgm:presOf axis="desOrSelf" ptType="node"/>
+        <dgm:constrLst>
+          <dgm:constr type="h" refType="w" fact="0.6"/>
+          <dgm:constr type="tMarg" refType="primFontSz" fact="0.3"/>
+          <dgm:constr type="bMarg" refType="primFontSz" fact="0.3"/>
+          <dgm:constr type="lMarg" refType="primFontSz" fact="0.3"/>
+          <dgm:constr type="rMarg" refType="primFontSz" fact="0.3"/>
+        </dgm:constrLst>
+        <dgm:ruleLst>
+          <dgm:rule type="primFontSz" val="5" fact="NaN" max="NaN"/>
+        </dgm:ruleLst>
+      </dgm:layoutNode>
+      <dgm:forEach name="sibTransForEach" axis="followSib" ptType="sibTrans" cnt="1">
+        <dgm:layoutNode name="sibTrans">
+          <dgm:alg type="conn">
+            <dgm:param type="begPts" val="auto"/>
+            <dgm:param type="endPts" val="auto"/>
+          </dgm:alg>
+          <dgm:shape xmlns:r="http://schemas.openxmlformats.org/officeDocument/2006/relationships" type="conn" r:blip="">
+            <dgm:adjLst/>
+          </dgm:shape>
+          <dgm:presOf axis="self"/>
+          <dgm:constrLst>
+            <dgm:constr type="h" refType="w" fact="0.62"/>
+            <dgm:constr type="connDist"/>
+          </dgm:constrLst>
+          <dgm:ruleLst/>
+          <dgm:layoutNode name="connectorText">
+            <dgm:alg type="tx">
+              <dgm:param type="autoTxRot" val="upr"/>
+            </dgm:alg>
+            <dgm:shape xmlns:r="http://schemas.openxmlformats.org/officeDocument/2006/relationships" type="conn" r:blip="" hideGeom="1">
+              <dgm:adjLst/>
+            </dgm:shape>
+            <dgm:presOf axis="self"/>
+            <dgm:constrLst>
+              <dgm:constr type="lMarg"/>
+              <dgm:constr type="rMarg"/>
+              <dgm:constr type="tMarg"/>
+              <dgm:constr type="bMarg"/>
+            </dgm:constrLst>
+            <dgm:ruleLst>
+              <dgm:rule type="primFontSz" val="5" fact="NaN" max="NaN"/>
+            </dgm:ruleLst>
+          </dgm:layoutNode>
+        </dgm:layoutNode>
+      </dgm:forEach>
+    </dgm:forEach>
+  </dgm:layoutNode>
+</dgm:layoutDef>
 </file>
 
-<file path=ppt/diagrams/quickStyle2.xml><?xml version="1.0" encoding="utf-8"?>
+<file path=ppt/diagrams/quickStyle1.xml><?xml version="1.0" encoding="utf-8"?>
 <dgm:styleDef xmlns:dgm="http://schemas.openxmlformats.org/drawingml/2006/diagram" xmlns:a="http://schemas.openxmlformats.org/drawingml/2006/main" uniqueId="urn:microsoft.com/office/officeart/2005/8/quickstyle/3d3">
   <dgm:title val=""/>
   <dgm:desc val=""/>
@@ -7487,6 +6427,1066 @@
     <dgm:txPr/>
     <dgm:style>
       <a:lnRef idx="1">
+        <a:scrgbClr r="0" g="0" b="0"/>
+      </a:lnRef>
+      <a:fillRef idx="0">
+        <a:scrgbClr r="0" g="0" b="0"/>
+      </a:fillRef>
+      <a:effectRef idx="0">
+        <a:scrgbClr r="0" g="0" b="0"/>
+      </a:effectRef>
+      <a:fontRef idx="minor"/>
+    </dgm:style>
+  </dgm:styleLbl>
+</dgm:styleDef>
+</file>
+
+<file path=ppt/diagrams/quickStyle2.xml><?xml version="1.0" encoding="utf-8"?>
+<dgm:styleDef xmlns:dgm="http://schemas.openxmlformats.org/drawingml/2006/diagram" xmlns:a="http://schemas.openxmlformats.org/drawingml/2006/main" uniqueId="urn:microsoft.com/office/officeart/2005/8/quickstyle/simple3">
+  <dgm:title val=""/>
+  <dgm:desc val=""/>
+  <dgm:catLst>
+    <dgm:cat type="simple" pri="10300"/>
+  </dgm:catLst>
+  <dgm:scene3d>
+    <a:camera prst="orthographicFront"/>
+    <a:lightRig rig="threePt" dir="t"/>
+  </dgm:scene3d>
+  <dgm:styleLbl name="node0">
+    <dgm:scene3d>
+      <a:camera prst="orthographicFront"/>
+      <a:lightRig rig="flat" dir="t"/>
+    </dgm:scene3d>
+    <dgm:sp3d prstMaterial="dkEdge">
+      <a:bevelT w="8200" h="38100"/>
+    </dgm:sp3d>
+    <dgm:txPr/>
+    <dgm:style>
+      <a:lnRef idx="0">
+        <a:scrgbClr r="0" g="0" b="0"/>
+      </a:lnRef>
+      <a:fillRef idx="2">
+        <a:scrgbClr r="0" g="0" b="0"/>
+      </a:fillRef>
+      <a:effectRef idx="1">
+        <a:scrgbClr r="0" g="0" b="0"/>
+      </a:effectRef>
+      <a:fontRef idx="minor">
+        <a:schemeClr val="dk1"/>
+      </a:fontRef>
+    </dgm:style>
+  </dgm:styleLbl>
+  <dgm:styleLbl name="lnNode1">
+    <dgm:scene3d>
+      <a:camera prst="orthographicFront"/>
+      <a:lightRig rig="flat" dir="t"/>
+    </dgm:scene3d>
+    <dgm:sp3d prstMaterial="dkEdge">
+      <a:bevelT w="8200" h="38100"/>
+    </dgm:sp3d>
+    <dgm:txPr/>
+    <dgm:style>
+      <a:lnRef idx="1">
+        <a:scrgbClr r="0" g="0" b="0"/>
+      </a:lnRef>
+      <a:fillRef idx="2">
+        <a:scrgbClr r="0" g="0" b="0"/>
+      </a:fillRef>
+      <a:effectRef idx="0">
+        <a:scrgbClr r="0" g="0" b="0"/>
+      </a:effectRef>
+      <a:fontRef idx="minor">
+        <a:schemeClr val="dk1"/>
+      </a:fontRef>
+    </dgm:style>
+  </dgm:styleLbl>
+  <dgm:styleLbl name="vennNode1">
+    <dgm:scene3d>
+      <a:camera prst="orthographicFront"/>
+      <a:lightRig rig="flat" dir="t"/>
+    </dgm:scene3d>
+    <dgm:sp3d prstMaterial="dkEdge">
+      <a:bevelT w="8200" h="38100"/>
+    </dgm:sp3d>
+    <dgm:txPr/>
+    <dgm:style>
+      <a:lnRef idx="0">
+        <a:scrgbClr r="0" g="0" b="0"/>
+      </a:lnRef>
+      <a:fillRef idx="2">
+        <a:scrgbClr r="0" g="0" b="0"/>
+      </a:fillRef>
+      <a:effectRef idx="0">
+        <a:scrgbClr r="0" g="0" b="0"/>
+      </a:effectRef>
+      <a:fontRef idx="minor">
+        <a:schemeClr val="tx1"/>
+      </a:fontRef>
+    </dgm:style>
+  </dgm:styleLbl>
+  <dgm:styleLbl name="alignNode1">
+    <dgm:scene3d>
+      <a:camera prst="orthographicFront"/>
+      <a:lightRig rig="threePt" dir="t"/>
+    </dgm:scene3d>
+    <dgm:sp3d/>
+    <dgm:txPr/>
+    <dgm:style>
+      <a:lnRef idx="1">
+        <a:scrgbClr r="0" g="0" b="0"/>
+      </a:lnRef>
+      <a:fillRef idx="2">
+        <a:scrgbClr r="0" g="0" b="0"/>
+      </a:fillRef>
+      <a:effectRef idx="1">
+        <a:scrgbClr r="0" g="0" b="0"/>
+      </a:effectRef>
+      <a:fontRef idx="minor">
+        <a:schemeClr val="dk1"/>
+      </a:fontRef>
+    </dgm:style>
+  </dgm:styleLbl>
+  <dgm:styleLbl name="node1">
+    <dgm:scene3d>
+      <a:camera prst="orthographicFront"/>
+      <a:lightRig rig="flat" dir="t"/>
+    </dgm:scene3d>
+    <dgm:sp3d prstMaterial="dkEdge">
+      <a:bevelT w="8200" h="38100"/>
+    </dgm:sp3d>
+    <dgm:txPr/>
+    <dgm:style>
+      <a:lnRef idx="0">
+        <a:scrgbClr r="0" g="0" b="0"/>
+      </a:lnRef>
+      <a:fillRef idx="2">
+        <a:scrgbClr r="0" g="0" b="0"/>
+      </a:fillRef>
+      <a:effectRef idx="1">
+        <a:scrgbClr r="0" g="0" b="0"/>
+      </a:effectRef>
+      <a:fontRef idx="minor">
+        <a:schemeClr val="dk1"/>
+      </a:fontRef>
+    </dgm:style>
+  </dgm:styleLbl>
+  <dgm:styleLbl name="node2">
+    <dgm:scene3d>
+      <a:camera prst="orthographicFront"/>
+      <a:lightRig rig="flat" dir="t"/>
+    </dgm:scene3d>
+    <dgm:sp3d prstMaterial="dkEdge">
+      <a:bevelT w="8200" h="38100"/>
+    </dgm:sp3d>
+    <dgm:txPr/>
+    <dgm:style>
+      <a:lnRef idx="0">
+        <a:scrgbClr r="0" g="0" b="0"/>
+      </a:lnRef>
+      <a:fillRef idx="2">
+        <a:scrgbClr r="0" g="0" b="0"/>
+      </a:fillRef>
+      <a:effectRef idx="1">
+        <a:scrgbClr r="0" g="0" b="0"/>
+      </a:effectRef>
+      <a:fontRef idx="minor">
+        <a:schemeClr val="dk1"/>
+      </a:fontRef>
+    </dgm:style>
+  </dgm:styleLbl>
+  <dgm:styleLbl name="node3">
+    <dgm:scene3d>
+      <a:camera prst="orthographicFront"/>
+      <a:lightRig rig="flat" dir="t"/>
+    </dgm:scene3d>
+    <dgm:sp3d prstMaterial="dkEdge">
+      <a:bevelT w="8200" h="38100"/>
+    </dgm:sp3d>
+    <dgm:txPr/>
+    <dgm:style>
+      <a:lnRef idx="0">
+        <a:scrgbClr r="0" g="0" b="0"/>
+      </a:lnRef>
+      <a:fillRef idx="2">
+        <a:scrgbClr r="0" g="0" b="0"/>
+      </a:fillRef>
+      <a:effectRef idx="1">
+        <a:scrgbClr r="0" g="0" b="0"/>
+      </a:effectRef>
+      <a:fontRef idx="minor">
+        <a:schemeClr val="dk1"/>
+      </a:fontRef>
+    </dgm:style>
+  </dgm:styleLbl>
+  <dgm:styleLbl name="node4">
+    <dgm:scene3d>
+      <a:camera prst="orthographicFront"/>
+      <a:lightRig rig="flat" dir="t"/>
+    </dgm:scene3d>
+    <dgm:sp3d prstMaterial="dkEdge">
+      <a:bevelT w="8200" h="38100"/>
+    </dgm:sp3d>
+    <dgm:txPr/>
+    <dgm:style>
+      <a:lnRef idx="0">
+        <a:scrgbClr r="0" g="0" b="0"/>
+      </a:lnRef>
+      <a:fillRef idx="2">
+        <a:scrgbClr r="0" g="0" b="0"/>
+      </a:fillRef>
+      <a:effectRef idx="1">
+        <a:scrgbClr r="0" g="0" b="0"/>
+      </a:effectRef>
+      <a:fontRef idx="minor">
+        <a:schemeClr val="dk1"/>
+      </a:fontRef>
+    </dgm:style>
+  </dgm:styleLbl>
+  <dgm:styleLbl name="fgImgPlace1">
+    <dgm:scene3d>
+      <a:camera prst="orthographicFront"/>
+      <a:lightRig rig="threePt" dir="t"/>
+    </dgm:scene3d>
+    <dgm:sp3d/>
+    <dgm:txPr/>
+    <dgm:style>
+      <a:lnRef idx="1">
+        <a:scrgbClr r="0" g="0" b="0"/>
+      </a:lnRef>
+      <a:fillRef idx="1">
+        <a:scrgbClr r="0" g="0" b="0"/>
+      </a:fillRef>
+      <a:effectRef idx="1">
+        <a:scrgbClr r="0" g="0" b="0"/>
+      </a:effectRef>
+      <a:fontRef idx="minor"/>
+    </dgm:style>
+  </dgm:styleLbl>
+  <dgm:styleLbl name="alignImgPlace1">
+    <dgm:scene3d>
+      <a:camera prst="orthographicFront"/>
+      <a:lightRig rig="threePt" dir="t"/>
+    </dgm:scene3d>
+    <dgm:sp3d/>
+    <dgm:txPr/>
+    <dgm:style>
+      <a:lnRef idx="1">
+        <a:scrgbClr r="0" g="0" b="0"/>
+      </a:lnRef>
+      <a:fillRef idx="1">
+        <a:scrgbClr r="0" g="0" b="0"/>
+      </a:fillRef>
+      <a:effectRef idx="1">
+        <a:scrgbClr r="0" g="0" b="0"/>
+      </a:effectRef>
+      <a:fontRef idx="minor"/>
+    </dgm:style>
+  </dgm:styleLbl>
+  <dgm:styleLbl name="bgImgPlace1">
+    <dgm:scene3d>
+      <a:camera prst="orthographicFront"/>
+      <a:lightRig rig="threePt" dir="t"/>
+    </dgm:scene3d>
+    <dgm:sp3d/>
+    <dgm:txPr/>
+    <dgm:style>
+      <a:lnRef idx="1">
+        <a:scrgbClr r="0" g="0" b="0"/>
+      </a:lnRef>
+      <a:fillRef idx="1">
+        <a:scrgbClr r="0" g="0" b="0"/>
+      </a:fillRef>
+      <a:effectRef idx="1">
+        <a:scrgbClr r="0" g="0" b="0"/>
+      </a:effectRef>
+      <a:fontRef idx="minor"/>
+    </dgm:style>
+  </dgm:styleLbl>
+  <dgm:styleLbl name="sibTrans2D1">
+    <dgm:scene3d>
+      <a:camera prst="orthographicFront"/>
+      <a:lightRig rig="threePt" dir="t"/>
+    </dgm:scene3d>
+    <dgm:sp3d/>
+    <dgm:txPr/>
+    <dgm:style>
+      <a:lnRef idx="0">
+        <a:scrgbClr r="0" g="0" b="0"/>
+      </a:lnRef>
+      <a:fillRef idx="2">
+        <a:scrgbClr r="0" g="0" b="0"/>
+      </a:fillRef>
+      <a:effectRef idx="1">
+        <a:scrgbClr r="0" g="0" b="0"/>
+      </a:effectRef>
+      <a:fontRef idx="minor">
+        <a:schemeClr val="dk1"/>
+      </a:fontRef>
+    </dgm:style>
+  </dgm:styleLbl>
+  <dgm:styleLbl name="fgSibTrans2D1">
+    <dgm:scene3d>
+      <a:camera prst="orthographicFront"/>
+      <a:lightRig rig="threePt" dir="t"/>
+    </dgm:scene3d>
+    <dgm:sp3d/>
+    <dgm:txPr/>
+    <dgm:style>
+      <a:lnRef idx="0">
+        <a:scrgbClr r="0" g="0" b="0"/>
+      </a:lnRef>
+      <a:fillRef idx="2">
+        <a:scrgbClr r="0" g="0" b="0"/>
+      </a:fillRef>
+      <a:effectRef idx="1">
+        <a:scrgbClr r="0" g="0" b="0"/>
+      </a:effectRef>
+      <a:fontRef idx="minor">
+        <a:schemeClr val="dk1"/>
+      </a:fontRef>
+    </dgm:style>
+  </dgm:styleLbl>
+  <dgm:styleLbl name="bgSibTrans2D1">
+    <dgm:scene3d>
+      <a:camera prst="orthographicFront"/>
+      <a:lightRig rig="threePt" dir="t"/>
+    </dgm:scene3d>
+    <dgm:sp3d/>
+    <dgm:txPr/>
+    <dgm:style>
+      <a:lnRef idx="0">
+        <a:scrgbClr r="0" g="0" b="0"/>
+      </a:lnRef>
+      <a:fillRef idx="2">
+        <a:scrgbClr r="0" g="0" b="0"/>
+      </a:fillRef>
+      <a:effectRef idx="1">
+        <a:scrgbClr r="0" g="0" b="0"/>
+      </a:effectRef>
+      <a:fontRef idx="minor">
+        <a:schemeClr val="dk1"/>
+      </a:fontRef>
+    </dgm:style>
+  </dgm:styleLbl>
+  <dgm:styleLbl name="sibTrans1D1">
+    <dgm:scene3d>
+      <a:camera prst="orthographicFront"/>
+      <a:lightRig rig="threePt" dir="t"/>
+    </dgm:scene3d>
+    <dgm:sp3d/>
+    <dgm:txPr/>
+    <dgm:style>
+      <a:lnRef idx="1">
+        <a:scrgbClr r="0" g="0" b="0"/>
+      </a:lnRef>
+      <a:fillRef idx="0">
+        <a:scrgbClr r="0" g="0" b="0"/>
+      </a:fillRef>
+      <a:effectRef idx="0">
+        <a:scrgbClr r="0" g="0" b="0"/>
+      </a:effectRef>
+      <a:fontRef idx="minor"/>
+    </dgm:style>
+  </dgm:styleLbl>
+  <dgm:styleLbl name="callout">
+    <dgm:scene3d>
+      <a:camera prst="orthographicFront"/>
+      <a:lightRig rig="threePt" dir="t"/>
+    </dgm:scene3d>
+    <dgm:sp3d/>
+    <dgm:txPr/>
+    <dgm:style>
+      <a:lnRef idx="1">
+        <a:scrgbClr r="0" g="0" b="0"/>
+      </a:lnRef>
+      <a:fillRef idx="2">
+        <a:scrgbClr r="0" g="0" b="0"/>
+      </a:fillRef>
+      <a:effectRef idx="1">
+        <a:scrgbClr r="0" g="0" b="0"/>
+      </a:effectRef>
+      <a:fontRef idx="minor"/>
+    </dgm:style>
+  </dgm:styleLbl>
+  <dgm:styleLbl name="asst0">
+    <dgm:scene3d>
+      <a:camera prst="orthographicFront"/>
+      <a:lightRig rig="flat" dir="t"/>
+    </dgm:scene3d>
+    <dgm:sp3d prstMaterial="dkEdge">
+      <a:bevelT w="8200" h="38100"/>
+    </dgm:sp3d>
+    <dgm:txPr/>
+    <dgm:style>
+      <a:lnRef idx="0">
+        <a:scrgbClr r="0" g="0" b="0"/>
+      </a:lnRef>
+      <a:fillRef idx="2">
+        <a:scrgbClr r="0" g="0" b="0"/>
+      </a:fillRef>
+      <a:effectRef idx="1">
+        <a:scrgbClr r="0" g="0" b="0"/>
+      </a:effectRef>
+      <a:fontRef idx="minor">
+        <a:schemeClr val="dk1"/>
+      </a:fontRef>
+    </dgm:style>
+  </dgm:styleLbl>
+  <dgm:styleLbl name="asst1">
+    <dgm:scene3d>
+      <a:camera prst="orthographicFront"/>
+      <a:lightRig rig="flat" dir="t"/>
+    </dgm:scene3d>
+    <dgm:sp3d prstMaterial="dkEdge">
+      <a:bevelT w="8200" h="38100"/>
+    </dgm:sp3d>
+    <dgm:txPr/>
+    <dgm:style>
+      <a:lnRef idx="0">
+        <a:scrgbClr r="0" g="0" b="0"/>
+      </a:lnRef>
+      <a:fillRef idx="2">
+        <a:scrgbClr r="0" g="0" b="0"/>
+      </a:fillRef>
+      <a:effectRef idx="1">
+        <a:scrgbClr r="0" g="0" b="0"/>
+      </a:effectRef>
+      <a:fontRef idx="minor">
+        <a:schemeClr val="dk1"/>
+      </a:fontRef>
+    </dgm:style>
+  </dgm:styleLbl>
+  <dgm:styleLbl name="asst2">
+    <dgm:scene3d>
+      <a:camera prst="orthographicFront"/>
+      <a:lightRig rig="flat" dir="t"/>
+    </dgm:scene3d>
+    <dgm:sp3d prstMaterial="dkEdge">
+      <a:bevelT w="8200" h="38100"/>
+    </dgm:sp3d>
+    <dgm:txPr/>
+    <dgm:style>
+      <a:lnRef idx="0">
+        <a:scrgbClr r="0" g="0" b="0"/>
+      </a:lnRef>
+      <a:fillRef idx="2">
+        <a:scrgbClr r="0" g="0" b="0"/>
+      </a:fillRef>
+      <a:effectRef idx="1">
+        <a:scrgbClr r="0" g="0" b="0"/>
+      </a:effectRef>
+      <a:fontRef idx="minor">
+        <a:schemeClr val="dk1"/>
+      </a:fontRef>
+    </dgm:style>
+  </dgm:styleLbl>
+  <dgm:styleLbl name="asst3">
+    <dgm:scene3d>
+      <a:camera prst="orthographicFront"/>
+      <a:lightRig rig="flat" dir="t"/>
+    </dgm:scene3d>
+    <dgm:sp3d prstMaterial="dkEdge">
+      <a:bevelT w="8200" h="38100"/>
+    </dgm:sp3d>
+    <dgm:txPr/>
+    <dgm:style>
+      <a:lnRef idx="0">
+        <a:scrgbClr r="0" g="0" b="0"/>
+      </a:lnRef>
+      <a:fillRef idx="2">
+        <a:scrgbClr r="0" g="0" b="0"/>
+      </a:fillRef>
+      <a:effectRef idx="1">
+        <a:scrgbClr r="0" g="0" b="0"/>
+      </a:effectRef>
+      <a:fontRef idx="minor">
+        <a:schemeClr val="dk1"/>
+      </a:fontRef>
+    </dgm:style>
+  </dgm:styleLbl>
+  <dgm:styleLbl name="asst4">
+    <dgm:scene3d>
+      <a:camera prst="orthographicFront"/>
+      <a:lightRig rig="flat" dir="t"/>
+    </dgm:scene3d>
+    <dgm:sp3d prstMaterial="dkEdge">
+      <a:bevelT w="8200" h="38100"/>
+    </dgm:sp3d>
+    <dgm:txPr/>
+    <dgm:style>
+      <a:lnRef idx="0">
+        <a:scrgbClr r="0" g="0" b="0"/>
+      </a:lnRef>
+      <a:fillRef idx="2">
+        <a:scrgbClr r="0" g="0" b="0"/>
+      </a:fillRef>
+      <a:effectRef idx="1">
+        <a:scrgbClr r="0" g="0" b="0"/>
+      </a:effectRef>
+      <a:fontRef idx="minor">
+        <a:schemeClr val="dk1"/>
+      </a:fontRef>
+    </dgm:style>
+  </dgm:styleLbl>
+  <dgm:styleLbl name="parChTrans2D1">
+    <dgm:scene3d>
+      <a:camera prst="orthographicFront"/>
+      <a:lightRig rig="threePt" dir="t"/>
+    </dgm:scene3d>
+    <dgm:sp3d/>
+    <dgm:txPr/>
+    <dgm:style>
+      <a:lnRef idx="1">
+        <a:scrgbClr r="0" g="0" b="0"/>
+      </a:lnRef>
+      <a:fillRef idx="2">
+        <a:scrgbClr r="0" g="0" b="0"/>
+      </a:fillRef>
+      <a:effectRef idx="1">
+        <a:scrgbClr r="0" g="0" b="0"/>
+      </a:effectRef>
+      <a:fontRef idx="minor">
+        <a:schemeClr val="dk1"/>
+      </a:fontRef>
+    </dgm:style>
+  </dgm:styleLbl>
+  <dgm:styleLbl name="parChTrans2D2">
+    <dgm:scene3d>
+      <a:camera prst="orthographicFront"/>
+      <a:lightRig rig="threePt" dir="t"/>
+    </dgm:scene3d>
+    <dgm:sp3d/>
+    <dgm:txPr/>
+    <dgm:style>
+      <a:lnRef idx="1">
+        <a:scrgbClr r="0" g="0" b="0"/>
+      </a:lnRef>
+      <a:fillRef idx="2">
+        <a:scrgbClr r="0" g="0" b="0"/>
+      </a:fillRef>
+      <a:effectRef idx="1">
+        <a:scrgbClr r="0" g="0" b="0"/>
+      </a:effectRef>
+      <a:fontRef idx="minor">
+        <a:schemeClr val="dk1"/>
+      </a:fontRef>
+    </dgm:style>
+  </dgm:styleLbl>
+  <dgm:styleLbl name="parChTrans2D3">
+    <dgm:scene3d>
+      <a:camera prst="orthographicFront"/>
+      <a:lightRig rig="threePt" dir="t"/>
+    </dgm:scene3d>
+    <dgm:sp3d/>
+    <dgm:txPr/>
+    <dgm:style>
+      <a:lnRef idx="1">
+        <a:scrgbClr r="0" g="0" b="0"/>
+      </a:lnRef>
+      <a:fillRef idx="2">
+        <a:scrgbClr r="0" g="0" b="0"/>
+      </a:fillRef>
+      <a:effectRef idx="1">
+        <a:scrgbClr r="0" g="0" b="0"/>
+      </a:effectRef>
+      <a:fontRef idx="minor">
+        <a:schemeClr val="dk1"/>
+      </a:fontRef>
+    </dgm:style>
+  </dgm:styleLbl>
+  <dgm:styleLbl name="parChTrans2D4">
+    <dgm:scene3d>
+      <a:camera prst="orthographicFront"/>
+      <a:lightRig rig="threePt" dir="t"/>
+    </dgm:scene3d>
+    <dgm:sp3d/>
+    <dgm:txPr/>
+    <dgm:style>
+      <a:lnRef idx="1">
+        <a:scrgbClr r="0" g="0" b="0"/>
+      </a:lnRef>
+      <a:fillRef idx="2">
+        <a:scrgbClr r="0" g="0" b="0"/>
+      </a:fillRef>
+      <a:effectRef idx="1">
+        <a:scrgbClr r="0" g="0" b="0"/>
+      </a:effectRef>
+      <a:fontRef idx="minor">
+        <a:schemeClr val="dk1"/>
+      </a:fontRef>
+    </dgm:style>
+  </dgm:styleLbl>
+  <dgm:styleLbl name="parChTrans1D1">
+    <dgm:scene3d>
+      <a:camera prst="orthographicFront"/>
+      <a:lightRig rig="threePt" dir="t"/>
+    </dgm:scene3d>
+    <dgm:sp3d/>
+    <dgm:txPr/>
+    <dgm:style>
+      <a:lnRef idx="2">
+        <a:scrgbClr r="0" g="0" b="0"/>
+      </a:lnRef>
+      <a:fillRef idx="0">
+        <a:scrgbClr r="0" g="0" b="0"/>
+      </a:fillRef>
+      <a:effectRef idx="0">
+        <a:scrgbClr r="0" g="0" b="0"/>
+      </a:effectRef>
+      <a:fontRef idx="minor"/>
+    </dgm:style>
+  </dgm:styleLbl>
+  <dgm:styleLbl name="parChTrans1D2">
+    <dgm:scene3d>
+      <a:camera prst="orthographicFront"/>
+      <a:lightRig rig="threePt" dir="t"/>
+    </dgm:scene3d>
+    <dgm:sp3d/>
+    <dgm:txPr/>
+    <dgm:style>
+      <a:lnRef idx="2">
+        <a:scrgbClr r="0" g="0" b="0"/>
+      </a:lnRef>
+      <a:fillRef idx="0">
+        <a:scrgbClr r="0" g="0" b="0"/>
+      </a:fillRef>
+      <a:effectRef idx="0">
+        <a:scrgbClr r="0" g="0" b="0"/>
+      </a:effectRef>
+      <a:fontRef idx="minor"/>
+    </dgm:style>
+  </dgm:styleLbl>
+  <dgm:styleLbl name="parChTrans1D3">
+    <dgm:scene3d>
+      <a:camera prst="orthographicFront"/>
+      <a:lightRig rig="threePt" dir="t"/>
+    </dgm:scene3d>
+    <dgm:sp3d/>
+    <dgm:txPr/>
+    <dgm:style>
+      <a:lnRef idx="2">
+        <a:scrgbClr r="0" g="0" b="0"/>
+      </a:lnRef>
+      <a:fillRef idx="0">
+        <a:scrgbClr r="0" g="0" b="0"/>
+      </a:fillRef>
+      <a:effectRef idx="0">
+        <a:scrgbClr r="0" g="0" b="0"/>
+      </a:effectRef>
+      <a:fontRef idx="minor"/>
+    </dgm:style>
+  </dgm:styleLbl>
+  <dgm:styleLbl name="parChTrans1D4">
+    <dgm:scene3d>
+      <a:camera prst="orthographicFront"/>
+      <a:lightRig rig="threePt" dir="t"/>
+    </dgm:scene3d>
+    <dgm:sp3d/>
+    <dgm:txPr/>
+    <dgm:style>
+      <a:lnRef idx="2">
+        <a:scrgbClr r="0" g="0" b="0"/>
+      </a:lnRef>
+      <a:fillRef idx="0">
+        <a:scrgbClr r="0" g="0" b="0"/>
+      </a:fillRef>
+      <a:effectRef idx="0">
+        <a:scrgbClr r="0" g="0" b="0"/>
+      </a:effectRef>
+      <a:fontRef idx="minor"/>
+    </dgm:style>
+  </dgm:styleLbl>
+  <dgm:styleLbl name="fgAcc1">
+    <dgm:scene3d>
+      <a:camera prst="orthographicFront"/>
+      <a:lightRig rig="threePt" dir="t"/>
+    </dgm:scene3d>
+    <dgm:sp3d/>
+    <dgm:txPr/>
+    <dgm:style>
+      <a:lnRef idx="1">
+        <a:scrgbClr r="0" g="0" b="0"/>
+      </a:lnRef>
+      <a:fillRef idx="1">
+        <a:scrgbClr r="0" g="0" b="0"/>
+      </a:fillRef>
+      <a:effectRef idx="0">
+        <a:scrgbClr r="0" g="0" b="0"/>
+      </a:effectRef>
+      <a:fontRef idx="minor"/>
+    </dgm:style>
+  </dgm:styleLbl>
+  <dgm:styleLbl name="conFgAcc1">
+    <dgm:scene3d>
+      <a:camera prst="orthographicFront"/>
+      <a:lightRig rig="threePt" dir="t"/>
+    </dgm:scene3d>
+    <dgm:sp3d/>
+    <dgm:txPr/>
+    <dgm:style>
+      <a:lnRef idx="1">
+        <a:scrgbClr r="0" g="0" b="0"/>
+      </a:lnRef>
+      <a:fillRef idx="1">
+        <a:scrgbClr r="0" g="0" b="0"/>
+      </a:fillRef>
+      <a:effectRef idx="0">
+        <a:scrgbClr r="0" g="0" b="0"/>
+      </a:effectRef>
+      <a:fontRef idx="minor"/>
+    </dgm:style>
+  </dgm:styleLbl>
+  <dgm:styleLbl name="alignAcc1">
+    <dgm:scene3d>
+      <a:camera prst="orthographicFront"/>
+      <a:lightRig rig="threePt" dir="t"/>
+    </dgm:scene3d>
+    <dgm:sp3d/>
+    <dgm:txPr/>
+    <dgm:style>
+      <a:lnRef idx="1">
+        <a:scrgbClr r="0" g="0" b="0"/>
+      </a:lnRef>
+      <a:fillRef idx="1">
+        <a:scrgbClr r="0" g="0" b="0"/>
+      </a:fillRef>
+      <a:effectRef idx="0">
+        <a:scrgbClr r="0" g="0" b="0"/>
+      </a:effectRef>
+      <a:fontRef idx="minor"/>
+    </dgm:style>
+  </dgm:styleLbl>
+  <dgm:styleLbl name="trAlignAcc1">
+    <dgm:scene3d>
+      <a:camera prst="orthographicFront"/>
+      <a:lightRig rig="threePt" dir="t"/>
+    </dgm:scene3d>
+    <dgm:sp3d/>
+    <dgm:txPr/>
+    <dgm:style>
+      <a:lnRef idx="1">
+        <a:scrgbClr r="0" g="0" b="0"/>
+      </a:lnRef>
+      <a:fillRef idx="1">
+        <a:scrgbClr r="0" g="0" b="0"/>
+      </a:fillRef>
+      <a:effectRef idx="0">
+        <a:scrgbClr r="0" g="0" b="0"/>
+      </a:effectRef>
+      <a:fontRef idx="minor"/>
+    </dgm:style>
+  </dgm:styleLbl>
+  <dgm:styleLbl name="bgAcc1">
+    <dgm:scene3d>
+      <a:camera prst="orthographicFront"/>
+      <a:lightRig rig="threePt" dir="t"/>
+    </dgm:scene3d>
+    <dgm:sp3d/>
+    <dgm:txPr/>
+    <dgm:style>
+      <a:lnRef idx="1">
+        <a:scrgbClr r="0" g="0" b="0"/>
+      </a:lnRef>
+      <a:fillRef idx="1">
+        <a:scrgbClr r="0" g="0" b="0"/>
+      </a:fillRef>
+      <a:effectRef idx="0">
+        <a:scrgbClr r="0" g="0" b="0"/>
+      </a:effectRef>
+      <a:fontRef idx="minor"/>
+    </dgm:style>
+  </dgm:styleLbl>
+  <dgm:styleLbl name="solidFgAcc1">
+    <dgm:scene3d>
+      <a:camera prst="orthographicFront"/>
+      <a:lightRig rig="threePt" dir="t"/>
+    </dgm:scene3d>
+    <dgm:sp3d/>
+    <dgm:txPr/>
+    <dgm:style>
+      <a:lnRef idx="1">
+        <a:scrgbClr r="0" g="0" b="0"/>
+      </a:lnRef>
+      <a:fillRef idx="2">
+        <a:scrgbClr r="0" g="0" b="0"/>
+      </a:fillRef>
+      <a:effectRef idx="0">
+        <a:scrgbClr r="0" g="0" b="0"/>
+      </a:effectRef>
+      <a:fontRef idx="minor"/>
+    </dgm:style>
+  </dgm:styleLbl>
+  <dgm:styleLbl name="solidAlignAcc1">
+    <dgm:scene3d>
+      <a:camera prst="orthographicFront"/>
+      <a:lightRig rig="threePt" dir="t"/>
+    </dgm:scene3d>
+    <dgm:sp3d/>
+    <dgm:txPr/>
+    <dgm:style>
+      <a:lnRef idx="1">
+        <a:scrgbClr r="0" g="0" b="0"/>
+      </a:lnRef>
+      <a:fillRef idx="1">
+        <a:scrgbClr r="0" g="0" b="0"/>
+      </a:fillRef>
+      <a:effectRef idx="0">
+        <a:scrgbClr r="0" g="0" b="0"/>
+      </a:effectRef>
+      <a:fontRef idx="minor"/>
+    </dgm:style>
+  </dgm:styleLbl>
+  <dgm:styleLbl name="solidBgAcc1">
+    <dgm:scene3d>
+      <a:camera prst="orthographicFront"/>
+      <a:lightRig rig="threePt" dir="t"/>
+    </dgm:scene3d>
+    <dgm:sp3d/>
+    <dgm:txPr/>
+    <dgm:style>
+      <a:lnRef idx="1">
+        <a:scrgbClr r="0" g="0" b="0"/>
+      </a:lnRef>
+      <a:fillRef idx="1">
+        <a:scrgbClr r="0" g="0" b="0"/>
+      </a:fillRef>
+      <a:effectRef idx="0">
+        <a:scrgbClr r="0" g="0" b="0"/>
+      </a:effectRef>
+      <a:fontRef idx="minor"/>
+    </dgm:style>
+  </dgm:styleLbl>
+  <dgm:styleLbl name="fgAccFollowNode1">
+    <dgm:scene3d>
+      <a:camera prst="orthographicFront"/>
+      <a:lightRig rig="threePt" dir="t"/>
+    </dgm:scene3d>
+    <dgm:sp3d/>
+    <dgm:txPr/>
+    <dgm:style>
+      <a:lnRef idx="1">
+        <a:scrgbClr r="0" g="0" b="0"/>
+      </a:lnRef>
+      <a:fillRef idx="1">
+        <a:scrgbClr r="0" g="0" b="0"/>
+      </a:fillRef>
+      <a:effectRef idx="0">
+        <a:scrgbClr r="0" g="0" b="0"/>
+      </a:effectRef>
+      <a:fontRef idx="minor"/>
+    </dgm:style>
+  </dgm:styleLbl>
+  <dgm:styleLbl name="alignAccFollowNode1">
+    <dgm:scene3d>
+      <a:camera prst="orthographicFront"/>
+      <a:lightRig rig="threePt" dir="t"/>
+    </dgm:scene3d>
+    <dgm:sp3d/>
+    <dgm:txPr/>
+    <dgm:style>
+      <a:lnRef idx="1">
+        <a:scrgbClr r="0" g="0" b="0"/>
+      </a:lnRef>
+      <a:fillRef idx="1">
+        <a:scrgbClr r="0" g="0" b="0"/>
+      </a:fillRef>
+      <a:effectRef idx="0">
+        <a:scrgbClr r="0" g="0" b="0"/>
+      </a:effectRef>
+      <a:fontRef idx="minor"/>
+    </dgm:style>
+  </dgm:styleLbl>
+  <dgm:styleLbl name="bgAccFollowNode1">
+    <dgm:scene3d>
+      <a:camera prst="orthographicFront"/>
+      <a:lightRig rig="threePt" dir="t"/>
+    </dgm:scene3d>
+    <dgm:sp3d/>
+    <dgm:txPr/>
+    <dgm:style>
+      <a:lnRef idx="1">
+        <a:scrgbClr r="0" g="0" b="0"/>
+      </a:lnRef>
+      <a:fillRef idx="1">
+        <a:scrgbClr r="0" g="0" b="0"/>
+      </a:fillRef>
+      <a:effectRef idx="0">
+        <a:scrgbClr r="0" g="0" b="0"/>
+      </a:effectRef>
+      <a:fontRef idx="minor"/>
+    </dgm:style>
+  </dgm:styleLbl>
+  <dgm:styleLbl name="fgAcc0">
+    <dgm:scene3d>
+      <a:camera prst="orthographicFront"/>
+      <a:lightRig rig="threePt" dir="t"/>
+    </dgm:scene3d>
+    <dgm:sp3d/>
+    <dgm:txPr/>
+    <dgm:style>
+      <a:lnRef idx="1">
+        <a:scrgbClr r="0" g="0" b="0"/>
+      </a:lnRef>
+      <a:fillRef idx="1">
+        <a:scrgbClr r="0" g="0" b="0"/>
+      </a:fillRef>
+      <a:effectRef idx="0">
+        <a:scrgbClr r="0" g="0" b="0"/>
+      </a:effectRef>
+      <a:fontRef idx="minor"/>
+    </dgm:style>
+  </dgm:styleLbl>
+  <dgm:styleLbl name="fgAcc2">
+    <dgm:scene3d>
+      <a:camera prst="orthographicFront"/>
+      <a:lightRig rig="threePt" dir="t"/>
+    </dgm:scene3d>
+    <dgm:sp3d/>
+    <dgm:txPr/>
+    <dgm:style>
+      <a:lnRef idx="1">
+        <a:scrgbClr r="0" g="0" b="0"/>
+      </a:lnRef>
+      <a:fillRef idx="1">
+        <a:scrgbClr r="0" g="0" b="0"/>
+      </a:fillRef>
+      <a:effectRef idx="0">
+        <a:scrgbClr r="0" g="0" b="0"/>
+      </a:effectRef>
+      <a:fontRef idx="minor"/>
+    </dgm:style>
+  </dgm:styleLbl>
+  <dgm:styleLbl name="fgAcc3">
+    <dgm:scene3d>
+      <a:camera prst="orthographicFront"/>
+      <a:lightRig rig="threePt" dir="t"/>
+    </dgm:scene3d>
+    <dgm:sp3d/>
+    <dgm:txPr/>
+    <dgm:style>
+      <a:lnRef idx="1">
+        <a:scrgbClr r="0" g="0" b="0"/>
+      </a:lnRef>
+      <a:fillRef idx="1">
+        <a:scrgbClr r="0" g="0" b="0"/>
+      </a:fillRef>
+      <a:effectRef idx="0">
+        <a:scrgbClr r="0" g="0" b="0"/>
+      </a:effectRef>
+      <a:fontRef idx="minor"/>
+    </dgm:style>
+  </dgm:styleLbl>
+  <dgm:styleLbl name="fgAcc4">
+    <dgm:scene3d>
+      <a:camera prst="orthographicFront"/>
+      <a:lightRig rig="threePt" dir="t"/>
+    </dgm:scene3d>
+    <dgm:sp3d/>
+    <dgm:txPr/>
+    <dgm:style>
+      <a:lnRef idx="1">
+        <a:scrgbClr r="0" g="0" b="0"/>
+      </a:lnRef>
+      <a:fillRef idx="1">
+        <a:scrgbClr r="0" g="0" b="0"/>
+      </a:fillRef>
+      <a:effectRef idx="0">
+        <a:scrgbClr r="0" g="0" b="0"/>
+      </a:effectRef>
+      <a:fontRef idx="minor"/>
+    </dgm:style>
+  </dgm:styleLbl>
+  <dgm:styleLbl name="bgShp">
+    <dgm:scene3d>
+      <a:camera prst="orthographicFront"/>
+      <a:lightRig rig="threePt" dir="t"/>
+    </dgm:scene3d>
+    <dgm:sp3d/>
+    <dgm:txPr/>
+    <dgm:style>
+      <a:lnRef idx="0">
+        <a:scrgbClr r="0" g="0" b="0"/>
+      </a:lnRef>
+      <a:fillRef idx="1">
+        <a:scrgbClr r="0" g="0" b="0"/>
+      </a:fillRef>
+      <a:effectRef idx="1">
+        <a:scrgbClr r="0" g="0" b="0"/>
+      </a:effectRef>
+      <a:fontRef idx="minor"/>
+    </dgm:style>
+  </dgm:styleLbl>
+  <dgm:styleLbl name="dkBgShp">
+    <dgm:scene3d>
+      <a:camera prst="orthographicFront"/>
+      <a:lightRig rig="threePt" dir="t"/>
+    </dgm:scene3d>
+    <dgm:sp3d/>
+    <dgm:txPr/>
+    <dgm:style>
+      <a:lnRef idx="0">
+        <a:scrgbClr r="0" g="0" b="0"/>
+      </a:lnRef>
+      <a:fillRef idx="1">
+        <a:scrgbClr r="0" g="0" b="0"/>
+      </a:fillRef>
+      <a:effectRef idx="1">
+        <a:scrgbClr r="0" g="0" b="0"/>
+      </a:effectRef>
+      <a:fontRef idx="minor"/>
+    </dgm:style>
+  </dgm:styleLbl>
+  <dgm:styleLbl name="trBgShp">
+    <dgm:scene3d>
+      <a:camera prst="orthographicFront"/>
+      <a:lightRig rig="threePt" dir="t"/>
+    </dgm:scene3d>
+    <dgm:sp3d/>
+    <dgm:txPr/>
+    <dgm:style>
+      <a:lnRef idx="0">
+        <a:scrgbClr r="0" g="0" b="0"/>
+      </a:lnRef>
+      <a:fillRef idx="1">
+        <a:scrgbClr r="0" g="0" b="0"/>
+      </a:fillRef>
+      <a:effectRef idx="0">
+        <a:scrgbClr r="0" g="0" b="0"/>
+      </a:effectRef>
+      <a:fontRef idx="minor"/>
+    </dgm:style>
+  </dgm:styleLbl>
+  <dgm:styleLbl name="fgShp">
+    <dgm:scene3d>
+      <a:camera prst="orthographicFront"/>
+      <a:lightRig rig="flat" dir="t"/>
+    </dgm:scene3d>
+    <dgm:sp3d prstMaterial="dkEdge">
+      <a:bevelT w="8200" h="38100"/>
+    </dgm:sp3d>
+    <dgm:txPr/>
+    <dgm:style>
+      <a:lnRef idx="1">
+        <a:scrgbClr r="0" g="0" b="0"/>
+      </a:lnRef>
+      <a:fillRef idx="2">
+        <a:scrgbClr r="0" g="0" b="0"/>
+      </a:fillRef>
+      <a:effectRef idx="1">
+        <a:scrgbClr r="0" g="0" b="0"/>
+      </a:effectRef>
+      <a:fontRef idx="minor"/>
+    </dgm:style>
+  </dgm:styleLbl>
+  <dgm:styleLbl name="revTx">
+    <dgm:scene3d>
+      <a:camera prst="orthographicFront"/>
+      <a:lightRig rig="threePt" dir="t"/>
+    </dgm:scene3d>
+    <dgm:sp3d/>
+    <dgm:txPr/>
+    <dgm:style>
+      <a:lnRef idx="0">
         <a:scrgbClr r="0" g="0" b="0"/>
       </a:lnRef>
       <a:fillRef idx="0">
@@ -8223,7 +8223,7 @@
           <a:p>
             <a:fld id="{D6A286D6-9690-4A7E-B0B1-9858359D4024}" type="datetimeFigureOut">
               <a:rPr lang="cs-CZ" smtClean="0"/>
-              <a:t>25.01.2017</a:t>
+              <a:t>30.01.2017</a:t>
             </a:fld>
             <a:endParaRPr lang="cs-CZ"/>
           </a:p>
@@ -8474,7 +8474,7 @@
           <a:p>
             <a:fld id="{D6A286D6-9690-4A7E-B0B1-9858359D4024}" type="datetimeFigureOut">
               <a:rPr lang="cs-CZ" smtClean="0"/>
-              <a:t>25.01.2017</a:t>
+              <a:t>30.01.2017</a:t>
             </a:fld>
             <a:endParaRPr lang="cs-CZ"/>
           </a:p>
@@ -8788,7 +8788,7 @@
           <a:p>
             <a:fld id="{D6A286D6-9690-4A7E-B0B1-9858359D4024}" type="datetimeFigureOut">
               <a:rPr lang="cs-CZ" smtClean="0"/>
-              <a:t>25.01.2017</a:t>
+              <a:t>30.01.2017</a:t>
             </a:fld>
             <a:endParaRPr lang="cs-CZ"/>
           </a:p>
@@ -9129,7 +9129,7 @@
           <a:p>
             <a:fld id="{D6A286D6-9690-4A7E-B0B1-9858359D4024}" type="datetimeFigureOut">
               <a:rPr lang="cs-CZ" smtClean="0"/>
-              <a:t>25.01.2017</a:t>
+              <a:t>30.01.2017</a:t>
             </a:fld>
             <a:endParaRPr lang="cs-CZ"/>
           </a:p>
@@ -9443,7 +9443,7 @@
           <a:p>
             <a:fld id="{D6A286D6-9690-4A7E-B0B1-9858359D4024}" type="datetimeFigureOut">
               <a:rPr lang="cs-CZ" smtClean="0"/>
-              <a:t>25.01.2017</a:t>
+              <a:t>30.01.2017</a:t>
             </a:fld>
             <a:endParaRPr lang="cs-CZ"/>
           </a:p>
@@ -9836,7 +9836,7 @@
           <a:p>
             <a:fld id="{D6A286D6-9690-4A7E-B0B1-9858359D4024}" type="datetimeFigureOut">
               <a:rPr lang="cs-CZ" smtClean="0"/>
-              <a:t>25.01.2017</a:t>
+              <a:t>30.01.2017</a:t>
             </a:fld>
             <a:endParaRPr lang="cs-CZ"/>
           </a:p>
@@ -10006,7 +10006,7 @@
           <a:p>
             <a:fld id="{D6A286D6-9690-4A7E-B0B1-9858359D4024}" type="datetimeFigureOut">
               <a:rPr lang="cs-CZ" smtClean="0"/>
-              <a:t>25.01.2017</a:t>
+              <a:t>30.01.2017</a:t>
             </a:fld>
             <a:endParaRPr lang="cs-CZ"/>
           </a:p>
@@ -10186,7 +10186,7 @@
           <a:p>
             <a:fld id="{D6A286D6-9690-4A7E-B0B1-9858359D4024}" type="datetimeFigureOut">
               <a:rPr lang="cs-CZ" smtClean="0"/>
-              <a:t>25.01.2017</a:t>
+              <a:t>30.01.2017</a:t>
             </a:fld>
             <a:endParaRPr lang="cs-CZ"/>
           </a:p>
@@ -10362,7 +10362,7 @@
           <a:p>
             <a:fld id="{D6A286D6-9690-4A7E-B0B1-9858359D4024}" type="datetimeFigureOut">
               <a:rPr lang="cs-CZ" smtClean="0"/>
-              <a:t>25.01.2017</a:t>
+              <a:t>30.01.2017</a:t>
             </a:fld>
             <a:endParaRPr lang="cs-CZ"/>
           </a:p>
@@ -10609,7 +10609,7 @@
           <a:p>
             <a:fld id="{D6A286D6-9690-4A7E-B0B1-9858359D4024}" type="datetimeFigureOut">
               <a:rPr lang="cs-CZ" smtClean="0"/>
-              <a:t>25.01.2017</a:t>
+              <a:t>30.01.2017</a:t>
             </a:fld>
             <a:endParaRPr lang="cs-CZ"/>
           </a:p>
@@ -10841,7 +10841,7 @@
           <a:p>
             <a:fld id="{D6A286D6-9690-4A7E-B0B1-9858359D4024}" type="datetimeFigureOut">
               <a:rPr lang="cs-CZ" smtClean="0"/>
-              <a:t>25.01.2017</a:t>
+              <a:t>30.01.2017</a:t>
             </a:fld>
             <a:endParaRPr lang="cs-CZ"/>
           </a:p>
@@ -11215,7 +11215,7 @@
           <a:p>
             <a:fld id="{D6A286D6-9690-4A7E-B0B1-9858359D4024}" type="datetimeFigureOut">
               <a:rPr lang="cs-CZ" smtClean="0"/>
-              <a:t>25.01.2017</a:t>
+              <a:t>30.01.2017</a:t>
             </a:fld>
             <a:endParaRPr lang="cs-CZ"/>
           </a:p>
@@ -11338,7 +11338,7 @@
           <a:p>
             <a:fld id="{D6A286D6-9690-4A7E-B0B1-9858359D4024}" type="datetimeFigureOut">
               <a:rPr lang="cs-CZ" smtClean="0"/>
-              <a:t>25.01.2017</a:t>
+              <a:t>30.01.2017</a:t>
             </a:fld>
             <a:endParaRPr lang="cs-CZ"/>
           </a:p>
@@ -11433,7 +11433,7 @@
           <a:p>
             <a:fld id="{D6A286D6-9690-4A7E-B0B1-9858359D4024}" type="datetimeFigureOut">
               <a:rPr lang="cs-CZ" smtClean="0"/>
-              <a:t>25.01.2017</a:t>
+              <a:t>30.01.2017</a:t>
             </a:fld>
             <a:endParaRPr lang="cs-CZ"/>
           </a:p>
@@ -11688,7 +11688,7 @@
           <a:p>
             <a:fld id="{D6A286D6-9690-4A7E-B0B1-9858359D4024}" type="datetimeFigureOut">
               <a:rPr lang="cs-CZ" smtClean="0"/>
-              <a:t>25.01.2017</a:t>
+              <a:t>30.01.2017</a:t>
             </a:fld>
             <a:endParaRPr lang="cs-CZ"/>
           </a:p>
@@ -11951,7 +11951,7 @@
           <a:p>
             <a:fld id="{D6A286D6-9690-4A7E-B0B1-9858359D4024}" type="datetimeFigureOut">
               <a:rPr lang="cs-CZ" smtClean="0"/>
-              <a:t>25.01.2017</a:t>
+              <a:t>30.01.2017</a:t>
             </a:fld>
             <a:endParaRPr lang="cs-CZ"/>
           </a:p>
@@ -12694,7 +12694,7 @@
           <a:p>
             <a:fld id="{D6A286D6-9690-4A7E-B0B1-9858359D4024}" type="datetimeFigureOut">
               <a:rPr lang="cs-CZ" smtClean="0"/>
-              <a:t>25.01.2017</a:t>
+              <a:t>30.01.2017</a:t>
             </a:fld>
             <a:endParaRPr lang="cs-CZ"/>
           </a:p>
@@ -13352,241 +13352,6 @@
 </file>
 
 <file path=ppt/slides/slide2.xml><?xml version="1.0" encoding="utf-8"?>
-<p:sld xmlns:a="http://schemas.openxmlformats.org/drawingml/2006/main" xmlns:r="http://schemas.openxmlformats.org/officeDocument/2006/relationships" xmlns:p="http://schemas.openxmlformats.org/presentationml/2006/main" show="0">
-  <p:cSld>
-    <p:spTree>
-      <p:nvGrpSpPr>
-        <p:cNvPr id="1" name=""/>
-        <p:cNvGrpSpPr/>
-        <p:nvPr/>
-      </p:nvGrpSpPr>
-      <p:grpSpPr>
-        <a:xfrm>
-          <a:off x="0" y="0"/>
-          <a:ext cx="0" cy="0"/>
-          <a:chOff x="0" y="0"/>
-          <a:chExt cx="0" cy="0"/>
-        </a:xfrm>
-      </p:grpSpPr>
-      <p:sp>
-        <p:nvSpPr>
-          <p:cNvPr id="2" name="Nadpis 1"/>
-          <p:cNvSpPr>
-            <a:spLocks noGrp="1"/>
-          </p:cNvSpPr>
-          <p:nvPr>
-            <p:ph type="title"/>
-          </p:nvPr>
-        </p:nvSpPr>
-        <p:spPr/>
-        <p:txBody>
-          <a:bodyPr/>
-          <a:lstStyle/>
-          <a:p>
-            <a:r>
-              <a:rPr lang="cs-CZ" dirty="0" smtClean="0">
-                <a:solidFill>
-                  <a:schemeClr val="tx1"/>
-                </a:solidFill>
-              </a:rPr>
-              <a:t>Představení projektu</a:t>
-            </a:r>
-            <a:endParaRPr lang="cs-CZ" dirty="0">
-              <a:solidFill>
-                <a:schemeClr val="tx1"/>
-              </a:solidFill>
-            </a:endParaRPr>
-          </a:p>
-        </p:txBody>
-      </p:sp>
-      <p:sp>
-        <p:nvSpPr>
-          <p:cNvPr id="3" name="Zástupný symbol pro obsah 2"/>
-          <p:cNvSpPr>
-            <a:spLocks noGrp="1"/>
-          </p:cNvSpPr>
-          <p:nvPr>
-            <p:ph idx="1"/>
-          </p:nvPr>
-        </p:nvSpPr>
-        <p:spPr>
-          <a:xfrm>
-            <a:off x="677334" y="2160589"/>
-            <a:ext cx="8596668" cy="4138611"/>
-          </a:xfrm>
-        </p:spPr>
-        <p:txBody>
-          <a:bodyPr>
-            <a:noAutofit/>
-          </a:bodyPr>
-          <a:lstStyle/>
-          <a:p>
-            <a:r>
-              <a:rPr lang="cs-CZ" sz="3200" dirty="0" smtClean="0"/>
-              <a:t>Fotografie ze stejného pohledu jako referenční snímek</a:t>
-            </a:r>
-          </a:p>
-          <a:p>
-            <a:r>
-              <a:rPr lang="cs-CZ" sz="3200" dirty="0" smtClean="0"/>
-              <a:t>Zaměřeno pro historické a studijní účely</a:t>
-            </a:r>
-          </a:p>
-          <a:p>
-            <a:r>
-              <a:rPr lang="cs-CZ" sz="3200" dirty="0"/>
-              <a:t>P</a:t>
-            </a:r>
-            <a:r>
-              <a:rPr lang="cs-CZ" sz="3200" dirty="0" smtClean="0"/>
-              <a:t>roblémy lokalizace historického místa</a:t>
-            </a:r>
-          </a:p>
-          <a:p>
-            <a:r>
-              <a:rPr lang="cs-CZ" sz="3200" dirty="0" smtClean="0"/>
-              <a:t>Navigace uživatele v reálném čase</a:t>
-            </a:r>
-          </a:p>
-          <a:p>
-            <a:r>
-              <a:rPr lang="cs-CZ" sz="3200" dirty="0" smtClean="0"/>
-              <a:t>Mobilní aplikace na OS Android</a:t>
-            </a:r>
-            <a:endParaRPr lang="cs-CZ" sz="3200" dirty="0"/>
-          </a:p>
-        </p:txBody>
-      </p:sp>
-    </p:spTree>
-    <p:extLst>
-      <p:ext uri="{BB962C8B-B14F-4D97-AF65-F5344CB8AC3E}">
-        <p14:creationId xmlns:p14="http://schemas.microsoft.com/office/powerpoint/2010/main" val="1945739963"/>
-      </p:ext>
-    </p:extLst>
-  </p:cSld>
-  <p:clrMapOvr>
-    <a:masterClrMapping/>
-  </p:clrMapOvr>
-  <mc:AlternateContent xmlns:mc="http://schemas.openxmlformats.org/markup-compatibility/2006" xmlns:p14="http://schemas.microsoft.com/office/powerpoint/2010/main">
-    <mc:Choice Requires="p14">
-      <p:transition spd="slow" p14:dur="2000"/>
-    </mc:Choice>
-    <mc:Fallback xmlns="">
-      <p:transition spd="slow"/>
-    </mc:Fallback>
-  </mc:AlternateContent>
-  <p:timing>
-    <p:tnLst>
-      <p:par>
-        <p:cTn id="1" dur="indefinite" restart="never" nodeType="tmRoot"/>
-      </p:par>
-    </p:tnLst>
-  </p:timing>
-</p:sld>
-</file>
-
-<file path=ppt/slides/slide3.xml><?xml version="1.0" encoding="utf-8"?>
-<p:sld xmlns:a="http://schemas.openxmlformats.org/drawingml/2006/main" xmlns:r="http://schemas.openxmlformats.org/officeDocument/2006/relationships" xmlns:p="http://schemas.openxmlformats.org/presentationml/2006/main" show="0">
-  <p:cSld>
-    <p:spTree>
-      <p:nvGrpSpPr>
-        <p:cNvPr id="1" name=""/>
-        <p:cNvGrpSpPr/>
-        <p:nvPr/>
-      </p:nvGrpSpPr>
-      <p:grpSpPr>
-        <a:xfrm>
-          <a:off x="0" y="0"/>
-          <a:ext cx="0" cy="0"/>
-          <a:chOff x="0" y="0"/>
-          <a:chExt cx="0" cy="0"/>
-        </a:xfrm>
-      </p:grpSpPr>
-      <p:sp>
-        <p:nvSpPr>
-          <p:cNvPr id="2" name="Nadpis 1"/>
-          <p:cNvSpPr>
-            <a:spLocks noGrp="1"/>
-          </p:cNvSpPr>
-          <p:nvPr>
-            <p:ph type="title"/>
-          </p:nvPr>
-        </p:nvSpPr>
-        <p:spPr/>
-        <p:txBody>
-          <a:bodyPr/>
-          <a:lstStyle/>
-          <a:p>
-            <a:r>
-              <a:rPr lang="cs-CZ" dirty="0" smtClean="0">
-                <a:solidFill>
-                  <a:schemeClr val="tx1"/>
-                </a:solidFill>
-              </a:rPr>
-              <a:t>Uživatelský pohled</a:t>
-            </a:r>
-            <a:endParaRPr lang="cs-CZ" dirty="0">
-              <a:solidFill>
-                <a:schemeClr val="tx1"/>
-              </a:solidFill>
-            </a:endParaRPr>
-          </a:p>
-        </p:txBody>
-      </p:sp>
-      <p:graphicFrame>
-        <p:nvGraphicFramePr>
-          <p:cNvPr id="4" name="Zástupný symbol pro obsah 3"/>
-          <p:cNvGraphicFramePr>
-            <a:graphicFrameLocks noGrp="1"/>
-          </p:cNvGraphicFramePr>
-          <p:nvPr>
-            <p:ph idx="1"/>
-            <p:extLst>
-              <p:ext uri="{D42A27DB-BD31-4B8C-83A1-F6EECF244321}">
-                <p14:modId xmlns:p14="http://schemas.microsoft.com/office/powerpoint/2010/main" val="2146189494"/>
-              </p:ext>
-            </p:extLst>
-          </p:nvPr>
-        </p:nvGraphicFramePr>
-        <p:xfrm>
-          <a:off x="677863" y="2160588"/>
-          <a:ext cx="8596312" cy="3881437"/>
-        </p:xfrm>
-        <a:graphic>
-          <a:graphicData uri="http://schemas.openxmlformats.org/drawingml/2006/diagram">
-            <dgm:relIds xmlns:dgm="http://schemas.openxmlformats.org/drawingml/2006/diagram" xmlns:r="http://schemas.openxmlformats.org/officeDocument/2006/relationships" r:dm="rId2" r:lo="rId3" r:qs="rId4" r:cs="rId5"/>
-          </a:graphicData>
-        </a:graphic>
-      </p:graphicFrame>
-    </p:spTree>
-    <p:extLst>
-      <p:ext uri="{BB962C8B-B14F-4D97-AF65-F5344CB8AC3E}">
-        <p14:creationId xmlns:p14="http://schemas.microsoft.com/office/powerpoint/2010/main" val="897601101"/>
-      </p:ext>
-    </p:extLst>
-  </p:cSld>
-  <p:clrMapOvr>
-    <a:masterClrMapping/>
-  </p:clrMapOvr>
-  <mc:AlternateContent xmlns:mc="http://schemas.openxmlformats.org/markup-compatibility/2006" xmlns:p14="http://schemas.microsoft.com/office/powerpoint/2010/main">
-    <mc:Choice Requires="p14">
-      <p:transition spd="slow" p14:dur="2000"/>
-    </mc:Choice>
-    <mc:Fallback xmlns="">
-      <p:transition spd="slow"/>
-    </mc:Fallback>
-  </mc:AlternateContent>
-  <p:timing>
-    <p:tnLst>
-      <p:par>
-        <p:cTn id="1" dur="indefinite" restart="never" nodeType="tmRoot"/>
-      </p:par>
-    </p:tnLst>
-  </p:timing>
-</p:sld>
-</file>
-
-<file path=ppt/slides/slide4.xml><?xml version="1.0" encoding="utf-8"?>
 <p:sld xmlns:a="http://schemas.openxmlformats.org/drawingml/2006/main" xmlns:r="http://schemas.openxmlformats.org/officeDocument/2006/relationships" xmlns:p="http://schemas.openxmlformats.org/presentationml/2006/main">
   <p:cSld>
     <p:spTree>
@@ -13660,7 +13425,7 @@
 </p:sld>
 </file>
 
-<file path=ppt/slides/slide5.xml><?xml version="1.0" encoding="utf-8"?>
+<file path=ppt/slides/slide3.xml><?xml version="1.0" encoding="utf-8"?>
 <p:sld xmlns:a="http://schemas.openxmlformats.org/drawingml/2006/main" xmlns:r="http://schemas.openxmlformats.org/officeDocument/2006/relationships" xmlns:p="http://schemas.openxmlformats.org/presentationml/2006/main">
   <p:cSld>
     <p:spTree>
@@ -13753,7 +13518,7 @@
 </p:sld>
 </file>
 
-<file path=ppt/slides/slide6.xml><?xml version="1.0" encoding="utf-8"?>
+<file path=ppt/slides/slide4.xml><?xml version="1.0" encoding="utf-8"?>
 <p:sld xmlns:a="http://schemas.openxmlformats.org/drawingml/2006/main" xmlns:r="http://schemas.openxmlformats.org/officeDocument/2006/relationships" xmlns:p="http://schemas.openxmlformats.org/presentationml/2006/main">
   <p:cSld>
     <p:spTree>
@@ -13925,7 +13690,7 @@
         </p:nvSpPr>
         <p:spPr>
           <a:xfrm>
-            <a:off x="1149927" y="2115128"/>
+            <a:off x="1149924" y="2021870"/>
             <a:ext cx="2914073" cy="895928"/>
           </a:xfrm>
           <a:prstGeom prst="rect">
@@ -13968,62 +13733,13 @@
       </p:sp>
       <p:sp>
         <p:nvSpPr>
-          <p:cNvPr id="7" name="Obdélník 6"/>
-          <p:cNvSpPr/>
-          <p:nvPr/>
-        </p:nvSpPr>
-        <p:spPr>
-          <a:xfrm>
-            <a:off x="1149926" y="3500454"/>
-            <a:ext cx="2914074" cy="1099256"/>
-          </a:xfrm>
-          <a:prstGeom prst="rect">
-            <a:avLst/>
-          </a:prstGeom>
-          <a:effectLst>
-            <a:outerShdw blurRad="50800" dist="38100" dir="2700000" algn="tl" rotWithShape="0">
-              <a:prstClr val="black">
-                <a:alpha val="40000"/>
-              </a:prstClr>
-            </a:outerShdw>
-          </a:effectLst>
-        </p:spPr>
-        <p:style>
-          <a:lnRef idx="2">
-            <a:schemeClr val="accent2"/>
-          </a:lnRef>
-          <a:fillRef idx="1">
-            <a:schemeClr val="lt1"/>
-          </a:fillRef>
-          <a:effectRef idx="0">
-            <a:schemeClr val="accent2"/>
-          </a:effectRef>
-          <a:fontRef idx="minor">
-            <a:schemeClr val="dk1"/>
-          </a:fontRef>
-        </p:style>
-        <p:txBody>
-          <a:bodyPr rtlCol="0" anchor="ctr"/>
-          <a:lstStyle/>
-          <a:p>
-            <a:pPr algn="ctr"/>
-            <a:r>
-              <a:rPr lang="cs-CZ" sz="2400" dirty="0" smtClean="0"/>
-              <a:t>Ohnisková vzdálenost</a:t>
-            </a:r>
-            <a:endParaRPr lang="cs-CZ" sz="2400" dirty="0"/>
-          </a:p>
-        </p:txBody>
-      </p:sp>
-      <p:sp>
-        <p:nvSpPr>
           <p:cNvPr id="8" name="Obdélník 7"/>
           <p:cNvSpPr/>
           <p:nvPr/>
         </p:nvSpPr>
         <p:spPr>
           <a:xfrm>
-            <a:off x="1149927" y="5113934"/>
+            <a:off x="1149928" y="5594224"/>
             <a:ext cx="2914073" cy="843459"/>
           </a:xfrm>
           <a:prstGeom prst="rect">
@@ -14156,60 +13872,17 @@
       </p:cxnSp>
       <p:cxnSp>
         <p:nvCxnSpPr>
-          <p:cNvPr id="19" name="Pravoúhlá spojnice 18"/>
+          <p:cNvPr id="21" name="Pravoúhlá spojnice 20"/>
           <p:cNvCxnSpPr>
-            <a:stCxn id="6" idx="2"/>
-            <a:endCxn id="7" idx="0"/>
+            <a:stCxn id="5" idx="2"/>
+            <a:endCxn id="17" idx="3"/>
           </p:cNvCxnSpPr>
           <p:nvPr/>
         </p:nvCxnSpPr>
         <p:spPr>
           <a:xfrm rot="5400000">
-            <a:off x="2362265" y="3255755"/>
-            <a:ext cx="489398" cy="1"/>
-          </a:xfrm>
-          <a:prstGeom prst="bentConnector3">
-            <a:avLst/>
-          </a:prstGeom>
-          <a:ln>
-            <a:tailEnd type="triangle"/>
-          </a:ln>
-          <a:effectLst>
-            <a:outerShdw blurRad="50800" dist="38100" dir="2700000" algn="tl" rotWithShape="0">
-              <a:prstClr val="black">
-                <a:alpha val="40000"/>
-              </a:prstClr>
-            </a:outerShdw>
-          </a:effectLst>
-        </p:spPr>
-        <p:style>
-          <a:lnRef idx="2">
-            <a:schemeClr val="accent2"/>
-          </a:lnRef>
-          <a:fillRef idx="1">
-            <a:schemeClr val="lt1"/>
-          </a:fillRef>
-          <a:effectRef idx="0">
-            <a:schemeClr val="accent2"/>
-          </a:effectRef>
-          <a:fontRef idx="minor">
-            <a:schemeClr val="dk1"/>
-          </a:fontRef>
-        </p:style>
-      </p:cxnSp>
-      <p:cxnSp>
-        <p:nvCxnSpPr>
-          <p:cNvPr id="21" name="Pravoúhlá spojnice 20"/>
-          <p:cNvCxnSpPr>
-            <a:stCxn id="5" idx="2"/>
-            <a:endCxn id="7" idx="3"/>
-          </p:cNvCxnSpPr>
-          <p:nvPr/>
-        </p:nvCxnSpPr>
-        <p:spPr>
-          <a:xfrm rot="5400000">
-            <a:off x="4971996" y="2333969"/>
-            <a:ext cx="808118" cy="2624109"/>
+            <a:off x="4900734" y="2405229"/>
+            <a:ext cx="950641" cy="2624111"/>
           </a:xfrm>
           <a:prstGeom prst="bentConnector2">
             <a:avLst/>
@@ -14244,15 +13917,111 @@
         <p:nvCxnSpPr>
           <p:cNvPr id="24" name="Přímá spojnice se šipkou 23"/>
           <p:cNvCxnSpPr>
-            <a:stCxn id="7" idx="2"/>
+            <a:stCxn id="17" idx="2"/>
             <a:endCxn id="8" idx="0"/>
           </p:cNvCxnSpPr>
           <p:nvPr/>
         </p:nvCxnSpPr>
         <p:spPr>
           <a:xfrm>
-            <a:off x="2606963" y="4599710"/>
-            <a:ext cx="1" cy="514224"/>
+            <a:off x="2606962" y="4895650"/>
+            <a:ext cx="3" cy="698574"/>
+          </a:xfrm>
+          <a:prstGeom prst="straightConnector1">
+            <a:avLst/>
+          </a:prstGeom>
+          <a:ln>
+            <a:tailEnd type="triangle"/>
+          </a:ln>
+          <a:effectLst>
+            <a:outerShdw blurRad="50800" dist="38100" dir="2700000" algn="tl" rotWithShape="0">
+              <a:prstClr val="black">
+                <a:alpha val="40000"/>
+              </a:prstClr>
+            </a:outerShdw>
+          </a:effectLst>
+        </p:spPr>
+        <p:style>
+          <a:lnRef idx="2">
+            <a:schemeClr val="accent2"/>
+          </a:lnRef>
+          <a:fillRef idx="1">
+            <a:schemeClr val="lt1"/>
+          </a:fillRef>
+          <a:effectRef idx="0">
+            <a:schemeClr val="accent2"/>
+          </a:effectRef>
+          <a:fontRef idx="minor">
+            <a:schemeClr val="dk1"/>
+          </a:fontRef>
+        </p:style>
+      </p:cxnSp>
+      <p:sp>
+        <p:nvSpPr>
+          <p:cNvPr id="17" name="Obdélník 16"/>
+          <p:cNvSpPr/>
+          <p:nvPr/>
+        </p:nvSpPr>
+        <p:spPr>
+          <a:xfrm>
+            <a:off x="1149925" y="3489560"/>
+            <a:ext cx="2914073" cy="1406090"/>
+          </a:xfrm>
+          <a:prstGeom prst="rect">
+            <a:avLst/>
+          </a:prstGeom>
+          <a:effectLst>
+            <a:outerShdw blurRad="50800" dist="38100" dir="2700000" algn="tl" rotWithShape="0">
+              <a:prstClr val="black">
+                <a:alpha val="40000"/>
+              </a:prstClr>
+            </a:outerShdw>
+          </a:effectLst>
+        </p:spPr>
+        <p:style>
+          <a:lnRef idx="2">
+            <a:schemeClr val="accent2"/>
+          </a:lnRef>
+          <a:fillRef idx="1">
+            <a:schemeClr val="lt1"/>
+          </a:fillRef>
+          <a:effectRef idx="0">
+            <a:schemeClr val="accent2"/>
+          </a:effectRef>
+          <a:fontRef idx="minor">
+            <a:schemeClr val="dk1"/>
+          </a:fontRef>
+        </p:style>
+        <p:txBody>
+          <a:bodyPr rtlCol="0" anchor="ctr"/>
+          <a:lstStyle/>
+          <a:p>
+            <a:pPr algn="ctr"/>
+            <a:r>
+              <a:rPr lang="cs-CZ" sz="2400" dirty="0"/>
+              <a:t>Optický střed, Ohnisková </a:t>
+            </a:r>
+            <a:r>
+              <a:rPr lang="cs-CZ" sz="2400" dirty="0" smtClean="0"/>
+              <a:t>vzdálenost</a:t>
+            </a:r>
+            <a:endParaRPr lang="cs-CZ" sz="2400" dirty="0"/>
+          </a:p>
+        </p:txBody>
+      </p:sp>
+      <p:cxnSp>
+        <p:nvCxnSpPr>
+          <p:cNvPr id="25" name="Přímá spojnice se šipkou 24"/>
+          <p:cNvCxnSpPr>
+            <a:stCxn id="6" idx="2"/>
+            <a:endCxn id="17" idx="0"/>
+          </p:cNvCxnSpPr>
+          <p:nvPr/>
+        </p:nvCxnSpPr>
+        <p:spPr>
+          <a:xfrm>
+            <a:off x="2606961" y="2917798"/>
+            <a:ext cx="1" cy="571762"/>
           </a:xfrm>
           <a:prstGeom prst="straightConnector1">
             <a:avLst/>
@@ -14303,7 +14072,7 @@
 </p:sld>
 </file>
 
-<file path=ppt/slides/slide7.xml><?xml version="1.0" encoding="utf-8"?>
+<file path=ppt/slides/slide5.xml><?xml version="1.0" encoding="utf-8"?>
 <p:sld xmlns:a="http://schemas.openxmlformats.org/drawingml/2006/main" xmlns:r="http://schemas.openxmlformats.org/officeDocument/2006/relationships" xmlns:p="http://schemas.openxmlformats.org/presentationml/2006/main">
   <p:cSld>
     <p:spTree>
@@ -14426,8 +14195,8 @@
         </p:nvSpPr>
         <p:spPr>
           <a:xfrm>
-            <a:off x="2032000" y="4012040"/>
-            <a:ext cx="2369727" cy="900550"/>
+            <a:off x="1816362" y="4630876"/>
+            <a:ext cx="3075710" cy="1197269"/>
           </a:xfrm>
           <a:prstGeom prst="rect">
             <a:avLst/>
@@ -14464,57 +14233,16 @@
               <a:t>SIFT, </a:t>
             </a:r>
             <a:r>
-              <a:rPr lang="cs-CZ" sz="2400" dirty="0" err="1" smtClean="0"/>
-              <a:t>Matcher</a:t>
+              <a:rPr lang="cs-CZ" sz="2400" dirty="0" smtClean="0"/>
+              <a:t>RANSAC</a:t>
             </a:r>
-            <a:endParaRPr lang="cs-CZ" sz="2400" dirty="0"/>
-          </a:p>
-        </p:txBody>
-      </p:sp>
-      <p:sp>
-        <p:nvSpPr>
-          <p:cNvPr id="11" name="Obdélník 10"/>
-          <p:cNvSpPr/>
-          <p:nvPr/>
-        </p:nvSpPr>
-        <p:spPr>
-          <a:xfrm>
-            <a:off x="2190794" y="5385947"/>
-            <a:ext cx="2052137" cy="900550"/>
-          </a:xfrm>
-          <a:prstGeom prst="rect">
-            <a:avLst/>
-          </a:prstGeom>
-          <a:effectLst>
-            <a:outerShdw blurRad="50800" dist="38100" dir="2700000" algn="tl" rotWithShape="0">
-              <a:prstClr val="black">
-                <a:alpha val="40000"/>
-              </a:prstClr>
-            </a:outerShdw>
-          </a:effectLst>
-        </p:spPr>
-        <p:style>
-          <a:lnRef idx="2">
-            <a:schemeClr val="accent2"/>
-          </a:lnRef>
-          <a:fillRef idx="1">
-            <a:schemeClr val="lt1"/>
-          </a:fillRef>
-          <a:effectRef idx="0">
-            <a:schemeClr val="accent2"/>
-          </a:effectRef>
-          <a:fontRef idx="minor">
-            <a:schemeClr val="dk1"/>
-          </a:fontRef>
-        </p:style>
-        <p:txBody>
-          <a:bodyPr rtlCol="0" anchor="ctr"/>
-          <a:lstStyle/>
-          <a:p>
-            <a:pPr algn="ctr"/>
+            <a:r>
+              <a:rPr lang="cs-CZ" sz="2400" dirty="0"/>
+              <a:t>, 5-points </a:t>
+            </a:r>
             <a:r>
               <a:rPr lang="cs-CZ" sz="2400" dirty="0" smtClean="0"/>
-              <a:t>RANSAC</a:t>
+              <a:t>algoritmus</a:t>
             </a:r>
             <a:endParaRPr lang="cs-CZ" sz="2400" dirty="0"/>
           </a:p>
@@ -14528,7 +14256,7 @@
         </p:nvSpPr>
         <p:spPr>
           <a:xfrm>
-            <a:off x="231600" y="630372"/>
+            <a:off x="735708" y="625769"/>
             <a:ext cx="3175924" cy="870533"/>
           </a:xfrm>
           <a:prstGeom prst="rect">
@@ -14615,8 +14343,8 @@
               <a:t>5-points </a:t>
             </a:r>
             <a:r>
-              <a:rPr lang="cs-CZ" sz="2400" dirty="0" err="1" smtClean="0"/>
-              <a:t>algorithm</a:t>
+              <a:rPr lang="cs-CZ" sz="2400" dirty="0" smtClean="0"/>
+              <a:t>algoritmus</a:t>
             </a:r>
             <a:endParaRPr lang="cs-CZ" sz="2400" dirty="0"/>
           </a:p>
@@ -14677,60 +14405,17 @@
       </p:sp>
       <p:cxnSp>
         <p:nvCxnSpPr>
-          <p:cNvPr id="18" name="Přímá spojnice se šipkou 17"/>
-          <p:cNvCxnSpPr>
-            <a:stCxn id="10" idx="2"/>
-            <a:endCxn id="11" idx="0"/>
-          </p:cNvCxnSpPr>
-          <p:nvPr/>
-        </p:nvCxnSpPr>
-        <p:spPr>
-          <a:xfrm flipH="1">
-            <a:off x="3216863" y="4912590"/>
-            <a:ext cx="1" cy="473357"/>
-          </a:xfrm>
-          <a:prstGeom prst="straightConnector1">
-            <a:avLst/>
-          </a:prstGeom>
-          <a:ln>
-            <a:tailEnd type="triangle"/>
-          </a:ln>
-          <a:effectLst>
-            <a:outerShdw blurRad="50800" dist="38100" dir="2700000" algn="tl" rotWithShape="0">
-              <a:prstClr val="black">
-                <a:alpha val="40000"/>
-              </a:prstClr>
-            </a:outerShdw>
-          </a:effectLst>
-        </p:spPr>
-        <p:style>
-          <a:lnRef idx="2">
-            <a:schemeClr val="accent2"/>
-          </a:lnRef>
-          <a:fillRef idx="1">
-            <a:schemeClr val="lt1"/>
-          </a:fillRef>
-          <a:effectRef idx="0">
-            <a:schemeClr val="accent2"/>
-          </a:effectRef>
-          <a:fontRef idx="minor">
-            <a:schemeClr val="dk1"/>
-          </a:fontRef>
-        </p:style>
-      </p:cxnSp>
-      <p:cxnSp>
-        <p:nvCxnSpPr>
           <p:cNvPr id="20" name="Pravoúhlá spojnice 19"/>
           <p:cNvCxnSpPr>
-            <a:stCxn id="11" idx="3"/>
+            <a:stCxn id="10" idx="3"/>
             <a:endCxn id="16" idx="2"/>
           </p:cNvCxnSpPr>
           <p:nvPr/>
         </p:nvCxnSpPr>
         <p:spPr>
           <a:xfrm flipV="1">
-            <a:off x="4242931" y="4912590"/>
-            <a:ext cx="3479690" cy="923632"/>
+            <a:off x="4892072" y="4912590"/>
+            <a:ext cx="2830549" cy="316921"/>
           </a:xfrm>
           <a:prstGeom prst="bentConnector2">
             <a:avLst/>
@@ -14772,8 +14457,8 @@
         </p:nvCxnSpPr>
         <p:spPr>
           <a:xfrm rot="16200000" flipH="1">
-            <a:off x="2158709" y="2953884"/>
-            <a:ext cx="715809" cy="1400501"/>
+            <a:off x="1917968" y="3194626"/>
+            <a:ext cx="1334645" cy="1537854"/>
           </a:xfrm>
           <a:prstGeom prst="bentConnector3">
             <a:avLst/>
@@ -14815,8 +14500,8 @@
         </p:nvCxnSpPr>
         <p:spPr>
           <a:xfrm rot="5400000">
-            <a:off x="3631475" y="2881621"/>
-            <a:ext cx="715809" cy="1545029"/>
+            <a:off x="3390733" y="3259715"/>
+            <a:ext cx="1334645" cy="1407676"/>
           </a:xfrm>
           <a:prstGeom prst="bentConnector3">
             <a:avLst/>
@@ -14858,8 +14543,8 @@
         </p:nvCxnSpPr>
         <p:spPr>
           <a:xfrm rot="5400000">
-            <a:off x="1370575" y="1946694"/>
-            <a:ext cx="894776" cy="3199"/>
+            <a:off x="1620328" y="1692338"/>
+            <a:ext cx="899379" cy="507307"/>
           </a:xfrm>
           <a:prstGeom prst="bentConnector3">
             <a:avLst>
@@ -15047,6 +14732,237 @@
 </p:sld>
 </file>
 
+<file path=ppt/slides/slide6.xml><?xml version="1.0" encoding="utf-8"?>
+<p:sld xmlns:a="http://schemas.openxmlformats.org/drawingml/2006/main" xmlns:r="http://schemas.openxmlformats.org/officeDocument/2006/relationships" xmlns:p="http://schemas.openxmlformats.org/presentationml/2006/main" show="0">
+  <p:cSld>
+    <p:spTree>
+      <p:nvGrpSpPr>
+        <p:cNvPr id="1" name=""/>
+        <p:cNvGrpSpPr/>
+        <p:nvPr/>
+      </p:nvGrpSpPr>
+      <p:grpSpPr>
+        <a:xfrm>
+          <a:off x="0" y="0"/>
+          <a:ext cx="0" cy="0"/>
+          <a:chOff x="0" y="0"/>
+          <a:chExt cx="0" cy="0"/>
+        </a:xfrm>
+      </p:grpSpPr>
+      <p:sp>
+        <p:nvSpPr>
+          <p:cNvPr id="2" name="Nadpis 1"/>
+          <p:cNvSpPr>
+            <a:spLocks noGrp="1"/>
+          </p:cNvSpPr>
+          <p:nvPr>
+            <p:ph type="title"/>
+          </p:nvPr>
+        </p:nvSpPr>
+        <p:spPr/>
+        <p:txBody>
+          <a:bodyPr/>
+          <a:lstStyle/>
+          <a:p>
+            <a:r>
+              <a:rPr lang="cs-CZ" dirty="0" smtClean="0">
+                <a:solidFill>
+                  <a:schemeClr val="tx1"/>
+                </a:solidFill>
+              </a:rPr>
+              <a:t>Představení projektu</a:t>
+            </a:r>
+            <a:endParaRPr lang="cs-CZ" dirty="0">
+              <a:solidFill>
+                <a:schemeClr val="tx1"/>
+              </a:solidFill>
+            </a:endParaRPr>
+          </a:p>
+        </p:txBody>
+      </p:sp>
+      <p:sp>
+        <p:nvSpPr>
+          <p:cNvPr id="3" name="Zástupný symbol pro obsah 2"/>
+          <p:cNvSpPr>
+            <a:spLocks noGrp="1"/>
+          </p:cNvSpPr>
+          <p:nvPr>
+            <p:ph idx="1"/>
+          </p:nvPr>
+        </p:nvSpPr>
+        <p:spPr>
+          <a:xfrm>
+            <a:off x="677334" y="2160589"/>
+            <a:ext cx="8596668" cy="4138611"/>
+          </a:xfrm>
+        </p:spPr>
+        <p:txBody>
+          <a:bodyPr>
+            <a:noAutofit/>
+          </a:bodyPr>
+          <a:lstStyle/>
+          <a:p>
+            <a:r>
+              <a:rPr lang="cs-CZ" sz="3200" dirty="0" smtClean="0"/>
+              <a:t>Fotografie ze stejného pohledu jako referenční snímek</a:t>
+            </a:r>
+          </a:p>
+          <a:p>
+            <a:r>
+              <a:rPr lang="cs-CZ" sz="3200" dirty="0" smtClean="0"/>
+              <a:t>Zaměřeno pro historické a studijní účely</a:t>
+            </a:r>
+          </a:p>
+          <a:p>
+            <a:r>
+              <a:rPr lang="cs-CZ" sz="3200" dirty="0"/>
+              <a:t>P</a:t>
+            </a:r>
+            <a:r>
+              <a:rPr lang="cs-CZ" sz="3200" dirty="0" smtClean="0"/>
+              <a:t>roblémy lokalizace historického místa</a:t>
+            </a:r>
+          </a:p>
+          <a:p>
+            <a:r>
+              <a:rPr lang="cs-CZ" sz="3200" dirty="0" smtClean="0"/>
+              <a:t>Navigace uživatele v reálném čase</a:t>
+            </a:r>
+          </a:p>
+          <a:p>
+            <a:r>
+              <a:rPr lang="cs-CZ" sz="3200" dirty="0" smtClean="0"/>
+              <a:t>Mobilní aplikace na OS Android</a:t>
+            </a:r>
+            <a:endParaRPr lang="cs-CZ" sz="3200" dirty="0"/>
+          </a:p>
+        </p:txBody>
+      </p:sp>
+    </p:spTree>
+    <p:extLst>
+      <p:ext uri="{BB962C8B-B14F-4D97-AF65-F5344CB8AC3E}">
+        <p14:creationId xmlns:p14="http://schemas.microsoft.com/office/powerpoint/2010/main" val="144244904"/>
+      </p:ext>
+    </p:extLst>
+  </p:cSld>
+  <p:clrMapOvr>
+    <a:masterClrMapping/>
+  </p:clrMapOvr>
+  <mc:AlternateContent xmlns:mc="http://schemas.openxmlformats.org/markup-compatibility/2006" xmlns:p14="http://schemas.microsoft.com/office/powerpoint/2010/main">
+    <mc:Choice Requires="p14">
+      <p:transition spd="slow" p14:dur="2000"/>
+    </mc:Choice>
+    <mc:Fallback xmlns="">
+      <p:transition spd="slow"/>
+    </mc:Fallback>
+  </mc:AlternateContent>
+  <p:timing>
+    <p:tnLst>
+      <p:par>
+        <p:cTn id="1" dur="indefinite" restart="never" nodeType="tmRoot"/>
+      </p:par>
+    </p:tnLst>
+  </p:timing>
+</p:sld>
+</file>
+
+<file path=ppt/slides/slide7.xml><?xml version="1.0" encoding="utf-8"?>
+<p:sld xmlns:a="http://schemas.openxmlformats.org/drawingml/2006/main" xmlns:r="http://schemas.openxmlformats.org/officeDocument/2006/relationships" xmlns:p="http://schemas.openxmlformats.org/presentationml/2006/main" show="0">
+  <p:cSld>
+    <p:spTree>
+      <p:nvGrpSpPr>
+        <p:cNvPr id="1" name=""/>
+        <p:cNvGrpSpPr/>
+        <p:nvPr/>
+      </p:nvGrpSpPr>
+      <p:grpSpPr>
+        <a:xfrm>
+          <a:off x="0" y="0"/>
+          <a:ext cx="0" cy="0"/>
+          <a:chOff x="0" y="0"/>
+          <a:chExt cx="0" cy="0"/>
+        </a:xfrm>
+      </p:grpSpPr>
+      <p:sp>
+        <p:nvSpPr>
+          <p:cNvPr id="2" name="Nadpis 1"/>
+          <p:cNvSpPr>
+            <a:spLocks noGrp="1"/>
+          </p:cNvSpPr>
+          <p:nvPr>
+            <p:ph type="title"/>
+          </p:nvPr>
+        </p:nvSpPr>
+        <p:spPr/>
+        <p:txBody>
+          <a:bodyPr/>
+          <a:lstStyle/>
+          <a:p>
+            <a:r>
+              <a:rPr lang="cs-CZ" dirty="0" smtClean="0">
+                <a:solidFill>
+                  <a:schemeClr val="tx1"/>
+                </a:solidFill>
+              </a:rPr>
+              <a:t>Uživatelský pohled</a:t>
+            </a:r>
+            <a:endParaRPr lang="cs-CZ" dirty="0">
+              <a:solidFill>
+                <a:schemeClr val="tx1"/>
+              </a:solidFill>
+            </a:endParaRPr>
+          </a:p>
+        </p:txBody>
+      </p:sp>
+      <p:graphicFrame>
+        <p:nvGraphicFramePr>
+          <p:cNvPr id="4" name="Zástupný symbol pro obsah 3"/>
+          <p:cNvGraphicFramePr>
+            <a:graphicFrameLocks noGrp="1"/>
+          </p:cNvGraphicFramePr>
+          <p:nvPr>
+            <p:ph idx="1"/>
+            <p:extLst/>
+          </p:nvPr>
+        </p:nvGraphicFramePr>
+        <p:xfrm>
+          <a:off x="677863" y="2160588"/>
+          <a:ext cx="8596312" cy="3881437"/>
+        </p:xfrm>
+        <a:graphic>
+          <a:graphicData uri="http://schemas.openxmlformats.org/drawingml/2006/diagram">
+            <dgm:relIds xmlns:dgm="http://schemas.openxmlformats.org/drawingml/2006/diagram" xmlns:r="http://schemas.openxmlformats.org/officeDocument/2006/relationships" r:dm="rId2" r:lo="rId3" r:qs="rId4" r:cs="rId5"/>
+          </a:graphicData>
+        </a:graphic>
+      </p:graphicFrame>
+    </p:spTree>
+    <p:extLst>
+      <p:ext uri="{BB962C8B-B14F-4D97-AF65-F5344CB8AC3E}">
+        <p14:creationId xmlns:p14="http://schemas.microsoft.com/office/powerpoint/2010/main" val="4170123259"/>
+      </p:ext>
+    </p:extLst>
+  </p:cSld>
+  <p:clrMapOvr>
+    <a:masterClrMapping/>
+  </p:clrMapOvr>
+  <mc:AlternateContent xmlns:mc="http://schemas.openxmlformats.org/markup-compatibility/2006" xmlns:p14="http://schemas.microsoft.com/office/powerpoint/2010/main">
+    <mc:Choice Requires="p14">
+      <p:transition spd="slow" p14:dur="2000"/>
+    </mc:Choice>
+    <mc:Fallback xmlns="">
+      <p:transition spd="slow"/>
+    </mc:Fallback>
+  </mc:AlternateContent>
+  <p:timing>
+    <p:tnLst>
+      <p:par>
+        <p:cTn id="1" dur="indefinite" restart="never" nodeType="tmRoot"/>
+      </p:par>
+    </p:tnLst>
+  </p:timing>
+</p:sld>
+</file>
+
 <file path=ppt/slides/slide8.xml><?xml version="1.0" encoding="utf-8"?>
 <p:sld xmlns:a="http://schemas.openxmlformats.org/drawingml/2006/main" xmlns:r="http://schemas.openxmlformats.org/officeDocument/2006/relationships" xmlns:p="http://schemas.openxmlformats.org/presentationml/2006/main" show="0">
   <p:cSld>
@@ -15103,11 +15019,11 @@
   <p:clrMapOvr>
     <a:masterClrMapping/>
   </p:clrMapOvr>
-  <mc:AlternateContent xmlns:mc="http://schemas.openxmlformats.org/markup-compatibility/2006">
-    <mc:Choice xmlns:p14="http://schemas.microsoft.com/office/powerpoint/2010/main" Requires="p14">
+  <mc:AlternateContent xmlns:mc="http://schemas.openxmlformats.org/markup-compatibility/2006" xmlns:p14="http://schemas.microsoft.com/office/powerpoint/2010/main">
+    <mc:Choice Requires="p14">
       <p:transition spd="slow" p14:dur="2000"/>
     </mc:Choice>
-    <mc:Fallback>
+    <mc:Fallback xmlns="">
       <p:transition spd="slow"/>
     </mc:Fallback>
   </mc:AlternateContent>
@@ -15177,11 +15093,11 @@
   <p:clrMapOvr>
     <a:masterClrMapping/>
   </p:clrMapOvr>
-  <mc:AlternateContent xmlns:mc="http://schemas.openxmlformats.org/markup-compatibility/2006">
-    <mc:Choice xmlns:p14="http://schemas.microsoft.com/office/powerpoint/2010/main" Requires="p14">
+  <mc:AlternateContent xmlns:mc="http://schemas.openxmlformats.org/markup-compatibility/2006" xmlns:p14="http://schemas.microsoft.com/office/powerpoint/2010/main">
+    <mc:Choice Requires="p14">
       <p:transition spd="slow" p14:dur="2000"/>
     </mc:Choice>
-    <mc:Fallback>
+    <mc:Fallback xmlns="">
       <p:transition spd="slow"/>
     </mc:Fallback>
   </mc:AlternateContent>

--- a/doc/ISP_prezentace.pptx
+++ b/doc/ISP_prezentace.pptx
@@ -10,10 +10,11 @@
     <p:sldId id="262" r:id="rId4"/>
     <p:sldId id="264" r:id="rId5"/>
     <p:sldId id="263" r:id="rId6"/>
-    <p:sldId id="265" r:id="rId7"/>
-    <p:sldId id="266" r:id="rId8"/>
-    <p:sldId id="258" r:id="rId9"/>
-    <p:sldId id="259" r:id="rId10"/>
+    <p:sldId id="267" r:id="rId7"/>
+    <p:sldId id="265" r:id="rId8"/>
+    <p:sldId id="266" r:id="rId9"/>
+    <p:sldId id="258" r:id="rId10"/>
+    <p:sldId id="259" r:id="rId11"/>
   </p:sldIdLst>
   <p:sldSz cx="12192000" cy="6858000"/>
   <p:notesSz cx="6858000" cy="9144000"/>
@@ -8223,7 +8224,7 @@
           <a:p>
             <a:fld id="{D6A286D6-9690-4A7E-B0B1-9858359D4024}" type="datetimeFigureOut">
               <a:rPr lang="cs-CZ" smtClean="0"/>
-              <a:t>30.01.2017</a:t>
+              <a:t>31.01.2017</a:t>
             </a:fld>
             <a:endParaRPr lang="cs-CZ"/>
           </a:p>
@@ -8474,7 +8475,7 @@
           <a:p>
             <a:fld id="{D6A286D6-9690-4A7E-B0B1-9858359D4024}" type="datetimeFigureOut">
               <a:rPr lang="cs-CZ" smtClean="0"/>
-              <a:t>30.01.2017</a:t>
+              <a:t>31.01.2017</a:t>
             </a:fld>
             <a:endParaRPr lang="cs-CZ"/>
           </a:p>
@@ -8788,7 +8789,7 @@
           <a:p>
             <a:fld id="{D6A286D6-9690-4A7E-B0B1-9858359D4024}" type="datetimeFigureOut">
               <a:rPr lang="cs-CZ" smtClean="0"/>
-              <a:t>30.01.2017</a:t>
+              <a:t>31.01.2017</a:t>
             </a:fld>
             <a:endParaRPr lang="cs-CZ"/>
           </a:p>
@@ -9129,7 +9130,7 @@
           <a:p>
             <a:fld id="{D6A286D6-9690-4A7E-B0B1-9858359D4024}" type="datetimeFigureOut">
               <a:rPr lang="cs-CZ" smtClean="0"/>
-              <a:t>30.01.2017</a:t>
+              <a:t>31.01.2017</a:t>
             </a:fld>
             <a:endParaRPr lang="cs-CZ"/>
           </a:p>
@@ -9443,7 +9444,7 @@
           <a:p>
             <a:fld id="{D6A286D6-9690-4A7E-B0B1-9858359D4024}" type="datetimeFigureOut">
               <a:rPr lang="cs-CZ" smtClean="0"/>
-              <a:t>30.01.2017</a:t>
+              <a:t>31.01.2017</a:t>
             </a:fld>
             <a:endParaRPr lang="cs-CZ"/>
           </a:p>
@@ -9836,7 +9837,7 @@
           <a:p>
             <a:fld id="{D6A286D6-9690-4A7E-B0B1-9858359D4024}" type="datetimeFigureOut">
               <a:rPr lang="cs-CZ" smtClean="0"/>
-              <a:t>30.01.2017</a:t>
+              <a:t>31.01.2017</a:t>
             </a:fld>
             <a:endParaRPr lang="cs-CZ"/>
           </a:p>
@@ -10006,7 +10007,7 @@
           <a:p>
             <a:fld id="{D6A286D6-9690-4A7E-B0B1-9858359D4024}" type="datetimeFigureOut">
               <a:rPr lang="cs-CZ" smtClean="0"/>
-              <a:t>30.01.2017</a:t>
+              <a:t>31.01.2017</a:t>
             </a:fld>
             <a:endParaRPr lang="cs-CZ"/>
           </a:p>
@@ -10186,7 +10187,7 @@
           <a:p>
             <a:fld id="{D6A286D6-9690-4A7E-B0B1-9858359D4024}" type="datetimeFigureOut">
               <a:rPr lang="cs-CZ" smtClean="0"/>
-              <a:t>30.01.2017</a:t>
+              <a:t>31.01.2017</a:t>
             </a:fld>
             <a:endParaRPr lang="cs-CZ"/>
           </a:p>
@@ -10362,7 +10363,7 @@
           <a:p>
             <a:fld id="{D6A286D6-9690-4A7E-B0B1-9858359D4024}" type="datetimeFigureOut">
               <a:rPr lang="cs-CZ" smtClean="0"/>
-              <a:t>30.01.2017</a:t>
+              <a:t>31.01.2017</a:t>
             </a:fld>
             <a:endParaRPr lang="cs-CZ"/>
           </a:p>
@@ -10609,7 +10610,7 @@
           <a:p>
             <a:fld id="{D6A286D6-9690-4A7E-B0B1-9858359D4024}" type="datetimeFigureOut">
               <a:rPr lang="cs-CZ" smtClean="0"/>
-              <a:t>30.01.2017</a:t>
+              <a:t>31.01.2017</a:t>
             </a:fld>
             <a:endParaRPr lang="cs-CZ"/>
           </a:p>
@@ -10841,7 +10842,7 @@
           <a:p>
             <a:fld id="{D6A286D6-9690-4A7E-B0B1-9858359D4024}" type="datetimeFigureOut">
               <a:rPr lang="cs-CZ" smtClean="0"/>
-              <a:t>30.01.2017</a:t>
+              <a:t>31.01.2017</a:t>
             </a:fld>
             <a:endParaRPr lang="cs-CZ"/>
           </a:p>
@@ -11215,7 +11216,7 @@
           <a:p>
             <a:fld id="{D6A286D6-9690-4A7E-B0B1-9858359D4024}" type="datetimeFigureOut">
               <a:rPr lang="cs-CZ" smtClean="0"/>
-              <a:t>30.01.2017</a:t>
+              <a:t>31.01.2017</a:t>
             </a:fld>
             <a:endParaRPr lang="cs-CZ"/>
           </a:p>
@@ -11338,7 +11339,7 @@
           <a:p>
             <a:fld id="{D6A286D6-9690-4A7E-B0B1-9858359D4024}" type="datetimeFigureOut">
               <a:rPr lang="cs-CZ" smtClean="0"/>
-              <a:t>30.01.2017</a:t>
+              <a:t>31.01.2017</a:t>
             </a:fld>
             <a:endParaRPr lang="cs-CZ"/>
           </a:p>
@@ -11433,7 +11434,7 @@
           <a:p>
             <a:fld id="{D6A286D6-9690-4A7E-B0B1-9858359D4024}" type="datetimeFigureOut">
               <a:rPr lang="cs-CZ" smtClean="0"/>
-              <a:t>30.01.2017</a:t>
+              <a:t>31.01.2017</a:t>
             </a:fld>
             <a:endParaRPr lang="cs-CZ"/>
           </a:p>
@@ -11688,7 +11689,7 @@
           <a:p>
             <a:fld id="{D6A286D6-9690-4A7E-B0B1-9858359D4024}" type="datetimeFigureOut">
               <a:rPr lang="cs-CZ" smtClean="0"/>
-              <a:t>30.01.2017</a:t>
+              <a:t>31.01.2017</a:t>
             </a:fld>
             <a:endParaRPr lang="cs-CZ"/>
           </a:p>
@@ -11951,7 +11952,7 @@
           <a:p>
             <a:fld id="{D6A286D6-9690-4A7E-B0B1-9858359D4024}" type="datetimeFigureOut">
               <a:rPr lang="cs-CZ" smtClean="0"/>
-              <a:t>30.01.2017</a:t>
+              <a:t>31.01.2017</a:t>
             </a:fld>
             <a:endParaRPr lang="cs-CZ"/>
           </a:p>
@@ -12694,7 +12695,7 @@
           <a:p>
             <a:fld id="{D6A286D6-9690-4A7E-B0B1-9858359D4024}" type="datetimeFigureOut">
               <a:rPr lang="cs-CZ" smtClean="0"/>
-              <a:t>30.01.2017</a:t>
+              <a:t>31.01.2017</a:t>
             </a:fld>
             <a:endParaRPr lang="cs-CZ"/>
           </a:p>
@@ -13351,6 +13352,80 @@
 </p:sld>
 </file>
 
+<file path=ppt/slides/slide10.xml><?xml version="1.0" encoding="utf-8"?>
+<p:sld xmlns:a="http://schemas.openxmlformats.org/drawingml/2006/main" xmlns:r="http://schemas.openxmlformats.org/officeDocument/2006/relationships" xmlns:p="http://schemas.openxmlformats.org/presentationml/2006/main" show="0">
+  <p:cSld>
+    <p:spTree>
+      <p:nvGrpSpPr>
+        <p:cNvPr id="1" name=""/>
+        <p:cNvGrpSpPr/>
+        <p:nvPr/>
+      </p:nvGrpSpPr>
+      <p:grpSpPr>
+        <a:xfrm>
+          <a:off x="0" y="0"/>
+          <a:ext cx="0" cy="0"/>
+          <a:chOff x="0" y="0"/>
+          <a:chExt cx="0" cy="0"/>
+        </a:xfrm>
+      </p:grpSpPr>
+      <p:pic>
+        <p:nvPicPr>
+          <p:cNvPr id="10" name="Zástupný symbol pro obsah 9"/>
+          <p:cNvPicPr>
+            <a:picLocks noGrp="1" noChangeAspect="1"/>
+          </p:cNvPicPr>
+          <p:nvPr>
+            <p:ph idx="1"/>
+          </p:nvPr>
+        </p:nvPicPr>
+        <p:blipFill>
+          <a:blip r:embed="rId2">
+            <a:extLst>
+              <a:ext uri="{28A0092B-C50C-407E-A947-70E740481C1C}">
+                <a14:useLocalDpi xmlns:a14="http://schemas.microsoft.com/office/drawing/2010/main" val="0"/>
+              </a:ext>
+            </a:extLst>
+          </a:blip>
+          <a:stretch>
+            <a:fillRect/>
+          </a:stretch>
+        </p:blipFill>
+        <p:spPr>
+          <a:xfrm>
+            <a:off x="1505526" y="101599"/>
+            <a:ext cx="5828145" cy="6585527"/>
+          </a:xfrm>
+        </p:spPr>
+      </p:pic>
+    </p:spTree>
+    <p:extLst>
+      <p:ext uri="{BB962C8B-B14F-4D97-AF65-F5344CB8AC3E}">
+        <p14:creationId xmlns:p14="http://schemas.microsoft.com/office/powerpoint/2010/main" val="264051406"/>
+      </p:ext>
+    </p:extLst>
+  </p:cSld>
+  <p:clrMapOvr>
+    <a:masterClrMapping/>
+  </p:clrMapOvr>
+  <mc:AlternateContent xmlns:mc="http://schemas.openxmlformats.org/markup-compatibility/2006" xmlns:p14="http://schemas.microsoft.com/office/powerpoint/2010/main">
+    <mc:Choice Requires="p14">
+      <p:transition spd="slow" p14:dur="2000"/>
+    </mc:Choice>
+    <mc:Fallback xmlns="">
+      <p:transition spd="slow"/>
+    </mc:Fallback>
+  </mc:AlternateContent>
+  <p:timing>
+    <p:tnLst>
+      <p:par>
+        <p:cTn id="1" dur="indefinite" restart="never" nodeType="tmRoot"/>
+      </p:par>
+    </p:tnLst>
+  </p:timing>
+</p:sld>
+</file>
+
 <file path=ppt/slides/slide2.xml><?xml version="1.0" encoding="utf-8"?>
 <p:sld xmlns:a="http://schemas.openxmlformats.org/drawingml/2006/main" xmlns:r="http://schemas.openxmlformats.org/officeDocument/2006/relationships" xmlns:p="http://schemas.openxmlformats.org/presentationml/2006/main">
   <p:cSld>
@@ -14230,11 +14305,7 @@
             <a:pPr algn="ctr"/>
             <a:r>
               <a:rPr lang="cs-CZ" sz="2400" dirty="0" smtClean="0"/>
-              <a:t>SIFT, </a:t>
-            </a:r>
-            <a:r>
-              <a:rPr lang="cs-CZ" sz="2400" dirty="0" smtClean="0"/>
-              <a:t>RANSAC</a:t>
+              <a:t>SIFT, RANSAC</a:t>
             </a:r>
             <a:r>
               <a:rPr lang="cs-CZ" sz="2400" dirty="0"/>
@@ -14340,11 +14411,7 @@
             <a:pPr algn="ctr"/>
             <a:r>
               <a:rPr lang="cs-CZ" sz="2400" dirty="0" smtClean="0"/>
-              <a:t>5-points </a:t>
-            </a:r>
-            <a:r>
-              <a:rPr lang="cs-CZ" sz="2400" dirty="0" smtClean="0"/>
-              <a:t>algoritmus</a:t>
+              <a:t>5-points algoritmus</a:t>
             </a:r>
             <a:endParaRPr lang="cs-CZ" sz="2400" dirty="0"/>
           </a:p>
@@ -14733,6 +14800,166 @@
 </file>
 
 <file path=ppt/slides/slide6.xml><?xml version="1.0" encoding="utf-8"?>
+<p:sld xmlns:a="http://schemas.openxmlformats.org/drawingml/2006/main" xmlns:r="http://schemas.openxmlformats.org/officeDocument/2006/relationships" xmlns:p="http://schemas.openxmlformats.org/presentationml/2006/main">
+  <p:cSld>
+    <p:spTree>
+      <p:nvGrpSpPr>
+        <p:cNvPr id="1" name=""/>
+        <p:cNvGrpSpPr/>
+        <p:nvPr/>
+      </p:nvGrpSpPr>
+      <p:grpSpPr>
+        <a:xfrm>
+          <a:off x="0" y="0"/>
+          <a:ext cx="0" cy="0"/>
+          <a:chOff x="0" y="0"/>
+          <a:chExt cx="0" cy="0"/>
+        </a:xfrm>
+      </p:grpSpPr>
+      <p:sp>
+        <p:nvSpPr>
+          <p:cNvPr id="2" name="Nadpis 1"/>
+          <p:cNvSpPr>
+            <a:spLocks noGrp="1"/>
+          </p:cNvSpPr>
+          <p:nvPr>
+            <p:ph type="title"/>
+          </p:nvPr>
+        </p:nvSpPr>
+        <p:spPr/>
+        <p:txBody>
+          <a:bodyPr/>
+          <a:lstStyle/>
+          <a:p>
+            <a:r>
+              <a:rPr lang="cs-CZ" dirty="0" smtClean="0">
+                <a:solidFill>
+                  <a:schemeClr val="tx1"/>
+                </a:solidFill>
+              </a:rPr>
+              <a:t>Zdroje</a:t>
+            </a:r>
+            <a:endParaRPr lang="cs-CZ" dirty="0">
+              <a:solidFill>
+                <a:schemeClr val="tx1"/>
+              </a:solidFill>
+            </a:endParaRPr>
+          </a:p>
+        </p:txBody>
+      </p:sp>
+      <p:sp>
+        <p:nvSpPr>
+          <p:cNvPr id="3" name="Zástupný symbol pro obsah 2"/>
+          <p:cNvSpPr>
+            <a:spLocks noGrp="1"/>
+          </p:cNvSpPr>
+          <p:nvPr>
+            <p:ph idx="1"/>
+          </p:nvPr>
+        </p:nvSpPr>
+        <p:spPr/>
+        <p:txBody>
+          <a:bodyPr/>
+          <a:lstStyle/>
+          <a:p>
+            <a:r>
+              <a:rPr lang="cs-CZ" dirty="0"/>
+              <a:t>BAE, </a:t>
+            </a:r>
+            <a:r>
+              <a:rPr lang="cs-CZ" dirty="0" err="1"/>
+              <a:t>Soonmin</a:t>
+            </a:r>
+            <a:r>
+              <a:rPr lang="cs-CZ" dirty="0"/>
+              <a:t>, </a:t>
+            </a:r>
+            <a:r>
+              <a:rPr lang="cs-CZ" dirty="0" err="1"/>
+              <a:t>Aseem</a:t>
+            </a:r>
+            <a:r>
+              <a:rPr lang="cs-CZ" dirty="0"/>
+              <a:t> AGARWALA a </a:t>
+            </a:r>
+            <a:r>
+              <a:rPr lang="cs-CZ" dirty="0" err="1"/>
+              <a:t>Frédo</a:t>
+            </a:r>
+            <a:r>
+              <a:rPr lang="cs-CZ" dirty="0"/>
+              <a:t> DURAND. </a:t>
+            </a:r>
+            <a:r>
+              <a:rPr lang="cs-CZ" dirty="0" err="1"/>
+              <a:t>Computational</a:t>
+            </a:r>
+            <a:r>
+              <a:rPr lang="cs-CZ" dirty="0"/>
+              <a:t> </a:t>
+            </a:r>
+            <a:r>
+              <a:rPr lang="cs-CZ" dirty="0" err="1"/>
+              <a:t>rephotography</a:t>
+            </a:r>
+            <a:r>
+              <a:rPr lang="cs-CZ" dirty="0"/>
+              <a:t>. </a:t>
+            </a:r>
+            <a:r>
+              <a:rPr lang="cs-CZ" i="1" dirty="0"/>
+              <a:t>ACM </a:t>
+            </a:r>
+            <a:r>
+              <a:rPr lang="cs-CZ" i="1" dirty="0" err="1"/>
+              <a:t>Transactions</a:t>
+            </a:r>
+            <a:r>
+              <a:rPr lang="cs-CZ" i="1" dirty="0"/>
+              <a:t> on </a:t>
+            </a:r>
+            <a:r>
+              <a:rPr lang="cs-CZ" i="1" dirty="0" err="1"/>
+              <a:t>Graphics</a:t>
+            </a:r>
+            <a:r>
+              <a:rPr lang="cs-CZ" dirty="0"/>
+              <a:t> [online]. 2010, </a:t>
+            </a:r>
+            <a:r>
+              <a:rPr lang="cs-CZ" b="1" dirty="0"/>
+              <a:t>29</a:t>
+            </a:r>
+            <a:r>
+              <a:rPr lang="cs-CZ" dirty="0"/>
+              <a:t>(3), 1-15 [cit. </a:t>
+            </a:r>
+            <a:r>
+              <a:rPr lang="cs-CZ" dirty="0" smtClean="0"/>
+              <a:t>2017-01-20]. </a:t>
+            </a:r>
+            <a:r>
+              <a:rPr lang="cs-CZ" dirty="0"/>
+              <a:t>DOI: 10.1145/1805964.1805968. ISSN 07300301. Dostupné z: http://portal.acm.org/citation.cfm?doid=1805964.1805968</a:t>
+            </a:r>
+            <a:endParaRPr lang="cs-CZ" dirty="0"/>
+          </a:p>
+        </p:txBody>
+      </p:sp>
+    </p:spTree>
+    <p:extLst>
+      <p:ext uri="{BB962C8B-B14F-4D97-AF65-F5344CB8AC3E}">
+        <p14:creationId xmlns:p14="http://schemas.microsoft.com/office/powerpoint/2010/main" val="3826284725"/>
+      </p:ext>
+    </p:extLst>
+  </p:cSld>
+  <p:clrMapOvr>
+    <a:masterClrMapping/>
+  </p:clrMapOvr>
+</p:sld>
+</file>
+
+<file path=ppt/slides/slide7.xml><?xml version="1.0" encoding="utf-8"?>
 <p:sld xmlns:a="http://schemas.openxmlformats.org/drawingml/2006/main" xmlns:r="http://schemas.openxmlformats.org/officeDocument/2006/relationships" xmlns:p="http://schemas.openxmlformats.org/presentationml/2006/main" show="0">
   <p:cSld>
     <p:spTree>
@@ -14866,7 +15093,7 @@
 </p:sld>
 </file>
 
-<file path=ppt/slides/slide7.xml><?xml version="1.0" encoding="utf-8"?>
+<file path=ppt/slides/slide8.xml><?xml version="1.0" encoding="utf-8"?>
 <p:sld xmlns:a="http://schemas.openxmlformats.org/drawingml/2006/main" xmlns:r="http://schemas.openxmlformats.org/officeDocument/2006/relationships" xmlns:p="http://schemas.openxmlformats.org/presentationml/2006/main" show="0">
   <p:cSld>
     <p:spTree>
@@ -14963,7 +15190,7 @@
 </p:sld>
 </file>
 
-<file path=ppt/slides/slide8.xml><?xml version="1.0" encoding="utf-8"?>
+<file path=ppt/slides/slide9.xml><?xml version="1.0" encoding="utf-8"?>
 <p:sld xmlns:a="http://schemas.openxmlformats.org/drawingml/2006/main" xmlns:r="http://schemas.openxmlformats.org/officeDocument/2006/relationships" xmlns:p="http://schemas.openxmlformats.org/presentationml/2006/main" show="0">
   <p:cSld>
     <p:spTree>
@@ -15013,80 +15240,6 @@
     <p:extLst>
       <p:ext uri="{BB962C8B-B14F-4D97-AF65-F5344CB8AC3E}">
         <p14:creationId xmlns:p14="http://schemas.microsoft.com/office/powerpoint/2010/main" val="292424517"/>
-      </p:ext>
-    </p:extLst>
-  </p:cSld>
-  <p:clrMapOvr>
-    <a:masterClrMapping/>
-  </p:clrMapOvr>
-  <mc:AlternateContent xmlns:mc="http://schemas.openxmlformats.org/markup-compatibility/2006" xmlns:p14="http://schemas.microsoft.com/office/powerpoint/2010/main">
-    <mc:Choice Requires="p14">
-      <p:transition spd="slow" p14:dur="2000"/>
-    </mc:Choice>
-    <mc:Fallback xmlns="">
-      <p:transition spd="slow"/>
-    </mc:Fallback>
-  </mc:AlternateContent>
-  <p:timing>
-    <p:tnLst>
-      <p:par>
-        <p:cTn id="1" dur="indefinite" restart="never" nodeType="tmRoot"/>
-      </p:par>
-    </p:tnLst>
-  </p:timing>
-</p:sld>
-</file>
-
-<file path=ppt/slides/slide9.xml><?xml version="1.0" encoding="utf-8"?>
-<p:sld xmlns:a="http://schemas.openxmlformats.org/drawingml/2006/main" xmlns:r="http://schemas.openxmlformats.org/officeDocument/2006/relationships" xmlns:p="http://schemas.openxmlformats.org/presentationml/2006/main" show="0">
-  <p:cSld>
-    <p:spTree>
-      <p:nvGrpSpPr>
-        <p:cNvPr id="1" name=""/>
-        <p:cNvGrpSpPr/>
-        <p:nvPr/>
-      </p:nvGrpSpPr>
-      <p:grpSpPr>
-        <a:xfrm>
-          <a:off x="0" y="0"/>
-          <a:ext cx="0" cy="0"/>
-          <a:chOff x="0" y="0"/>
-          <a:chExt cx="0" cy="0"/>
-        </a:xfrm>
-      </p:grpSpPr>
-      <p:pic>
-        <p:nvPicPr>
-          <p:cNvPr id="10" name="Zástupný symbol pro obsah 9"/>
-          <p:cNvPicPr>
-            <a:picLocks noGrp="1" noChangeAspect="1"/>
-          </p:cNvPicPr>
-          <p:nvPr>
-            <p:ph idx="1"/>
-          </p:nvPr>
-        </p:nvPicPr>
-        <p:blipFill>
-          <a:blip r:embed="rId2">
-            <a:extLst>
-              <a:ext uri="{28A0092B-C50C-407E-A947-70E740481C1C}">
-                <a14:useLocalDpi xmlns:a14="http://schemas.microsoft.com/office/drawing/2010/main" val="0"/>
-              </a:ext>
-            </a:extLst>
-          </a:blip>
-          <a:stretch>
-            <a:fillRect/>
-          </a:stretch>
-        </p:blipFill>
-        <p:spPr>
-          <a:xfrm>
-            <a:off x="1505526" y="101599"/>
-            <a:ext cx="5828145" cy="6585527"/>
-          </a:xfrm>
-        </p:spPr>
-      </p:pic>
-    </p:spTree>
-    <p:extLst>
-      <p:ext uri="{BB962C8B-B14F-4D97-AF65-F5344CB8AC3E}">
-        <p14:creationId xmlns:p14="http://schemas.microsoft.com/office/powerpoint/2010/main" val="264051406"/>
       </p:ext>
     </p:extLst>
   </p:cSld>
